--- a/说明文档/IM即时通信总结.pptx
+++ b/说明文档/IM即时通信总结.pptx
@@ -7,18 +7,31 @@
     <p:sldMasterId id="2147483674" r:id="rId3"/>
   </p:sldMasterIdLst>
   <p:notesMasterIdLst>
-    <p:notesMasterId r:id="rId10"/>
+    <p:notesMasterId r:id="rId23"/>
   </p:notesMasterIdLst>
   <p:handoutMasterIdLst>
-    <p:handoutMasterId r:id="rId11"/>
+    <p:handoutMasterId r:id="rId24"/>
   </p:handoutMasterIdLst>
   <p:sldIdLst>
     <p:sldId id="1089" r:id="rId4"/>
     <p:sldId id="1616" r:id="rId5"/>
     <p:sldId id="1622" r:id="rId6"/>
-    <p:sldId id="797" r:id="rId7"/>
-    <p:sldId id="1623" r:id="rId8"/>
-    <p:sldId id="1624" r:id="rId9"/>
+    <p:sldId id="1625" r:id="rId7"/>
+    <p:sldId id="1630" r:id="rId8"/>
+    <p:sldId id="1626" r:id="rId9"/>
+    <p:sldId id="1627" r:id="rId10"/>
+    <p:sldId id="1628" r:id="rId11"/>
+    <p:sldId id="1629" r:id="rId12"/>
+    <p:sldId id="1631" r:id="rId13"/>
+    <p:sldId id="1633" r:id="rId14"/>
+    <p:sldId id="1632" r:id="rId15"/>
+    <p:sldId id="1636" r:id="rId16"/>
+    <p:sldId id="1637" r:id="rId17"/>
+    <p:sldId id="1634" r:id="rId18"/>
+    <p:sldId id="1635" r:id="rId19"/>
+    <p:sldId id="797" r:id="rId20"/>
+    <p:sldId id="1623" r:id="rId21"/>
+    <p:sldId id="1624" r:id="rId22"/>
   </p:sldIdLst>
   <p:sldSz cx="10801350" cy="6840538"/>
   <p:notesSz cx="6858000" cy="9144000"/>
@@ -238,7 +251,7 @@
           <a:p>
             <a:fld id="{D5BAFB5C-4BB2-EB45-B97D-4D9136184B38}" type="datetime1">
               <a:rPr lang="zh-CN" altLang="en-US" smtClean="0"/>
-              <a:t>2016/9/21</a:t>
+              <a:t>2016/9/22</a:t>
             </a:fld>
             <a:endParaRPr lang="zh-CN" altLang="en-US"/>
           </a:p>
@@ -442,7 +455,7 @@
             </a:pPr>
             <a:fld id="{4467B57A-6FB8-F546-B697-D9F4F7FAA86C}" type="datetime1">
               <a:rPr lang="zh-CN" altLang="en-US" smtClean="0"/>
-              <a:t>2016/9/21</a:t>
+              <a:t>2016/9/22</a:t>
             </a:fld>
             <a:endParaRPr lang="en-US"/>
           </a:p>
@@ -9932,7 +9945,7 @@
                 <a:latin typeface="微软雅黑" pitchFamily="34" charset="-122"/>
                 <a:ea typeface="微软雅黑" pitchFamily="34" charset="-122"/>
               </a:rPr>
-              <a:t>IM : </a:t>
+              <a:t>   IM </a:t>
             </a:r>
             <a:r>
               <a:rPr lang="zh-CN" altLang="en-US" sz="4800" dirty="0" smtClean="0">
@@ -10163,7 +10176,7 @@
 </p:sld>
 </file>
 
-<file path=ppt/slides/slide2.xml><?xml version="1.0" encoding="utf-8"?>
+<file path=ppt/slides/slide10.xml><?xml version="1.0" encoding="utf-8"?>
 <p:sld xmlns:a="http://schemas.openxmlformats.org/drawingml/2006/main" xmlns:r="http://schemas.openxmlformats.org/officeDocument/2006/relationships" xmlns:p="http://schemas.openxmlformats.org/presentationml/2006/main">
   <p:cSld>
     <p:spTree>
@@ -10182,16 +10195,77 @@
       </p:grpSpPr>
       <p:sp>
         <p:nvSpPr>
-          <p:cNvPr id="4" name="Text Box 3"/>
+          <p:cNvPr id="4" name="TextBox 3"/>
+          <p:cNvSpPr txBox="1"/>
+          <p:nvPr/>
+        </p:nvSpPr>
+        <p:spPr>
+          <a:xfrm>
+            <a:off x="4032523" y="2266255"/>
+            <a:ext cx="3738524" cy="769441"/>
+          </a:xfrm>
+          <a:prstGeom prst="rect">
+            <a:avLst/>
+          </a:prstGeom>
+          <a:noFill/>
+        </p:spPr>
+        <p:txBody>
+          <a:bodyPr wrap="none">
+            <a:spAutoFit/>
+          </a:bodyPr>
+          <a:lstStyle/>
+          <a:p>
+            <a:pPr>
+              <a:defRPr/>
+            </a:pPr>
+            <a:r>
+              <a:rPr lang="zh-CN" altLang="en-US" sz="4400" dirty="0">
+                <a:solidFill>
+                  <a:schemeClr val="bg1">
+                    <a:lumMod val="50000"/>
+                  </a:schemeClr>
+                </a:solidFill>
+                <a:latin typeface="微软雅黑" pitchFamily="34" charset="-122"/>
+                <a:ea typeface="微软雅黑" pitchFamily="34" charset="-122"/>
+              </a:rPr>
+              <a:t>即时</a:t>
+            </a:r>
+            <a:r>
+              <a:rPr lang="zh-CN" altLang="en-US" sz="4400" dirty="0" smtClean="0">
+                <a:solidFill>
+                  <a:schemeClr val="bg1">
+                    <a:lumMod val="50000"/>
+                  </a:schemeClr>
+                </a:solidFill>
+                <a:latin typeface="微软雅黑" pitchFamily="34" charset="-122"/>
+                <a:ea typeface="微软雅黑" pitchFamily="34" charset="-122"/>
+              </a:rPr>
+              <a:t>通讯 模式</a:t>
+            </a:r>
+            <a:endParaRPr lang="en-US" altLang="zh-CN" sz="4400" dirty="0">
+              <a:solidFill>
+                <a:schemeClr val="bg1">
+                  <a:lumMod val="50000"/>
+                </a:schemeClr>
+              </a:solidFill>
+              <a:latin typeface="微软雅黑" pitchFamily="34" charset="-122"/>
+              <a:ea typeface="微软雅黑" pitchFamily="34" charset="-122"/>
+            </a:endParaRPr>
+          </a:p>
+        </p:txBody>
+      </p:sp>
+      <p:sp>
+        <p:nvSpPr>
+          <p:cNvPr id="5" name="Text Box 3"/>
           <p:cNvSpPr txBox="1">
             <a:spLocks noChangeArrowheads="1"/>
           </p:cNvSpPr>
           <p:nvPr/>
         </p:nvSpPr>
         <p:spPr bwMode="auto">
-          <a:xfrm>
-            <a:off x="4320555" y="1556023"/>
-            <a:ext cx="2592288" cy="2800350"/>
+          <a:xfrm flipH="1">
+            <a:off x="2214414" y="1186136"/>
+            <a:ext cx="1285875" cy="3170099"/>
           </a:xfrm>
           <a:prstGeom prst="rect">
             <a:avLst/>
@@ -10203,219 +10277,51 @@
           <a:extLst/>
         </p:spPr>
         <p:txBody>
-          <a:bodyPr wrap="square">
+          <a:bodyPr>
             <a:spAutoFit/>
           </a:bodyPr>
-          <a:lstStyle>
-            <a:lvl1pPr eaLnBrk="0" hangingPunct="0">
-              <a:defRPr b="1">
-                <a:solidFill>
-                  <a:schemeClr val="tx1"/>
-                </a:solidFill>
-                <a:latin typeface="Arial" charset="0"/>
-                <a:ea typeface="宋体" charset="-122"/>
-              </a:defRPr>
-            </a:lvl1pPr>
-            <a:lvl2pPr marL="742950" indent="-285750" eaLnBrk="0" hangingPunct="0">
-              <a:defRPr b="1">
-                <a:solidFill>
-                  <a:schemeClr val="tx1"/>
-                </a:solidFill>
-                <a:latin typeface="Arial" charset="0"/>
-                <a:ea typeface="宋体" charset="-122"/>
-              </a:defRPr>
-            </a:lvl2pPr>
-            <a:lvl3pPr marL="1143000" indent="-228600" eaLnBrk="0" hangingPunct="0">
-              <a:defRPr b="1">
-                <a:solidFill>
-                  <a:schemeClr val="tx1"/>
-                </a:solidFill>
-                <a:latin typeface="Arial" charset="0"/>
-                <a:ea typeface="宋体" charset="-122"/>
-              </a:defRPr>
-            </a:lvl3pPr>
-            <a:lvl4pPr marL="1600200" indent="-228600" eaLnBrk="0" hangingPunct="0">
-              <a:defRPr b="1">
-                <a:solidFill>
-                  <a:schemeClr val="tx1"/>
-                </a:solidFill>
-                <a:latin typeface="Arial" charset="0"/>
-                <a:ea typeface="宋体" charset="-122"/>
-              </a:defRPr>
-            </a:lvl4pPr>
-            <a:lvl5pPr marL="2057400" indent="-228600" eaLnBrk="0" hangingPunct="0">
-              <a:defRPr b="1">
-                <a:solidFill>
-                  <a:schemeClr val="tx1"/>
-                </a:solidFill>
-                <a:latin typeface="Arial" charset="0"/>
-                <a:ea typeface="宋体" charset="-122"/>
-              </a:defRPr>
-            </a:lvl5pPr>
-            <a:lvl6pPr marL="2514600" indent="-228600" eaLnBrk="0" fontAlgn="base" hangingPunct="0">
-              <a:spcBef>
-                <a:spcPct val="0"/>
-              </a:spcBef>
-              <a:spcAft>
-                <a:spcPct val="0"/>
-              </a:spcAft>
-              <a:defRPr b="1">
-                <a:solidFill>
-                  <a:schemeClr val="tx1"/>
-                </a:solidFill>
-                <a:latin typeface="Arial" charset="0"/>
-                <a:ea typeface="宋体" charset="-122"/>
-              </a:defRPr>
-            </a:lvl6pPr>
-            <a:lvl7pPr marL="2971800" indent="-228600" eaLnBrk="0" fontAlgn="base" hangingPunct="0">
-              <a:spcBef>
-                <a:spcPct val="0"/>
-              </a:spcBef>
-              <a:spcAft>
-                <a:spcPct val="0"/>
-              </a:spcAft>
-              <a:defRPr b="1">
-                <a:solidFill>
-                  <a:schemeClr val="tx1"/>
-                </a:solidFill>
-                <a:latin typeface="Arial" charset="0"/>
-                <a:ea typeface="宋体" charset="-122"/>
-              </a:defRPr>
-            </a:lvl7pPr>
-            <a:lvl8pPr marL="3429000" indent="-228600" eaLnBrk="0" fontAlgn="base" hangingPunct="0">
-              <a:spcBef>
-                <a:spcPct val="0"/>
-              </a:spcBef>
-              <a:spcAft>
-                <a:spcPct val="0"/>
-              </a:spcAft>
-              <a:defRPr b="1">
-                <a:solidFill>
-                  <a:schemeClr val="tx1"/>
-                </a:solidFill>
-                <a:latin typeface="Arial" charset="0"/>
-                <a:ea typeface="宋体" charset="-122"/>
-              </a:defRPr>
-            </a:lvl8pPr>
-            <a:lvl9pPr marL="3886200" indent="-228600" eaLnBrk="0" fontAlgn="base" hangingPunct="0">
-              <a:spcBef>
-                <a:spcPct val="0"/>
-              </a:spcBef>
-              <a:spcAft>
-                <a:spcPct val="0"/>
-              </a:spcAft>
-              <a:defRPr b="1">
-                <a:solidFill>
-                  <a:schemeClr val="tx1"/>
-                </a:solidFill>
-                <a:latin typeface="Arial" charset="0"/>
-                <a:ea typeface="宋体" charset="-122"/>
-              </a:defRPr>
-            </a:lvl9pPr>
-          </a:lstStyle>
-          <a:p>
-            <a:pPr eaLnBrk="1" hangingPunct="1">
+          <a:lstStyle/>
+          <a:p>
+            <a:pPr>
               <a:spcBef>
                 <a:spcPct val="50000"/>
               </a:spcBef>
               <a:defRPr/>
             </a:pPr>
             <a:r>
-              <a:rPr lang="zh-CN" altLang="en-US" sz="3200" dirty="0" smtClean="0">
-                <a:solidFill>
-                  <a:schemeClr val="tx1">
-                    <a:lumMod val="65000"/>
-                    <a:lumOff val="35000"/>
-                  </a:schemeClr>
-                </a:solidFill>
-                <a:latin typeface="微软雅黑" pitchFamily="34" charset="-122"/>
+              <a:rPr lang="en-US" altLang="zh-CN" sz="20000" dirty="0">
+                <a:solidFill>
+                  <a:srgbClr val="0092D2"/>
+                </a:solidFill>
+                <a:effectLst>
+                  <a:outerShdw blurRad="38100" dist="38100" dir="2700000" algn="tl">
+                    <a:srgbClr val="000000"/>
+                  </a:outerShdw>
+                </a:effectLst>
                 <a:ea typeface="微软雅黑" pitchFamily="34" charset="-122"/>
               </a:rPr>
-              <a:t>目录</a:t>
-            </a:r>
-            <a:endParaRPr lang="en-US" altLang="zh-CN" sz="3200" dirty="0" smtClean="0">
+              <a:t>3</a:t>
+            </a:r>
+            <a:endParaRPr lang="en-US" altLang="zh-CN" sz="20000" dirty="0">
               <a:solidFill>
-                <a:schemeClr val="tx1">
-                  <a:lumMod val="65000"/>
-                  <a:lumOff val="35000"/>
-                </a:schemeClr>
+                <a:srgbClr val="0092D2"/>
               </a:solidFill>
-              <a:latin typeface="微软雅黑" pitchFamily="34" charset="-122"/>
+              <a:effectLst>
+                <a:outerShdw blurRad="38100" dist="38100" dir="2700000" algn="tl">
+                  <a:srgbClr val="000000"/>
+                </a:outerShdw>
+              </a:effectLst>
               <a:ea typeface="微软雅黑" pitchFamily="34" charset="-122"/>
             </a:endParaRPr>
           </a:p>
-          <a:p>
-            <a:pPr marL="457200" indent="-457200" eaLnBrk="1" hangingPunct="1">
-              <a:spcBef>
-                <a:spcPct val="50000"/>
-              </a:spcBef>
-              <a:buFont typeface="Arial" pitchFamily="34" charset="0"/>
-              <a:buChar char="•"/>
-              <a:defRPr/>
-            </a:pPr>
-            <a:r>
-              <a:rPr lang="en-US" altLang="zh-CN" sz="3200" dirty="0" smtClean="0">
-                <a:solidFill>
-                  <a:schemeClr val="tx1">
-                    <a:lumMod val="50000"/>
-                    <a:lumOff val="50000"/>
-                  </a:schemeClr>
-                </a:solidFill>
-                <a:latin typeface="微软雅黑" pitchFamily="34" charset="-122"/>
-                <a:ea typeface="微软雅黑" pitchFamily="34" charset="-122"/>
-              </a:rPr>
-              <a:t>XXX</a:t>
-            </a:r>
-          </a:p>
-          <a:p>
-            <a:pPr marL="457200" indent="-457200" eaLnBrk="1" hangingPunct="1">
-              <a:spcBef>
-                <a:spcPct val="50000"/>
-              </a:spcBef>
-              <a:buFont typeface="Arial" pitchFamily="34" charset="0"/>
-              <a:buChar char="•"/>
-              <a:defRPr/>
-            </a:pPr>
-            <a:r>
-              <a:rPr lang="en-US" altLang="zh-CN" sz="3200" dirty="0" smtClean="0">
-                <a:solidFill>
-                  <a:schemeClr val="tx1">
-                    <a:lumMod val="50000"/>
-                    <a:lumOff val="50000"/>
-                  </a:schemeClr>
-                </a:solidFill>
-                <a:latin typeface="微软雅黑" pitchFamily="34" charset="-122"/>
-                <a:ea typeface="微软雅黑" pitchFamily="34" charset="-122"/>
-              </a:rPr>
-              <a:t>XXX</a:t>
-            </a:r>
-          </a:p>
-          <a:p>
-            <a:pPr marL="457200" indent="-457200" eaLnBrk="1" hangingPunct="1">
-              <a:spcBef>
-                <a:spcPct val="50000"/>
-              </a:spcBef>
-              <a:buFont typeface="Arial" pitchFamily="34" charset="0"/>
-              <a:buChar char="•"/>
-              <a:defRPr/>
-            </a:pPr>
-            <a:r>
-              <a:rPr lang="en-US" altLang="zh-CN" sz="3200" dirty="0" smtClean="0">
-                <a:solidFill>
-                  <a:schemeClr val="tx1">
-                    <a:lumMod val="50000"/>
-                    <a:lumOff val="50000"/>
-                  </a:schemeClr>
-                </a:solidFill>
-                <a:latin typeface="微软雅黑" pitchFamily="34" charset="-122"/>
-                <a:ea typeface="微软雅黑" pitchFamily="34" charset="-122"/>
-              </a:rPr>
-              <a:t>XXX</a:t>
-            </a:r>
-          </a:p>
         </p:txBody>
       </p:sp>
     </p:spTree>
+    <p:extLst>
+      <p:ext uri="{BB962C8B-B14F-4D97-AF65-F5344CB8AC3E}">
+        <p14:creationId xmlns:p14="http://schemas.microsoft.com/office/powerpoint/2010/main" val="1716668679"/>
+      </p:ext>
+    </p:extLst>
   </p:cSld>
   <p:clrMapOvr>
     <a:masterClrMapping/>
@@ -10426,7 +10332,7 @@
 </p:sld>
 </file>
 
-<file path=ppt/slides/slide3.xml><?xml version="1.0" encoding="utf-8"?>
+<file path=ppt/slides/slide11.xml><?xml version="1.0" encoding="utf-8"?>
 <p:sld xmlns:a="http://schemas.openxmlformats.org/drawingml/2006/main" xmlns:r="http://schemas.openxmlformats.org/officeDocument/2006/relationships" xmlns:p="http://schemas.openxmlformats.org/presentationml/2006/main">
   <p:cSld>
     <p:spTree>
@@ -10443,122 +10349,48 @@
           <a:chExt cx="0" cy="0"/>
         </a:xfrm>
       </p:grpSpPr>
-      <p:sp>
-        <p:nvSpPr>
-          <p:cNvPr id="4" name="TextBox 3"/>
-          <p:cNvSpPr txBox="1"/>
+      <p:pic>
+        <p:nvPicPr>
+          <p:cNvPr id="2" name="图片 1"/>
+          <p:cNvPicPr>
+            <a:picLocks noChangeAspect="1"/>
+          </p:cNvPicPr>
           <p:nvPr/>
-        </p:nvSpPr>
+        </p:nvPicPr>
+        <p:blipFill>
+          <a:blip r:embed="rId2">
+            <a:extLst>
+              <a:ext uri="{28A0092B-C50C-407E-A947-70E740481C1C}">
+                <a14:useLocalDpi xmlns:a14="http://schemas.microsoft.com/office/drawing/2010/main" val="0"/>
+              </a:ext>
+            </a:extLst>
+          </a:blip>
+          <a:stretch>
+            <a:fillRect/>
+          </a:stretch>
+        </p:blipFill>
         <p:spPr>
           <a:xfrm>
-            <a:off x="3726582" y="2266256"/>
-            <a:ext cx="4770858" cy="2123658"/>
-          </a:xfrm>
-          <a:prstGeom prst="rect">
-            <a:avLst/>
-          </a:prstGeom>
-          <a:noFill/>
-        </p:spPr>
-        <p:txBody>
-          <a:bodyPr wrap="none">
-            <a:spAutoFit/>
-          </a:bodyPr>
-          <a:lstStyle/>
-          <a:p>
-            <a:pPr>
-              <a:defRPr/>
-            </a:pPr>
-            <a:r>
-              <a:rPr lang="zh-CN" altLang="en-US" sz="4400" dirty="0">
-                <a:solidFill>
-                  <a:schemeClr val="bg1">
-                    <a:lumMod val="50000"/>
-                  </a:schemeClr>
-                </a:solidFill>
-                <a:latin typeface="微软雅黑" pitchFamily="34" charset="-122"/>
-                <a:ea typeface="微软雅黑" pitchFamily="34" charset="-122"/>
-              </a:rPr>
-              <a:t>第一部分标题</a:t>
-            </a:r>
-            <a:r>
-              <a:rPr lang="zh-CN" altLang="en-US" sz="4400" dirty="0" smtClean="0">
-                <a:solidFill>
-                  <a:schemeClr val="bg1">
-                    <a:lumMod val="50000"/>
-                  </a:schemeClr>
-                </a:solidFill>
-                <a:latin typeface="微软雅黑" pitchFamily="34" charset="-122"/>
-                <a:ea typeface="微软雅黑" pitchFamily="34" charset="-122"/>
-              </a:rPr>
-              <a:t>：</a:t>
-            </a:r>
-            <a:endParaRPr lang="en-US" altLang="zh-CN" sz="4400" dirty="0" smtClean="0">
-              <a:solidFill>
-                <a:schemeClr val="bg1">
-                  <a:lumMod val="50000"/>
-                </a:schemeClr>
-              </a:solidFill>
-              <a:latin typeface="微软雅黑" pitchFamily="34" charset="-122"/>
-              <a:ea typeface="微软雅黑" pitchFamily="34" charset="-122"/>
-            </a:endParaRPr>
-          </a:p>
-          <a:p>
-            <a:pPr>
-              <a:defRPr/>
-            </a:pPr>
-            <a:endParaRPr lang="en-US" altLang="zh-CN" sz="4400" dirty="0">
-              <a:solidFill>
-                <a:schemeClr val="bg1">
-                  <a:lumMod val="50000"/>
-                </a:schemeClr>
-              </a:solidFill>
-              <a:latin typeface="微软雅黑" pitchFamily="34" charset="-122"/>
-              <a:ea typeface="微软雅黑" pitchFamily="34" charset="-122"/>
-            </a:endParaRPr>
-          </a:p>
-          <a:p>
-            <a:pPr>
-              <a:defRPr/>
-            </a:pPr>
-            <a:r>
-              <a:rPr lang="en-US" altLang="zh-CN" sz="4400" dirty="0">
-                <a:solidFill>
-                  <a:schemeClr val="bg1">
-                    <a:lumMod val="50000"/>
-                  </a:schemeClr>
-                </a:solidFill>
-                <a:latin typeface="微软雅黑" pitchFamily="34" charset="-122"/>
-                <a:ea typeface="微软雅黑" pitchFamily="34" charset="-122"/>
-              </a:rPr>
-              <a:t>44</a:t>
-            </a:r>
-            <a:r>
-              <a:rPr lang="zh-CN" altLang="en-US" sz="4400" dirty="0">
-                <a:solidFill>
-                  <a:schemeClr val="bg1">
-                    <a:lumMod val="50000"/>
-                  </a:schemeClr>
-                </a:solidFill>
-                <a:latin typeface="微软雅黑" pitchFamily="34" charset="-122"/>
-                <a:ea typeface="微软雅黑" pitchFamily="34" charset="-122"/>
-              </a:rPr>
-              <a:t>号字   微软雅黑</a:t>
-            </a:r>
-          </a:p>
-        </p:txBody>
-      </p:sp>
-      <p:sp>
-        <p:nvSpPr>
-          <p:cNvPr id="5" name="Text Box 3"/>
+            <a:off x="1872283" y="2651363"/>
+            <a:ext cx="6192688" cy="3483387"/>
+          </a:xfrm>
+          <a:prstGeom prst="rect">
+            <a:avLst/>
+          </a:prstGeom>
+        </p:spPr>
+      </p:pic>
+      <p:sp>
+        <p:nvSpPr>
+          <p:cNvPr id="4" name="Text Box 3"/>
           <p:cNvSpPr txBox="1">
             <a:spLocks noChangeArrowheads="1"/>
           </p:cNvSpPr>
           <p:nvPr/>
         </p:nvSpPr>
         <p:spPr bwMode="auto">
-          <a:xfrm flipH="1">
-            <a:off x="2214414" y="1186136"/>
-            <a:ext cx="1285875" cy="3170237"/>
+          <a:xfrm>
+            <a:off x="1285560" y="683965"/>
+            <a:ext cx="8496944" cy="2462213"/>
           </a:xfrm>
           <a:prstGeom prst="rect">
             <a:avLst/>
@@ -10570,38 +10402,265 @@
           <a:extLst/>
         </p:spPr>
         <p:txBody>
-          <a:bodyPr>
+          <a:bodyPr wrap="square">
             <a:spAutoFit/>
           </a:bodyPr>
-          <a:lstStyle/>
-          <a:p>
-            <a:pPr>
+          <a:lstStyle>
+            <a:lvl1pPr eaLnBrk="0" hangingPunct="0">
+              <a:defRPr b="1">
+                <a:solidFill>
+                  <a:schemeClr val="tx1"/>
+                </a:solidFill>
+                <a:latin typeface="Arial" charset="0"/>
+                <a:ea typeface="宋体" charset="-122"/>
+              </a:defRPr>
+            </a:lvl1pPr>
+            <a:lvl2pPr marL="742950" indent="-285750" eaLnBrk="0" hangingPunct="0">
+              <a:defRPr b="1">
+                <a:solidFill>
+                  <a:schemeClr val="tx1"/>
+                </a:solidFill>
+                <a:latin typeface="Arial" charset="0"/>
+                <a:ea typeface="宋体" charset="-122"/>
+              </a:defRPr>
+            </a:lvl2pPr>
+            <a:lvl3pPr marL="1143000" indent="-228600" eaLnBrk="0" hangingPunct="0">
+              <a:defRPr b="1">
+                <a:solidFill>
+                  <a:schemeClr val="tx1"/>
+                </a:solidFill>
+                <a:latin typeface="Arial" charset="0"/>
+                <a:ea typeface="宋体" charset="-122"/>
+              </a:defRPr>
+            </a:lvl3pPr>
+            <a:lvl4pPr marL="1600200" indent="-228600" eaLnBrk="0" hangingPunct="0">
+              <a:defRPr b="1">
+                <a:solidFill>
+                  <a:schemeClr val="tx1"/>
+                </a:solidFill>
+                <a:latin typeface="Arial" charset="0"/>
+                <a:ea typeface="宋体" charset="-122"/>
+              </a:defRPr>
+            </a:lvl4pPr>
+            <a:lvl5pPr marL="2057400" indent="-228600" eaLnBrk="0" hangingPunct="0">
+              <a:defRPr b="1">
+                <a:solidFill>
+                  <a:schemeClr val="tx1"/>
+                </a:solidFill>
+                <a:latin typeface="Arial" charset="0"/>
+                <a:ea typeface="宋体" charset="-122"/>
+              </a:defRPr>
+            </a:lvl5pPr>
+            <a:lvl6pPr marL="2514600" indent="-228600" eaLnBrk="0" fontAlgn="base" hangingPunct="0">
+              <a:spcBef>
+                <a:spcPct val="0"/>
+              </a:spcBef>
+              <a:spcAft>
+                <a:spcPct val="0"/>
+              </a:spcAft>
+              <a:defRPr b="1">
+                <a:solidFill>
+                  <a:schemeClr val="tx1"/>
+                </a:solidFill>
+                <a:latin typeface="Arial" charset="0"/>
+                <a:ea typeface="宋体" charset="-122"/>
+              </a:defRPr>
+            </a:lvl6pPr>
+            <a:lvl7pPr marL="2971800" indent="-228600" eaLnBrk="0" fontAlgn="base" hangingPunct="0">
+              <a:spcBef>
+                <a:spcPct val="0"/>
+              </a:spcBef>
+              <a:spcAft>
+                <a:spcPct val="0"/>
+              </a:spcAft>
+              <a:defRPr b="1">
+                <a:solidFill>
+                  <a:schemeClr val="tx1"/>
+                </a:solidFill>
+                <a:latin typeface="Arial" charset="0"/>
+                <a:ea typeface="宋体" charset="-122"/>
+              </a:defRPr>
+            </a:lvl7pPr>
+            <a:lvl8pPr marL="3429000" indent="-228600" eaLnBrk="0" fontAlgn="base" hangingPunct="0">
+              <a:spcBef>
+                <a:spcPct val="0"/>
+              </a:spcBef>
+              <a:spcAft>
+                <a:spcPct val="0"/>
+              </a:spcAft>
+              <a:defRPr b="1">
+                <a:solidFill>
+                  <a:schemeClr val="tx1"/>
+                </a:solidFill>
+                <a:latin typeface="Arial" charset="0"/>
+                <a:ea typeface="宋体" charset="-122"/>
+              </a:defRPr>
+            </a:lvl8pPr>
+            <a:lvl9pPr marL="3886200" indent="-228600" eaLnBrk="0" fontAlgn="base" hangingPunct="0">
+              <a:spcBef>
+                <a:spcPct val="0"/>
+              </a:spcBef>
+              <a:spcAft>
+                <a:spcPct val="0"/>
+              </a:spcAft>
+              <a:defRPr b="1">
+                <a:solidFill>
+                  <a:schemeClr val="tx1"/>
+                </a:solidFill>
+                <a:latin typeface="Arial" charset="0"/>
+                <a:ea typeface="宋体" charset="-122"/>
+              </a:defRPr>
+            </a:lvl9pPr>
+          </a:lstStyle>
+          <a:p>
+            <a:pPr eaLnBrk="1" hangingPunct="1">
               <a:spcBef>
                 <a:spcPct val="50000"/>
               </a:spcBef>
               <a:defRPr/>
             </a:pPr>
             <a:r>
-              <a:rPr lang="en-US" altLang="zh-CN" sz="20000" dirty="0">
-                <a:solidFill>
-                  <a:srgbClr val="0092D2"/>
-                </a:solidFill>
-                <a:effectLst>
-                  <a:outerShdw blurRad="38100" dist="38100" dir="2700000" algn="tl">
-                    <a:srgbClr val="000000"/>
-                  </a:outerShdw>
-                </a:effectLst>
+              <a:rPr lang="en-US" altLang="zh-CN" sz="2800" dirty="0" smtClean="0">
+                <a:solidFill>
+                  <a:srgbClr val="00A6E9"/>
+                </a:solidFill>
+                <a:latin typeface="微软雅黑" pitchFamily="34" charset="-122"/>
                 <a:ea typeface="微软雅黑" pitchFamily="34" charset="-122"/>
               </a:rPr>
-              <a:t>1</a:t>
-            </a:r>
+              <a:t> </a:t>
+            </a:r>
+            <a:r>
+              <a:rPr lang="zh-CN" altLang="en-US" sz="2800" dirty="0" smtClean="0">
+                <a:solidFill>
+                  <a:srgbClr val="00A6E9"/>
+                </a:solidFill>
+                <a:latin typeface="微软雅黑" pitchFamily="34" charset="-122"/>
+                <a:ea typeface="微软雅黑" pitchFamily="34" charset="-122"/>
+              </a:rPr>
+              <a:t>点对点</a:t>
+            </a:r>
+            <a:endParaRPr lang="en-US" altLang="zh-CN" sz="2800" dirty="0" smtClean="0">
+              <a:solidFill>
+                <a:srgbClr val="00A6E9"/>
+              </a:solidFill>
+              <a:latin typeface="微软雅黑" pitchFamily="34" charset="-122"/>
+              <a:ea typeface="微软雅黑" pitchFamily="34" charset="-122"/>
+            </a:endParaRPr>
+          </a:p>
+          <a:p>
+            <a:pPr eaLnBrk="1" hangingPunct="1">
+              <a:spcBef>
+                <a:spcPct val="50000"/>
+              </a:spcBef>
+              <a:defRPr/>
+            </a:pPr>
+            <a:r>
+              <a:rPr lang="en-US" altLang="zh-CN" sz="2800" dirty="0" smtClean="0">
+                <a:solidFill>
+                  <a:srgbClr val="00A6E9"/>
+                </a:solidFill>
+                <a:latin typeface="微软雅黑" pitchFamily="34" charset="-122"/>
+                <a:ea typeface="微软雅黑" pitchFamily="34" charset="-122"/>
+              </a:rPr>
+              <a:t>	</a:t>
+            </a:r>
+            <a:r>
+              <a:rPr lang="zh-CN" altLang="en-US" sz="2800" dirty="0" smtClean="0">
+                <a:solidFill>
+                  <a:srgbClr val="00A6E9"/>
+                </a:solidFill>
+                <a:latin typeface="微软雅黑" pitchFamily="34" charset="-122"/>
+                <a:ea typeface="微软雅黑" pitchFamily="34" charset="-122"/>
+              </a:rPr>
+              <a:t>客户端之间直接发送消息</a:t>
+            </a:r>
+            <a:endParaRPr lang="en-US" altLang="zh-CN" sz="2800" dirty="0" smtClean="0">
+              <a:solidFill>
+                <a:srgbClr val="00A6E9"/>
+              </a:solidFill>
+              <a:latin typeface="微软雅黑" pitchFamily="34" charset="-122"/>
+              <a:ea typeface="微软雅黑" pitchFamily="34" charset="-122"/>
+            </a:endParaRPr>
+          </a:p>
+          <a:p>
+            <a:pPr eaLnBrk="1" hangingPunct="1">
+              <a:spcBef>
+                <a:spcPct val="50000"/>
+              </a:spcBef>
+              <a:defRPr/>
+            </a:pPr>
+            <a:r>
+              <a:rPr lang="en-US" altLang="zh-CN" sz="2800" dirty="0" smtClean="0">
+                <a:solidFill>
+                  <a:srgbClr val="00A6E9"/>
+                </a:solidFill>
+                <a:latin typeface="微软雅黑" pitchFamily="34" charset="-122"/>
+                <a:ea typeface="微软雅黑" pitchFamily="34" charset="-122"/>
+              </a:rPr>
+              <a:t>	P2P</a:t>
+            </a:r>
+            <a:r>
+              <a:rPr lang="zh-CN" altLang="en-US" sz="2800" dirty="0" smtClean="0">
+                <a:solidFill>
+                  <a:srgbClr val="00A6E9"/>
+                </a:solidFill>
+                <a:latin typeface="微软雅黑" pitchFamily="34" charset="-122"/>
+                <a:ea typeface="微软雅黑" pitchFamily="34" charset="-122"/>
+              </a:rPr>
+              <a:t>：</a:t>
+            </a:r>
+            <a:r>
+              <a:rPr lang="en-US" altLang="zh-CN" sz="2800" dirty="0" smtClean="0">
+                <a:solidFill>
+                  <a:srgbClr val="00A6E9"/>
+                </a:solidFill>
+                <a:latin typeface="微软雅黑" pitchFamily="34" charset="-122"/>
+                <a:ea typeface="微软雅黑" pitchFamily="34" charset="-122"/>
+              </a:rPr>
+              <a:t>peer to peer</a:t>
+            </a:r>
+          </a:p>
+          <a:p>
+            <a:pPr eaLnBrk="1" hangingPunct="1">
+              <a:spcBef>
+                <a:spcPct val="50000"/>
+              </a:spcBef>
+              <a:defRPr/>
+            </a:pPr>
+            <a:r>
+              <a:rPr lang="en-US" altLang="zh-CN" sz="2800" dirty="0">
+                <a:solidFill>
+                  <a:srgbClr val="00A6E9"/>
+                </a:solidFill>
+                <a:latin typeface="微软雅黑" pitchFamily="34" charset="-122"/>
+                <a:ea typeface="微软雅黑" pitchFamily="34" charset="-122"/>
+              </a:rPr>
+              <a:t> </a:t>
+            </a:r>
+            <a:r>
+              <a:rPr lang="en-US" altLang="zh-CN" sz="2800" dirty="0" smtClean="0">
+                <a:solidFill>
+                  <a:srgbClr val="00A6E9"/>
+                </a:solidFill>
+                <a:latin typeface="微软雅黑" pitchFamily="34" charset="-122"/>
+                <a:ea typeface="微软雅黑" pitchFamily="34" charset="-122"/>
+              </a:rPr>
+              <a:t>        	 person to person</a:t>
+            </a:r>
+            <a:endParaRPr lang="en-US" altLang="zh-CN" sz="2800" dirty="0">
+              <a:solidFill>
+                <a:srgbClr val="595757"/>
+              </a:solidFill>
+              <a:latin typeface="微软雅黑" pitchFamily="34" charset="-122"/>
+              <a:ea typeface="微软雅黑" pitchFamily="34" charset="-122"/>
+            </a:endParaRPr>
           </a:p>
         </p:txBody>
       </p:sp>
     </p:spTree>
     <p:extLst>
       <p:ext uri="{BB962C8B-B14F-4D97-AF65-F5344CB8AC3E}">
-        <p14:creationId xmlns:p14="http://schemas.microsoft.com/office/powerpoint/2010/main" val="477239706"/>
+        <p14:creationId xmlns:p14="http://schemas.microsoft.com/office/powerpoint/2010/main" val="1982001638"/>
       </p:ext>
     </p:extLst>
   </p:cSld>
@@ -10614,7 +10673,1240 @@
 </p:sld>
 </file>
 
-<file path=ppt/slides/slide4.xml><?xml version="1.0" encoding="utf-8"?>
+<file path=ppt/slides/slide12.xml><?xml version="1.0" encoding="utf-8"?>
+<p:sld xmlns:a="http://schemas.openxmlformats.org/drawingml/2006/main" xmlns:r="http://schemas.openxmlformats.org/officeDocument/2006/relationships" xmlns:p="http://schemas.openxmlformats.org/presentationml/2006/main">
+  <p:cSld>
+    <p:spTree>
+      <p:nvGrpSpPr>
+        <p:cNvPr id="1" name=""/>
+        <p:cNvGrpSpPr/>
+        <p:nvPr/>
+      </p:nvGrpSpPr>
+      <p:grpSpPr>
+        <a:xfrm>
+          <a:off x="0" y="0"/>
+          <a:ext cx="0" cy="0"/>
+          <a:chOff x="0" y="0"/>
+          <a:chExt cx="0" cy="0"/>
+        </a:xfrm>
+      </p:grpSpPr>
+      <p:pic>
+        <p:nvPicPr>
+          <p:cNvPr id="2" name="图片 1"/>
+          <p:cNvPicPr>
+            <a:picLocks noChangeAspect="1"/>
+          </p:cNvPicPr>
+          <p:nvPr/>
+        </p:nvPicPr>
+        <p:blipFill>
+          <a:blip r:embed="rId2">
+            <a:extLst>
+              <a:ext uri="{28A0092B-C50C-407E-A947-70E740481C1C}">
+                <a14:useLocalDpi xmlns:a14="http://schemas.microsoft.com/office/drawing/2010/main" val="0"/>
+              </a:ext>
+            </a:extLst>
+          </a:blip>
+          <a:stretch>
+            <a:fillRect/>
+          </a:stretch>
+        </p:blipFill>
+        <p:spPr>
+          <a:xfrm>
+            <a:off x="1656259" y="1980108"/>
+            <a:ext cx="7440827" cy="4185465"/>
+          </a:xfrm>
+          <a:prstGeom prst="rect">
+            <a:avLst/>
+          </a:prstGeom>
+        </p:spPr>
+      </p:pic>
+      <p:sp>
+        <p:nvSpPr>
+          <p:cNvPr id="3" name="Text Box 3"/>
+          <p:cNvSpPr txBox="1">
+            <a:spLocks noChangeArrowheads="1"/>
+          </p:cNvSpPr>
+          <p:nvPr/>
+        </p:nvSpPr>
+        <p:spPr bwMode="auto">
+          <a:xfrm>
+            <a:off x="1333007" y="683965"/>
+            <a:ext cx="8496944" cy="1169551"/>
+          </a:xfrm>
+          <a:prstGeom prst="rect">
+            <a:avLst/>
+          </a:prstGeom>
+          <a:noFill/>
+          <a:ln>
+            <a:noFill/>
+          </a:ln>
+          <a:extLst/>
+        </p:spPr>
+        <p:txBody>
+          <a:bodyPr wrap="square">
+            <a:spAutoFit/>
+          </a:bodyPr>
+          <a:lstStyle>
+            <a:lvl1pPr eaLnBrk="0" hangingPunct="0">
+              <a:defRPr b="1">
+                <a:solidFill>
+                  <a:schemeClr val="tx1"/>
+                </a:solidFill>
+                <a:latin typeface="Arial" charset="0"/>
+                <a:ea typeface="宋体" charset="-122"/>
+              </a:defRPr>
+            </a:lvl1pPr>
+            <a:lvl2pPr marL="742950" indent="-285750" eaLnBrk="0" hangingPunct="0">
+              <a:defRPr b="1">
+                <a:solidFill>
+                  <a:schemeClr val="tx1"/>
+                </a:solidFill>
+                <a:latin typeface="Arial" charset="0"/>
+                <a:ea typeface="宋体" charset="-122"/>
+              </a:defRPr>
+            </a:lvl2pPr>
+            <a:lvl3pPr marL="1143000" indent="-228600" eaLnBrk="0" hangingPunct="0">
+              <a:defRPr b="1">
+                <a:solidFill>
+                  <a:schemeClr val="tx1"/>
+                </a:solidFill>
+                <a:latin typeface="Arial" charset="0"/>
+                <a:ea typeface="宋体" charset="-122"/>
+              </a:defRPr>
+            </a:lvl3pPr>
+            <a:lvl4pPr marL="1600200" indent="-228600" eaLnBrk="0" hangingPunct="0">
+              <a:defRPr b="1">
+                <a:solidFill>
+                  <a:schemeClr val="tx1"/>
+                </a:solidFill>
+                <a:latin typeface="Arial" charset="0"/>
+                <a:ea typeface="宋体" charset="-122"/>
+              </a:defRPr>
+            </a:lvl4pPr>
+            <a:lvl5pPr marL="2057400" indent="-228600" eaLnBrk="0" hangingPunct="0">
+              <a:defRPr b="1">
+                <a:solidFill>
+                  <a:schemeClr val="tx1"/>
+                </a:solidFill>
+                <a:latin typeface="Arial" charset="0"/>
+                <a:ea typeface="宋体" charset="-122"/>
+              </a:defRPr>
+            </a:lvl5pPr>
+            <a:lvl6pPr marL="2514600" indent="-228600" eaLnBrk="0" fontAlgn="base" hangingPunct="0">
+              <a:spcBef>
+                <a:spcPct val="0"/>
+              </a:spcBef>
+              <a:spcAft>
+                <a:spcPct val="0"/>
+              </a:spcAft>
+              <a:defRPr b="1">
+                <a:solidFill>
+                  <a:schemeClr val="tx1"/>
+                </a:solidFill>
+                <a:latin typeface="Arial" charset="0"/>
+                <a:ea typeface="宋体" charset="-122"/>
+              </a:defRPr>
+            </a:lvl6pPr>
+            <a:lvl7pPr marL="2971800" indent="-228600" eaLnBrk="0" fontAlgn="base" hangingPunct="0">
+              <a:spcBef>
+                <a:spcPct val="0"/>
+              </a:spcBef>
+              <a:spcAft>
+                <a:spcPct val="0"/>
+              </a:spcAft>
+              <a:defRPr b="1">
+                <a:solidFill>
+                  <a:schemeClr val="tx1"/>
+                </a:solidFill>
+                <a:latin typeface="Arial" charset="0"/>
+                <a:ea typeface="宋体" charset="-122"/>
+              </a:defRPr>
+            </a:lvl7pPr>
+            <a:lvl8pPr marL="3429000" indent="-228600" eaLnBrk="0" fontAlgn="base" hangingPunct="0">
+              <a:spcBef>
+                <a:spcPct val="0"/>
+              </a:spcBef>
+              <a:spcAft>
+                <a:spcPct val="0"/>
+              </a:spcAft>
+              <a:defRPr b="1">
+                <a:solidFill>
+                  <a:schemeClr val="tx1"/>
+                </a:solidFill>
+                <a:latin typeface="Arial" charset="0"/>
+                <a:ea typeface="宋体" charset="-122"/>
+              </a:defRPr>
+            </a:lvl8pPr>
+            <a:lvl9pPr marL="3886200" indent="-228600" eaLnBrk="0" fontAlgn="base" hangingPunct="0">
+              <a:spcBef>
+                <a:spcPct val="0"/>
+              </a:spcBef>
+              <a:spcAft>
+                <a:spcPct val="0"/>
+              </a:spcAft>
+              <a:defRPr b="1">
+                <a:solidFill>
+                  <a:schemeClr val="tx1"/>
+                </a:solidFill>
+                <a:latin typeface="Arial" charset="0"/>
+                <a:ea typeface="宋体" charset="-122"/>
+              </a:defRPr>
+            </a:lvl9pPr>
+          </a:lstStyle>
+          <a:p>
+            <a:pPr eaLnBrk="1" hangingPunct="1">
+              <a:spcBef>
+                <a:spcPct val="50000"/>
+              </a:spcBef>
+              <a:defRPr/>
+            </a:pPr>
+            <a:r>
+              <a:rPr lang="en-US" altLang="zh-CN" sz="2800" dirty="0">
+                <a:solidFill>
+                  <a:srgbClr val="00A6E9"/>
+                </a:solidFill>
+                <a:latin typeface="微软雅黑" pitchFamily="34" charset="-122"/>
+                <a:ea typeface="微软雅黑" pitchFamily="34" charset="-122"/>
+              </a:rPr>
+              <a:t>2</a:t>
+            </a:r>
+            <a:r>
+              <a:rPr lang="en-US" altLang="zh-CN" sz="2800" dirty="0" smtClean="0">
+                <a:solidFill>
+                  <a:srgbClr val="00A6E9"/>
+                </a:solidFill>
+                <a:latin typeface="微软雅黑" pitchFamily="34" charset="-122"/>
+                <a:ea typeface="微软雅黑" pitchFamily="34" charset="-122"/>
+              </a:rPr>
+              <a:t>. </a:t>
+            </a:r>
+            <a:r>
+              <a:rPr lang="zh-CN" altLang="en-US" sz="2800" dirty="0" smtClean="0">
+                <a:solidFill>
+                  <a:srgbClr val="00A6E9"/>
+                </a:solidFill>
+                <a:latin typeface="微软雅黑" pitchFamily="34" charset="-122"/>
+                <a:ea typeface="微软雅黑" pitchFamily="34" charset="-122"/>
+              </a:rPr>
+              <a:t>在线代理</a:t>
+            </a:r>
+            <a:endParaRPr lang="en-US" altLang="zh-CN" sz="2800" dirty="0" smtClean="0">
+              <a:solidFill>
+                <a:srgbClr val="00A6E9"/>
+              </a:solidFill>
+              <a:latin typeface="微软雅黑" pitchFamily="34" charset="-122"/>
+              <a:ea typeface="微软雅黑" pitchFamily="34" charset="-122"/>
+            </a:endParaRPr>
+          </a:p>
+          <a:p>
+            <a:pPr eaLnBrk="1" hangingPunct="1">
+              <a:spcBef>
+                <a:spcPct val="50000"/>
+              </a:spcBef>
+              <a:defRPr/>
+            </a:pPr>
+            <a:r>
+              <a:rPr lang="en-US" altLang="zh-CN" sz="2800" dirty="0" smtClean="0">
+                <a:solidFill>
+                  <a:srgbClr val="00A6E9"/>
+                </a:solidFill>
+                <a:latin typeface="微软雅黑" pitchFamily="34" charset="-122"/>
+                <a:ea typeface="微软雅黑" pitchFamily="34" charset="-122"/>
+              </a:rPr>
+              <a:t>	</a:t>
+            </a:r>
+            <a:r>
+              <a:rPr lang="zh-CN" altLang="en-US" sz="2800" dirty="0" smtClean="0">
+                <a:solidFill>
+                  <a:srgbClr val="00A6E9"/>
+                </a:solidFill>
+                <a:latin typeface="微软雅黑" pitchFamily="34" charset="-122"/>
+                <a:ea typeface="微软雅黑" pitchFamily="34" charset="-122"/>
+              </a:rPr>
+              <a:t>通过服务器发送消息</a:t>
+            </a:r>
+            <a:r>
+              <a:rPr lang="en-US" altLang="zh-CN" sz="2800" dirty="0" smtClean="0">
+                <a:solidFill>
+                  <a:srgbClr val="00A6E9"/>
+                </a:solidFill>
+                <a:latin typeface="微软雅黑" pitchFamily="34" charset="-122"/>
+                <a:ea typeface="微软雅黑" pitchFamily="34" charset="-122"/>
+              </a:rPr>
+              <a:t>	</a:t>
+            </a:r>
+            <a:endParaRPr lang="en-US" altLang="zh-CN" sz="2800" dirty="0">
+              <a:solidFill>
+                <a:srgbClr val="595757"/>
+              </a:solidFill>
+              <a:latin typeface="微软雅黑" pitchFamily="34" charset="-122"/>
+              <a:ea typeface="微软雅黑" pitchFamily="34" charset="-122"/>
+            </a:endParaRPr>
+          </a:p>
+        </p:txBody>
+      </p:sp>
+    </p:spTree>
+    <p:extLst>
+      <p:ext uri="{BB962C8B-B14F-4D97-AF65-F5344CB8AC3E}">
+        <p14:creationId xmlns:p14="http://schemas.microsoft.com/office/powerpoint/2010/main" val="4229613548"/>
+      </p:ext>
+    </p:extLst>
+  </p:cSld>
+  <p:clrMapOvr>
+    <a:masterClrMapping/>
+  </p:clrMapOvr>
+  <p:transition>
+    <p:fade/>
+  </p:transition>
+</p:sld>
+</file>
+
+<file path=ppt/slides/slide13.xml><?xml version="1.0" encoding="utf-8"?>
+<p:sld xmlns:a="http://schemas.openxmlformats.org/drawingml/2006/main" xmlns:r="http://schemas.openxmlformats.org/officeDocument/2006/relationships" xmlns:p="http://schemas.openxmlformats.org/presentationml/2006/main">
+  <p:cSld>
+    <p:spTree>
+      <p:nvGrpSpPr>
+        <p:cNvPr id="1" name=""/>
+        <p:cNvGrpSpPr/>
+        <p:nvPr/>
+      </p:nvGrpSpPr>
+      <p:grpSpPr>
+        <a:xfrm>
+          <a:off x="0" y="0"/>
+          <a:ext cx="0" cy="0"/>
+          <a:chOff x="0" y="0"/>
+          <a:chExt cx="0" cy="0"/>
+        </a:xfrm>
+      </p:grpSpPr>
+      <p:pic>
+        <p:nvPicPr>
+          <p:cNvPr id="4" name="图片 3"/>
+          <p:cNvPicPr>
+            <a:picLocks noChangeAspect="1"/>
+          </p:cNvPicPr>
+          <p:nvPr/>
+        </p:nvPicPr>
+        <p:blipFill>
+          <a:blip r:embed="rId2">
+            <a:extLst>
+              <a:ext uri="{28A0092B-C50C-407E-A947-70E740481C1C}">
+                <a14:useLocalDpi xmlns:a14="http://schemas.microsoft.com/office/drawing/2010/main" val="0"/>
+              </a:ext>
+            </a:extLst>
+          </a:blip>
+          <a:stretch>
+            <a:fillRect/>
+          </a:stretch>
+        </p:blipFill>
+        <p:spPr>
+          <a:xfrm>
+            <a:off x="1296219" y="1879555"/>
+            <a:ext cx="7560915" cy="4253014"/>
+          </a:xfrm>
+          <a:prstGeom prst="rect">
+            <a:avLst/>
+          </a:prstGeom>
+        </p:spPr>
+      </p:pic>
+      <p:sp>
+        <p:nvSpPr>
+          <p:cNvPr id="3" name="Text Box 3"/>
+          <p:cNvSpPr txBox="1">
+            <a:spLocks noChangeArrowheads="1"/>
+          </p:cNvSpPr>
+          <p:nvPr/>
+        </p:nvSpPr>
+        <p:spPr bwMode="auto">
+          <a:xfrm>
+            <a:off x="1152203" y="683965"/>
+            <a:ext cx="8496944" cy="1169551"/>
+          </a:xfrm>
+          <a:prstGeom prst="rect">
+            <a:avLst/>
+          </a:prstGeom>
+          <a:noFill/>
+          <a:ln>
+            <a:noFill/>
+          </a:ln>
+          <a:extLst/>
+        </p:spPr>
+        <p:txBody>
+          <a:bodyPr wrap="square">
+            <a:spAutoFit/>
+          </a:bodyPr>
+          <a:lstStyle>
+            <a:lvl1pPr eaLnBrk="0" hangingPunct="0">
+              <a:defRPr b="1">
+                <a:solidFill>
+                  <a:schemeClr val="tx1"/>
+                </a:solidFill>
+                <a:latin typeface="Arial" charset="0"/>
+                <a:ea typeface="宋体" charset="-122"/>
+              </a:defRPr>
+            </a:lvl1pPr>
+            <a:lvl2pPr marL="742950" indent="-285750" eaLnBrk="0" hangingPunct="0">
+              <a:defRPr b="1">
+                <a:solidFill>
+                  <a:schemeClr val="tx1"/>
+                </a:solidFill>
+                <a:latin typeface="Arial" charset="0"/>
+                <a:ea typeface="宋体" charset="-122"/>
+              </a:defRPr>
+            </a:lvl2pPr>
+            <a:lvl3pPr marL="1143000" indent="-228600" eaLnBrk="0" hangingPunct="0">
+              <a:defRPr b="1">
+                <a:solidFill>
+                  <a:schemeClr val="tx1"/>
+                </a:solidFill>
+                <a:latin typeface="Arial" charset="0"/>
+                <a:ea typeface="宋体" charset="-122"/>
+              </a:defRPr>
+            </a:lvl3pPr>
+            <a:lvl4pPr marL="1600200" indent="-228600" eaLnBrk="0" hangingPunct="0">
+              <a:defRPr b="1">
+                <a:solidFill>
+                  <a:schemeClr val="tx1"/>
+                </a:solidFill>
+                <a:latin typeface="Arial" charset="0"/>
+                <a:ea typeface="宋体" charset="-122"/>
+              </a:defRPr>
+            </a:lvl4pPr>
+            <a:lvl5pPr marL="2057400" indent="-228600" eaLnBrk="0" hangingPunct="0">
+              <a:defRPr b="1">
+                <a:solidFill>
+                  <a:schemeClr val="tx1"/>
+                </a:solidFill>
+                <a:latin typeface="Arial" charset="0"/>
+                <a:ea typeface="宋体" charset="-122"/>
+              </a:defRPr>
+            </a:lvl5pPr>
+            <a:lvl6pPr marL="2514600" indent="-228600" eaLnBrk="0" fontAlgn="base" hangingPunct="0">
+              <a:spcBef>
+                <a:spcPct val="0"/>
+              </a:spcBef>
+              <a:spcAft>
+                <a:spcPct val="0"/>
+              </a:spcAft>
+              <a:defRPr b="1">
+                <a:solidFill>
+                  <a:schemeClr val="tx1"/>
+                </a:solidFill>
+                <a:latin typeface="Arial" charset="0"/>
+                <a:ea typeface="宋体" charset="-122"/>
+              </a:defRPr>
+            </a:lvl6pPr>
+            <a:lvl7pPr marL="2971800" indent="-228600" eaLnBrk="0" fontAlgn="base" hangingPunct="0">
+              <a:spcBef>
+                <a:spcPct val="0"/>
+              </a:spcBef>
+              <a:spcAft>
+                <a:spcPct val="0"/>
+              </a:spcAft>
+              <a:defRPr b="1">
+                <a:solidFill>
+                  <a:schemeClr val="tx1"/>
+                </a:solidFill>
+                <a:latin typeface="Arial" charset="0"/>
+                <a:ea typeface="宋体" charset="-122"/>
+              </a:defRPr>
+            </a:lvl7pPr>
+            <a:lvl8pPr marL="3429000" indent="-228600" eaLnBrk="0" fontAlgn="base" hangingPunct="0">
+              <a:spcBef>
+                <a:spcPct val="0"/>
+              </a:spcBef>
+              <a:spcAft>
+                <a:spcPct val="0"/>
+              </a:spcAft>
+              <a:defRPr b="1">
+                <a:solidFill>
+                  <a:schemeClr val="tx1"/>
+                </a:solidFill>
+                <a:latin typeface="Arial" charset="0"/>
+                <a:ea typeface="宋体" charset="-122"/>
+              </a:defRPr>
+            </a:lvl8pPr>
+            <a:lvl9pPr marL="3886200" indent="-228600" eaLnBrk="0" fontAlgn="base" hangingPunct="0">
+              <a:spcBef>
+                <a:spcPct val="0"/>
+              </a:spcBef>
+              <a:spcAft>
+                <a:spcPct val="0"/>
+              </a:spcAft>
+              <a:defRPr b="1">
+                <a:solidFill>
+                  <a:schemeClr val="tx1"/>
+                </a:solidFill>
+                <a:latin typeface="Arial" charset="0"/>
+                <a:ea typeface="宋体" charset="-122"/>
+              </a:defRPr>
+            </a:lvl9pPr>
+          </a:lstStyle>
+          <a:p>
+            <a:pPr eaLnBrk="1" hangingPunct="1">
+              <a:spcBef>
+                <a:spcPct val="50000"/>
+              </a:spcBef>
+              <a:defRPr/>
+            </a:pPr>
+            <a:r>
+              <a:rPr lang="en-US" altLang="zh-CN" sz="2800" dirty="0" smtClean="0">
+                <a:solidFill>
+                  <a:srgbClr val="00A6E9"/>
+                </a:solidFill>
+                <a:latin typeface="微软雅黑" pitchFamily="34" charset="-122"/>
+                <a:ea typeface="微软雅黑" pitchFamily="34" charset="-122"/>
+              </a:rPr>
+              <a:t>3. </a:t>
+            </a:r>
+            <a:r>
+              <a:rPr lang="zh-CN" altLang="en-US" sz="2800" dirty="0">
+                <a:solidFill>
+                  <a:srgbClr val="00A6E9"/>
+                </a:solidFill>
+                <a:latin typeface="微软雅黑" pitchFamily="34" charset="-122"/>
+                <a:ea typeface="微软雅黑" pitchFamily="34" charset="-122"/>
+              </a:rPr>
+              <a:t>离线</a:t>
+            </a:r>
+            <a:r>
+              <a:rPr lang="zh-CN" altLang="en-US" sz="2800" dirty="0" smtClean="0">
+                <a:solidFill>
+                  <a:srgbClr val="00A6E9"/>
+                </a:solidFill>
+                <a:latin typeface="微软雅黑" pitchFamily="34" charset="-122"/>
+                <a:ea typeface="微软雅黑" pitchFamily="34" charset="-122"/>
+              </a:rPr>
+              <a:t>代理</a:t>
+            </a:r>
+            <a:endParaRPr lang="en-US" altLang="zh-CN" sz="2800" dirty="0" smtClean="0">
+              <a:solidFill>
+                <a:srgbClr val="00A6E9"/>
+              </a:solidFill>
+              <a:latin typeface="微软雅黑" pitchFamily="34" charset="-122"/>
+              <a:ea typeface="微软雅黑" pitchFamily="34" charset="-122"/>
+            </a:endParaRPr>
+          </a:p>
+          <a:p>
+            <a:pPr eaLnBrk="1" hangingPunct="1">
+              <a:spcBef>
+                <a:spcPct val="50000"/>
+              </a:spcBef>
+              <a:defRPr/>
+            </a:pPr>
+            <a:r>
+              <a:rPr lang="zh-CN" altLang="en-US" sz="2800" dirty="0" smtClean="0">
+                <a:solidFill>
+                  <a:srgbClr val="00A6E9"/>
+                </a:solidFill>
+                <a:latin typeface="微软雅黑" pitchFamily="34" charset="-122"/>
+                <a:ea typeface="微软雅黑" pitchFamily="34" charset="-122"/>
+              </a:rPr>
+              <a:t>通过服务端储存消息，客户端上线后发送消息</a:t>
+            </a:r>
+            <a:endParaRPr lang="en-US" altLang="zh-CN" sz="2800" dirty="0" smtClean="0">
+              <a:solidFill>
+                <a:srgbClr val="00A6E9"/>
+              </a:solidFill>
+              <a:latin typeface="微软雅黑" pitchFamily="34" charset="-122"/>
+              <a:ea typeface="微软雅黑" pitchFamily="34" charset="-122"/>
+            </a:endParaRPr>
+          </a:p>
+        </p:txBody>
+      </p:sp>
+    </p:spTree>
+    <p:extLst>
+      <p:ext uri="{BB962C8B-B14F-4D97-AF65-F5344CB8AC3E}">
+        <p14:creationId xmlns:p14="http://schemas.microsoft.com/office/powerpoint/2010/main" val="3750560508"/>
+      </p:ext>
+    </p:extLst>
+  </p:cSld>
+  <p:clrMapOvr>
+    <a:masterClrMapping/>
+  </p:clrMapOvr>
+  <p:transition>
+    <p:fade/>
+  </p:transition>
+</p:sld>
+</file>
+
+<file path=ppt/slides/slide14.xml><?xml version="1.0" encoding="utf-8"?>
+<p:sld xmlns:a="http://schemas.openxmlformats.org/drawingml/2006/main" xmlns:r="http://schemas.openxmlformats.org/officeDocument/2006/relationships" xmlns:p="http://schemas.openxmlformats.org/presentationml/2006/main">
+  <p:cSld>
+    <p:spTree>
+      <p:nvGrpSpPr>
+        <p:cNvPr id="1" name=""/>
+        <p:cNvGrpSpPr/>
+        <p:nvPr/>
+      </p:nvGrpSpPr>
+      <p:grpSpPr>
+        <a:xfrm>
+          <a:off x="0" y="0"/>
+          <a:ext cx="0" cy="0"/>
+          <a:chOff x="0" y="0"/>
+          <a:chExt cx="0" cy="0"/>
+        </a:xfrm>
+      </p:grpSpPr>
+      <p:sp>
+        <p:nvSpPr>
+          <p:cNvPr id="3" name="Text Box 3"/>
+          <p:cNvSpPr txBox="1">
+            <a:spLocks noChangeArrowheads="1"/>
+          </p:cNvSpPr>
+          <p:nvPr/>
+        </p:nvSpPr>
+        <p:spPr bwMode="auto">
+          <a:xfrm>
+            <a:off x="1296219" y="2052117"/>
+            <a:ext cx="8496944" cy="2462213"/>
+          </a:xfrm>
+          <a:prstGeom prst="rect">
+            <a:avLst/>
+          </a:prstGeom>
+          <a:noFill/>
+          <a:ln>
+            <a:noFill/>
+          </a:ln>
+          <a:extLst/>
+        </p:spPr>
+        <p:txBody>
+          <a:bodyPr wrap="square">
+            <a:spAutoFit/>
+          </a:bodyPr>
+          <a:lstStyle>
+            <a:lvl1pPr eaLnBrk="0" hangingPunct="0">
+              <a:defRPr b="1">
+                <a:solidFill>
+                  <a:schemeClr val="tx1"/>
+                </a:solidFill>
+                <a:latin typeface="Arial" charset="0"/>
+                <a:ea typeface="宋体" charset="-122"/>
+              </a:defRPr>
+            </a:lvl1pPr>
+            <a:lvl2pPr marL="742950" indent="-285750" eaLnBrk="0" hangingPunct="0">
+              <a:defRPr b="1">
+                <a:solidFill>
+                  <a:schemeClr val="tx1"/>
+                </a:solidFill>
+                <a:latin typeface="Arial" charset="0"/>
+                <a:ea typeface="宋体" charset="-122"/>
+              </a:defRPr>
+            </a:lvl2pPr>
+            <a:lvl3pPr marL="1143000" indent="-228600" eaLnBrk="0" hangingPunct="0">
+              <a:defRPr b="1">
+                <a:solidFill>
+                  <a:schemeClr val="tx1"/>
+                </a:solidFill>
+                <a:latin typeface="Arial" charset="0"/>
+                <a:ea typeface="宋体" charset="-122"/>
+              </a:defRPr>
+            </a:lvl3pPr>
+            <a:lvl4pPr marL="1600200" indent="-228600" eaLnBrk="0" hangingPunct="0">
+              <a:defRPr b="1">
+                <a:solidFill>
+                  <a:schemeClr val="tx1"/>
+                </a:solidFill>
+                <a:latin typeface="Arial" charset="0"/>
+                <a:ea typeface="宋体" charset="-122"/>
+              </a:defRPr>
+            </a:lvl4pPr>
+            <a:lvl5pPr marL="2057400" indent="-228600" eaLnBrk="0" hangingPunct="0">
+              <a:defRPr b="1">
+                <a:solidFill>
+                  <a:schemeClr val="tx1"/>
+                </a:solidFill>
+                <a:latin typeface="Arial" charset="0"/>
+                <a:ea typeface="宋体" charset="-122"/>
+              </a:defRPr>
+            </a:lvl5pPr>
+            <a:lvl6pPr marL="2514600" indent="-228600" eaLnBrk="0" fontAlgn="base" hangingPunct="0">
+              <a:spcBef>
+                <a:spcPct val="0"/>
+              </a:spcBef>
+              <a:spcAft>
+                <a:spcPct val="0"/>
+              </a:spcAft>
+              <a:defRPr b="1">
+                <a:solidFill>
+                  <a:schemeClr val="tx1"/>
+                </a:solidFill>
+                <a:latin typeface="Arial" charset="0"/>
+                <a:ea typeface="宋体" charset="-122"/>
+              </a:defRPr>
+            </a:lvl6pPr>
+            <a:lvl7pPr marL="2971800" indent="-228600" eaLnBrk="0" fontAlgn="base" hangingPunct="0">
+              <a:spcBef>
+                <a:spcPct val="0"/>
+              </a:spcBef>
+              <a:spcAft>
+                <a:spcPct val="0"/>
+              </a:spcAft>
+              <a:defRPr b="1">
+                <a:solidFill>
+                  <a:schemeClr val="tx1"/>
+                </a:solidFill>
+                <a:latin typeface="Arial" charset="0"/>
+                <a:ea typeface="宋体" charset="-122"/>
+              </a:defRPr>
+            </a:lvl7pPr>
+            <a:lvl8pPr marL="3429000" indent="-228600" eaLnBrk="0" fontAlgn="base" hangingPunct="0">
+              <a:spcBef>
+                <a:spcPct val="0"/>
+              </a:spcBef>
+              <a:spcAft>
+                <a:spcPct val="0"/>
+              </a:spcAft>
+              <a:defRPr b="1">
+                <a:solidFill>
+                  <a:schemeClr val="tx1"/>
+                </a:solidFill>
+                <a:latin typeface="Arial" charset="0"/>
+                <a:ea typeface="宋体" charset="-122"/>
+              </a:defRPr>
+            </a:lvl8pPr>
+            <a:lvl9pPr marL="3886200" indent="-228600" eaLnBrk="0" fontAlgn="base" hangingPunct="0">
+              <a:spcBef>
+                <a:spcPct val="0"/>
+              </a:spcBef>
+              <a:spcAft>
+                <a:spcPct val="0"/>
+              </a:spcAft>
+              <a:defRPr b="1">
+                <a:solidFill>
+                  <a:schemeClr val="tx1"/>
+                </a:solidFill>
+                <a:latin typeface="Arial" charset="0"/>
+                <a:ea typeface="宋体" charset="-122"/>
+              </a:defRPr>
+            </a:lvl9pPr>
+          </a:lstStyle>
+          <a:p>
+            <a:pPr eaLnBrk="1" hangingPunct="1">
+              <a:spcBef>
+                <a:spcPct val="50000"/>
+              </a:spcBef>
+              <a:defRPr/>
+            </a:pPr>
+            <a:r>
+              <a:rPr lang="en-US" altLang="zh-CN" sz="2800" dirty="0" smtClean="0">
+                <a:solidFill>
+                  <a:srgbClr val="00A6E9"/>
+                </a:solidFill>
+                <a:latin typeface="微软雅黑" pitchFamily="34" charset="-122"/>
+                <a:ea typeface="微软雅黑" pitchFamily="34" charset="-122"/>
+              </a:rPr>
+              <a:t>3. </a:t>
+            </a:r>
+            <a:r>
+              <a:rPr lang="zh-CN" altLang="en-US" sz="2800" dirty="0">
+                <a:solidFill>
+                  <a:srgbClr val="00A6E9"/>
+                </a:solidFill>
+                <a:latin typeface="微软雅黑" pitchFamily="34" charset="-122"/>
+                <a:ea typeface="微软雅黑" pitchFamily="34" charset="-122"/>
+              </a:rPr>
+              <a:t>扩展</a:t>
+            </a:r>
+            <a:r>
+              <a:rPr lang="zh-CN" altLang="en-US" sz="2800" dirty="0" smtClean="0">
+                <a:solidFill>
+                  <a:srgbClr val="00A6E9"/>
+                </a:solidFill>
+                <a:latin typeface="微软雅黑" pitchFamily="34" charset="-122"/>
+                <a:ea typeface="微软雅黑" pitchFamily="34" charset="-122"/>
+              </a:rPr>
+              <a:t>代理</a:t>
+            </a:r>
+            <a:endParaRPr lang="en-US" altLang="zh-CN" sz="2800" dirty="0" smtClean="0">
+              <a:solidFill>
+                <a:srgbClr val="00A6E9"/>
+              </a:solidFill>
+              <a:latin typeface="微软雅黑" pitchFamily="34" charset="-122"/>
+              <a:ea typeface="微软雅黑" pitchFamily="34" charset="-122"/>
+            </a:endParaRPr>
+          </a:p>
+          <a:p>
+            <a:pPr eaLnBrk="1" hangingPunct="1">
+              <a:spcBef>
+                <a:spcPct val="50000"/>
+              </a:spcBef>
+              <a:defRPr/>
+            </a:pPr>
+            <a:r>
+              <a:rPr lang="zh-CN" altLang="en-US" sz="2800" dirty="0" smtClean="0">
+                <a:solidFill>
+                  <a:srgbClr val="00A6E9"/>
+                </a:solidFill>
+                <a:latin typeface="微软雅黑" pitchFamily="34" charset="-122"/>
+                <a:ea typeface="微软雅黑" pitchFamily="34" charset="-122"/>
+              </a:rPr>
+              <a:t>好友不在线，通过其他形式通知好友</a:t>
+            </a:r>
+            <a:endParaRPr lang="en-US" altLang="zh-CN" sz="2800" dirty="0" smtClean="0">
+              <a:solidFill>
+                <a:srgbClr val="00A6E9"/>
+              </a:solidFill>
+              <a:latin typeface="微软雅黑" pitchFamily="34" charset="-122"/>
+              <a:ea typeface="微软雅黑" pitchFamily="34" charset="-122"/>
+            </a:endParaRPr>
+          </a:p>
+          <a:p>
+            <a:pPr eaLnBrk="1" hangingPunct="1">
+              <a:spcBef>
+                <a:spcPct val="50000"/>
+              </a:spcBef>
+              <a:defRPr/>
+            </a:pPr>
+            <a:r>
+              <a:rPr lang="en-US" altLang="zh-CN" sz="2800" dirty="0" smtClean="0">
+                <a:solidFill>
+                  <a:srgbClr val="00A6E9"/>
+                </a:solidFill>
+                <a:latin typeface="微软雅黑" pitchFamily="34" charset="-122"/>
+                <a:ea typeface="微软雅黑" pitchFamily="34" charset="-122"/>
+              </a:rPr>
+              <a:t>	</a:t>
+            </a:r>
+            <a:r>
+              <a:rPr lang="zh-CN" altLang="en-US" sz="2800" dirty="0" smtClean="0">
+                <a:solidFill>
+                  <a:srgbClr val="00A6E9"/>
+                </a:solidFill>
+                <a:latin typeface="微软雅黑" pitchFamily="34" charset="-122"/>
+                <a:ea typeface="微软雅黑" pitchFamily="34" charset="-122"/>
+              </a:rPr>
+              <a:t>邮件  短信</a:t>
+            </a:r>
+            <a:endParaRPr lang="en-US" altLang="zh-CN" sz="2800" dirty="0" smtClean="0">
+              <a:solidFill>
+                <a:srgbClr val="00A6E9"/>
+              </a:solidFill>
+              <a:latin typeface="微软雅黑" pitchFamily="34" charset="-122"/>
+              <a:ea typeface="微软雅黑" pitchFamily="34" charset="-122"/>
+            </a:endParaRPr>
+          </a:p>
+          <a:p>
+            <a:pPr eaLnBrk="1" hangingPunct="1">
+              <a:spcBef>
+                <a:spcPct val="50000"/>
+              </a:spcBef>
+              <a:defRPr/>
+            </a:pPr>
+            <a:r>
+              <a:rPr lang="en-US" altLang="zh-CN" sz="2800" dirty="0" smtClean="0">
+                <a:solidFill>
+                  <a:srgbClr val="00A6E9"/>
+                </a:solidFill>
+                <a:latin typeface="微软雅黑" pitchFamily="34" charset="-122"/>
+                <a:ea typeface="微软雅黑" pitchFamily="34" charset="-122"/>
+              </a:rPr>
+              <a:t>	QQ</a:t>
+            </a:r>
+            <a:r>
+              <a:rPr lang="zh-CN" altLang="en-US" sz="2800" dirty="0" smtClean="0">
+                <a:solidFill>
+                  <a:srgbClr val="00A6E9"/>
+                </a:solidFill>
+                <a:latin typeface="微软雅黑" pitchFamily="34" charset="-122"/>
+                <a:ea typeface="微软雅黑" pitchFamily="34" charset="-122"/>
+              </a:rPr>
+              <a:t>会员特权</a:t>
+            </a:r>
+            <a:endParaRPr lang="en-US" altLang="zh-CN" sz="2800" dirty="0" smtClean="0">
+              <a:solidFill>
+                <a:srgbClr val="00A6E9"/>
+              </a:solidFill>
+              <a:latin typeface="微软雅黑" pitchFamily="34" charset="-122"/>
+              <a:ea typeface="微软雅黑" pitchFamily="34" charset="-122"/>
+            </a:endParaRPr>
+          </a:p>
+        </p:txBody>
+      </p:sp>
+    </p:spTree>
+    <p:extLst>
+      <p:ext uri="{BB962C8B-B14F-4D97-AF65-F5344CB8AC3E}">
+        <p14:creationId xmlns:p14="http://schemas.microsoft.com/office/powerpoint/2010/main" val="461741938"/>
+      </p:ext>
+    </p:extLst>
+  </p:cSld>
+  <p:clrMapOvr>
+    <a:masterClrMapping/>
+  </p:clrMapOvr>
+  <p:transition>
+    <p:fade/>
+  </p:transition>
+</p:sld>
+</file>
+
+<file path=ppt/slides/slide15.xml><?xml version="1.0" encoding="utf-8"?>
+<p:sld xmlns:a="http://schemas.openxmlformats.org/drawingml/2006/main" xmlns:r="http://schemas.openxmlformats.org/officeDocument/2006/relationships" xmlns:p="http://schemas.openxmlformats.org/presentationml/2006/main">
+  <p:cSld>
+    <p:spTree>
+      <p:nvGrpSpPr>
+        <p:cNvPr id="1" name=""/>
+        <p:cNvGrpSpPr/>
+        <p:nvPr/>
+      </p:nvGrpSpPr>
+      <p:grpSpPr>
+        <a:xfrm>
+          <a:off x="0" y="0"/>
+          <a:ext cx="0" cy="0"/>
+          <a:chOff x="0" y="0"/>
+          <a:chExt cx="0" cy="0"/>
+        </a:xfrm>
+      </p:grpSpPr>
+      <p:sp>
+        <p:nvSpPr>
+          <p:cNvPr id="4" name="TextBox 3"/>
+          <p:cNvSpPr txBox="1"/>
+          <p:nvPr/>
+        </p:nvSpPr>
+        <p:spPr>
+          <a:xfrm>
+            <a:off x="3672483" y="2266255"/>
+            <a:ext cx="5066580" cy="769441"/>
+          </a:xfrm>
+          <a:prstGeom prst="rect">
+            <a:avLst/>
+          </a:prstGeom>
+          <a:noFill/>
+        </p:spPr>
+        <p:txBody>
+          <a:bodyPr wrap="none">
+            <a:spAutoFit/>
+          </a:bodyPr>
+          <a:lstStyle/>
+          <a:p>
+            <a:pPr>
+              <a:defRPr/>
+            </a:pPr>
+            <a:r>
+              <a:rPr lang="zh-CN" altLang="en-US" sz="4400" dirty="0" smtClean="0">
+                <a:solidFill>
+                  <a:schemeClr val="bg1">
+                    <a:lumMod val="50000"/>
+                  </a:schemeClr>
+                </a:solidFill>
+                <a:latin typeface="微软雅黑" pitchFamily="34" charset="-122"/>
+                <a:ea typeface="微软雅黑" pitchFamily="34" charset="-122"/>
+              </a:rPr>
+              <a:t>服务端原理 </a:t>
+            </a:r>
+            <a:r>
+              <a:rPr lang="en-US" altLang="zh-CN" sz="4400" dirty="0" smtClean="0">
+                <a:solidFill>
+                  <a:schemeClr val="bg1">
+                    <a:lumMod val="50000"/>
+                  </a:schemeClr>
+                </a:solidFill>
+                <a:latin typeface="微软雅黑" pitchFamily="34" charset="-122"/>
+                <a:ea typeface="微软雅黑" pitchFamily="34" charset="-122"/>
+              </a:rPr>
+              <a:t>Socket</a:t>
+            </a:r>
+            <a:endParaRPr lang="en-US" altLang="zh-CN" sz="4400" dirty="0">
+              <a:solidFill>
+                <a:schemeClr val="bg1">
+                  <a:lumMod val="50000"/>
+                </a:schemeClr>
+              </a:solidFill>
+              <a:latin typeface="微软雅黑" pitchFamily="34" charset="-122"/>
+              <a:ea typeface="微软雅黑" pitchFamily="34" charset="-122"/>
+            </a:endParaRPr>
+          </a:p>
+        </p:txBody>
+      </p:sp>
+      <p:sp>
+        <p:nvSpPr>
+          <p:cNvPr id="5" name="Text Box 3"/>
+          <p:cNvSpPr txBox="1">
+            <a:spLocks noChangeArrowheads="1"/>
+          </p:cNvSpPr>
+          <p:nvPr/>
+        </p:nvSpPr>
+        <p:spPr bwMode="auto">
+          <a:xfrm flipH="1">
+            <a:off x="1944291" y="1186136"/>
+            <a:ext cx="1285875" cy="3170099"/>
+          </a:xfrm>
+          <a:prstGeom prst="rect">
+            <a:avLst/>
+          </a:prstGeom>
+          <a:noFill/>
+          <a:ln>
+            <a:noFill/>
+          </a:ln>
+          <a:extLst/>
+        </p:spPr>
+        <p:txBody>
+          <a:bodyPr>
+            <a:spAutoFit/>
+          </a:bodyPr>
+          <a:lstStyle/>
+          <a:p>
+            <a:pPr>
+              <a:spcBef>
+                <a:spcPct val="50000"/>
+              </a:spcBef>
+              <a:defRPr/>
+            </a:pPr>
+            <a:r>
+              <a:rPr lang="en-US" altLang="zh-CN" sz="20000" dirty="0" smtClean="0">
+                <a:solidFill>
+                  <a:srgbClr val="0092D2"/>
+                </a:solidFill>
+                <a:effectLst>
+                  <a:outerShdw blurRad="38100" dist="38100" dir="2700000" algn="tl">
+                    <a:srgbClr val="000000"/>
+                  </a:outerShdw>
+                </a:effectLst>
+                <a:ea typeface="微软雅黑" pitchFamily="34" charset="-122"/>
+              </a:rPr>
+              <a:t>4</a:t>
+            </a:r>
+            <a:endParaRPr lang="en-US" altLang="zh-CN" sz="20000" dirty="0">
+              <a:solidFill>
+                <a:srgbClr val="0092D2"/>
+              </a:solidFill>
+              <a:effectLst>
+                <a:outerShdw blurRad="38100" dist="38100" dir="2700000" algn="tl">
+                  <a:srgbClr val="000000"/>
+                </a:outerShdw>
+              </a:effectLst>
+              <a:ea typeface="微软雅黑" pitchFamily="34" charset="-122"/>
+            </a:endParaRPr>
+          </a:p>
+        </p:txBody>
+      </p:sp>
+    </p:spTree>
+    <p:extLst>
+      <p:ext uri="{BB962C8B-B14F-4D97-AF65-F5344CB8AC3E}">
+        <p14:creationId xmlns:p14="http://schemas.microsoft.com/office/powerpoint/2010/main" val="899155329"/>
+      </p:ext>
+    </p:extLst>
+  </p:cSld>
+  <p:clrMapOvr>
+    <a:masterClrMapping/>
+  </p:clrMapOvr>
+  <p:transition>
+    <p:fade/>
+  </p:transition>
+</p:sld>
+</file>
+
+<file path=ppt/slides/slide16.xml><?xml version="1.0" encoding="utf-8"?>
+<p:sld xmlns:a="http://schemas.openxmlformats.org/drawingml/2006/main" xmlns:r="http://schemas.openxmlformats.org/officeDocument/2006/relationships" xmlns:p="http://schemas.openxmlformats.org/presentationml/2006/main">
+  <p:cSld>
+    <p:spTree>
+      <p:nvGrpSpPr>
+        <p:cNvPr id="1" name=""/>
+        <p:cNvGrpSpPr/>
+        <p:nvPr/>
+      </p:nvGrpSpPr>
+      <p:grpSpPr>
+        <a:xfrm>
+          <a:off x="0" y="0"/>
+          <a:ext cx="0" cy="0"/>
+          <a:chOff x="0" y="0"/>
+          <a:chExt cx="0" cy="0"/>
+        </a:xfrm>
+      </p:grpSpPr>
+      <p:sp>
+        <p:nvSpPr>
+          <p:cNvPr id="4" name="Text Box 3"/>
+          <p:cNvSpPr txBox="1">
+            <a:spLocks noChangeArrowheads="1"/>
+          </p:cNvSpPr>
+          <p:nvPr/>
+        </p:nvSpPr>
+        <p:spPr bwMode="auto">
+          <a:xfrm>
+            <a:off x="1296219" y="1556023"/>
+            <a:ext cx="8496944" cy="523220"/>
+          </a:xfrm>
+          <a:prstGeom prst="rect">
+            <a:avLst/>
+          </a:prstGeom>
+          <a:noFill/>
+          <a:ln>
+            <a:noFill/>
+          </a:ln>
+          <a:extLst/>
+        </p:spPr>
+        <p:txBody>
+          <a:bodyPr wrap="square">
+            <a:spAutoFit/>
+          </a:bodyPr>
+          <a:lstStyle>
+            <a:lvl1pPr eaLnBrk="0" hangingPunct="0">
+              <a:defRPr b="1">
+                <a:solidFill>
+                  <a:schemeClr val="tx1"/>
+                </a:solidFill>
+                <a:latin typeface="Arial" charset="0"/>
+                <a:ea typeface="宋体" charset="-122"/>
+              </a:defRPr>
+            </a:lvl1pPr>
+            <a:lvl2pPr marL="742950" indent="-285750" eaLnBrk="0" hangingPunct="0">
+              <a:defRPr b="1">
+                <a:solidFill>
+                  <a:schemeClr val="tx1"/>
+                </a:solidFill>
+                <a:latin typeface="Arial" charset="0"/>
+                <a:ea typeface="宋体" charset="-122"/>
+              </a:defRPr>
+            </a:lvl2pPr>
+            <a:lvl3pPr marL="1143000" indent="-228600" eaLnBrk="0" hangingPunct="0">
+              <a:defRPr b="1">
+                <a:solidFill>
+                  <a:schemeClr val="tx1"/>
+                </a:solidFill>
+                <a:latin typeface="Arial" charset="0"/>
+                <a:ea typeface="宋体" charset="-122"/>
+              </a:defRPr>
+            </a:lvl3pPr>
+            <a:lvl4pPr marL="1600200" indent="-228600" eaLnBrk="0" hangingPunct="0">
+              <a:defRPr b="1">
+                <a:solidFill>
+                  <a:schemeClr val="tx1"/>
+                </a:solidFill>
+                <a:latin typeface="Arial" charset="0"/>
+                <a:ea typeface="宋体" charset="-122"/>
+              </a:defRPr>
+            </a:lvl4pPr>
+            <a:lvl5pPr marL="2057400" indent="-228600" eaLnBrk="0" hangingPunct="0">
+              <a:defRPr b="1">
+                <a:solidFill>
+                  <a:schemeClr val="tx1"/>
+                </a:solidFill>
+                <a:latin typeface="Arial" charset="0"/>
+                <a:ea typeface="宋体" charset="-122"/>
+              </a:defRPr>
+            </a:lvl5pPr>
+            <a:lvl6pPr marL="2514600" indent="-228600" eaLnBrk="0" fontAlgn="base" hangingPunct="0">
+              <a:spcBef>
+                <a:spcPct val="0"/>
+              </a:spcBef>
+              <a:spcAft>
+                <a:spcPct val="0"/>
+              </a:spcAft>
+              <a:defRPr b="1">
+                <a:solidFill>
+                  <a:schemeClr val="tx1"/>
+                </a:solidFill>
+                <a:latin typeface="Arial" charset="0"/>
+                <a:ea typeface="宋体" charset="-122"/>
+              </a:defRPr>
+            </a:lvl6pPr>
+            <a:lvl7pPr marL="2971800" indent="-228600" eaLnBrk="0" fontAlgn="base" hangingPunct="0">
+              <a:spcBef>
+                <a:spcPct val="0"/>
+              </a:spcBef>
+              <a:spcAft>
+                <a:spcPct val="0"/>
+              </a:spcAft>
+              <a:defRPr b="1">
+                <a:solidFill>
+                  <a:schemeClr val="tx1"/>
+                </a:solidFill>
+                <a:latin typeface="Arial" charset="0"/>
+                <a:ea typeface="宋体" charset="-122"/>
+              </a:defRPr>
+            </a:lvl7pPr>
+            <a:lvl8pPr marL="3429000" indent="-228600" eaLnBrk="0" fontAlgn="base" hangingPunct="0">
+              <a:spcBef>
+                <a:spcPct val="0"/>
+              </a:spcBef>
+              <a:spcAft>
+                <a:spcPct val="0"/>
+              </a:spcAft>
+              <a:defRPr b="1">
+                <a:solidFill>
+                  <a:schemeClr val="tx1"/>
+                </a:solidFill>
+                <a:latin typeface="Arial" charset="0"/>
+                <a:ea typeface="宋体" charset="-122"/>
+              </a:defRPr>
+            </a:lvl8pPr>
+            <a:lvl9pPr marL="3886200" indent="-228600" eaLnBrk="0" fontAlgn="base" hangingPunct="0">
+              <a:spcBef>
+                <a:spcPct val="0"/>
+              </a:spcBef>
+              <a:spcAft>
+                <a:spcPct val="0"/>
+              </a:spcAft>
+              <a:defRPr b="1">
+                <a:solidFill>
+                  <a:schemeClr val="tx1"/>
+                </a:solidFill>
+                <a:latin typeface="Arial" charset="0"/>
+                <a:ea typeface="宋体" charset="-122"/>
+              </a:defRPr>
+            </a:lvl9pPr>
+          </a:lstStyle>
+          <a:p>
+            <a:pPr eaLnBrk="1" hangingPunct="1">
+              <a:spcBef>
+                <a:spcPct val="50000"/>
+              </a:spcBef>
+              <a:defRPr/>
+            </a:pPr>
+            <a:r>
+              <a:rPr lang="en-US" altLang="zh-CN" sz="2800" dirty="0" smtClean="0">
+                <a:solidFill>
+                  <a:srgbClr val="00A6E9"/>
+                </a:solidFill>
+                <a:latin typeface="微软雅黑" pitchFamily="34" charset="-122"/>
+                <a:ea typeface="微软雅黑" pitchFamily="34" charset="-122"/>
+              </a:rPr>
+              <a:t>TCP/IP  </a:t>
+            </a:r>
+            <a:r>
+              <a:rPr lang="zh-CN" altLang="en-US" sz="2800" dirty="0" smtClean="0">
+                <a:solidFill>
+                  <a:srgbClr val="00A6E9"/>
+                </a:solidFill>
+                <a:latin typeface="微软雅黑" pitchFamily="34" charset="-122"/>
+                <a:ea typeface="微软雅黑" pitchFamily="34" charset="-122"/>
+              </a:rPr>
+              <a:t>协议的 </a:t>
+            </a:r>
+            <a:r>
+              <a:rPr lang="en-US" altLang="zh-CN" sz="2800" dirty="0" smtClean="0">
+                <a:solidFill>
+                  <a:srgbClr val="00A6E9"/>
+                </a:solidFill>
+                <a:latin typeface="微软雅黑" pitchFamily="34" charset="-122"/>
+                <a:ea typeface="微软雅黑" pitchFamily="34" charset="-122"/>
+              </a:rPr>
+              <a:t>API   Socket</a:t>
+            </a:r>
+            <a:endParaRPr lang="en-US" altLang="zh-CN" sz="2800" dirty="0" smtClean="0">
+              <a:solidFill>
+                <a:srgbClr val="00A6E9"/>
+              </a:solidFill>
+              <a:latin typeface="微软雅黑" pitchFamily="34" charset="-122"/>
+              <a:ea typeface="微软雅黑" pitchFamily="34" charset="-122"/>
+            </a:endParaRPr>
+          </a:p>
+        </p:txBody>
+      </p:sp>
+    </p:spTree>
+    <p:extLst>
+      <p:ext uri="{BB962C8B-B14F-4D97-AF65-F5344CB8AC3E}">
+        <p14:creationId xmlns:p14="http://schemas.microsoft.com/office/powerpoint/2010/main" val="2818377057"/>
+      </p:ext>
+    </p:extLst>
+  </p:cSld>
+  <p:clrMapOvr>
+    <a:masterClrMapping/>
+  </p:clrMapOvr>
+  <p:transition>
+    <p:fade/>
+  </p:transition>
+</p:sld>
+</file>
+
+<file path=ppt/slides/slide17.xml><?xml version="1.0" encoding="utf-8"?>
 <p:sld xmlns:a="http://schemas.openxmlformats.org/drawingml/2006/main" xmlns:r="http://schemas.openxmlformats.org/officeDocument/2006/relationships" xmlns:p="http://schemas.openxmlformats.org/presentationml/2006/main">
   <p:cSld>
     <p:spTree>
@@ -10679,7 +11971,7 @@
 </p:sld>
 </file>
 
-<file path=ppt/slides/slide5.xml><?xml version="1.0" encoding="utf-8"?>
+<file path=ppt/slides/slide18.xml><?xml version="1.0" encoding="utf-8"?>
 <p:sld xmlns:a="http://schemas.openxmlformats.org/drawingml/2006/main" xmlns:r="http://schemas.openxmlformats.org/officeDocument/2006/relationships" xmlns:p="http://schemas.openxmlformats.org/presentationml/2006/main">
   <p:cSld>
     <p:spTree>
@@ -11207,6 +12499,1415 @@
 </p:sld>
 </file>
 
+<file path=ppt/slides/slide19.xml><?xml version="1.0" encoding="utf-8"?>
+<p:sld xmlns:a="http://schemas.openxmlformats.org/drawingml/2006/main" xmlns:r="http://schemas.openxmlformats.org/officeDocument/2006/relationships" xmlns:p="http://schemas.openxmlformats.org/presentationml/2006/main">
+  <p:cSld>
+    <p:spTree>
+      <p:nvGrpSpPr>
+        <p:cNvPr id="1" name=""/>
+        <p:cNvGrpSpPr/>
+        <p:nvPr/>
+      </p:nvGrpSpPr>
+      <p:grpSpPr>
+        <a:xfrm>
+          <a:off x="0" y="0"/>
+          <a:ext cx="0" cy="0"/>
+          <a:chOff x="0" y="0"/>
+          <a:chExt cx="0" cy="0"/>
+        </a:xfrm>
+      </p:grpSpPr>
+      <p:sp>
+        <p:nvSpPr>
+          <p:cNvPr id="4" name="Text Box 3"/>
+          <p:cNvSpPr txBox="1">
+            <a:spLocks noChangeArrowheads="1"/>
+          </p:cNvSpPr>
+          <p:nvPr/>
+        </p:nvSpPr>
+        <p:spPr bwMode="auto">
+          <a:xfrm>
+            <a:off x="1296219" y="1556023"/>
+            <a:ext cx="8496944" cy="1815882"/>
+          </a:xfrm>
+          <a:prstGeom prst="rect">
+            <a:avLst/>
+          </a:prstGeom>
+          <a:noFill/>
+          <a:ln>
+            <a:noFill/>
+          </a:ln>
+          <a:extLst/>
+        </p:spPr>
+        <p:txBody>
+          <a:bodyPr wrap="square">
+            <a:spAutoFit/>
+          </a:bodyPr>
+          <a:lstStyle>
+            <a:lvl1pPr eaLnBrk="0" hangingPunct="0">
+              <a:defRPr b="1">
+                <a:solidFill>
+                  <a:schemeClr val="tx1"/>
+                </a:solidFill>
+                <a:latin typeface="Arial" charset="0"/>
+                <a:ea typeface="宋体" charset="-122"/>
+              </a:defRPr>
+            </a:lvl1pPr>
+            <a:lvl2pPr marL="742950" indent="-285750" eaLnBrk="0" hangingPunct="0">
+              <a:defRPr b="1">
+                <a:solidFill>
+                  <a:schemeClr val="tx1"/>
+                </a:solidFill>
+                <a:latin typeface="Arial" charset="0"/>
+                <a:ea typeface="宋体" charset="-122"/>
+              </a:defRPr>
+            </a:lvl2pPr>
+            <a:lvl3pPr marL="1143000" indent="-228600" eaLnBrk="0" hangingPunct="0">
+              <a:defRPr b="1">
+                <a:solidFill>
+                  <a:schemeClr val="tx1"/>
+                </a:solidFill>
+                <a:latin typeface="Arial" charset="0"/>
+                <a:ea typeface="宋体" charset="-122"/>
+              </a:defRPr>
+            </a:lvl3pPr>
+            <a:lvl4pPr marL="1600200" indent="-228600" eaLnBrk="0" hangingPunct="0">
+              <a:defRPr b="1">
+                <a:solidFill>
+                  <a:schemeClr val="tx1"/>
+                </a:solidFill>
+                <a:latin typeface="Arial" charset="0"/>
+                <a:ea typeface="宋体" charset="-122"/>
+              </a:defRPr>
+            </a:lvl4pPr>
+            <a:lvl5pPr marL="2057400" indent="-228600" eaLnBrk="0" hangingPunct="0">
+              <a:defRPr b="1">
+                <a:solidFill>
+                  <a:schemeClr val="tx1"/>
+                </a:solidFill>
+                <a:latin typeface="Arial" charset="0"/>
+                <a:ea typeface="宋体" charset="-122"/>
+              </a:defRPr>
+            </a:lvl5pPr>
+            <a:lvl6pPr marL="2514600" indent="-228600" eaLnBrk="0" fontAlgn="base" hangingPunct="0">
+              <a:spcBef>
+                <a:spcPct val="0"/>
+              </a:spcBef>
+              <a:spcAft>
+                <a:spcPct val="0"/>
+              </a:spcAft>
+              <a:defRPr b="1">
+                <a:solidFill>
+                  <a:schemeClr val="tx1"/>
+                </a:solidFill>
+                <a:latin typeface="Arial" charset="0"/>
+                <a:ea typeface="宋体" charset="-122"/>
+              </a:defRPr>
+            </a:lvl6pPr>
+            <a:lvl7pPr marL="2971800" indent="-228600" eaLnBrk="0" fontAlgn="base" hangingPunct="0">
+              <a:spcBef>
+                <a:spcPct val="0"/>
+              </a:spcBef>
+              <a:spcAft>
+                <a:spcPct val="0"/>
+              </a:spcAft>
+              <a:defRPr b="1">
+                <a:solidFill>
+                  <a:schemeClr val="tx1"/>
+                </a:solidFill>
+                <a:latin typeface="Arial" charset="0"/>
+                <a:ea typeface="宋体" charset="-122"/>
+              </a:defRPr>
+            </a:lvl7pPr>
+            <a:lvl8pPr marL="3429000" indent="-228600" eaLnBrk="0" fontAlgn="base" hangingPunct="0">
+              <a:spcBef>
+                <a:spcPct val="0"/>
+              </a:spcBef>
+              <a:spcAft>
+                <a:spcPct val="0"/>
+              </a:spcAft>
+              <a:defRPr b="1">
+                <a:solidFill>
+                  <a:schemeClr val="tx1"/>
+                </a:solidFill>
+                <a:latin typeface="Arial" charset="0"/>
+                <a:ea typeface="宋体" charset="-122"/>
+              </a:defRPr>
+            </a:lvl8pPr>
+            <a:lvl9pPr marL="3886200" indent="-228600" eaLnBrk="0" fontAlgn="base" hangingPunct="0">
+              <a:spcBef>
+                <a:spcPct val="0"/>
+              </a:spcBef>
+              <a:spcAft>
+                <a:spcPct val="0"/>
+              </a:spcAft>
+              <a:defRPr b="1">
+                <a:solidFill>
+                  <a:schemeClr val="tx1"/>
+                </a:solidFill>
+                <a:latin typeface="Arial" charset="0"/>
+                <a:ea typeface="宋体" charset="-122"/>
+              </a:defRPr>
+            </a:lvl9pPr>
+          </a:lstStyle>
+          <a:p>
+            <a:pPr eaLnBrk="1" hangingPunct="1">
+              <a:spcBef>
+                <a:spcPct val="50000"/>
+              </a:spcBef>
+              <a:defRPr/>
+            </a:pPr>
+            <a:r>
+              <a:rPr lang="zh-CN" altLang="en-US" sz="2800" dirty="0" smtClean="0">
+                <a:solidFill>
+                  <a:srgbClr val="00A6E9"/>
+                </a:solidFill>
+                <a:latin typeface="微软雅黑" pitchFamily="34" charset="-122"/>
+                <a:ea typeface="微软雅黑" pitchFamily="34" charset="-122"/>
+              </a:rPr>
+              <a:t>冰</a:t>
+            </a:r>
+            <a:r>
+              <a:rPr lang="zh-CN" altLang="en-US" sz="2800" dirty="0" smtClean="0">
+                <a:solidFill>
+                  <a:srgbClr val="00A6E9"/>
+                </a:solidFill>
+                <a:latin typeface="微软雅黑" pitchFamily="34" charset="-122"/>
+                <a:ea typeface="微软雅黑" pitchFamily="34" charset="-122"/>
+              </a:rPr>
+              <a:t>蓝 </a:t>
+            </a:r>
+            <a:r>
+              <a:rPr lang="en-US" altLang="zh-TW" sz="2800" dirty="0" smtClean="0">
+                <a:solidFill>
+                  <a:srgbClr val="00A6E9"/>
+                </a:solidFill>
+                <a:latin typeface="微软雅黑" pitchFamily="34" charset="-122"/>
+                <a:ea typeface="微软雅黑" pitchFamily="34" charset="-122"/>
+              </a:rPr>
+              <a:t>C:100  M:0  Y:0  K:0</a:t>
+            </a:r>
+            <a:r>
+              <a:rPr lang="zh-CN" altLang="en-US" sz="2800" dirty="0" smtClean="0">
+                <a:solidFill>
+                  <a:srgbClr val="00A6E9"/>
+                </a:solidFill>
+                <a:latin typeface="微软雅黑" pitchFamily="34" charset="-122"/>
+                <a:ea typeface="微软雅黑" pitchFamily="34" charset="-122"/>
+              </a:rPr>
+              <a:t> 或 </a:t>
+            </a:r>
+            <a:r>
+              <a:rPr lang="en-US" altLang="zh-CN" sz="2800" dirty="0" smtClean="0">
+                <a:solidFill>
+                  <a:srgbClr val="00A6E9"/>
+                </a:solidFill>
+                <a:latin typeface="微软雅黑" pitchFamily="34" charset="-122"/>
+                <a:ea typeface="微软雅黑" pitchFamily="34" charset="-122"/>
+              </a:rPr>
+              <a:t>R:0</a:t>
+            </a:r>
+            <a:r>
+              <a:rPr lang="zh-CN" altLang="en-US" sz="2800" dirty="0" smtClean="0">
+                <a:solidFill>
+                  <a:srgbClr val="00A6E9"/>
+                </a:solidFill>
+                <a:latin typeface="微软雅黑" pitchFamily="34" charset="-122"/>
+                <a:ea typeface="微软雅黑" pitchFamily="34" charset="-122"/>
+              </a:rPr>
+              <a:t> </a:t>
+            </a:r>
+            <a:r>
+              <a:rPr lang="en-US" altLang="zh-CN" sz="2800" dirty="0" smtClean="0">
+                <a:solidFill>
+                  <a:srgbClr val="00A6E9"/>
+                </a:solidFill>
+                <a:latin typeface="微软雅黑" pitchFamily="34" charset="-122"/>
+                <a:ea typeface="微软雅黑" pitchFamily="34" charset="-122"/>
+              </a:rPr>
+              <a:t>G:166</a:t>
+            </a:r>
+            <a:r>
+              <a:rPr lang="zh-CN" altLang="en-US" sz="2800" dirty="0" smtClean="0">
+                <a:solidFill>
+                  <a:srgbClr val="00A6E9"/>
+                </a:solidFill>
+                <a:latin typeface="微软雅黑" pitchFamily="34" charset="-122"/>
+                <a:ea typeface="微软雅黑" pitchFamily="34" charset="-122"/>
+              </a:rPr>
+              <a:t> </a:t>
+            </a:r>
+            <a:r>
+              <a:rPr lang="en-US" altLang="zh-CN" sz="2800" dirty="0" smtClean="0">
+                <a:solidFill>
+                  <a:srgbClr val="00A6E9"/>
+                </a:solidFill>
+                <a:latin typeface="微软雅黑" pitchFamily="34" charset="-122"/>
+                <a:ea typeface="微软雅黑" pitchFamily="34" charset="-122"/>
+              </a:rPr>
+              <a:t>B:233</a:t>
+            </a:r>
+          </a:p>
+          <a:p>
+            <a:pPr eaLnBrk="1" hangingPunct="1">
+              <a:spcBef>
+                <a:spcPct val="50000"/>
+              </a:spcBef>
+              <a:defRPr/>
+            </a:pPr>
+            <a:r>
+              <a:rPr lang="zh-CN" altLang="en-US" sz="2800" dirty="0" smtClean="0">
+                <a:solidFill>
+                  <a:srgbClr val="ED6C00"/>
+                </a:solidFill>
+                <a:latin typeface="微软雅黑" pitchFamily="34" charset="-122"/>
+                <a:ea typeface="微软雅黑" pitchFamily="34" charset="-122"/>
+              </a:rPr>
+              <a:t>橙色 </a:t>
+            </a:r>
+            <a:r>
+              <a:rPr lang="en-US" altLang="zh-CN" sz="2800" dirty="0" smtClean="0">
+                <a:solidFill>
+                  <a:srgbClr val="ED6C00"/>
+                </a:solidFill>
+                <a:latin typeface="微软雅黑" pitchFamily="34" charset="-122"/>
+                <a:ea typeface="微软雅黑" pitchFamily="34" charset="-122"/>
+              </a:rPr>
+              <a:t>C:0  M:70  Y:100  K:0</a:t>
+            </a:r>
+            <a:r>
+              <a:rPr lang="zh-CN" altLang="en-US" sz="2800" dirty="0" smtClean="0">
+                <a:solidFill>
+                  <a:srgbClr val="ED6C00"/>
+                </a:solidFill>
+                <a:latin typeface="微软雅黑" pitchFamily="34" charset="-122"/>
+                <a:ea typeface="微软雅黑" pitchFamily="34" charset="-122"/>
+              </a:rPr>
+              <a:t> 或 </a:t>
+            </a:r>
+            <a:r>
+              <a:rPr lang="en-US" altLang="zh-CN" sz="2800" dirty="0" smtClean="0">
+                <a:solidFill>
+                  <a:srgbClr val="ED6C00"/>
+                </a:solidFill>
+                <a:latin typeface="微软雅黑" pitchFamily="34" charset="-122"/>
+                <a:ea typeface="微软雅黑" pitchFamily="34" charset="-122"/>
+              </a:rPr>
+              <a:t>R:237</a:t>
+            </a:r>
+            <a:r>
+              <a:rPr lang="zh-CN" altLang="en-US" sz="2800" dirty="0" smtClean="0">
+                <a:solidFill>
+                  <a:srgbClr val="ED6C00"/>
+                </a:solidFill>
+                <a:latin typeface="微软雅黑" pitchFamily="34" charset="-122"/>
+                <a:ea typeface="微软雅黑" pitchFamily="34" charset="-122"/>
+              </a:rPr>
+              <a:t> </a:t>
+            </a:r>
+            <a:r>
+              <a:rPr lang="en-US" altLang="zh-CN" sz="2800" dirty="0" smtClean="0">
+                <a:solidFill>
+                  <a:srgbClr val="ED6C00"/>
+                </a:solidFill>
+                <a:latin typeface="微软雅黑" pitchFamily="34" charset="-122"/>
+                <a:ea typeface="微软雅黑" pitchFamily="34" charset="-122"/>
+              </a:rPr>
+              <a:t>G:108</a:t>
+            </a:r>
+            <a:r>
+              <a:rPr lang="zh-CN" altLang="en-US" sz="2800" dirty="0" smtClean="0">
+                <a:solidFill>
+                  <a:srgbClr val="ED6C00"/>
+                </a:solidFill>
+                <a:latin typeface="微软雅黑" pitchFamily="34" charset="-122"/>
+                <a:ea typeface="微软雅黑" pitchFamily="34" charset="-122"/>
+              </a:rPr>
+              <a:t> </a:t>
+            </a:r>
+            <a:r>
+              <a:rPr lang="en-US" altLang="zh-CN" sz="2800" dirty="0" smtClean="0">
+                <a:solidFill>
+                  <a:srgbClr val="ED6C00"/>
+                </a:solidFill>
+                <a:latin typeface="微软雅黑" pitchFamily="34" charset="-122"/>
+                <a:ea typeface="微软雅黑" pitchFamily="34" charset="-122"/>
+              </a:rPr>
+              <a:t>B:0</a:t>
+            </a:r>
+          </a:p>
+          <a:p>
+            <a:pPr eaLnBrk="1" hangingPunct="1">
+              <a:spcBef>
+                <a:spcPct val="50000"/>
+              </a:spcBef>
+              <a:defRPr/>
+            </a:pPr>
+            <a:r>
+              <a:rPr lang="zh-CN" altLang="en-US" sz="2800" dirty="0" smtClean="0">
+                <a:solidFill>
+                  <a:srgbClr val="595757"/>
+                </a:solidFill>
+                <a:latin typeface="微软雅黑" pitchFamily="34" charset="-122"/>
+                <a:ea typeface="微软雅黑" pitchFamily="34" charset="-122"/>
+              </a:rPr>
+              <a:t>灰 </a:t>
+            </a:r>
+            <a:r>
+              <a:rPr lang="en-US" altLang="zh-CN" sz="2800" dirty="0" smtClean="0">
+                <a:solidFill>
+                  <a:srgbClr val="595757"/>
+                </a:solidFill>
+                <a:latin typeface="微软雅黑" pitchFamily="34" charset="-122"/>
+                <a:ea typeface="微软雅黑" pitchFamily="34" charset="-122"/>
+              </a:rPr>
+              <a:t>C:0  M:0  Y:0  K:80</a:t>
+            </a:r>
+            <a:r>
+              <a:rPr lang="zh-CN" altLang="en-US" sz="2800" dirty="0" smtClean="0">
+                <a:solidFill>
+                  <a:srgbClr val="595757"/>
+                </a:solidFill>
+                <a:latin typeface="微软雅黑" pitchFamily="34" charset="-122"/>
+                <a:ea typeface="微软雅黑" pitchFamily="34" charset="-122"/>
+              </a:rPr>
+              <a:t> 或 </a:t>
+            </a:r>
+            <a:r>
+              <a:rPr lang="en-US" altLang="zh-CN" sz="2800" dirty="0" smtClean="0">
+                <a:solidFill>
+                  <a:srgbClr val="595757"/>
+                </a:solidFill>
+                <a:latin typeface="微软雅黑" pitchFamily="34" charset="-122"/>
+                <a:ea typeface="微软雅黑" pitchFamily="34" charset="-122"/>
+              </a:rPr>
+              <a:t>R:89</a:t>
+            </a:r>
+            <a:r>
+              <a:rPr lang="zh-CN" altLang="en-US" sz="2800" dirty="0" smtClean="0">
+                <a:solidFill>
+                  <a:srgbClr val="595757"/>
+                </a:solidFill>
+                <a:latin typeface="微软雅黑" pitchFamily="34" charset="-122"/>
+                <a:ea typeface="微软雅黑" pitchFamily="34" charset="-122"/>
+              </a:rPr>
+              <a:t> </a:t>
+            </a:r>
+            <a:r>
+              <a:rPr lang="en-US" altLang="zh-CN" sz="2800" dirty="0" smtClean="0">
+                <a:solidFill>
+                  <a:srgbClr val="595757"/>
+                </a:solidFill>
+                <a:latin typeface="微软雅黑" pitchFamily="34" charset="-122"/>
+                <a:ea typeface="微软雅黑" pitchFamily="34" charset="-122"/>
+              </a:rPr>
+              <a:t>G:87</a:t>
+            </a:r>
+            <a:r>
+              <a:rPr lang="zh-CN" altLang="en-US" sz="2800" dirty="0" smtClean="0">
+                <a:solidFill>
+                  <a:srgbClr val="595757"/>
+                </a:solidFill>
+                <a:latin typeface="微软雅黑" pitchFamily="34" charset="-122"/>
+                <a:ea typeface="微软雅黑" pitchFamily="34" charset="-122"/>
+              </a:rPr>
+              <a:t> </a:t>
+            </a:r>
+            <a:r>
+              <a:rPr lang="en-US" altLang="zh-CN" sz="2800" dirty="0" smtClean="0">
+                <a:solidFill>
+                  <a:srgbClr val="595757"/>
+                </a:solidFill>
+                <a:latin typeface="微软雅黑" pitchFamily="34" charset="-122"/>
+                <a:ea typeface="微软雅黑" pitchFamily="34" charset="-122"/>
+              </a:rPr>
+              <a:t>B:87</a:t>
+            </a:r>
+            <a:endParaRPr lang="en-US" altLang="zh-CN" sz="2800" dirty="0">
+              <a:solidFill>
+                <a:srgbClr val="595757"/>
+              </a:solidFill>
+              <a:latin typeface="微软雅黑" pitchFamily="34" charset="-122"/>
+              <a:ea typeface="微软雅黑" pitchFamily="34" charset="-122"/>
+            </a:endParaRPr>
+          </a:p>
+        </p:txBody>
+      </p:sp>
+    </p:spTree>
+    <p:extLst>
+      <p:ext uri="{BB962C8B-B14F-4D97-AF65-F5344CB8AC3E}">
+        <p14:creationId xmlns:p14="http://schemas.microsoft.com/office/powerpoint/2010/main" val="1613153189"/>
+      </p:ext>
+    </p:extLst>
+  </p:cSld>
+  <p:clrMapOvr>
+    <a:masterClrMapping/>
+  </p:clrMapOvr>
+  <p:transition>
+    <p:fade/>
+  </p:transition>
+</p:sld>
+</file>
+
+<file path=ppt/slides/slide2.xml><?xml version="1.0" encoding="utf-8"?>
+<p:sld xmlns:a="http://schemas.openxmlformats.org/drawingml/2006/main" xmlns:r="http://schemas.openxmlformats.org/officeDocument/2006/relationships" xmlns:p="http://schemas.openxmlformats.org/presentationml/2006/main">
+  <p:cSld>
+    <p:spTree>
+      <p:nvGrpSpPr>
+        <p:cNvPr id="1" name=""/>
+        <p:cNvGrpSpPr/>
+        <p:nvPr/>
+      </p:nvGrpSpPr>
+      <p:grpSpPr>
+        <a:xfrm>
+          <a:off x="0" y="0"/>
+          <a:ext cx="0" cy="0"/>
+          <a:chOff x="0" y="0"/>
+          <a:chExt cx="0" cy="0"/>
+        </a:xfrm>
+      </p:grpSpPr>
+      <p:sp>
+        <p:nvSpPr>
+          <p:cNvPr id="4" name="Text Box 3"/>
+          <p:cNvSpPr txBox="1">
+            <a:spLocks noChangeArrowheads="1"/>
+          </p:cNvSpPr>
+          <p:nvPr/>
+        </p:nvSpPr>
+        <p:spPr bwMode="auto">
+          <a:xfrm>
+            <a:off x="4320555" y="1556023"/>
+            <a:ext cx="2592288" cy="2800350"/>
+          </a:xfrm>
+          <a:prstGeom prst="rect">
+            <a:avLst/>
+          </a:prstGeom>
+          <a:noFill/>
+          <a:ln>
+            <a:noFill/>
+          </a:ln>
+          <a:extLst/>
+        </p:spPr>
+        <p:txBody>
+          <a:bodyPr wrap="square">
+            <a:spAutoFit/>
+          </a:bodyPr>
+          <a:lstStyle>
+            <a:lvl1pPr eaLnBrk="0" hangingPunct="0">
+              <a:defRPr b="1">
+                <a:solidFill>
+                  <a:schemeClr val="tx1"/>
+                </a:solidFill>
+                <a:latin typeface="Arial" charset="0"/>
+                <a:ea typeface="宋体" charset="-122"/>
+              </a:defRPr>
+            </a:lvl1pPr>
+            <a:lvl2pPr marL="742950" indent="-285750" eaLnBrk="0" hangingPunct="0">
+              <a:defRPr b="1">
+                <a:solidFill>
+                  <a:schemeClr val="tx1"/>
+                </a:solidFill>
+                <a:latin typeface="Arial" charset="0"/>
+                <a:ea typeface="宋体" charset="-122"/>
+              </a:defRPr>
+            </a:lvl2pPr>
+            <a:lvl3pPr marL="1143000" indent="-228600" eaLnBrk="0" hangingPunct="0">
+              <a:defRPr b="1">
+                <a:solidFill>
+                  <a:schemeClr val="tx1"/>
+                </a:solidFill>
+                <a:latin typeface="Arial" charset="0"/>
+                <a:ea typeface="宋体" charset="-122"/>
+              </a:defRPr>
+            </a:lvl3pPr>
+            <a:lvl4pPr marL="1600200" indent="-228600" eaLnBrk="0" hangingPunct="0">
+              <a:defRPr b="1">
+                <a:solidFill>
+                  <a:schemeClr val="tx1"/>
+                </a:solidFill>
+                <a:latin typeface="Arial" charset="0"/>
+                <a:ea typeface="宋体" charset="-122"/>
+              </a:defRPr>
+            </a:lvl4pPr>
+            <a:lvl5pPr marL="2057400" indent="-228600" eaLnBrk="0" hangingPunct="0">
+              <a:defRPr b="1">
+                <a:solidFill>
+                  <a:schemeClr val="tx1"/>
+                </a:solidFill>
+                <a:latin typeface="Arial" charset="0"/>
+                <a:ea typeface="宋体" charset="-122"/>
+              </a:defRPr>
+            </a:lvl5pPr>
+            <a:lvl6pPr marL="2514600" indent="-228600" eaLnBrk="0" fontAlgn="base" hangingPunct="0">
+              <a:spcBef>
+                <a:spcPct val="0"/>
+              </a:spcBef>
+              <a:spcAft>
+                <a:spcPct val="0"/>
+              </a:spcAft>
+              <a:defRPr b="1">
+                <a:solidFill>
+                  <a:schemeClr val="tx1"/>
+                </a:solidFill>
+                <a:latin typeface="Arial" charset="0"/>
+                <a:ea typeface="宋体" charset="-122"/>
+              </a:defRPr>
+            </a:lvl6pPr>
+            <a:lvl7pPr marL="2971800" indent="-228600" eaLnBrk="0" fontAlgn="base" hangingPunct="0">
+              <a:spcBef>
+                <a:spcPct val="0"/>
+              </a:spcBef>
+              <a:spcAft>
+                <a:spcPct val="0"/>
+              </a:spcAft>
+              <a:defRPr b="1">
+                <a:solidFill>
+                  <a:schemeClr val="tx1"/>
+                </a:solidFill>
+                <a:latin typeface="Arial" charset="0"/>
+                <a:ea typeface="宋体" charset="-122"/>
+              </a:defRPr>
+            </a:lvl7pPr>
+            <a:lvl8pPr marL="3429000" indent="-228600" eaLnBrk="0" fontAlgn="base" hangingPunct="0">
+              <a:spcBef>
+                <a:spcPct val="0"/>
+              </a:spcBef>
+              <a:spcAft>
+                <a:spcPct val="0"/>
+              </a:spcAft>
+              <a:defRPr b="1">
+                <a:solidFill>
+                  <a:schemeClr val="tx1"/>
+                </a:solidFill>
+                <a:latin typeface="Arial" charset="0"/>
+                <a:ea typeface="宋体" charset="-122"/>
+              </a:defRPr>
+            </a:lvl8pPr>
+            <a:lvl9pPr marL="3886200" indent="-228600" eaLnBrk="0" fontAlgn="base" hangingPunct="0">
+              <a:spcBef>
+                <a:spcPct val="0"/>
+              </a:spcBef>
+              <a:spcAft>
+                <a:spcPct val="0"/>
+              </a:spcAft>
+              <a:defRPr b="1">
+                <a:solidFill>
+                  <a:schemeClr val="tx1"/>
+                </a:solidFill>
+                <a:latin typeface="Arial" charset="0"/>
+                <a:ea typeface="宋体" charset="-122"/>
+              </a:defRPr>
+            </a:lvl9pPr>
+          </a:lstStyle>
+          <a:p>
+            <a:pPr eaLnBrk="1" hangingPunct="1">
+              <a:spcBef>
+                <a:spcPct val="50000"/>
+              </a:spcBef>
+              <a:defRPr/>
+            </a:pPr>
+            <a:r>
+              <a:rPr lang="zh-CN" altLang="en-US" sz="3200" dirty="0" smtClean="0">
+                <a:solidFill>
+                  <a:schemeClr val="tx1">
+                    <a:lumMod val="65000"/>
+                    <a:lumOff val="35000"/>
+                  </a:schemeClr>
+                </a:solidFill>
+                <a:latin typeface="微软雅黑" pitchFamily="34" charset="-122"/>
+                <a:ea typeface="微软雅黑" pitchFamily="34" charset="-122"/>
+              </a:rPr>
+              <a:t>目录</a:t>
+            </a:r>
+            <a:endParaRPr lang="en-US" altLang="zh-CN" sz="3200" dirty="0" smtClean="0">
+              <a:solidFill>
+                <a:schemeClr val="tx1">
+                  <a:lumMod val="65000"/>
+                  <a:lumOff val="35000"/>
+                </a:schemeClr>
+              </a:solidFill>
+              <a:latin typeface="微软雅黑" pitchFamily="34" charset="-122"/>
+              <a:ea typeface="微软雅黑" pitchFamily="34" charset="-122"/>
+            </a:endParaRPr>
+          </a:p>
+          <a:p>
+            <a:pPr marL="457200" indent="-457200" eaLnBrk="1" hangingPunct="1">
+              <a:spcBef>
+                <a:spcPct val="50000"/>
+              </a:spcBef>
+              <a:buFont typeface="Arial" pitchFamily="34" charset="0"/>
+              <a:buChar char="•"/>
+              <a:defRPr/>
+            </a:pPr>
+            <a:r>
+              <a:rPr lang="en-US" altLang="zh-CN" sz="3200" dirty="0" smtClean="0">
+                <a:solidFill>
+                  <a:schemeClr val="tx1">
+                    <a:lumMod val="50000"/>
+                    <a:lumOff val="50000"/>
+                  </a:schemeClr>
+                </a:solidFill>
+                <a:latin typeface="微软雅黑" pitchFamily="34" charset="-122"/>
+                <a:ea typeface="微软雅黑" pitchFamily="34" charset="-122"/>
+              </a:rPr>
+              <a:t>XXX</a:t>
+            </a:r>
+          </a:p>
+          <a:p>
+            <a:pPr marL="457200" indent="-457200" eaLnBrk="1" hangingPunct="1">
+              <a:spcBef>
+                <a:spcPct val="50000"/>
+              </a:spcBef>
+              <a:buFont typeface="Arial" pitchFamily="34" charset="0"/>
+              <a:buChar char="•"/>
+              <a:defRPr/>
+            </a:pPr>
+            <a:r>
+              <a:rPr lang="en-US" altLang="zh-CN" sz="3200" dirty="0" smtClean="0">
+                <a:solidFill>
+                  <a:schemeClr val="tx1">
+                    <a:lumMod val="50000"/>
+                    <a:lumOff val="50000"/>
+                  </a:schemeClr>
+                </a:solidFill>
+                <a:latin typeface="微软雅黑" pitchFamily="34" charset="-122"/>
+                <a:ea typeface="微软雅黑" pitchFamily="34" charset="-122"/>
+              </a:rPr>
+              <a:t>XXX</a:t>
+            </a:r>
+          </a:p>
+          <a:p>
+            <a:pPr marL="457200" indent="-457200" eaLnBrk="1" hangingPunct="1">
+              <a:spcBef>
+                <a:spcPct val="50000"/>
+              </a:spcBef>
+              <a:buFont typeface="Arial" pitchFamily="34" charset="0"/>
+              <a:buChar char="•"/>
+              <a:defRPr/>
+            </a:pPr>
+            <a:r>
+              <a:rPr lang="en-US" altLang="zh-CN" sz="3200" dirty="0" smtClean="0">
+                <a:solidFill>
+                  <a:schemeClr val="tx1">
+                    <a:lumMod val="50000"/>
+                    <a:lumOff val="50000"/>
+                  </a:schemeClr>
+                </a:solidFill>
+                <a:latin typeface="微软雅黑" pitchFamily="34" charset="-122"/>
+                <a:ea typeface="微软雅黑" pitchFamily="34" charset="-122"/>
+              </a:rPr>
+              <a:t>XXX</a:t>
+            </a:r>
+          </a:p>
+        </p:txBody>
+      </p:sp>
+    </p:spTree>
+  </p:cSld>
+  <p:clrMapOvr>
+    <a:masterClrMapping/>
+  </p:clrMapOvr>
+  <p:transition>
+    <p:fade/>
+  </p:transition>
+</p:sld>
+</file>
+
+<file path=ppt/slides/slide3.xml><?xml version="1.0" encoding="utf-8"?>
+<p:sld xmlns:a="http://schemas.openxmlformats.org/drawingml/2006/main" xmlns:r="http://schemas.openxmlformats.org/officeDocument/2006/relationships" xmlns:p="http://schemas.openxmlformats.org/presentationml/2006/main">
+  <p:cSld>
+    <p:spTree>
+      <p:nvGrpSpPr>
+        <p:cNvPr id="1" name=""/>
+        <p:cNvGrpSpPr/>
+        <p:nvPr/>
+      </p:nvGrpSpPr>
+      <p:grpSpPr>
+        <a:xfrm>
+          <a:off x="0" y="0"/>
+          <a:ext cx="0" cy="0"/>
+          <a:chOff x="0" y="0"/>
+          <a:chExt cx="0" cy="0"/>
+        </a:xfrm>
+      </p:grpSpPr>
+      <p:sp>
+        <p:nvSpPr>
+          <p:cNvPr id="4" name="TextBox 3"/>
+          <p:cNvSpPr txBox="1"/>
+          <p:nvPr/>
+        </p:nvSpPr>
+        <p:spPr>
+          <a:xfrm>
+            <a:off x="3726582" y="2266256"/>
+            <a:ext cx="3570208" cy="1446550"/>
+          </a:xfrm>
+          <a:prstGeom prst="rect">
+            <a:avLst/>
+          </a:prstGeom>
+          <a:noFill/>
+        </p:spPr>
+        <p:txBody>
+          <a:bodyPr wrap="none">
+            <a:spAutoFit/>
+          </a:bodyPr>
+          <a:lstStyle/>
+          <a:p>
+            <a:pPr>
+              <a:defRPr/>
+            </a:pPr>
+            <a:r>
+              <a:rPr lang="zh-CN" altLang="en-US" sz="4400" dirty="0" smtClean="0">
+                <a:solidFill>
+                  <a:schemeClr val="bg1">
+                    <a:lumMod val="50000"/>
+                  </a:schemeClr>
+                </a:solidFill>
+                <a:latin typeface="微软雅黑" pitchFamily="34" charset="-122"/>
+                <a:ea typeface="微软雅黑" pitchFamily="34" charset="-122"/>
+              </a:rPr>
+              <a:t>即时通讯概念</a:t>
+            </a:r>
+            <a:endParaRPr lang="en-US" altLang="zh-CN" sz="4400" dirty="0" smtClean="0">
+              <a:solidFill>
+                <a:schemeClr val="bg1">
+                  <a:lumMod val="50000"/>
+                </a:schemeClr>
+              </a:solidFill>
+              <a:latin typeface="微软雅黑" pitchFamily="34" charset="-122"/>
+              <a:ea typeface="微软雅黑" pitchFamily="34" charset="-122"/>
+            </a:endParaRPr>
+          </a:p>
+          <a:p>
+            <a:pPr>
+              <a:defRPr/>
+            </a:pPr>
+            <a:endParaRPr lang="en-US" altLang="zh-CN" sz="4400" dirty="0">
+              <a:solidFill>
+                <a:schemeClr val="bg1">
+                  <a:lumMod val="50000"/>
+                </a:schemeClr>
+              </a:solidFill>
+              <a:latin typeface="微软雅黑" pitchFamily="34" charset="-122"/>
+              <a:ea typeface="微软雅黑" pitchFamily="34" charset="-122"/>
+            </a:endParaRPr>
+          </a:p>
+        </p:txBody>
+      </p:sp>
+      <p:sp>
+        <p:nvSpPr>
+          <p:cNvPr id="5" name="Text Box 3"/>
+          <p:cNvSpPr txBox="1">
+            <a:spLocks noChangeArrowheads="1"/>
+          </p:cNvSpPr>
+          <p:nvPr/>
+        </p:nvSpPr>
+        <p:spPr bwMode="auto">
+          <a:xfrm flipH="1">
+            <a:off x="2214414" y="1186136"/>
+            <a:ext cx="1285875" cy="3170237"/>
+          </a:xfrm>
+          <a:prstGeom prst="rect">
+            <a:avLst/>
+          </a:prstGeom>
+          <a:noFill/>
+          <a:ln>
+            <a:noFill/>
+          </a:ln>
+          <a:extLst/>
+        </p:spPr>
+        <p:txBody>
+          <a:bodyPr>
+            <a:spAutoFit/>
+          </a:bodyPr>
+          <a:lstStyle/>
+          <a:p>
+            <a:pPr>
+              <a:spcBef>
+                <a:spcPct val="50000"/>
+              </a:spcBef>
+              <a:defRPr/>
+            </a:pPr>
+            <a:r>
+              <a:rPr lang="en-US" altLang="zh-CN" sz="20000" dirty="0">
+                <a:solidFill>
+                  <a:srgbClr val="0092D2"/>
+                </a:solidFill>
+                <a:effectLst>
+                  <a:outerShdw blurRad="38100" dist="38100" dir="2700000" algn="tl">
+                    <a:srgbClr val="000000"/>
+                  </a:outerShdw>
+                </a:effectLst>
+                <a:ea typeface="微软雅黑" pitchFamily="34" charset="-122"/>
+              </a:rPr>
+              <a:t>1</a:t>
+            </a:r>
+          </a:p>
+        </p:txBody>
+      </p:sp>
+    </p:spTree>
+    <p:extLst>
+      <p:ext uri="{BB962C8B-B14F-4D97-AF65-F5344CB8AC3E}">
+        <p14:creationId xmlns:p14="http://schemas.microsoft.com/office/powerpoint/2010/main" val="477239706"/>
+      </p:ext>
+    </p:extLst>
+  </p:cSld>
+  <p:clrMapOvr>
+    <a:masterClrMapping/>
+  </p:clrMapOvr>
+  <p:transition>
+    <p:fade/>
+  </p:transition>
+</p:sld>
+</file>
+
+<file path=ppt/slides/slide4.xml><?xml version="1.0" encoding="utf-8"?>
+<p:sld xmlns:a="http://schemas.openxmlformats.org/drawingml/2006/main" xmlns:r="http://schemas.openxmlformats.org/officeDocument/2006/relationships" xmlns:p="http://schemas.openxmlformats.org/presentationml/2006/main">
+  <p:cSld>
+    <p:spTree>
+      <p:nvGrpSpPr>
+        <p:cNvPr id="1" name=""/>
+        <p:cNvGrpSpPr/>
+        <p:nvPr/>
+      </p:nvGrpSpPr>
+      <p:grpSpPr>
+        <a:xfrm>
+          <a:off x="0" y="0"/>
+          <a:ext cx="0" cy="0"/>
+          <a:chOff x="0" y="0"/>
+          <a:chExt cx="0" cy="0"/>
+        </a:xfrm>
+      </p:grpSpPr>
+      <p:sp>
+        <p:nvSpPr>
+          <p:cNvPr id="4" name="Text Box 3"/>
+          <p:cNvSpPr txBox="1">
+            <a:spLocks noChangeArrowheads="1"/>
+          </p:cNvSpPr>
+          <p:nvPr/>
+        </p:nvSpPr>
+        <p:spPr bwMode="auto">
+          <a:xfrm>
+            <a:off x="1296219" y="1556023"/>
+            <a:ext cx="8496944" cy="3754874"/>
+          </a:xfrm>
+          <a:prstGeom prst="rect">
+            <a:avLst/>
+          </a:prstGeom>
+          <a:noFill/>
+          <a:ln>
+            <a:noFill/>
+          </a:ln>
+          <a:extLst/>
+        </p:spPr>
+        <p:txBody>
+          <a:bodyPr wrap="square">
+            <a:spAutoFit/>
+          </a:bodyPr>
+          <a:lstStyle>
+            <a:lvl1pPr eaLnBrk="0" hangingPunct="0">
+              <a:defRPr b="1">
+                <a:solidFill>
+                  <a:schemeClr val="tx1"/>
+                </a:solidFill>
+                <a:latin typeface="Arial" charset="0"/>
+                <a:ea typeface="宋体" charset="-122"/>
+              </a:defRPr>
+            </a:lvl1pPr>
+            <a:lvl2pPr marL="742950" indent="-285750" eaLnBrk="0" hangingPunct="0">
+              <a:defRPr b="1">
+                <a:solidFill>
+                  <a:schemeClr val="tx1"/>
+                </a:solidFill>
+                <a:latin typeface="Arial" charset="0"/>
+                <a:ea typeface="宋体" charset="-122"/>
+              </a:defRPr>
+            </a:lvl2pPr>
+            <a:lvl3pPr marL="1143000" indent="-228600" eaLnBrk="0" hangingPunct="0">
+              <a:defRPr b="1">
+                <a:solidFill>
+                  <a:schemeClr val="tx1"/>
+                </a:solidFill>
+                <a:latin typeface="Arial" charset="0"/>
+                <a:ea typeface="宋体" charset="-122"/>
+              </a:defRPr>
+            </a:lvl3pPr>
+            <a:lvl4pPr marL="1600200" indent="-228600" eaLnBrk="0" hangingPunct="0">
+              <a:defRPr b="1">
+                <a:solidFill>
+                  <a:schemeClr val="tx1"/>
+                </a:solidFill>
+                <a:latin typeface="Arial" charset="0"/>
+                <a:ea typeface="宋体" charset="-122"/>
+              </a:defRPr>
+            </a:lvl4pPr>
+            <a:lvl5pPr marL="2057400" indent="-228600" eaLnBrk="0" hangingPunct="0">
+              <a:defRPr b="1">
+                <a:solidFill>
+                  <a:schemeClr val="tx1"/>
+                </a:solidFill>
+                <a:latin typeface="Arial" charset="0"/>
+                <a:ea typeface="宋体" charset="-122"/>
+              </a:defRPr>
+            </a:lvl5pPr>
+            <a:lvl6pPr marL="2514600" indent="-228600" eaLnBrk="0" fontAlgn="base" hangingPunct="0">
+              <a:spcBef>
+                <a:spcPct val="0"/>
+              </a:spcBef>
+              <a:spcAft>
+                <a:spcPct val="0"/>
+              </a:spcAft>
+              <a:defRPr b="1">
+                <a:solidFill>
+                  <a:schemeClr val="tx1"/>
+                </a:solidFill>
+                <a:latin typeface="Arial" charset="0"/>
+                <a:ea typeface="宋体" charset="-122"/>
+              </a:defRPr>
+            </a:lvl6pPr>
+            <a:lvl7pPr marL="2971800" indent="-228600" eaLnBrk="0" fontAlgn="base" hangingPunct="0">
+              <a:spcBef>
+                <a:spcPct val="0"/>
+              </a:spcBef>
+              <a:spcAft>
+                <a:spcPct val="0"/>
+              </a:spcAft>
+              <a:defRPr b="1">
+                <a:solidFill>
+                  <a:schemeClr val="tx1"/>
+                </a:solidFill>
+                <a:latin typeface="Arial" charset="0"/>
+                <a:ea typeface="宋体" charset="-122"/>
+              </a:defRPr>
+            </a:lvl7pPr>
+            <a:lvl8pPr marL="3429000" indent="-228600" eaLnBrk="0" fontAlgn="base" hangingPunct="0">
+              <a:spcBef>
+                <a:spcPct val="0"/>
+              </a:spcBef>
+              <a:spcAft>
+                <a:spcPct val="0"/>
+              </a:spcAft>
+              <a:defRPr b="1">
+                <a:solidFill>
+                  <a:schemeClr val="tx1"/>
+                </a:solidFill>
+                <a:latin typeface="Arial" charset="0"/>
+                <a:ea typeface="宋体" charset="-122"/>
+              </a:defRPr>
+            </a:lvl8pPr>
+            <a:lvl9pPr marL="3886200" indent="-228600" eaLnBrk="0" fontAlgn="base" hangingPunct="0">
+              <a:spcBef>
+                <a:spcPct val="0"/>
+              </a:spcBef>
+              <a:spcAft>
+                <a:spcPct val="0"/>
+              </a:spcAft>
+              <a:defRPr b="1">
+                <a:solidFill>
+                  <a:schemeClr val="tx1"/>
+                </a:solidFill>
+                <a:latin typeface="Arial" charset="0"/>
+                <a:ea typeface="宋体" charset="-122"/>
+              </a:defRPr>
+            </a:lvl9pPr>
+          </a:lstStyle>
+          <a:p>
+            <a:pPr eaLnBrk="1" hangingPunct="1">
+              <a:spcBef>
+                <a:spcPct val="50000"/>
+              </a:spcBef>
+              <a:defRPr/>
+            </a:pPr>
+            <a:r>
+              <a:rPr lang="en-US" altLang="zh-CN" sz="2800" dirty="0" smtClean="0">
+                <a:solidFill>
+                  <a:srgbClr val="00A6E9"/>
+                </a:solidFill>
+                <a:latin typeface="微软雅黑" pitchFamily="34" charset="-122"/>
+                <a:ea typeface="微软雅黑" pitchFamily="34" charset="-122"/>
+              </a:rPr>
+              <a:t>IM: Instance Message</a:t>
+            </a:r>
+          </a:p>
+          <a:p>
+            <a:pPr eaLnBrk="1" hangingPunct="1">
+              <a:spcBef>
+                <a:spcPct val="50000"/>
+              </a:spcBef>
+              <a:defRPr/>
+            </a:pPr>
+            <a:r>
+              <a:rPr lang="zh-CN" altLang="en-US" sz="2800" dirty="0" smtClean="0">
+                <a:solidFill>
+                  <a:srgbClr val="00A6E9"/>
+                </a:solidFill>
+                <a:latin typeface="微软雅黑" pitchFamily="34" charset="-122"/>
+                <a:ea typeface="微软雅黑" pitchFamily="34" charset="-122"/>
+              </a:rPr>
+              <a:t>特点：即时，消息发出的同时对方也能马上收到</a:t>
+            </a:r>
+            <a:endParaRPr lang="en-US" altLang="zh-CN" sz="2800" dirty="0" smtClean="0">
+              <a:solidFill>
+                <a:srgbClr val="00A6E9"/>
+              </a:solidFill>
+              <a:latin typeface="微软雅黑" pitchFamily="34" charset="-122"/>
+              <a:ea typeface="微软雅黑" pitchFamily="34" charset="-122"/>
+            </a:endParaRPr>
+          </a:p>
+          <a:p>
+            <a:pPr eaLnBrk="1" hangingPunct="1">
+              <a:spcBef>
+                <a:spcPct val="50000"/>
+              </a:spcBef>
+              <a:defRPr/>
+            </a:pPr>
+            <a:r>
+              <a:rPr lang="en-US" altLang="zh-CN" sz="2800" dirty="0">
+                <a:solidFill>
+                  <a:srgbClr val="00A6E9"/>
+                </a:solidFill>
+                <a:latin typeface="微软雅黑" pitchFamily="34" charset="-122"/>
+                <a:ea typeface="微软雅黑" pitchFamily="34" charset="-122"/>
+              </a:rPr>
+              <a:t>	</a:t>
+            </a:r>
+            <a:r>
+              <a:rPr lang="en-US" altLang="zh-CN" sz="2800" dirty="0" smtClean="0">
+                <a:solidFill>
+                  <a:srgbClr val="00A6E9"/>
+                </a:solidFill>
+                <a:latin typeface="微软雅黑" pitchFamily="34" charset="-122"/>
+                <a:ea typeface="微软雅黑" pitchFamily="34" charset="-122"/>
+              </a:rPr>
+              <a:t> </a:t>
+            </a:r>
+            <a:r>
+              <a:rPr lang="zh-CN" altLang="en-US" sz="2800" dirty="0" smtClean="0">
+                <a:solidFill>
+                  <a:srgbClr val="00A6E9"/>
+                </a:solidFill>
+                <a:latin typeface="微软雅黑" pitchFamily="34" charset="-122"/>
+                <a:ea typeface="微软雅黑" pitchFamily="34" charset="-122"/>
+              </a:rPr>
+              <a:t>类似短信</a:t>
+            </a:r>
+            <a:endParaRPr lang="en-US" altLang="zh-CN" sz="2800" dirty="0" smtClean="0">
+              <a:solidFill>
+                <a:srgbClr val="00A6E9"/>
+              </a:solidFill>
+              <a:latin typeface="微软雅黑" pitchFamily="34" charset="-122"/>
+              <a:ea typeface="微软雅黑" pitchFamily="34" charset="-122"/>
+            </a:endParaRPr>
+          </a:p>
+          <a:p>
+            <a:pPr eaLnBrk="1" hangingPunct="1">
+              <a:spcBef>
+                <a:spcPct val="50000"/>
+              </a:spcBef>
+              <a:defRPr/>
+            </a:pPr>
+            <a:r>
+              <a:rPr lang="zh-CN" altLang="en-US" sz="2800" dirty="0" smtClean="0">
+                <a:solidFill>
+                  <a:srgbClr val="00A6E9"/>
+                </a:solidFill>
+                <a:latin typeface="微软雅黑" pitchFamily="34" charset="-122"/>
+                <a:ea typeface="微软雅黑" pitchFamily="34" charset="-122"/>
+              </a:rPr>
+              <a:t>常用的</a:t>
+            </a:r>
+            <a:r>
+              <a:rPr lang="en-US" altLang="zh-CN" sz="2800" dirty="0" smtClean="0">
+                <a:solidFill>
+                  <a:srgbClr val="00A6E9"/>
+                </a:solidFill>
+                <a:latin typeface="微软雅黑" pitchFamily="34" charset="-122"/>
+                <a:ea typeface="微软雅黑" pitchFamily="34" charset="-122"/>
+              </a:rPr>
+              <a:t>IM</a:t>
+            </a:r>
+            <a:r>
+              <a:rPr lang="zh-CN" altLang="en-US" sz="2800" dirty="0" smtClean="0">
+                <a:solidFill>
+                  <a:srgbClr val="00A6E9"/>
+                </a:solidFill>
+                <a:latin typeface="微软雅黑" pitchFamily="34" charset="-122"/>
+                <a:ea typeface="微软雅黑" pitchFamily="34" charset="-122"/>
+              </a:rPr>
+              <a:t>客户端： 微信、</a:t>
+            </a:r>
+            <a:r>
+              <a:rPr lang="en-US" altLang="zh-CN" sz="2800" dirty="0" smtClean="0">
+                <a:solidFill>
+                  <a:srgbClr val="00A6E9"/>
+                </a:solidFill>
+                <a:latin typeface="微软雅黑" pitchFamily="34" charset="-122"/>
+                <a:ea typeface="微软雅黑" pitchFamily="34" charset="-122"/>
+              </a:rPr>
+              <a:t>QQ</a:t>
+            </a:r>
+            <a:r>
+              <a:rPr lang="zh-CN" altLang="en-US" sz="2800" dirty="0" smtClean="0">
+                <a:solidFill>
+                  <a:srgbClr val="00A6E9"/>
+                </a:solidFill>
+                <a:latin typeface="微软雅黑" pitchFamily="34" charset="-122"/>
+                <a:ea typeface="微软雅黑" pitchFamily="34" charset="-122"/>
+              </a:rPr>
+              <a:t>、陌陌</a:t>
+            </a:r>
+            <a:endParaRPr lang="en-US" altLang="zh-CN" sz="2800" dirty="0" smtClean="0">
+              <a:solidFill>
+                <a:srgbClr val="00A6E9"/>
+              </a:solidFill>
+              <a:latin typeface="微软雅黑" pitchFamily="34" charset="-122"/>
+              <a:ea typeface="微软雅黑" pitchFamily="34" charset="-122"/>
+            </a:endParaRPr>
+          </a:p>
+          <a:p>
+            <a:pPr eaLnBrk="1" hangingPunct="1">
+              <a:spcBef>
+                <a:spcPct val="50000"/>
+              </a:spcBef>
+              <a:defRPr/>
+            </a:pPr>
+            <a:r>
+              <a:rPr lang="zh-CN" altLang="en-US" sz="2800" dirty="0">
+                <a:solidFill>
+                  <a:srgbClr val="00A6E9"/>
+                </a:solidFill>
+                <a:latin typeface="微软雅黑" pitchFamily="34" charset="-122"/>
+                <a:ea typeface="微软雅黑" pitchFamily="34" charset="-122"/>
+              </a:rPr>
+              <a:t>协议</a:t>
+            </a:r>
+            <a:r>
+              <a:rPr lang="zh-CN" altLang="en-US" sz="2800" dirty="0" smtClean="0">
+                <a:solidFill>
+                  <a:srgbClr val="00A6E9"/>
+                </a:solidFill>
+                <a:latin typeface="微软雅黑" pitchFamily="34" charset="-122"/>
+                <a:ea typeface="微软雅黑" pitchFamily="34" charset="-122"/>
+              </a:rPr>
+              <a:t>族：</a:t>
+            </a:r>
+            <a:r>
+              <a:rPr lang="en-US" altLang="zh-CN" sz="2800" dirty="0" smtClean="0">
+                <a:solidFill>
+                  <a:srgbClr val="00A6E9"/>
+                </a:solidFill>
+                <a:latin typeface="微软雅黑" pitchFamily="34" charset="-122"/>
+                <a:ea typeface="微软雅黑" pitchFamily="34" charset="-122"/>
+              </a:rPr>
+              <a:t>TCP/IP</a:t>
+            </a:r>
+            <a:endParaRPr lang="en-US" altLang="zh-CN" sz="2800" dirty="0">
+              <a:solidFill>
+                <a:srgbClr val="00A6E9"/>
+              </a:solidFill>
+              <a:latin typeface="微软雅黑" pitchFamily="34" charset="-122"/>
+              <a:ea typeface="微软雅黑" pitchFamily="34" charset="-122"/>
+            </a:endParaRPr>
+          </a:p>
+          <a:p>
+            <a:pPr eaLnBrk="1" hangingPunct="1">
+              <a:spcBef>
+                <a:spcPct val="50000"/>
+              </a:spcBef>
+              <a:defRPr/>
+            </a:pPr>
+            <a:r>
+              <a:rPr lang="zh-CN" altLang="en-US" sz="2800" dirty="0" smtClean="0">
+                <a:solidFill>
+                  <a:srgbClr val="00A6E9"/>
+                </a:solidFill>
+                <a:latin typeface="微软雅黑" pitchFamily="34" charset="-122"/>
+                <a:ea typeface="微软雅黑" pitchFamily="34" charset="-122"/>
+              </a:rPr>
+              <a:t>网络协议：</a:t>
+            </a:r>
+            <a:r>
+              <a:rPr lang="en-US" altLang="zh-CN" sz="2800" dirty="0" smtClean="0">
+                <a:solidFill>
+                  <a:srgbClr val="00A6E9"/>
+                </a:solidFill>
+                <a:latin typeface="微软雅黑" pitchFamily="34" charset="-122"/>
+                <a:ea typeface="微软雅黑" pitchFamily="34" charset="-122"/>
+              </a:rPr>
+              <a:t>XMPP</a:t>
+            </a:r>
+          </a:p>
+        </p:txBody>
+      </p:sp>
+    </p:spTree>
+    <p:extLst>
+      <p:ext uri="{BB962C8B-B14F-4D97-AF65-F5344CB8AC3E}">
+        <p14:creationId xmlns:p14="http://schemas.microsoft.com/office/powerpoint/2010/main" val="2062771165"/>
+      </p:ext>
+    </p:extLst>
+  </p:cSld>
+  <p:clrMapOvr>
+    <a:masterClrMapping/>
+  </p:clrMapOvr>
+  <p:transition>
+    <p:fade/>
+  </p:transition>
+</p:sld>
+</file>
+
+<file path=ppt/slides/slide5.xml><?xml version="1.0" encoding="utf-8"?>
+<p:sld xmlns:a="http://schemas.openxmlformats.org/drawingml/2006/main" xmlns:r="http://schemas.openxmlformats.org/officeDocument/2006/relationships" xmlns:p="http://schemas.openxmlformats.org/presentationml/2006/main">
+  <p:cSld>
+    <p:spTree>
+      <p:nvGrpSpPr>
+        <p:cNvPr id="1" name=""/>
+        <p:cNvGrpSpPr/>
+        <p:nvPr/>
+      </p:nvGrpSpPr>
+      <p:grpSpPr>
+        <a:xfrm>
+          <a:off x="0" y="0"/>
+          <a:ext cx="0" cy="0"/>
+          <a:chOff x="0" y="0"/>
+          <a:chExt cx="0" cy="0"/>
+        </a:xfrm>
+      </p:grpSpPr>
+      <p:sp>
+        <p:nvSpPr>
+          <p:cNvPr id="4" name="TextBox 3"/>
+          <p:cNvSpPr txBox="1"/>
+          <p:nvPr/>
+        </p:nvSpPr>
+        <p:spPr>
+          <a:xfrm>
+            <a:off x="4104531" y="2266256"/>
+            <a:ext cx="2091022" cy="769441"/>
+          </a:xfrm>
+          <a:prstGeom prst="rect">
+            <a:avLst/>
+          </a:prstGeom>
+          <a:noFill/>
+        </p:spPr>
+        <p:txBody>
+          <a:bodyPr wrap="none">
+            <a:spAutoFit/>
+          </a:bodyPr>
+          <a:lstStyle/>
+          <a:p>
+            <a:pPr>
+              <a:defRPr/>
+            </a:pPr>
+            <a:r>
+              <a:rPr lang="en-US" altLang="zh-CN" sz="4400" dirty="0" smtClean="0">
+                <a:solidFill>
+                  <a:schemeClr val="bg1">
+                    <a:lumMod val="50000"/>
+                  </a:schemeClr>
+                </a:solidFill>
+                <a:latin typeface="微软雅黑" pitchFamily="34" charset="-122"/>
+                <a:ea typeface="微软雅黑" pitchFamily="34" charset="-122"/>
+              </a:rPr>
+              <a:t>TCP</a:t>
+            </a:r>
+            <a:r>
+              <a:rPr lang="en-US" altLang="zh-CN" sz="4400" dirty="0" smtClean="0">
+                <a:solidFill>
+                  <a:schemeClr val="bg1">
+                    <a:lumMod val="50000"/>
+                  </a:schemeClr>
+                </a:solidFill>
+                <a:latin typeface="微软雅黑" pitchFamily="34" charset="-122"/>
+                <a:ea typeface="微软雅黑" pitchFamily="34" charset="-122"/>
+              </a:rPr>
+              <a:t>/IP</a:t>
+            </a:r>
+            <a:endParaRPr lang="en-US" altLang="zh-CN" sz="4400" dirty="0">
+              <a:solidFill>
+                <a:schemeClr val="bg1">
+                  <a:lumMod val="50000"/>
+                </a:schemeClr>
+              </a:solidFill>
+              <a:latin typeface="微软雅黑" pitchFamily="34" charset="-122"/>
+              <a:ea typeface="微软雅黑" pitchFamily="34" charset="-122"/>
+            </a:endParaRPr>
+          </a:p>
+        </p:txBody>
+      </p:sp>
+      <p:sp>
+        <p:nvSpPr>
+          <p:cNvPr id="5" name="Text Box 3"/>
+          <p:cNvSpPr txBox="1">
+            <a:spLocks noChangeArrowheads="1"/>
+          </p:cNvSpPr>
+          <p:nvPr/>
+        </p:nvSpPr>
+        <p:spPr bwMode="auto">
+          <a:xfrm flipH="1">
+            <a:off x="2214414" y="1186136"/>
+            <a:ext cx="1285875" cy="3170099"/>
+          </a:xfrm>
+          <a:prstGeom prst="rect">
+            <a:avLst/>
+          </a:prstGeom>
+          <a:noFill/>
+          <a:ln>
+            <a:noFill/>
+          </a:ln>
+          <a:extLst/>
+        </p:spPr>
+        <p:txBody>
+          <a:bodyPr>
+            <a:spAutoFit/>
+          </a:bodyPr>
+          <a:lstStyle/>
+          <a:p>
+            <a:pPr>
+              <a:spcBef>
+                <a:spcPct val="50000"/>
+              </a:spcBef>
+              <a:defRPr/>
+            </a:pPr>
+            <a:r>
+              <a:rPr lang="en-US" altLang="zh-CN" sz="20000" dirty="0" smtClean="0">
+                <a:solidFill>
+                  <a:srgbClr val="0092D2"/>
+                </a:solidFill>
+                <a:effectLst>
+                  <a:outerShdw blurRad="38100" dist="38100" dir="2700000" algn="tl">
+                    <a:srgbClr val="000000"/>
+                  </a:outerShdw>
+                </a:effectLst>
+                <a:ea typeface="微软雅黑" pitchFamily="34" charset="-122"/>
+              </a:rPr>
+              <a:t>2</a:t>
+            </a:r>
+            <a:endParaRPr lang="en-US" altLang="zh-CN" sz="20000" dirty="0">
+              <a:solidFill>
+                <a:srgbClr val="0092D2"/>
+              </a:solidFill>
+              <a:effectLst>
+                <a:outerShdw blurRad="38100" dist="38100" dir="2700000" algn="tl">
+                  <a:srgbClr val="000000"/>
+                </a:outerShdw>
+              </a:effectLst>
+              <a:ea typeface="微软雅黑" pitchFamily="34" charset="-122"/>
+            </a:endParaRPr>
+          </a:p>
+        </p:txBody>
+      </p:sp>
+    </p:spTree>
+    <p:extLst>
+      <p:ext uri="{BB962C8B-B14F-4D97-AF65-F5344CB8AC3E}">
+        <p14:creationId xmlns:p14="http://schemas.microsoft.com/office/powerpoint/2010/main" val="3896877331"/>
+      </p:ext>
+    </p:extLst>
+  </p:cSld>
+  <p:clrMapOvr>
+    <a:masterClrMapping/>
+  </p:clrMapOvr>
+  <p:transition>
+    <p:fade/>
+  </p:transition>
+</p:sld>
+</file>
+
 <file path=ppt/slides/slide6.xml><?xml version="1.0" encoding="utf-8"?>
 <p:sld xmlns:a="http://schemas.openxmlformats.org/drawingml/2006/main" xmlns:r="http://schemas.openxmlformats.org/officeDocument/2006/relationships" xmlns:p="http://schemas.openxmlformats.org/presentationml/2006/main">
   <p:cSld>
@@ -11235,7 +13936,7 @@
         <p:spPr bwMode="auto">
           <a:xfrm>
             <a:off x="1296219" y="1556023"/>
-            <a:ext cx="8496944" cy="1815882"/>
+            <a:ext cx="8496944" cy="523220"/>
           </a:xfrm>
           <a:prstGeom prst="rect">
             <a:avLst/>
@@ -11365,124 +14066,24 @@
               <a:defRPr/>
             </a:pPr>
             <a:r>
-              <a:rPr lang="zh-CN" altLang="en-US" sz="2800" dirty="0" smtClean="0">
+              <a:rPr lang="en-US" altLang="zh-CN" sz="2800" dirty="0" smtClean="0">
                 <a:solidFill>
                   <a:srgbClr val="00A6E9"/>
                 </a:solidFill>
                 <a:latin typeface="微软雅黑" pitchFamily="34" charset="-122"/>
                 <a:ea typeface="微软雅黑" pitchFamily="34" charset="-122"/>
               </a:rPr>
-              <a:t>冰蓝 </a:t>
-            </a:r>
-            <a:r>
-              <a:rPr lang="en-US" altLang="zh-TW" sz="2800" dirty="0" smtClean="0">
+              <a:t>TCP/IP    </a:t>
+            </a:r>
+            <a:r>
+              <a:rPr lang="zh-CN" altLang="en-US" sz="2800" dirty="0" smtClean="0">
                 <a:solidFill>
                   <a:srgbClr val="00A6E9"/>
                 </a:solidFill>
                 <a:latin typeface="微软雅黑" pitchFamily="34" charset="-122"/>
                 <a:ea typeface="微软雅黑" pitchFamily="34" charset="-122"/>
               </a:rPr>
-              <a:t>C</a:t>
-            </a:r>
-            <a:r>
-              <a:rPr lang="en-US" altLang="zh-TW" sz="2800" dirty="0">
-                <a:solidFill>
-                  <a:srgbClr val="00A6E9"/>
-                </a:solidFill>
-                <a:latin typeface="微软雅黑" pitchFamily="34" charset="-122"/>
-                <a:ea typeface="微软雅黑" pitchFamily="34" charset="-122"/>
-              </a:rPr>
-              <a:t>:100  M:0  Y:0  K:</a:t>
-            </a:r>
-            <a:r>
-              <a:rPr lang="en-US" altLang="zh-TW" sz="2800" dirty="0" smtClean="0">
-                <a:solidFill>
-                  <a:srgbClr val="00A6E9"/>
-                </a:solidFill>
-                <a:latin typeface="微软雅黑" pitchFamily="34" charset="-122"/>
-                <a:ea typeface="微软雅黑" pitchFamily="34" charset="-122"/>
-              </a:rPr>
-              <a:t>0</a:t>
-            </a:r>
-            <a:r>
-              <a:rPr lang="zh-CN" altLang="en-US" sz="2800" dirty="0" smtClean="0">
-                <a:solidFill>
-                  <a:srgbClr val="00A6E9"/>
-                </a:solidFill>
-                <a:latin typeface="微软雅黑" pitchFamily="34" charset="-122"/>
-                <a:ea typeface="微软雅黑" pitchFamily="34" charset="-122"/>
-              </a:rPr>
-              <a:t> 或 </a:t>
-            </a:r>
-            <a:r>
-              <a:rPr lang="en-US" altLang="zh-CN" sz="2800" dirty="0" smtClean="0">
-                <a:solidFill>
-                  <a:srgbClr val="00A6E9"/>
-                </a:solidFill>
-                <a:latin typeface="微软雅黑" pitchFamily="34" charset="-122"/>
-                <a:ea typeface="微软雅黑" pitchFamily="34" charset="-122"/>
-              </a:rPr>
-              <a:t>R:0</a:t>
-            </a:r>
-            <a:r>
-              <a:rPr lang="zh-CN" altLang="en-US" sz="2800" dirty="0" smtClean="0">
-                <a:solidFill>
-                  <a:srgbClr val="00A6E9"/>
-                </a:solidFill>
-                <a:latin typeface="微软雅黑" pitchFamily="34" charset="-122"/>
-                <a:ea typeface="微软雅黑" pitchFamily="34" charset="-122"/>
-              </a:rPr>
-              <a:t> </a:t>
-            </a:r>
-            <a:r>
-              <a:rPr lang="en-US" altLang="zh-CN" sz="2800" dirty="0">
-                <a:solidFill>
-                  <a:srgbClr val="00A6E9"/>
-                </a:solidFill>
-                <a:latin typeface="微软雅黑" pitchFamily="34" charset="-122"/>
-                <a:ea typeface="微软雅黑" pitchFamily="34" charset="-122"/>
-              </a:rPr>
-              <a:t>G:</a:t>
-            </a:r>
-            <a:r>
-              <a:rPr lang="en-US" altLang="zh-CN" sz="2800" dirty="0" smtClean="0">
-                <a:solidFill>
-                  <a:srgbClr val="00A6E9"/>
-                </a:solidFill>
-                <a:latin typeface="微软雅黑" pitchFamily="34" charset="-122"/>
-                <a:ea typeface="微软雅黑" pitchFamily="34" charset="-122"/>
-              </a:rPr>
-              <a:t>166</a:t>
-            </a:r>
-            <a:r>
-              <a:rPr lang="zh-CN" altLang="en-US" sz="2800" dirty="0" smtClean="0">
-                <a:solidFill>
-                  <a:srgbClr val="00A6E9"/>
-                </a:solidFill>
-                <a:latin typeface="微软雅黑" pitchFamily="34" charset="-122"/>
-                <a:ea typeface="微软雅黑" pitchFamily="34" charset="-122"/>
-              </a:rPr>
-              <a:t> </a:t>
-            </a:r>
-            <a:r>
-              <a:rPr lang="en-US" altLang="zh-CN" sz="2800" dirty="0">
-                <a:solidFill>
-                  <a:srgbClr val="00A6E9"/>
-                </a:solidFill>
-                <a:latin typeface="微软雅黑" pitchFamily="34" charset="-122"/>
-                <a:ea typeface="微软雅黑" pitchFamily="34" charset="-122"/>
-              </a:rPr>
-              <a:t>B</a:t>
-            </a:r>
-            <a:r>
-              <a:rPr lang="en-US" altLang="zh-CN" sz="2800" dirty="0" smtClean="0">
-                <a:solidFill>
-                  <a:srgbClr val="00A6E9"/>
-                </a:solidFill>
-                <a:latin typeface="微软雅黑" pitchFamily="34" charset="-122"/>
-                <a:ea typeface="微软雅黑" pitchFamily="34" charset="-122"/>
-              </a:rPr>
-              <a:t>:233</a:t>
+              <a:t>四层模型图</a:t>
             </a:r>
             <a:endParaRPr lang="en-US" altLang="zh-CN" sz="2800" dirty="0">
               <a:solidFill>
@@ -11492,6 +14093,204 @@
               <a:ea typeface="微软雅黑" pitchFamily="34" charset="-122"/>
             </a:endParaRPr>
           </a:p>
+        </p:txBody>
+      </p:sp>
+      <p:pic>
+        <p:nvPicPr>
+          <p:cNvPr id="2" name="图片 1"/>
+          <p:cNvPicPr>
+            <a:picLocks noChangeAspect="1"/>
+          </p:cNvPicPr>
+          <p:nvPr/>
+        </p:nvPicPr>
+        <p:blipFill>
+          <a:blip r:embed="rId2">
+            <a:extLst>
+              <a:ext uri="{28A0092B-C50C-407E-A947-70E740481C1C}">
+                <a14:useLocalDpi xmlns:a14="http://schemas.microsoft.com/office/drawing/2010/main" val="0"/>
+              </a:ext>
+            </a:extLst>
+          </a:blip>
+          <a:stretch>
+            <a:fillRect/>
+          </a:stretch>
+        </p:blipFill>
+        <p:spPr>
+          <a:xfrm>
+            <a:off x="2088307" y="2103315"/>
+            <a:ext cx="7126715" cy="3384376"/>
+          </a:xfrm>
+          <a:prstGeom prst="rect">
+            <a:avLst/>
+          </a:prstGeom>
+        </p:spPr>
+      </p:pic>
+    </p:spTree>
+    <p:extLst>
+      <p:ext uri="{BB962C8B-B14F-4D97-AF65-F5344CB8AC3E}">
+        <p14:creationId xmlns:p14="http://schemas.microsoft.com/office/powerpoint/2010/main" val="3005573822"/>
+      </p:ext>
+    </p:extLst>
+  </p:cSld>
+  <p:clrMapOvr>
+    <a:masterClrMapping/>
+  </p:clrMapOvr>
+  <p:transition>
+    <p:fade/>
+  </p:transition>
+</p:sld>
+</file>
+
+<file path=ppt/slides/slide7.xml><?xml version="1.0" encoding="utf-8"?>
+<p:sld xmlns:a="http://schemas.openxmlformats.org/drawingml/2006/main" xmlns:r="http://schemas.openxmlformats.org/officeDocument/2006/relationships" xmlns:p="http://schemas.openxmlformats.org/presentationml/2006/main">
+  <p:cSld>
+    <p:spTree>
+      <p:nvGrpSpPr>
+        <p:cNvPr id="1" name=""/>
+        <p:cNvGrpSpPr/>
+        <p:nvPr/>
+      </p:nvGrpSpPr>
+      <p:grpSpPr>
+        <a:xfrm>
+          <a:off x="0" y="0"/>
+          <a:ext cx="0" cy="0"/>
+          <a:chOff x="0" y="0"/>
+          <a:chExt cx="0" cy="0"/>
+        </a:xfrm>
+      </p:grpSpPr>
+      <p:sp>
+        <p:nvSpPr>
+          <p:cNvPr id="4" name="Text Box 3"/>
+          <p:cNvSpPr txBox="1">
+            <a:spLocks noChangeArrowheads="1"/>
+          </p:cNvSpPr>
+          <p:nvPr/>
+        </p:nvSpPr>
+        <p:spPr bwMode="auto">
+          <a:xfrm>
+            <a:off x="1296219" y="1556023"/>
+            <a:ext cx="8496944" cy="523220"/>
+          </a:xfrm>
+          <a:prstGeom prst="rect">
+            <a:avLst/>
+          </a:prstGeom>
+          <a:noFill/>
+          <a:ln>
+            <a:noFill/>
+          </a:ln>
+          <a:extLst/>
+        </p:spPr>
+        <p:txBody>
+          <a:bodyPr wrap="square">
+            <a:spAutoFit/>
+          </a:bodyPr>
+          <a:lstStyle>
+            <a:lvl1pPr eaLnBrk="0" hangingPunct="0">
+              <a:defRPr b="1">
+                <a:solidFill>
+                  <a:schemeClr val="tx1"/>
+                </a:solidFill>
+                <a:latin typeface="Arial" charset="0"/>
+                <a:ea typeface="宋体" charset="-122"/>
+              </a:defRPr>
+            </a:lvl1pPr>
+            <a:lvl2pPr marL="742950" indent="-285750" eaLnBrk="0" hangingPunct="0">
+              <a:defRPr b="1">
+                <a:solidFill>
+                  <a:schemeClr val="tx1"/>
+                </a:solidFill>
+                <a:latin typeface="Arial" charset="0"/>
+                <a:ea typeface="宋体" charset="-122"/>
+              </a:defRPr>
+            </a:lvl2pPr>
+            <a:lvl3pPr marL="1143000" indent="-228600" eaLnBrk="0" hangingPunct="0">
+              <a:defRPr b="1">
+                <a:solidFill>
+                  <a:schemeClr val="tx1"/>
+                </a:solidFill>
+                <a:latin typeface="Arial" charset="0"/>
+                <a:ea typeface="宋体" charset="-122"/>
+              </a:defRPr>
+            </a:lvl3pPr>
+            <a:lvl4pPr marL="1600200" indent="-228600" eaLnBrk="0" hangingPunct="0">
+              <a:defRPr b="1">
+                <a:solidFill>
+                  <a:schemeClr val="tx1"/>
+                </a:solidFill>
+                <a:latin typeface="Arial" charset="0"/>
+                <a:ea typeface="宋体" charset="-122"/>
+              </a:defRPr>
+            </a:lvl4pPr>
+            <a:lvl5pPr marL="2057400" indent="-228600" eaLnBrk="0" hangingPunct="0">
+              <a:defRPr b="1">
+                <a:solidFill>
+                  <a:schemeClr val="tx1"/>
+                </a:solidFill>
+                <a:latin typeface="Arial" charset="0"/>
+                <a:ea typeface="宋体" charset="-122"/>
+              </a:defRPr>
+            </a:lvl5pPr>
+            <a:lvl6pPr marL="2514600" indent="-228600" eaLnBrk="0" fontAlgn="base" hangingPunct="0">
+              <a:spcBef>
+                <a:spcPct val="0"/>
+              </a:spcBef>
+              <a:spcAft>
+                <a:spcPct val="0"/>
+              </a:spcAft>
+              <a:defRPr b="1">
+                <a:solidFill>
+                  <a:schemeClr val="tx1"/>
+                </a:solidFill>
+                <a:latin typeface="Arial" charset="0"/>
+                <a:ea typeface="宋体" charset="-122"/>
+              </a:defRPr>
+            </a:lvl6pPr>
+            <a:lvl7pPr marL="2971800" indent="-228600" eaLnBrk="0" fontAlgn="base" hangingPunct="0">
+              <a:spcBef>
+                <a:spcPct val="0"/>
+              </a:spcBef>
+              <a:spcAft>
+                <a:spcPct val="0"/>
+              </a:spcAft>
+              <a:defRPr b="1">
+                <a:solidFill>
+                  <a:schemeClr val="tx1"/>
+                </a:solidFill>
+                <a:latin typeface="Arial" charset="0"/>
+                <a:ea typeface="宋体" charset="-122"/>
+              </a:defRPr>
+            </a:lvl7pPr>
+            <a:lvl8pPr marL="3429000" indent="-228600" eaLnBrk="0" fontAlgn="base" hangingPunct="0">
+              <a:spcBef>
+                <a:spcPct val="0"/>
+              </a:spcBef>
+              <a:spcAft>
+                <a:spcPct val="0"/>
+              </a:spcAft>
+              <a:defRPr b="1">
+                <a:solidFill>
+                  <a:schemeClr val="tx1"/>
+                </a:solidFill>
+                <a:latin typeface="Arial" charset="0"/>
+                <a:ea typeface="宋体" charset="-122"/>
+              </a:defRPr>
+            </a:lvl8pPr>
+            <a:lvl9pPr marL="3886200" indent="-228600" eaLnBrk="0" fontAlgn="base" hangingPunct="0">
+              <a:spcBef>
+                <a:spcPct val="0"/>
+              </a:spcBef>
+              <a:spcAft>
+                <a:spcPct val="0"/>
+              </a:spcAft>
+              <a:defRPr b="1">
+                <a:solidFill>
+                  <a:schemeClr val="tx1"/>
+                </a:solidFill>
+                <a:latin typeface="Arial" charset="0"/>
+                <a:ea typeface="宋体" charset="-122"/>
+              </a:defRPr>
+            </a:lvl9pPr>
+          </a:lstStyle>
           <a:p>
             <a:pPr eaLnBrk="1" hangingPunct="1">
               <a:spcBef>
@@ -11500,252 +14299,24 @@
               <a:defRPr/>
             </a:pPr>
             <a:r>
-              <a:rPr lang="zh-CN" altLang="en-US" sz="2800" dirty="0" smtClean="0">
-                <a:solidFill>
-                  <a:srgbClr val="ED6C00"/>
+              <a:rPr lang="en-US" altLang="zh-CN" sz="2800" dirty="0" smtClean="0">
+                <a:solidFill>
+                  <a:srgbClr val="00A6E9"/>
                 </a:solidFill>
                 <a:latin typeface="微软雅黑" pitchFamily="34" charset="-122"/>
                 <a:ea typeface="微软雅黑" pitchFamily="34" charset="-122"/>
               </a:rPr>
-              <a:t>橙色 </a:t>
-            </a:r>
-            <a:r>
-              <a:rPr lang="en-US" altLang="zh-CN" sz="2800" dirty="0" smtClean="0">
-                <a:solidFill>
-                  <a:srgbClr val="ED6C00"/>
+              <a:t>TCP/IP   </a:t>
+            </a:r>
+            <a:r>
+              <a:rPr lang="zh-CN" altLang="en-US" sz="2800" dirty="0" smtClean="0">
+                <a:solidFill>
+                  <a:srgbClr val="00A6E9"/>
                 </a:solidFill>
                 <a:latin typeface="微软雅黑" pitchFamily="34" charset="-122"/>
                 <a:ea typeface="微软雅黑" pitchFamily="34" charset="-122"/>
               </a:rPr>
-              <a:t>C</a:t>
-            </a:r>
-            <a:r>
-              <a:rPr lang="en-US" altLang="zh-CN" sz="2800" dirty="0">
-                <a:solidFill>
-                  <a:srgbClr val="ED6C00"/>
-                </a:solidFill>
-                <a:latin typeface="微软雅黑" pitchFamily="34" charset="-122"/>
-                <a:ea typeface="微软雅黑" pitchFamily="34" charset="-122"/>
-              </a:rPr>
-              <a:t>:0  M:</a:t>
-            </a:r>
-            <a:r>
-              <a:rPr lang="en-US" altLang="zh-CN" sz="2800" dirty="0" smtClean="0">
-                <a:solidFill>
-                  <a:srgbClr val="ED6C00"/>
-                </a:solidFill>
-                <a:latin typeface="微软雅黑" pitchFamily="34" charset="-122"/>
-                <a:ea typeface="微软雅黑" pitchFamily="34" charset="-122"/>
-              </a:rPr>
-              <a:t>70  </a:t>
-            </a:r>
-            <a:r>
-              <a:rPr lang="en-US" altLang="zh-CN" sz="2800" dirty="0">
-                <a:solidFill>
-                  <a:srgbClr val="ED6C00"/>
-                </a:solidFill>
-                <a:latin typeface="微软雅黑" pitchFamily="34" charset="-122"/>
-                <a:ea typeface="微软雅黑" pitchFamily="34" charset="-122"/>
-              </a:rPr>
-              <a:t>Y</a:t>
-            </a:r>
-            <a:r>
-              <a:rPr lang="en-US" altLang="zh-CN" sz="2800" dirty="0" smtClean="0">
-                <a:solidFill>
-                  <a:srgbClr val="ED6C00"/>
-                </a:solidFill>
-                <a:latin typeface="微软雅黑" pitchFamily="34" charset="-122"/>
-                <a:ea typeface="微软雅黑" pitchFamily="34" charset="-122"/>
-              </a:rPr>
-              <a:t>:100  </a:t>
-            </a:r>
-            <a:r>
-              <a:rPr lang="en-US" altLang="zh-CN" sz="2800" dirty="0">
-                <a:solidFill>
-                  <a:srgbClr val="ED6C00"/>
-                </a:solidFill>
-                <a:latin typeface="微软雅黑" pitchFamily="34" charset="-122"/>
-                <a:ea typeface="微软雅黑" pitchFamily="34" charset="-122"/>
-              </a:rPr>
-              <a:t>K:</a:t>
-            </a:r>
-            <a:r>
-              <a:rPr lang="en-US" altLang="zh-CN" sz="2800" dirty="0" smtClean="0">
-                <a:solidFill>
-                  <a:srgbClr val="ED6C00"/>
-                </a:solidFill>
-                <a:latin typeface="微软雅黑" pitchFamily="34" charset="-122"/>
-                <a:ea typeface="微软雅黑" pitchFamily="34" charset="-122"/>
-              </a:rPr>
-              <a:t>0</a:t>
-            </a:r>
-            <a:r>
-              <a:rPr lang="zh-CN" altLang="en-US" sz="2800" dirty="0" smtClean="0">
-                <a:solidFill>
-                  <a:srgbClr val="ED6C00"/>
-                </a:solidFill>
-                <a:latin typeface="微软雅黑" pitchFamily="34" charset="-122"/>
-                <a:ea typeface="微软雅黑" pitchFamily="34" charset="-122"/>
-              </a:rPr>
-              <a:t> 或 </a:t>
-            </a:r>
-            <a:r>
-              <a:rPr lang="en-US" altLang="zh-CN" sz="2800" dirty="0" smtClean="0">
-                <a:solidFill>
-                  <a:srgbClr val="ED6C00"/>
-                </a:solidFill>
-                <a:latin typeface="微软雅黑" pitchFamily="34" charset="-122"/>
-                <a:ea typeface="微软雅黑" pitchFamily="34" charset="-122"/>
-              </a:rPr>
-              <a:t>R:237</a:t>
-            </a:r>
-            <a:r>
-              <a:rPr lang="zh-CN" altLang="en-US" sz="2800" dirty="0" smtClean="0">
-                <a:solidFill>
-                  <a:srgbClr val="ED6C00"/>
-                </a:solidFill>
-                <a:latin typeface="微软雅黑" pitchFamily="34" charset="-122"/>
-                <a:ea typeface="微软雅黑" pitchFamily="34" charset="-122"/>
-              </a:rPr>
-              <a:t> </a:t>
-            </a:r>
-            <a:r>
-              <a:rPr lang="en-US" altLang="zh-CN" sz="2800" dirty="0" smtClean="0">
-                <a:solidFill>
-                  <a:srgbClr val="ED6C00"/>
-                </a:solidFill>
-                <a:latin typeface="微软雅黑" pitchFamily="34" charset="-122"/>
-                <a:ea typeface="微软雅黑" pitchFamily="34" charset="-122"/>
-              </a:rPr>
-              <a:t>G:108</a:t>
-            </a:r>
-            <a:r>
-              <a:rPr lang="zh-CN" altLang="en-US" sz="2800" dirty="0" smtClean="0">
-                <a:solidFill>
-                  <a:srgbClr val="ED6C00"/>
-                </a:solidFill>
-                <a:latin typeface="微软雅黑" pitchFamily="34" charset="-122"/>
-                <a:ea typeface="微软雅黑" pitchFamily="34" charset="-122"/>
-              </a:rPr>
-              <a:t> </a:t>
-            </a:r>
-            <a:r>
-              <a:rPr lang="en-US" altLang="zh-CN" sz="2800" dirty="0" smtClean="0">
-                <a:solidFill>
-                  <a:srgbClr val="ED6C00"/>
-                </a:solidFill>
-                <a:latin typeface="微软雅黑" pitchFamily="34" charset="-122"/>
-                <a:ea typeface="微软雅黑" pitchFamily="34" charset="-122"/>
-              </a:rPr>
-              <a:t>B:0</a:t>
-            </a:r>
-          </a:p>
-          <a:p>
-            <a:pPr eaLnBrk="1" hangingPunct="1">
-              <a:spcBef>
-                <a:spcPct val="50000"/>
-              </a:spcBef>
-              <a:defRPr/>
-            </a:pPr>
-            <a:r>
-              <a:rPr lang="zh-CN" altLang="en-US" sz="2800" dirty="0" smtClean="0">
-                <a:solidFill>
-                  <a:srgbClr val="595757"/>
-                </a:solidFill>
-                <a:latin typeface="微软雅黑" pitchFamily="34" charset="-122"/>
-                <a:ea typeface="微软雅黑" pitchFamily="34" charset="-122"/>
-              </a:rPr>
-              <a:t>灰 </a:t>
-            </a:r>
-            <a:r>
-              <a:rPr lang="en-US" altLang="zh-CN" sz="2800" dirty="0" smtClean="0">
-                <a:solidFill>
-                  <a:srgbClr val="595757"/>
-                </a:solidFill>
-                <a:latin typeface="微软雅黑" pitchFamily="34" charset="-122"/>
-                <a:ea typeface="微软雅黑" pitchFamily="34" charset="-122"/>
-              </a:rPr>
-              <a:t>C</a:t>
-            </a:r>
-            <a:r>
-              <a:rPr lang="en-US" altLang="zh-CN" sz="2800" dirty="0">
-                <a:solidFill>
-                  <a:srgbClr val="595757"/>
-                </a:solidFill>
-                <a:latin typeface="微软雅黑" pitchFamily="34" charset="-122"/>
-                <a:ea typeface="微软雅黑" pitchFamily="34" charset="-122"/>
-              </a:rPr>
-              <a:t>:0  M:0  Y:0  K:</a:t>
-            </a:r>
-            <a:r>
-              <a:rPr lang="en-US" altLang="zh-CN" sz="2800" dirty="0" smtClean="0">
-                <a:solidFill>
-                  <a:srgbClr val="595757"/>
-                </a:solidFill>
-                <a:latin typeface="微软雅黑" pitchFamily="34" charset="-122"/>
-                <a:ea typeface="微软雅黑" pitchFamily="34" charset="-122"/>
-              </a:rPr>
-              <a:t>80</a:t>
-            </a:r>
-            <a:r>
-              <a:rPr lang="zh-CN" altLang="en-US" sz="2800" dirty="0" smtClean="0">
-                <a:solidFill>
-                  <a:srgbClr val="595757"/>
-                </a:solidFill>
-                <a:latin typeface="微软雅黑" pitchFamily="34" charset="-122"/>
-                <a:ea typeface="微软雅黑" pitchFamily="34" charset="-122"/>
-              </a:rPr>
-              <a:t> 或 </a:t>
-            </a:r>
-            <a:r>
-              <a:rPr lang="en-US" altLang="zh-CN" sz="2800" dirty="0" smtClean="0">
-                <a:solidFill>
-                  <a:srgbClr val="595757"/>
-                </a:solidFill>
-                <a:latin typeface="微软雅黑" pitchFamily="34" charset="-122"/>
-                <a:ea typeface="微软雅黑" pitchFamily="34" charset="-122"/>
-              </a:rPr>
-              <a:t>R:89</a:t>
-            </a:r>
-            <a:r>
-              <a:rPr lang="zh-CN" altLang="en-US" sz="2800" dirty="0" smtClean="0">
-                <a:solidFill>
-                  <a:srgbClr val="595757"/>
-                </a:solidFill>
-                <a:latin typeface="微软雅黑" pitchFamily="34" charset="-122"/>
-                <a:ea typeface="微软雅黑" pitchFamily="34" charset="-122"/>
-              </a:rPr>
-              <a:t> </a:t>
-            </a:r>
-            <a:r>
-              <a:rPr lang="en-US" altLang="zh-CN" sz="2800" dirty="0" smtClean="0">
-                <a:solidFill>
-                  <a:srgbClr val="595757"/>
-                </a:solidFill>
-                <a:latin typeface="微软雅黑" pitchFamily="34" charset="-122"/>
-                <a:ea typeface="微软雅黑" pitchFamily="34" charset="-122"/>
-              </a:rPr>
-              <a:t>G:87</a:t>
-            </a:r>
-            <a:r>
-              <a:rPr lang="zh-CN" altLang="en-US" sz="2800" dirty="0" smtClean="0">
-                <a:solidFill>
-                  <a:srgbClr val="595757"/>
-                </a:solidFill>
-                <a:latin typeface="微软雅黑" pitchFamily="34" charset="-122"/>
-                <a:ea typeface="微软雅黑" pitchFamily="34" charset="-122"/>
-              </a:rPr>
-              <a:t> </a:t>
-            </a:r>
-            <a:r>
-              <a:rPr lang="en-US" altLang="zh-CN" sz="2800" dirty="0" smtClean="0">
-                <a:solidFill>
-                  <a:srgbClr val="595757"/>
-                </a:solidFill>
-                <a:latin typeface="微软雅黑" pitchFamily="34" charset="-122"/>
-                <a:ea typeface="微软雅黑" pitchFamily="34" charset="-122"/>
-              </a:rPr>
-              <a:t>B:87</a:t>
+              <a:t>四层七层模型对比</a:t>
             </a:r>
             <a:endParaRPr lang="en-US" altLang="zh-CN" sz="2800" dirty="0">
               <a:solidFill>
@@ -11757,10 +14328,536 @@
           </a:p>
         </p:txBody>
       </p:sp>
+      <p:pic>
+        <p:nvPicPr>
+          <p:cNvPr id="2" name="图片 1"/>
+          <p:cNvPicPr>
+            <a:picLocks noChangeAspect="1"/>
+          </p:cNvPicPr>
+          <p:nvPr/>
+        </p:nvPicPr>
+        <p:blipFill>
+          <a:blip r:embed="rId2">
+            <a:extLst>
+              <a:ext uri="{28A0092B-C50C-407E-A947-70E740481C1C}">
+                <a14:useLocalDpi xmlns:a14="http://schemas.microsoft.com/office/drawing/2010/main" val="0"/>
+              </a:ext>
+            </a:extLst>
+          </a:blip>
+          <a:stretch>
+            <a:fillRect/>
+          </a:stretch>
+        </p:blipFill>
+        <p:spPr>
+          <a:xfrm>
+            <a:off x="288107" y="2484164"/>
+            <a:ext cx="4777441" cy="2871909"/>
+          </a:xfrm>
+          <a:prstGeom prst="rect">
+            <a:avLst/>
+          </a:prstGeom>
+        </p:spPr>
+      </p:pic>
+      <p:pic>
+        <p:nvPicPr>
+          <p:cNvPr id="3" name="图片 2"/>
+          <p:cNvPicPr>
+            <a:picLocks noChangeAspect="1"/>
+          </p:cNvPicPr>
+          <p:nvPr/>
+        </p:nvPicPr>
+        <p:blipFill>
+          <a:blip r:embed="rId3">
+            <a:extLst>
+              <a:ext uri="{28A0092B-C50C-407E-A947-70E740481C1C}">
+                <a14:useLocalDpi xmlns:a14="http://schemas.microsoft.com/office/drawing/2010/main" val="0"/>
+              </a:ext>
+            </a:extLst>
+          </a:blip>
+          <a:stretch>
+            <a:fillRect/>
+          </a:stretch>
+        </p:blipFill>
+        <p:spPr>
+          <a:xfrm>
+            <a:off x="5328667" y="2700189"/>
+            <a:ext cx="5201486" cy="2470112"/>
+          </a:xfrm>
+          <a:prstGeom prst="rect">
+            <a:avLst/>
+          </a:prstGeom>
+        </p:spPr>
+      </p:pic>
     </p:spTree>
     <p:extLst>
       <p:ext uri="{BB962C8B-B14F-4D97-AF65-F5344CB8AC3E}">
-        <p14:creationId xmlns:p14="http://schemas.microsoft.com/office/powerpoint/2010/main" val="1613153189"/>
+        <p14:creationId xmlns:p14="http://schemas.microsoft.com/office/powerpoint/2010/main" val="883582997"/>
+      </p:ext>
+    </p:extLst>
+  </p:cSld>
+  <p:clrMapOvr>
+    <a:masterClrMapping/>
+  </p:clrMapOvr>
+  <p:transition>
+    <p:fade/>
+  </p:transition>
+</p:sld>
+</file>
+
+<file path=ppt/slides/slide8.xml><?xml version="1.0" encoding="utf-8"?>
+<p:sld xmlns:a="http://schemas.openxmlformats.org/drawingml/2006/main" xmlns:r="http://schemas.openxmlformats.org/officeDocument/2006/relationships" xmlns:p="http://schemas.openxmlformats.org/presentationml/2006/main">
+  <p:cSld>
+    <p:spTree>
+      <p:nvGrpSpPr>
+        <p:cNvPr id="1" name=""/>
+        <p:cNvGrpSpPr/>
+        <p:nvPr/>
+      </p:nvGrpSpPr>
+      <p:grpSpPr>
+        <a:xfrm>
+          <a:off x="0" y="0"/>
+          <a:ext cx="0" cy="0"/>
+          <a:chOff x="0" y="0"/>
+          <a:chExt cx="0" cy="0"/>
+        </a:xfrm>
+      </p:grpSpPr>
+      <p:sp>
+        <p:nvSpPr>
+          <p:cNvPr id="4" name="Text Box 3"/>
+          <p:cNvSpPr txBox="1">
+            <a:spLocks noChangeArrowheads="1"/>
+          </p:cNvSpPr>
+          <p:nvPr/>
+        </p:nvSpPr>
+        <p:spPr bwMode="auto">
+          <a:xfrm>
+            <a:off x="1296219" y="1294413"/>
+            <a:ext cx="8496944" cy="523220"/>
+          </a:xfrm>
+          <a:prstGeom prst="rect">
+            <a:avLst/>
+          </a:prstGeom>
+          <a:noFill/>
+          <a:ln>
+            <a:noFill/>
+          </a:ln>
+          <a:extLst/>
+        </p:spPr>
+        <p:txBody>
+          <a:bodyPr wrap="square">
+            <a:spAutoFit/>
+          </a:bodyPr>
+          <a:lstStyle>
+            <a:lvl1pPr eaLnBrk="0" hangingPunct="0">
+              <a:defRPr b="1">
+                <a:solidFill>
+                  <a:schemeClr val="tx1"/>
+                </a:solidFill>
+                <a:latin typeface="Arial" charset="0"/>
+                <a:ea typeface="宋体" charset="-122"/>
+              </a:defRPr>
+            </a:lvl1pPr>
+            <a:lvl2pPr marL="742950" indent="-285750" eaLnBrk="0" hangingPunct="0">
+              <a:defRPr b="1">
+                <a:solidFill>
+                  <a:schemeClr val="tx1"/>
+                </a:solidFill>
+                <a:latin typeface="Arial" charset="0"/>
+                <a:ea typeface="宋体" charset="-122"/>
+              </a:defRPr>
+            </a:lvl2pPr>
+            <a:lvl3pPr marL="1143000" indent="-228600" eaLnBrk="0" hangingPunct="0">
+              <a:defRPr b="1">
+                <a:solidFill>
+                  <a:schemeClr val="tx1"/>
+                </a:solidFill>
+                <a:latin typeface="Arial" charset="0"/>
+                <a:ea typeface="宋体" charset="-122"/>
+              </a:defRPr>
+            </a:lvl3pPr>
+            <a:lvl4pPr marL="1600200" indent="-228600" eaLnBrk="0" hangingPunct="0">
+              <a:defRPr b="1">
+                <a:solidFill>
+                  <a:schemeClr val="tx1"/>
+                </a:solidFill>
+                <a:latin typeface="Arial" charset="0"/>
+                <a:ea typeface="宋体" charset="-122"/>
+              </a:defRPr>
+            </a:lvl4pPr>
+            <a:lvl5pPr marL="2057400" indent="-228600" eaLnBrk="0" hangingPunct="0">
+              <a:defRPr b="1">
+                <a:solidFill>
+                  <a:schemeClr val="tx1"/>
+                </a:solidFill>
+                <a:latin typeface="Arial" charset="0"/>
+                <a:ea typeface="宋体" charset="-122"/>
+              </a:defRPr>
+            </a:lvl5pPr>
+            <a:lvl6pPr marL="2514600" indent="-228600" eaLnBrk="0" fontAlgn="base" hangingPunct="0">
+              <a:spcBef>
+                <a:spcPct val="0"/>
+              </a:spcBef>
+              <a:spcAft>
+                <a:spcPct val="0"/>
+              </a:spcAft>
+              <a:defRPr b="1">
+                <a:solidFill>
+                  <a:schemeClr val="tx1"/>
+                </a:solidFill>
+                <a:latin typeface="Arial" charset="0"/>
+                <a:ea typeface="宋体" charset="-122"/>
+              </a:defRPr>
+            </a:lvl6pPr>
+            <a:lvl7pPr marL="2971800" indent="-228600" eaLnBrk="0" fontAlgn="base" hangingPunct="0">
+              <a:spcBef>
+                <a:spcPct val="0"/>
+              </a:spcBef>
+              <a:spcAft>
+                <a:spcPct val="0"/>
+              </a:spcAft>
+              <a:defRPr b="1">
+                <a:solidFill>
+                  <a:schemeClr val="tx1"/>
+                </a:solidFill>
+                <a:latin typeface="Arial" charset="0"/>
+                <a:ea typeface="宋体" charset="-122"/>
+              </a:defRPr>
+            </a:lvl7pPr>
+            <a:lvl8pPr marL="3429000" indent="-228600" eaLnBrk="0" fontAlgn="base" hangingPunct="0">
+              <a:spcBef>
+                <a:spcPct val="0"/>
+              </a:spcBef>
+              <a:spcAft>
+                <a:spcPct val="0"/>
+              </a:spcAft>
+              <a:defRPr b="1">
+                <a:solidFill>
+                  <a:schemeClr val="tx1"/>
+                </a:solidFill>
+                <a:latin typeface="Arial" charset="0"/>
+                <a:ea typeface="宋体" charset="-122"/>
+              </a:defRPr>
+            </a:lvl8pPr>
+            <a:lvl9pPr marL="3886200" indent="-228600" eaLnBrk="0" fontAlgn="base" hangingPunct="0">
+              <a:spcBef>
+                <a:spcPct val="0"/>
+              </a:spcBef>
+              <a:spcAft>
+                <a:spcPct val="0"/>
+              </a:spcAft>
+              <a:defRPr b="1">
+                <a:solidFill>
+                  <a:schemeClr val="tx1"/>
+                </a:solidFill>
+                <a:latin typeface="Arial" charset="0"/>
+                <a:ea typeface="宋体" charset="-122"/>
+              </a:defRPr>
+            </a:lvl9pPr>
+          </a:lstStyle>
+          <a:p>
+            <a:pPr eaLnBrk="1" hangingPunct="1">
+              <a:spcBef>
+                <a:spcPct val="50000"/>
+              </a:spcBef>
+              <a:defRPr/>
+            </a:pPr>
+            <a:r>
+              <a:rPr lang="en-US" altLang="zh-CN" sz="2800" dirty="0" smtClean="0">
+                <a:solidFill>
+                  <a:srgbClr val="00A6E9"/>
+                </a:solidFill>
+                <a:latin typeface="微软雅黑" pitchFamily="34" charset="-122"/>
+                <a:ea typeface="微软雅黑" pitchFamily="34" charset="-122"/>
+              </a:rPr>
+              <a:t>TCP </a:t>
+            </a:r>
+            <a:r>
+              <a:rPr lang="zh-CN" altLang="en-US" sz="2800" dirty="0" smtClean="0">
+                <a:solidFill>
+                  <a:srgbClr val="00A6E9"/>
+                </a:solidFill>
+                <a:latin typeface="微软雅黑" pitchFamily="34" charset="-122"/>
+                <a:ea typeface="微软雅黑" pitchFamily="34" charset="-122"/>
+              </a:rPr>
+              <a:t>建立连接 三次握手</a:t>
+            </a:r>
+            <a:endParaRPr lang="en-US" altLang="zh-CN" sz="2800" dirty="0">
+              <a:solidFill>
+                <a:srgbClr val="595757"/>
+              </a:solidFill>
+              <a:latin typeface="微软雅黑" pitchFamily="34" charset="-122"/>
+              <a:ea typeface="微软雅黑" pitchFamily="34" charset="-122"/>
+            </a:endParaRPr>
+          </a:p>
+        </p:txBody>
+      </p:sp>
+      <p:pic>
+        <p:nvPicPr>
+          <p:cNvPr id="2" name="图片 1"/>
+          <p:cNvPicPr>
+            <a:picLocks noChangeAspect="1"/>
+          </p:cNvPicPr>
+          <p:nvPr/>
+        </p:nvPicPr>
+        <p:blipFill>
+          <a:blip r:embed="rId2">
+            <a:extLst>
+              <a:ext uri="{28A0092B-C50C-407E-A947-70E740481C1C}">
+                <a14:useLocalDpi xmlns:a14="http://schemas.microsoft.com/office/drawing/2010/main" val="0"/>
+              </a:ext>
+            </a:extLst>
+          </a:blip>
+          <a:stretch>
+            <a:fillRect/>
+          </a:stretch>
+        </p:blipFill>
+        <p:spPr>
+          <a:xfrm>
+            <a:off x="2414587" y="2079243"/>
+            <a:ext cx="5972175" cy="3924300"/>
+          </a:xfrm>
+          <a:prstGeom prst="rect">
+            <a:avLst/>
+          </a:prstGeom>
+        </p:spPr>
+      </p:pic>
+    </p:spTree>
+    <p:extLst>
+      <p:ext uri="{BB962C8B-B14F-4D97-AF65-F5344CB8AC3E}">
+        <p14:creationId xmlns:p14="http://schemas.microsoft.com/office/powerpoint/2010/main" val="2909951691"/>
+      </p:ext>
+    </p:extLst>
+  </p:cSld>
+  <p:clrMapOvr>
+    <a:masterClrMapping/>
+  </p:clrMapOvr>
+  <p:transition>
+    <p:fade/>
+  </p:transition>
+</p:sld>
+</file>
+
+<file path=ppt/slides/slide9.xml><?xml version="1.0" encoding="utf-8"?>
+<p:sld xmlns:a="http://schemas.openxmlformats.org/drawingml/2006/main" xmlns:r="http://schemas.openxmlformats.org/officeDocument/2006/relationships" xmlns:p="http://schemas.openxmlformats.org/presentationml/2006/main">
+  <p:cSld>
+    <p:spTree>
+      <p:nvGrpSpPr>
+        <p:cNvPr id="1" name=""/>
+        <p:cNvGrpSpPr/>
+        <p:nvPr/>
+      </p:nvGrpSpPr>
+      <p:grpSpPr>
+        <a:xfrm>
+          <a:off x="0" y="0"/>
+          <a:ext cx="0" cy="0"/>
+          <a:chOff x="0" y="0"/>
+          <a:chExt cx="0" cy="0"/>
+        </a:xfrm>
+      </p:grpSpPr>
+      <p:sp>
+        <p:nvSpPr>
+          <p:cNvPr id="4" name="Text Box 3"/>
+          <p:cNvSpPr txBox="1">
+            <a:spLocks noChangeArrowheads="1"/>
+          </p:cNvSpPr>
+          <p:nvPr/>
+        </p:nvSpPr>
+        <p:spPr bwMode="auto">
+          <a:xfrm>
+            <a:off x="2520355" y="88737"/>
+            <a:ext cx="8496944" cy="523220"/>
+          </a:xfrm>
+          <a:prstGeom prst="rect">
+            <a:avLst/>
+          </a:prstGeom>
+          <a:noFill/>
+          <a:ln>
+            <a:noFill/>
+          </a:ln>
+          <a:extLst/>
+        </p:spPr>
+        <p:txBody>
+          <a:bodyPr wrap="square">
+            <a:spAutoFit/>
+          </a:bodyPr>
+          <a:lstStyle>
+            <a:lvl1pPr eaLnBrk="0" hangingPunct="0">
+              <a:defRPr b="1">
+                <a:solidFill>
+                  <a:schemeClr val="tx1"/>
+                </a:solidFill>
+                <a:latin typeface="Arial" charset="0"/>
+                <a:ea typeface="宋体" charset="-122"/>
+              </a:defRPr>
+            </a:lvl1pPr>
+            <a:lvl2pPr marL="742950" indent="-285750" eaLnBrk="0" hangingPunct="0">
+              <a:defRPr b="1">
+                <a:solidFill>
+                  <a:schemeClr val="tx1"/>
+                </a:solidFill>
+                <a:latin typeface="Arial" charset="0"/>
+                <a:ea typeface="宋体" charset="-122"/>
+              </a:defRPr>
+            </a:lvl2pPr>
+            <a:lvl3pPr marL="1143000" indent="-228600" eaLnBrk="0" hangingPunct="0">
+              <a:defRPr b="1">
+                <a:solidFill>
+                  <a:schemeClr val="tx1"/>
+                </a:solidFill>
+                <a:latin typeface="Arial" charset="0"/>
+                <a:ea typeface="宋体" charset="-122"/>
+              </a:defRPr>
+            </a:lvl3pPr>
+            <a:lvl4pPr marL="1600200" indent="-228600" eaLnBrk="0" hangingPunct="0">
+              <a:defRPr b="1">
+                <a:solidFill>
+                  <a:schemeClr val="tx1"/>
+                </a:solidFill>
+                <a:latin typeface="Arial" charset="0"/>
+                <a:ea typeface="宋体" charset="-122"/>
+              </a:defRPr>
+            </a:lvl4pPr>
+            <a:lvl5pPr marL="2057400" indent="-228600" eaLnBrk="0" hangingPunct="0">
+              <a:defRPr b="1">
+                <a:solidFill>
+                  <a:schemeClr val="tx1"/>
+                </a:solidFill>
+                <a:latin typeface="Arial" charset="0"/>
+                <a:ea typeface="宋体" charset="-122"/>
+              </a:defRPr>
+            </a:lvl5pPr>
+            <a:lvl6pPr marL="2514600" indent="-228600" eaLnBrk="0" fontAlgn="base" hangingPunct="0">
+              <a:spcBef>
+                <a:spcPct val="0"/>
+              </a:spcBef>
+              <a:spcAft>
+                <a:spcPct val="0"/>
+              </a:spcAft>
+              <a:defRPr b="1">
+                <a:solidFill>
+                  <a:schemeClr val="tx1"/>
+                </a:solidFill>
+                <a:latin typeface="Arial" charset="0"/>
+                <a:ea typeface="宋体" charset="-122"/>
+              </a:defRPr>
+            </a:lvl6pPr>
+            <a:lvl7pPr marL="2971800" indent="-228600" eaLnBrk="0" fontAlgn="base" hangingPunct="0">
+              <a:spcBef>
+                <a:spcPct val="0"/>
+              </a:spcBef>
+              <a:spcAft>
+                <a:spcPct val="0"/>
+              </a:spcAft>
+              <a:defRPr b="1">
+                <a:solidFill>
+                  <a:schemeClr val="tx1"/>
+                </a:solidFill>
+                <a:latin typeface="Arial" charset="0"/>
+                <a:ea typeface="宋体" charset="-122"/>
+              </a:defRPr>
+            </a:lvl7pPr>
+            <a:lvl8pPr marL="3429000" indent="-228600" eaLnBrk="0" fontAlgn="base" hangingPunct="0">
+              <a:spcBef>
+                <a:spcPct val="0"/>
+              </a:spcBef>
+              <a:spcAft>
+                <a:spcPct val="0"/>
+              </a:spcAft>
+              <a:defRPr b="1">
+                <a:solidFill>
+                  <a:schemeClr val="tx1"/>
+                </a:solidFill>
+                <a:latin typeface="Arial" charset="0"/>
+                <a:ea typeface="宋体" charset="-122"/>
+              </a:defRPr>
+            </a:lvl8pPr>
+            <a:lvl9pPr marL="3886200" indent="-228600" eaLnBrk="0" fontAlgn="base" hangingPunct="0">
+              <a:spcBef>
+                <a:spcPct val="0"/>
+              </a:spcBef>
+              <a:spcAft>
+                <a:spcPct val="0"/>
+              </a:spcAft>
+              <a:defRPr b="1">
+                <a:solidFill>
+                  <a:schemeClr val="tx1"/>
+                </a:solidFill>
+                <a:latin typeface="Arial" charset="0"/>
+                <a:ea typeface="宋体" charset="-122"/>
+              </a:defRPr>
+            </a:lvl9pPr>
+          </a:lstStyle>
+          <a:p>
+            <a:pPr eaLnBrk="1" hangingPunct="1">
+              <a:spcBef>
+                <a:spcPct val="50000"/>
+              </a:spcBef>
+              <a:defRPr/>
+            </a:pPr>
+            <a:r>
+              <a:rPr lang="en-US" altLang="zh-CN" sz="2800" dirty="0" smtClean="0">
+                <a:solidFill>
+                  <a:srgbClr val="00A6E9"/>
+                </a:solidFill>
+                <a:latin typeface="微软雅黑" pitchFamily="34" charset="-122"/>
+                <a:ea typeface="微软雅黑" pitchFamily="34" charset="-122"/>
+              </a:rPr>
+              <a:t>TCP </a:t>
+            </a:r>
+            <a:r>
+              <a:rPr lang="zh-CN" altLang="en-US" sz="2800" dirty="0" smtClean="0">
+                <a:solidFill>
+                  <a:srgbClr val="00A6E9"/>
+                </a:solidFill>
+                <a:latin typeface="微软雅黑" pitchFamily="34" charset="-122"/>
+                <a:ea typeface="微软雅黑" pitchFamily="34" charset="-122"/>
+              </a:rPr>
+              <a:t>断开连接 的 四次挥手</a:t>
+            </a:r>
+            <a:endParaRPr lang="en-US" altLang="zh-CN" sz="2800" dirty="0">
+              <a:solidFill>
+                <a:srgbClr val="595757"/>
+              </a:solidFill>
+              <a:latin typeface="微软雅黑" pitchFamily="34" charset="-122"/>
+              <a:ea typeface="微软雅黑" pitchFamily="34" charset="-122"/>
+            </a:endParaRPr>
+          </a:p>
+        </p:txBody>
+      </p:sp>
+      <p:pic>
+        <p:nvPicPr>
+          <p:cNvPr id="2" name="图片 1"/>
+          <p:cNvPicPr>
+            <a:picLocks noChangeAspect="1"/>
+          </p:cNvPicPr>
+          <p:nvPr/>
+        </p:nvPicPr>
+        <p:blipFill>
+          <a:blip r:embed="rId2">
+            <a:extLst>
+              <a:ext uri="{28A0092B-C50C-407E-A947-70E740481C1C}">
+                <a14:useLocalDpi xmlns:a14="http://schemas.microsoft.com/office/drawing/2010/main" val="0"/>
+              </a:ext>
+            </a:extLst>
+          </a:blip>
+          <a:stretch>
+            <a:fillRect/>
+          </a:stretch>
+        </p:blipFill>
+        <p:spPr>
+          <a:xfrm>
+            <a:off x="1273628" y="703129"/>
+            <a:ext cx="8410575" cy="5657850"/>
+          </a:xfrm>
+          <a:prstGeom prst="rect">
+            <a:avLst/>
+          </a:prstGeom>
+        </p:spPr>
+      </p:pic>
+    </p:spTree>
+    <p:extLst>
+      <p:ext uri="{BB962C8B-B14F-4D97-AF65-F5344CB8AC3E}">
+        <p14:creationId xmlns:p14="http://schemas.microsoft.com/office/powerpoint/2010/main" val="2516695030"/>
       </p:ext>
     </p:extLst>
   </p:cSld>

--- a/说明文档/IM即时通信总结.pptx
+++ b/说明文档/IM即时通信总结.pptx
@@ -7,10 +7,10 @@
     <p:sldMasterId id="2147483674" r:id="rId3"/>
   </p:sldMasterIdLst>
   <p:notesMasterIdLst>
-    <p:notesMasterId r:id="rId23"/>
+    <p:notesMasterId r:id="rId30"/>
   </p:notesMasterIdLst>
   <p:handoutMasterIdLst>
-    <p:handoutMasterId r:id="rId24"/>
+    <p:handoutMasterId r:id="rId31"/>
   </p:handoutMasterIdLst>
   <p:sldIdLst>
     <p:sldId id="1089" r:id="rId4"/>
@@ -29,9 +29,16 @@
     <p:sldId id="1637" r:id="rId17"/>
     <p:sldId id="1634" r:id="rId18"/>
     <p:sldId id="1635" r:id="rId19"/>
-    <p:sldId id="797" r:id="rId20"/>
-    <p:sldId id="1623" r:id="rId21"/>
-    <p:sldId id="1624" r:id="rId22"/>
+    <p:sldId id="1638" r:id="rId20"/>
+    <p:sldId id="1639" r:id="rId21"/>
+    <p:sldId id="1640" r:id="rId22"/>
+    <p:sldId id="1641" r:id="rId23"/>
+    <p:sldId id="1642" r:id="rId24"/>
+    <p:sldId id="1643" r:id="rId25"/>
+    <p:sldId id="1644" r:id="rId26"/>
+    <p:sldId id="797" r:id="rId27"/>
+    <p:sldId id="1623" r:id="rId28"/>
+    <p:sldId id="1624" r:id="rId29"/>
   </p:sldIdLst>
   <p:sldSz cx="10801350" cy="6840538"/>
   <p:notesSz cx="6858000" cy="9144000"/>
@@ -251,7 +258,7 @@
           <a:p>
             <a:fld id="{D5BAFB5C-4BB2-EB45-B97D-4D9136184B38}" type="datetime1">
               <a:rPr lang="zh-CN" altLang="en-US" smtClean="0"/>
-              <a:t>2016/9/22</a:t>
+              <a:t>2016/9/23</a:t>
             </a:fld>
             <a:endParaRPr lang="zh-CN" altLang="en-US"/>
           </a:p>
@@ -455,7 +462,7 @@
             </a:pPr>
             <a:fld id="{4467B57A-6FB8-F546-B697-D9F4F7FAA86C}" type="datetime1">
               <a:rPr lang="zh-CN" altLang="en-US" smtClean="0"/>
-              <a:t>2016/9/22</a:t>
+              <a:t>2016/9/23</a:t>
             </a:fld>
             <a:endParaRPr lang="en-US"/>
           </a:p>
@@ -9957,19 +9964,7 @@
                 <a:latin typeface="微软雅黑" pitchFamily="34" charset="-122"/>
                 <a:ea typeface="微软雅黑" pitchFamily="34" charset="-122"/>
               </a:rPr>
-              <a:t>即时</a:t>
-            </a:r>
-            <a:r>
-              <a:rPr lang="zh-CN" altLang="en-US" sz="4800" dirty="0" smtClean="0">
-                <a:solidFill>
-                  <a:schemeClr val="bg1">
-                    <a:lumMod val="95000"/>
-                  </a:schemeClr>
-                </a:solidFill>
-                <a:latin typeface="微软雅黑" pitchFamily="34" charset="-122"/>
-                <a:ea typeface="微软雅黑" pitchFamily="34" charset="-122"/>
-              </a:rPr>
-              <a:t>通讯总结</a:t>
+              <a:t>即时通讯总结</a:t>
             </a:r>
             <a:endParaRPr lang="zh-CN" altLang="en-US" sz="4800" dirty="0">
               <a:solidFill>
@@ -10302,17 +10297,6 @@
               </a:rPr>
               <a:t>3</a:t>
             </a:r>
-            <a:endParaRPr lang="en-US" altLang="zh-CN" sz="20000" dirty="0">
-              <a:solidFill>
-                <a:srgbClr val="0092D2"/>
-              </a:solidFill>
-              <a:effectLst>
-                <a:outerShdw blurRad="38100" dist="38100" dir="2700000" algn="tl">
-                  <a:srgbClr val="000000"/>
-                </a:outerShdw>
-              </a:effectLst>
-              <a:ea typeface="微软雅黑" pitchFamily="34" charset="-122"/>
-            </a:endParaRPr>
           </a:p>
         </p:txBody>
       </p:sp>
@@ -11878,7 +11862,450 @@
                 <a:latin typeface="微软雅黑" pitchFamily="34" charset="-122"/>
                 <a:ea typeface="微软雅黑" pitchFamily="34" charset="-122"/>
               </a:rPr>
-              <a:t>API   Socket</a:t>
+              <a:t>API   </a:t>
+            </a:r>
+            <a:r>
+              <a:rPr lang="en-US" altLang="zh-CN" sz="2800" dirty="0" smtClean="0">
+                <a:solidFill>
+                  <a:srgbClr val="ED6C00"/>
+                </a:solidFill>
+                <a:latin typeface="微软雅黑" pitchFamily="34" charset="-122"/>
+                <a:ea typeface="微软雅黑" pitchFamily="34" charset="-122"/>
+              </a:rPr>
+              <a:t>Socket</a:t>
+            </a:r>
+          </a:p>
+        </p:txBody>
+      </p:sp>
+      <p:sp>
+        <p:nvSpPr>
+          <p:cNvPr id="3" name="Text Box 3"/>
+          <p:cNvSpPr txBox="1">
+            <a:spLocks noChangeArrowheads="1"/>
+          </p:cNvSpPr>
+          <p:nvPr/>
+        </p:nvSpPr>
+        <p:spPr bwMode="auto">
+          <a:xfrm>
+            <a:off x="1332206" y="2340149"/>
+            <a:ext cx="8496944" cy="1815882"/>
+          </a:xfrm>
+          <a:prstGeom prst="rect">
+            <a:avLst/>
+          </a:prstGeom>
+          <a:noFill/>
+          <a:ln>
+            <a:noFill/>
+          </a:ln>
+          <a:extLst/>
+        </p:spPr>
+        <p:txBody>
+          <a:bodyPr wrap="square">
+            <a:spAutoFit/>
+          </a:bodyPr>
+          <a:lstStyle>
+            <a:lvl1pPr eaLnBrk="0" hangingPunct="0">
+              <a:defRPr b="1">
+                <a:solidFill>
+                  <a:schemeClr val="tx1"/>
+                </a:solidFill>
+                <a:latin typeface="Arial" charset="0"/>
+                <a:ea typeface="宋体" charset="-122"/>
+              </a:defRPr>
+            </a:lvl1pPr>
+            <a:lvl2pPr marL="742950" indent="-285750" eaLnBrk="0" hangingPunct="0">
+              <a:defRPr b="1">
+                <a:solidFill>
+                  <a:schemeClr val="tx1"/>
+                </a:solidFill>
+                <a:latin typeface="Arial" charset="0"/>
+                <a:ea typeface="宋体" charset="-122"/>
+              </a:defRPr>
+            </a:lvl2pPr>
+            <a:lvl3pPr marL="1143000" indent="-228600" eaLnBrk="0" hangingPunct="0">
+              <a:defRPr b="1">
+                <a:solidFill>
+                  <a:schemeClr val="tx1"/>
+                </a:solidFill>
+                <a:latin typeface="Arial" charset="0"/>
+                <a:ea typeface="宋体" charset="-122"/>
+              </a:defRPr>
+            </a:lvl3pPr>
+            <a:lvl4pPr marL="1600200" indent="-228600" eaLnBrk="0" hangingPunct="0">
+              <a:defRPr b="1">
+                <a:solidFill>
+                  <a:schemeClr val="tx1"/>
+                </a:solidFill>
+                <a:latin typeface="Arial" charset="0"/>
+                <a:ea typeface="宋体" charset="-122"/>
+              </a:defRPr>
+            </a:lvl4pPr>
+            <a:lvl5pPr marL="2057400" indent="-228600" eaLnBrk="0" hangingPunct="0">
+              <a:defRPr b="1">
+                <a:solidFill>
+                  <a:schemeClr val="tx1"/>
+                </a:solidFill>
+                <a:latin typeface="Arial" charset="0"/>
+                <a:ea typeface="宋体" charset="-122"/>
+              </a:defRPr>
+            </a:lvl5pPr>
+            <a:lvl6pPr marL="2514600" indent="-228600" eaLnBrk="0" fontAlgn="base" hangingPunct="0">
+              <a:spcBef>
+                <a:spcPct val="0"/>
+              </a:spcBef>
+              <a:spcAft>
+                <a:spcPct val="0"/>
+              </a:spcAft>
+              <a:defRPr b="1">
+                <a:solidFill>
+                  <a:schemeClr val="tx1"/>
+                </a:solidFill>
+                <a:latin typeface="Arial" charset="0"/>
+                <a:ea typeface="宋体" charset="-122"/>
+              </a:defRPr>
+            </a:lvl6pPr>
+            <a:lvl7pPr marL="2971800" indent="-228600" eaLnBrk="0" fontAlgn="base" hangingPunct="0">
+              <a:spcBef>
+                <a:spcPct val="0"/>
+              </a:spcBef>
+              <a:spcAft>
+                <a:spcPct val="0"/>
+              </a:spcAft>
+              <a:defRPr b="1">
+                <a:solidFill>
+                  <a:schemeClr val="tx1"/>
+                </a:solidFill>
+                <a:latin typeface="Arial" charset="0"/>
+                <a:ea typeface="宋体" charset="-122"/>
+              </a:defRPr>
+            </a:lvl7pPr>
+            <a:lvl8pPr marL="3429000" indent="-228600" eaLnBrk="0" fontAlgn="base" hangingPunct="0">
+              <a:spcBef>
+                <a:spcPct val="0"/>
+              </a:spcBef>
+              <a:spcAft>
+                <a:spcPct val="0"/>
+              </a:spcAft>
+              <a:defRPr b="1">
+                <a:solidFill>
+                  <a:schemeClr val="tx1"/>
+                </a:solidFill>
+                <a:latin typeface="Arial" charset="0"/>
+                <a:ea typeface="宋体" charset="-122"/>
+              </a:defRPr>
+            </a:lvl8pPr>
+            <a:lvl9pPr marL="3886200" indent="-228600" eaLnBrk="0" fontAlgn="base" hangingPunct="0">
+              <a:spcBef>
+                <a:spcPct val="0"/>
+              </a:spcBef>
+              <a:spcAft>
+                <a:spcPct val="0"/>
+              </a:spcAft>
+              <a:defRPr b="1">
+                <a:solidFill>
+                  <a:schemeClr val="tx1"/>
+                </a:solidFill>
+                <a:latin typeface="Arial" charset="0"/>
+                <a:ea typeface="宋体" charset="-122"/>
+              </a:defRPr>
+            </a:lvl9pPr>
+          </a:lstStyle>
+          <a:p>
+            <a:pPr eaLnBrk="1" hangingPunct="1">
+              <a:spcBef>
+                <a:spcPct val="50000"/>
+              </a:spcBef>
+              <a:defRPr/>
+            </a:pPr>
+            <a:r>
+              <a:rPr lang="en-US" altLang="zh-CN" sz="2800" dirty="0" smtClean="0">
+                <a:solidFill>
+                  <a:srgbClr val="595757"/>
+                </a:solidFill>
+                <a:latin typeface="微软雅黑" pitchFamily="34" charset="-122"/>
+                <a:ea typeface="微软雅黑" pitchFamily="34" charset="-122"/>
+              </a:rPr>
+              <a:t>Socket  </a:t>
+            </a:r>
+            <a:r>
+              <a:rPr lang="zh-CN" altLang="en-US" sz="2800" dirty="0" smtClean="0">
+                <a:solidFill>
+                  <a:srgbClr val="595757"/>
+                </a:solidFill>
+                <a:latin typeface="微软雅黑" pitchFamily="34" charset="-122"/>
+                <a:ea typeface="微软雅黑" pitchFamily="34" charset="-122"/>
+              </a:rPr>
+              <a:t>套</a:t>
+            </a:r>
+            <a:r>
+              <a:rPr lang="zh-CN" altLang="en-US" sz="2800" dirty="0">
+                <a:solidFill>
+                  <a:srgbClr val="595757"/>
+                </a:solidFill>
+                <a:latin typeface="微软雅黑" pitchFamily="34" charset="-122"/>
+                <a:ea typeface="微软雅黑" pitchFamily="34" charset="-122"/>
+              </a:rPr>
+              <a:t>接</a:t>
+            </a:r>
+            <a:r>
+              <a:rPr lang="zh-CN" altLang="en-US" sz="2800" dirty="0" smtClean="0">
+                <a:solidFill>
+                  <a:srgbClr val="595757"/>
+                </a:solidFill>
+                <a:latin typeface="微软雅黑" pitchFamily="34" charset="-122"/>
+                <a:ea typeface="微软雅黑" pitchFamily="34" charset="-122"/>
+              </a:rPr>
+              <a:t>字  插座</a:t>
+            </a:r>
+            <a:endParaRPr lang="en-US" altLang="zh-CN" sz="2800" dirty="0" smtClean="0">
+              <a:solidFill>
+                <a:srgbClr val="595757"/>
+              </a:solidFill>
+              <a:latin typeface="微软雅黑" pitchFamily="34" charset="-122"/>
+              <a:ea typeface="微软雅黑" pitchFamily="34" charset="-122"/>
+            </a:endParaRPr>
+          </a:p>
+          <a:p>
+            <a:pPr eaLnBrk="1" hangingPunct="1">
+              <a:spcBef>
+                <a:spcPct val="50000"/>
+              </a:spcBef>
+              <a:defRPr/>
+            </a:pPr>
+            <a:r>
+              <a:rPr lang="en-US" altLang="zh-CN" sz="2800" dirty="0" err="1" smtClean="0">
+                <a:solidFill>
+                  <a:srgbClr val="595757"/>
+                </a:solidFill>
+                <a:latin typeface="微软雅黑" pitchFamily="34" charset="-122"/>
+                <a:ea typeface="微软雅黑" pitchFamily="34" charset="-122"/>
+              </a:rPr>
+              <a:t>ServerSocket</a:t>
+            </a:r>
+            <a:r>
+              <a:rPr lang="en-US" altLang="zh-CN" sz="2800" dirty="0" smtClean="0">
+                <a:solidFill>
+                  <a:srgbClr val="595757"/>
+                </a:solidFill>
+                <a:latin typeface="微软雅黑" pitchFamily="34" charset="-122"/>
+                <a:ea typeface="微软雅黑" pitchFamily="34" charset="-122"/>
+              </a:rPr>
+              <a:t> </a:t>
+            </a:r>
+            <a:r>
+              <a:rPr lang="zh-CN" altLang="en-US" sz="2800" dirty="0" smtClean="0">
+                <a:solidFill>
+                  <a:srgbClr val="595757"/>
+                </a:solidFill>
+                <a:latin typeface="微软雅黑" pitchFamily="34" charset="-122"/>
+                <a:ea typeface="微软雅黑" pitchFamily="34" charset="-122"/>
+              </a:rPr>
+              <a:t>服务端插座</a:t>
+            </a:r>
+            <a:endParaRPr lang="en-US" altLang="zh-CN" sz="2800" dirty="0" smtClean="0">
+              <a:solidFill>
+                <a:srgbClr val="595757"/>
+              </a:solidFill>
+              <a:latin typeface="微软雅黑" pitchFamily="34" charset="-122"/>
+              <a:ea typeface="微软雅黑" pitchFamily="34" charset="-122"/>
+            </a:endParaRPr>
+          </a:p>
+          <a:p>
+            <a:pPr eaLnBrk="1" hangingPunct="1">
+              <a:spcBef>
+                <a:spcPct val="50000"/>
+              </a:spcBef>
+              <a:defRPr/>
+            </a:pPr>
+            <a:r>
+              <a:rPr lang="en-US" altLang="zh-CN" sz="2800" dirty="0" smtClean="0">
+                <a:solidFill>
+                  <a:srgbClr val="595757"/>
+                </a:solidFill>
+                <a:latin typeface="微软雅黑" pitchFamily="34" charset="-122"/>
+                <a:ea typeface="微软雅黑" pitchFamily="34" charset="-122"/>
+              </a:rPr>
+              <a:t>Socket   </a:t>
+            </a:r>
+            <a:r>
+              <a:rPr lang="zh-CN" altLang="en-US" sz="2800" dirty="0">
+                <a:solidFill>
+                  <a:srgbClr val="595757"/>
+                </a:solidFill>
+                <a:latin typeface="微软雅黑" pitchFamily="34" charset="-122"/>
+                <a:ea typeface="微软雅黑" pitchFamily="34" charset="-122"/>
+              </a:rPr>
+              <a:t>客户</a:t>
+            </a:r>
+            <a:r>
+              <a:rPr lang="zh-CN" altLang="en-US" sz="2800" dirty="0" smtClean="0">
+                <a:solidFill>
+                  <a:srgbClr val="595757"/>
+                </a:solidFill>
+                <a:latin typeface="微软雅黑" pitchFamily="34" charset="-122"/>
+                <a:ea typeface="微软雅黑" pitchFamily="34" charset="-122"/>
+              </a:rPr>
+              <a:t>端插座</a:t>
+            </a:r>
+            <a:endParaRPr lang="en-US" altLang="zh-CN" sz="2800" dirty="0" smtClean="0">
+              <a:solidFill>
+                <a:srgbClr val="595757"/>
+              </a:solidFill>
+              <a:latin typeface="微软雅黑" pitchFamily="34" charset="-122"/>
+              <a:ea typeface="微软雅黑" pitchFamily="34" charset="-122"/>
+            </a:endParaRPr>
+          </a:p>
+        </p:txBody>
+      </p:sp>
+      <p:sp>
+        <p:nvSpPr>
+          <p:cNvPr id="5" name="Text Box 3"/>
+          <p:cNvSpPr txBox="1">
+            <a:spLocks noChangeArrowheads="1"/>
+          </p:cNvSpPr>
+          <p:nvPr/>
+        </p:nvSpPr>
+        <p:spPr bwMode="auto">
+          <a:xfrm>
+            <a:off x="4536579" y="4932437"/>
+            <a:ext cx="8496944" cy="523220"/>
+          </a:xfrm>
+          <a:prstGeom prst="rect">
+            <a:avLst/>
+          </a:prstGeom>
+          <a:noFill/>
+          <a:ln>
+            <a:noFill/>
+          </a:ln>
+          <a:extLst/>
+        </p:spPr>
+        <p:txBody>
+          <a:bodyPr wrap="square">
+            <a:spAutoFit/>
+          </a:bodyPr>
+          <a:lstStyle>
+            <a:lvl1pPr eaLnBrk="0" hangingPunct="0">
+              <a:defRPr b="1">
+                <a:solidFill>
+                  <a:schemeClr val="tx1"/>
+                </a:solidFill>
+                <a:latin typeface="Arial" charset="0"/>
+                <a:ea typeface="宋体" charset="-122"/>
+              </a:defRPr>
+            </a:lvl1pPr>
+            <a:lvl2pPr marL="742950" indent="-285750" eaLnBrk="0" hangingPunct="0">
+              <a:defRPr b="1">
+                <a:solidFill>
+                  <a:schemeClr val="tx1"/>
+                </a:solidFill>
+                <a:latin typeface="Arial" charset="0"/>
+                <a:ea typeface="宋体" charset="-122"/>
+              </a:defRPr>
+            </a:lvl2pPr>
+            <a:lvl3pPr marL="1143000" indent="-228600" eaLnBrk="0" hangingPunct="0">
+              <a:defRPr b="1">
+                <a:solidFill>
+                  <a:schemeClr val="tx1"/>
+                </a:solidFill>
+                <a:latin typeface="Arial" charset="0"/>
+                <a:ea typeface="宋体" charset="-122"/>
+              </a:defRPr>
+            </a:lvl3pPr>
+            <a:lvl4pPr marL="1600200" indent="-228600" eaLnBrk="0" hangingPunct="0">
+              <a:defRPr b="1">
+                <a:solidFill>
+                  <a:schemeClr val="tx1"/>
+                </a:solidFill>
+                <a:latin typeface="Arial" charset="0"/>
+                <a:ea typeface="宋体" charset="-122"/>
+              </a:defRPr>
+            </a:lvl4pPr>
+            <a:lvl5pPr marL="2057400" indent="-228600" eaLnBrk="0" hangingPunct="0">
+              <a:defRPr b="1">
+                <a:solidFill>
+                  <a:schemeClr val="tx1"/>
+                </a:solidFill>
+                <a:latin typeface="Arial" charset="0"/>
+                <a:ea typeface="宋体" charset="-122"/>
+              </a:defRPr>
+            </a:lvl5pPr>
+            <a:lvl6pPr marL="2514600" indent="-228600" eaLnBrk="0" fontAlgn="base" hangingPunct="0">
+              <a:spcBef>
+                <a:spcPct val="0"/>
+              </a:spcBef>
+              <a:spcAft>
+                <a:spcPct val="0"/>
+              </a:spcAft>
+              <a:defRPr b="1">
+                <a:solidFill>
+                  <a:schemeClr val="tx1"/>
+                </a:solidFill>
+                <a:latin typeface="Arial" charset="0"/>
+                <a:ea typeface="宋体" charset="-122"/>
+              </a:defRPr>
+            </a:lvl6pPr>
+            <a:lvl7pPr marL="2971800" indent="-228600" eaLnBrk="0" fontAlgn="base" hangingPunct="0">
+              <a:spcBef>
+                <a:spcPct val="0"/>
+              </a:spcBef>
+              <a:spcAft>
+                <a:spcPct val="0"/>
+              </a:spcAft>
+              <a:defRPr b="1">
+                <a:solidFill>
+                  <a:schemeClr val="tx1"/>
+                </a:solidFill>
+                <a:latin typeface="Arial" charset="0"/>
+                <a:ea typeface="宋体" charset="-122"/>
+              </a:defRPr>
+            </a:lvl7pPr>
+            <a:lvl8pPr marL="3429000" indent="-228600" eaLnBrk="0" fontAlgn="base" hangingPunct="0">
+              <a:spcBef>
+                <a:spcPct val="0"/>
+              </a:spcBef>
+              <a:spcAft>
+                <a:spcPct val="0"/>
+              </a:spcAft>
+              <a:defRPr b="1">
+                <a:solidFill>
+                  <a:schemeClr val="tx1"/>
+                </a:solidFill>
+                <a:latin typeface="Arial" charset="0"/>
+                <a:ea typeface="宋体" charset="-122"/>
+              </a:defRPr>
+            </a:lvl8pPr>
+            <a:lvl9pPr marL="3886200" indent="-228600" eaLnBrk="0" fontAlgn="base" hangingPunct="0">
+              <a:spcBef>
+                <a:spcPct val="0"/>
+              </a:spcBef>
+              <a:spcAft>
+                <a:spcPct val="0"/>
+              </a:spcAft>
+              <a:defRPr b="1">
+                <a:solidFill>
+                  <a:schemeClr val="tx1"/>
+                </a:solidFill>
+                <a:latin typeface="Arial" charset="0"/>
+                <a:ea typeface="宋体" charset="-122"/>
+              </a:defRPr>
+            </a:lvl9pPr>
+          </a:lstStyle>
+          <a:p>
+            <a:pPr eaLnBrk="1" hangingPunct="1">
+              <a:spcBef>
+                <a:spcPct val="50000"/>
+              </a:spcBef>
+              <a:defRPr/>
+            </a:pPr>
+            <a:r>
+              <a:rPr lang="zh-CN" altLang="en-US" sz="2800" dirty="0" smtClean="0">
+                <a:solidFill>
+                  <a:srgbClr val="00A6E9"/>
+                </a:solidFill>
+                <a:latin typeface="微软雅黑" pitchFamily="34" charset="-122"/>
+                <a:ea typeface="微软雅黑" pitchFamily="34" charset="-122"/>
+              </a:rPr>
+              <a:t>案例演示</a:t>
             </a:r>
             <a:endParaRPr lang="en-US" altLang="zh-CN" sz="2800" dirty="0" smtClean="0">
               <a:solidFill>
@@ -11907,6 +12334,1940 @@
 </file>
 
 <file path=ppt/slides/slide17.xml><?xml version="1.0" encoding="utf-8"?>
+<p:sld xmlns:a="http://schemas.openxmlformats.org/drawingml/2006/main" xmlns:r="http://schemas.openxmlformats.org/officeDocument/2006/relationships" xmlns:p="http://schemas.openxmlformats.org/presentationml/2006/main">
+  <p:cSld>
+    <p:spTree>
+      <p:nvGrpSpPr>
+        <p:cNvPr id="1" name=""/>
+        <p:cNvGrpSpPr/>
+        <p:nvPr/>
+      </p:nvGrpSpPr>
+      <p:grpSpPr>
+        <a:xfrm>
+          <a:off x="0" y="0"/>
+          <a:ext cx="0" cy="0"/>
+          <a:chOff x="0" y="0"/>
+          <a:chExt cx="0" cy="0"/>
+        </a:xfrm>
+      </p:grpSpPr>
+      <p:sp>
+        <p:nvSpPr>
+          <p:cNvPr id="4" name="Text Box 3"/>
+          <p:cNvSpPr txBox="1">
+            <a:spLocks noChangeArrowheads="1"/>
+          </p:cNvSpPr>
+          <p:nvPr/>
+        </p:nvSpPr>
+        <p:spPr bwMode="auto">
+          <a:xfrm>
+            <a:off x="1656259" y="755973"/>
+            <a:ext cx="8496944" cy="954107"/>
+          </a:xfrm>
+          <a:prstGeom prst="rect">
+            <a:avLst/>
+          </a:prstGeom>
+          <a:noFill/>
+          <a:ln>
+            <a:noFill/>
+          </a:ln>
+          <a:extLst/>
+        </p:spPr>
+        <p:txBody>
+          <a:bodyPr wrap="square">
+            <a:spAutoFit/>
+          </a:bodyPr>
+          <a:lstStyle>
+            <a:lvl1pPr eaLnBrk="0" hangingPunct="0">
+              <a:defRPr b="1">
+                <a:solidFill>
+                  <a:schemeClr val="tx1"/>
+                </a:solidFill>
+                <a:latin typeface="Arial" charset="0"/>
+                <a:ea typeface="宋体" charset="-122"/>
+              </a:defRPr>
+            </a:lvl1pPr>
+            <a:lvl2pPr marL="742950" indent="-285750" eaLnBrk="0" hangingPunct="0">
+              <a:defRPr b="1">
+                <a:solidFill>
+                  <a:schemeClr val="tx1"/>
+                </a:solidFill>
+                <a:latin typeface="Arial" charset="0"/>
+                <a:ea typeface="宋体" charset="-122"/>
+              </a:defRPr>
+            </a:lvl2pPr>
+            <a:lvl3pPr marL="1143000" indent="-228600" eaLnBrk="0" hangingPunct="0">
+              <a:defRPr b="1">
+                <a:solidFill>
+                  <a:schemeClr val="tx1"/>
+                </a:solidFill>
+                <a:latin typeface="Arial" charset="0"/>
+                <a:ea typeface="宋体" charset="-122"/>
+              </a:defRPr>
+            </a:lvl3pPr>
+            <a:lvl4pPr marL="1600200" indent="-228600" eaLnBrk="0" hangingPunct="0">
+              <a:defRPr b="1">
+                <a:solidFill>
+                  <a:schemeClr val="tx1"/>
+                </a:solidFill>
+                <a:latin typeface="Arial" charset="0"/>
+                <a:ea typeface="宋体" charset="-122"/>
+              </a:defRPr>
+            </a:lvl4pPr>
+            <a:lvl5pPr marL="2057400" indent="-228600" eaLnBrk="0" hangingPunct="0">
+              <a:defRPr b="1">
+                <a:solidFill>
+                  <a:schemeClr val="tx1"/>
+                </a:solidFill>
+                <a:latin typeface="Arial" charset="0"/>
+                <a:ea typeface="宋体" charset="-122"/>
+              </a:defRPr>
+            </a:lvl5pPr>
+            <a:lvl6pPr marL="2514600" indent="-228600" eaLnBrk="0" fontAlgn="base" hangingPunct="0">
+              <a:spcBef>
+                <a:spcPct val="0"/>
+              </a:spcBef>
+              <a:spcAft>
+                <a:spcPct val="0"/>
+              </a:spcAft>
+              <a:defRPr b="1">
+                <a:solidFill>
+                  <a:schemeClr val="tx1"/>
+                </a:solidFill>
+                <a:latin typeface="Arial" charset="0"/>
+                <a:ea typeface="宋体" charset="-122"/>
+              </a:defRPr>
+            </a:lvl6pPr>
+            <a:lvl7pPr marL="2971800" indent="-228600" eaLnBrk="0" fontAlgn="base" hangingPunct="0">
+              <a:spcBef>
+                <a:spcPct val="0"/>
+              </a:spcBef>
+              <a:spcAft>
+                <a:spcPct val="0"/>
+              </a:spcAft>
+              <a:defRPr b="1">
+                <a:solidFill>
+                  <a:schemeClr val="tx1"/>
+                </a:solidFill>
+                <a:latin typeface="Arial" charset="0"/>
+                <a:ea typeface="宋体" charset="-122"/>
+              </a:defRPr>
+            </a:lvl7pPr>
+            <a:lvl8pPr marL="3429000" indent="-228600" eaLnBrk="0" fontAlgn="base" hangingPunct="0">
+              <a:spcBef>
+                <a:spcPct val="0"/>
+              </a:spcBef>
+              <a:spcAft>
+                <a:spcPct val="0"/>
+              </a:spcAft>
+              <a:defRPr b="1">
+                <a:solidFill>
+                  <a:schemeClr val="tx1"/>
+                </a:solidFill>
+                <a:latin typeface="Arial" charset="0"/>
+                <a:ea typeface="宋体" charset="-122"/>
+              </a:defRPr>
+            </a:lvl8pPr>
+            <a:lvl9pPr marL="3886200" indent="-228600" eaLnBrk="0" fontAlgn="base" hangingPunct="0">
+              <a:spcBef>
+                <a:spcPct val="0"/>
+              </a:spcBef>
+              <a:spcAft>
+                <a:spcPct val="0"/>
+              </a:spcAft>
+              <a:defRPr b="1">
+                <a:solidFill>
+                  <a:schemeClr val="tx1"/>
+                </a:solidFill>
+                <a:latin typeface="Arial" charset="0"/>
+                <a:ea typeface="宋体" charset="-122"/>
+              </a:defRPr>
+            </a:lvl9pPr>
+          </a:lstStyle>
+          <a:p>
+            <a:pPr eaLnBrk="1" hangingPunct="1">
+              <a:spcBef>
+                <a:spcPct val="50000"/>
+              </a:spcBef>
+              <a:defRPr/>
+            </a:pPr>
+            <a:r>
+              <a:rPr lang="zh-CN" altLang="en-US" sz="2800" dirty="0" smtClean="0">
+                <a:solidFill>
+                  <a:srgbClr val="00A6E9"/>
+                </a:solidFill>
+                <a:latin typeface="微软雅黑" pitchFamily="34" charset="-122"/>
+                <a:ea typeface="微软雅黑" pitchFamily="34" charset="-122"/>
+              </a:rPr>
+              <a:t>在服务器的</a:t>
+            </a:r>
+            <a:r>
+              <a:rPr lang="en-US" altLang="zh-CN" sz="2800" dirty="0" smtClean="0">
+                <a:solidFill>
+                  <a:srgbClr val="00A6E9"/>
+                </a:solidFill>
+                <a:latin typeface="微软雅黑" pitchFamily="34" charset="-122"/>
+                <a:ea typeface="微软雅黑" pitchFamily="34" charset="-122"/>
+              </a:rPr>
+              <a:t>main</a:t>
+            </a:r>
+            <a:r>
+              <a:rPr lang="zh-CN" altLang="en-US" sz="2800" dirty="0" smtClean="0">
+                <a:solidFill>
+                  <a:srgbClr val="00A6E9"/>
+                </a:solidFill>
+                <a:latin typeface="微软雅黑" pitchFamily="34" charset="-122"/>
+                <a:ea typeface="微软雅黑" pitchFamily="34" charset="-122"/>
+              </a:rPr>
+              <a:t>方法中开辟一个子线程，在子线程用一个死循环不断获取</a:t>
+            </a:r>
+            <a:r>
+              <a:rPr lang="en-US" altLang="zh-CN" sz="2800" dirty="0" smtClean="0">
+                <a:solidFill>
+                  <a:srgbClr val="00A6E9"/>
+                </a:solidFill>
+                <a:latin typeface="微软雅黑" pitchFamily="34" charset="-122"/>
+                <a:ea typeface="微软雅黑" pitchFamily="34" charset="-122"/>
+              </a:rPr>
+              <a:t>socket</a:t>
+            </a:r>
+            <a:r>
+              <a:rPr lang="zh-CN" altLang="en-US" sz="2800" dirty="0" smtClean="0">
+                <a:solidFill>
+                  <a:srgbClr val="00A6E9"/>
+                </a:solidFill>
+                <a:latin typeface="微软雅黑" pitchFamily="34" charset="-122"/>
+                <a:ea typeface="微软雅黑" pitchFamily="34" charset="-122"/>
+              </a:rPr>
+              <a:t>等待客户端连接进来</a:t>
+            </a:r>
+            <a:endParaRPr lang="en-US" altLang="zh-CN" sz="2800" dirty="0" smtClean="0">
+              <a:solidFill>
+                <a:srgbClr val="00A6E9"/>
+              </a:solidFill>
+              <a:latin typeface="微软雅黑" pitchFamily="34" charset="-122"/>
+              <a:ea typeface="微软雅黑" pitchFamily="34" charset="-122"/>
+            </a:endParaRPr>
+          </a:p>
+        </p:txBody>
+      </p:sp>
+      <p:pic>
+        <p:nvPicPr>
+          <p:cNvPr id="3" name="图片 2"/>
+          <p:cNvPicPr>
+            <a:picLocks noChangeAspect="1"/>
+          </p:cNvPicPr>
+          <p:nvPr/>
+        </p:nvPicPr>
+        <p:blipFill>
+          <a:blip r:embed="rId2">
+            <a:extLst>
+              <a:ext uri="{28A0092B-C50C-407E-A947-70E740481C1C}">
+                <a14:useLocalDpi xmlns:a14="http://schemas.microsoft.com/office/drawing/2010/main" val="0"/>
+              </a:ext>
+            </a:extLst>
+          </a:blip>
+          <a:stretch>
+            <a:fillRect/>
+          </a:stretch>
+        </p:blipFill>
+        <p:spPr>
+          <a:xfrm>
+            <a:off x="1786712" y="1836093"/>
+            <a:ext cx="7267575" cy="4162425"/>
+          </a:xfrm>
+          <a:prstGeom prst="rect">
+            <a:avLst/>
+          </a:prstGeom>
+        </p:spPr>
+      </p:pic>
+    </p:spTree>
+    <p:extLst>
+      <p:ext uri="{BB962C8B-B14F-4D97-AF65-F5344CB8AC3E}">
+        <p14:creationId xmlns:p14="http://schemas.microsoft.com/office/powerpoint/2010/main" val="2333742339"/>
+      </p:ext>
+    </p:extLst>
+  </p:cSld>
+  <p:clrMapOvr>
+    <a:masterClrMapping/>
+  </p:clrMapOvr>
+  <p:transition>
+    <p:fade/>
+  </p:transition>
+</p:sld>
+</file>
+
+<file path=ppt/slides/slide18.xml><?xml version="1.0" encoding="utf-8"?>
+<p:sld xmlns:a="http://schemas.openxmlformats.org/drawingml/2006/main" xmlns:r="http://schemas.openxmlformats.org/officeDocument/2006/relationships" xmlns:p="http://schemas.openxmlformats.org/presentationml/2006/main">
+  <p:cSld>
+    <p:spTree>
+      <p:nvGrpSpPr>
+        <p:cNvPr id="1" name=""/>
+        <p:cNvGrpSpPr/>
+        <p:nvPr/>
+      </p:nvGrpSpPr>
+      <p:grpSpPr>
+        <a:xfrm>
+          <a:off x="0" y="0"/>
+          <a:ext cx="0" cy="0"/>
+          <a:chOff x="0" y="0"/>
+          <a:chExt cx="0" cy="0"/>
+        </a:xfrm>
+      </p:grpSpPr>
+      <p:sp>
+        <p:nvSpPr>
+          <p:cNvPr id="4" name="Text Box 3"/>
+          <p:cNvSpPr txBox="1">
+            <a:spLocks noChangeArrowheads="1"/>
+          </p:cNvSpPr>
+          <p:nvPr/>
+        </p:nvSpPr>
+        <p:spPr bwMode="auto">
+          <a:xfrm>
+            <a:off x="1656259" y="755973"/>
+            <a:ext cx="8496944" cy="954107"/>
+          </a:xfrm>
+          <a:prstGeom prst="rect">
+            <a:avLst/>
+          </a:prstGeom>
+          <a:noFill/>
+          <a:ln>
+            <a:noFill/>
+          </a:ln>
+          <a:extLst/>
+        </p:spPr>
+        <p:txBody>
+          <a:bodyPr wrap="square">
+            <a:spAutoFit/>
+          </a:bodyPr>
+          <a:lstStyle>
+            <a:lvl1pPr eaLnBrk="0" hangingPunct="0">
+              <a:defRPr b="1">
+                <a:solidFill>
+                  <a:schemeClr val="tx1"/>
+                </a:solidFill>
+                <a:latin typeface="Arial" charset="0"/>
+                <a:ea typeface="宋体" charset="-122"/>
+              </a:defRPr>
+            </a:lvl1pPr>
+            <a:lvl2pPr marL="742950" indent="-285750" eaLnBrk="0" hangingPunct="0">
+              <a:defRPr b="1">
+                <a:solidFill>
+                  <a:schemeClr val="tx1"/>
+                </a:solidFill>
+                <a:latin typeface="Arial" charset="0"/>
+                <a:ea typeface="宋体" charset="-122"/>
+              </a:defRPr>
+            </a:lvl2pPr>
+            <a:lvl3pPr marL="1143000" indent="-228600" eaLnBrk="0" hangingPunct="0">
+              <a:defRPr b="1">
+                <a:solidFill>
+                  <a:schemeClr val="tx1"/>
+                </a:solidFill>
+                <a:latin typeface="Arial" charset="0"/>
+                <a:ea typeface="宋体" charset="-122"/>
+              </a:defRPr>
+            </a:lvl3pPr>
+            <a:lvl4pPr marL="1600200" indent="-228600" eaLnBrk="0" hangingPunct="0">
+              <a:defRPr b="1">
+                <a:solidFill>
+                  <a:schemeClr val="tx1"/>
+                </a:solidFill>
+                <a:latin typeface="Arial" charset="0"/>
+                <a:ea typeface="宋体" charset="-122"/>
+              </a:defRPr>
+            </a:lvl4pPr>
+            <a:lvl5pPr marL="2057400" indent="-228600" eaLnBrk="0" hangingPunct="0">
+              <a:defRPr b="1">
+                <a:solidFill>
+                  <a:schemeClr val="tx1"/>
+                </a:solidFill>
+                <a:latin typeface="Arial" charset="0"/>
+                <a:ea typeface="宋体" charset="-122"/>
+              </a:defRPr>
+            </a:lvl5pPr>
+            <a:lvl6pPr marL="2514600" indent="-228600" eaLnBrk="0" fontAlgn="base" hangingPunct="0">
+              <a:spcBef>
+                <a:spcPct val="0"/>
+              </a:spcBef>
+              <a:spcAft>
+                <a:spcPct val="0"/>
+              </a:spcAft>
+              <a:defRPr b="1">
+                <a:solidFill>
+                  <a:schemeClr val="tx1"/>
+                </a:solidFill>
+                <a:latin typeface="Arial" charset="0"/>
+                <a:ea typeface="宋体" charset="-122"/>
+              </a:defRPr>
+            </a:lvl6pPr>
+            <a:lvl7pPr marL="2971800" indent="-228600" eaLnBrk="0" fontAlgn="base" hangingPunct="0">
+              <a:spcBef>
+                <a:spcPct val="0"/>
+              </a:spcBef>
+              <a:spcAft>
+                <a:spcPct val="0"/>
+              </a:spcAft>
+              <a:defRPr b="1">
+                <a:solidFill>
+                  <a:schemeClr val="tx1"/>
+                </a:solidFill>
+                <a:latin typeface="Arial" charset="0"/>
+                <a:ea typeface="宋体" charset="-122"/>
+              </a:defRPr>
+            </a:lvl7pPr>
+            <a:lvl8pPr marL="3429000" indent="-228600" eaLnBrk="0" fontAlgn="base" hangingPunct="0">
+              <a:spcBef>
+                <a:spcPct val="0"/>
+              </a:spcBef>
+              <a:spcAft>
+                <a:spcPct val="0"/>
+              </a:spcAft>
+              <a:defRPr b="1">
+                <a:solidFill>
+                  <a:schemeClr val="tx1"/>
+                </a:solidFill>
+                <a:latin typeface="Arial" charset="0"/>
+                <a:ea typeface="宋体" charset="-122"/>
+              </a:defRPr>
+            </a:lvl8pPr>
+            <a:lvl9pPr marL="3886200" indent="-228600" eaLnBrk="0" fontAlgn="base" hangingPunct="0">
+              <a:spcBef>
+                <a:spcPct val="0"/>
+              </a:spcBef>
+              <a:spcAft>
+                <a:spcPct val="0"/>
+              </a:spcAft>
+              <a:defRPr b="1">
+                <a:solidFill>
+                  <a:schemeClr val="tx1"/>
+                </a:solidFill>
+                <a:latin typeface="Arial" charset="0"/>
+                <a:ea typeface="宋体" charset="-122"/>
+              </a:defRPr>
+            </a:lvl9pPr>
+          </a:lstStyle>
+          <a:p>
+            <a:pPr eaLnBrk="1" hangingPunct="1">
+              <a:spcBef>
+                <a:spcPct val="50000"/>
+              </a:spcBef>
+              <a:defRPr/>
+            </a:pPr>
+            <a:r>
+              <a:rPr lang="zh-CN" altLang="en-US" sz="2800" dirty="0" smtClean="0">
+                <a:solidFill>
+                  <a:srgbClr val="00A6E9"/>
+                </a:solidFill>
+                <a:latin typeface="微软雅黑" pitchFamily="34" charset="-122"/>
+                <a:ea typeface="微软雅黑" pitchFamily="34" charset="-122"/>
+              </a:rPr>
+              <a:t>在</a:t>
+            </a:r>
+            <a:r>
+              <a:rPr lang="en-US" altLang="zh-CN" sz="2800" dirty="0" err="1" smtClean="0">
+                <a:solidFill>
+                  <a:srgbClr val="00A6E9"/>
+                </a:solidFill>
+                <a:latin typeface="微软雅黑" pitchFamily="34" charset="-122"/>
+                <a:ea typeface="微软雅黑" pitchFamily="34" charset="-122"/>
+              </a:rPr>
+              <a:t>MessageThread</a:t>
+            </a:r>
+            <a:r>
+              <a:rPr lang="zh-CN" altLang="en-US" sz="2800" dirty="0" smtClean="0">
+                <a:solidFill>
+                  <a:srgbClr val="00A6E9"/>
+                </a:solidFill>
+                <a:latin typeface="微软雅黑" pitchFamily="34" charset="-122"/>
+                <a:ea typeface="微软雅黑" pitchFamily="34" charset="-122"/>
+              </a:rPr>
+              <a:t>线程中，用一个死循环不断的去获取消息</a:t>
+            </a:r>
+            <a:endParaRPr lang="en-US" altLang="zh-CN" sz="2800" dirty="0" smtClean="0">
+              <a:solidFill>
+                <a:srgbClr val="00A6E9"/>
+              </a:solidFill>
+              <a:latin typeface="微软雅黑" pitchFamily="34" charset="-122"/>
+              <a:ea typeface="微软雅黑" pitchFamily="34" charset="-122"/>
+            </a:endParaRPr>
+          </a:p>
+        </p:txBody>
+      </p:sp>
+      <p:pic>
+        <p:nvPicPr>
+          <p:cNvPr id="3" name="图片 2"/>
+          <p:cNvPicPr>
+            <a:picLocks noChangeAspect="1"/>
+          </p:cNvPicPr>
+          <p:nvPr/>
+        </p:nvPicPr>
+        <p:blipFill>
+          <a:blip r:embed="rId2">
+            <a:extLst>
+              <a:ext uri="{28A0092B-C50C-407E-A947-70E740481C1C}">
+                <a14:useLocalDpi xmlns:a14="http://schemas.microsoft.com/office/drawing/2010/main" val="0"/>
+              </a:ext>
+            </a:extLst>
+          </a:blip>
+          <a:stretch>
+            <a:fillRect/>
+          </a:stretch>
+        </p:blipFill>
+        <p:spPr>
+          <a:xfrm>
+            <a:off x="2088307" y="1764085"/>
+            <a:ext cx="6886575" cy="4162425"/>
+          </a:xfrm>
+          <a:prstGeom prst="rect">
+            <a:avLst/>
+          </a:prstGeom>
+        </p:spPr>
+      </p:pic>
+    </p:spTree>
+    <p:extLst>
+      <p:ext uri="{BB962C8B-B14F-4D97-AF65-F5344CB8AC3E}">
+        <p14:creationId xmlns:p14="http://schemas.microsoft.com/office/powerpoint/2010/main" val="3333333344"/>
+      </p:ext>
+    </p:extLst>
+  </p:cSld>
+  <p:clrMapOvr>
+    <a:masterClrMapping/>
+  </p:clrMapOvr>
+  <p:transition>
+    <p:fade/>
+  </p:transition>
+</p:sld>
+</file>
+
+<file path=ppt/slides/slide19.xml><?xml version="1.0" encoding="utf-8"?>
+<p:sld xmlns:a="http://schemas.openxmlformats.org/drawingml/2006/main" xmlns:r="http://schemas.openxmlformats.org/officeDocument/2006/relationships" xmlns:p="http://schemas.openxmlformats.org/presentationml/2006/main">
+  <p:cSld>
+    <p:spTree>
+      <p:nvGrpSpPr>
+        <p:cNvPr id="1" name=""/>
+        <p:cNvGrpSpPr/>
+        <p:nvPr/>
+      </p:nvGrpSpPr>
+      <p:grpSpPr>
+        <a:xfrm>
+          <a:off x="0" y="0"/>
+          <a:ext cx="0" cy="0"/>
+          <a:chOff x="0" y="0"/>
+          <a:chExt cx="0" cy="0"/>
+        </a:xfrm>
+      </p:grpSpPr>
+      <p:sp>
+        <p:nvSpPr>
+          <p:cNvPr id="4" name="Text Box 3"/>
+          <p:cNvSpPr txBox="1">
+            <a:spLocks noChangeArrowheads="1"/>
+          </p:cNvSpPr>
+          <p:nvPr/>
+        </p:nvSpPr>
+        <p:spPr bwMode="auto">
+          <a:xfrm>
+            <a:off x="4320555" y="899989"/>
+            <a:ext cx="8496944" cy="523220"/>
+          </a:xfrm>
+          <a:prstGeom prst="rect">
+            <a:avLst/>
+          </a:prstGeom>
+          <a:noFill/>
+          <a:ln>
+            <a:noFill/>
+          </a:ln>
+          <a:extLst/>
+        </p:spPr>
+        <p:txBody>
+          <a:bodyPr wrap="square">
+            <a:spAutoFit/>
+          </a:bodyPr>
+          <a:lstStyle>
+            <a:lvl1pPr eaLnBrk="0" hangingPunct="0">
+              <a:defRPr b="1">
+                <a:solidFill>
+                  <a:schemeClr val="tx1"/>
+                </a:solidFill>
+                <a:latin typeface="Arial" charset="0"/>
+                <a:ea typeface="宋体" charset="-122"/>
+              </a:defRPr>
+            </a:lvl1pPr>
+            <a:lvl2pPr marL="742950" indent="-285750" eaLnBrk="0" hangingPunct="0">
+              <a:defRPr b="1">
+                <a:solidFill>
+                  <a:schemeClr val="tx1"/>
+                </a:solidFill>
+                <a:latin typeface="Arial" charset="0"/>
+                <a:ea typeface="宋体" charset="-122"/>
+              </a:defRPr>
+            </a:lvl2pPr>
+            <a:lvl3pPr marL="1143000" indent="-228600" eaLnBrk="0" hangingPunct="0">
+              <a:defRPr b="1">
+                <a:solidFill>
+                  <a:schemeClr val="tx1"/>
+                </a:solidFill>
+                <a:latin typeface="Arial" charset="0"/>
+                <a:ea typeface="宋体" charset="-122"/>
+              </a:defRPr>
+            </a:lvl3pPr>
+            <a:lvl4pPr marL="1600200" indent="-228600" eaLnBrk="0" hangingPunct="0">
+              <a:defRPr b="1">
+                <a:solidFill>
+                  <a:schemeClr val="tx1"/>
+                </a:solidFill>
+                <a:latin typeface="Arial" charset="0"/>
+                <a:ea typeface="宋体" charset="-122"/>
+              </a:defRPr>
+            </a:lvl4pPr>
+            <a:lvl5pPr marL="2057400" indent="-228600" eaLnBrk="0" hangingPunct="0">
+              <a:defRPr b="1">
+                <a:solidFill>
+                  <a:schemeClr val="tx1"/>
+                </a:solidFill>
+                <a:latin typeface="Arial" charset="0"/>
+                <a:ea typeface="宋体" charset="-122"/>
+              </a:defRPr>
+            </a:lvl5pPr>
+            <a:lvl6pPr marL="2514600" indent="-228600" eaLnBrk="0" fontAlgn="base" hangingPunct="0">
+              <a:spcBef>
+                <a:spcPct val="0"/>
+              </a:spcBef>
+              <a:spcAft>
+                <a:spcPct val="0"/>
+              </a:spcAft>
+              <a:defRPr b="1">
+                <a:solidFill>
+                  <a:schemeClr val="tx1"/>
+                </a:solidFill>
+                <a:latin typeface="Arial" charset="0"/>
+                <a:ea typeface="宋体" charset="-122"/>
+              </a:defRPr>
+            </a:lvl6pPr>
+            <a:lvl7pPr marL="2971800" indent="-228600" eaLnBrk="0" fontAlgn="base" hangingPunct="0">
+              <a:spcBef>
+                <a:spcPct val="0"/>
+              </a:spcBef>
+              <a:spcAft>
+                <a:spcPct val="0"/>
+              </a:spcAft>
+              <a:defRPr b="1">
+                <a:solidFill>
+                  <a:schemeClr val="tx1"/>
+                </a:solidFill>
+                <a:latin typeface="Arial" charset="0"/>
+                <a:ea typeface="宋体" charset="-122"/>
+              </a:defRPr>
+            </a:lvl7pPr>
+            <a:lvl8pPr marL="3429000" indent="-228600" eaLnBrk="0" fontAlgn="base" hangingPunct="0">
+              <a:spcBef>
+                <a:spcPct val="0"/>
+              </a:spcBef>
+              <a:spcAft>
+                <a:spcPct val="0"/>
+              </a:spcAft>
+              <a:defRPr b="1">
+                <a:solidFill>
+                  <a:schemeClr val="tx1"/>
+                </a:solidFill>
+                <a:latin typeface="Arial" charset="0"/>
+                <a:ea typeface="宋体" charset="-122"/>
+              </a:defRPr>
+            </a:lvl8pPr>
+            <a:lvl9pPr marL="3886200" indent="-228600" eaLnBrk="0" fontAlgn="base" hangingPunct="0">
+              <a:spcBef>
+                <a:spcPct val="0"/>
+              </a:spcBef>
+              <a:spcAft>
+                <a:spcPct val="0"/>
+              </a:spcAft>
+              <a:defRPr b="1">
+                <a:solidFill>
+                  <a:schemeClr val="tx1"/>
+                </a:solidFill>
+                <a:latin typeface="Arial" charset="0"/>
+                <a:ea typeface="宋体" charset="-122"/>
+              </a:defRPr>
+            </a:lvl9pPr>
+          </a:lstStyle>
+          <a:p>
+            <a:pPr eaLnBrk="1" hangingPunct="1">
+              <a:spcBef>
+                <a:spcPct val="50000"/>
+              </a:spcBef>
+              <a:defRPr/>
+            </a:pPr>
+            <a:r>
+              <a:rPr lang="zh-CN" altLang="en-US" sz="2800" dirty="0" smtClean="0">
+                <a:solidFill>
+                  <a:srgbClr val="00A6E9"/>
+                </a:solidFill>
+                <a:latin typeface="微软雅黑" pitchFamily="34" charset="-122"/>
+                <a:ea typeface="微软雅黑" pitchFamily="34" charset="-122"/>
+              </a:rPr>
+              <a:t>客户端界面</a:t>
+            </a:r>
+            <a:endParaRPr lang="en-US" altLang="zh-CN" sz="2800" dirty="0" smtClean="0">
+              <a:solidFill>
+                <a:srgbClr val="00A6E9"/>
+              </a:solidFill>
+              <a:latin typeface="微软雅黑" pitchFamily="34" charset="-122"/>
+              <a:ea typeface="微软雅黑" pitchFamily="34" charset="-122"/>
+            </a:endParaRPr>
+          </a:p>
+        </p:txBody>
+      </p:sp>
+      <p:pic>
+        <p:nvPicPr>
+          <p:cNvPr id="6" name="图片 5"/>
+          <p:cNvPicPr>
+            <a:picLocks noChangeAspect="1"/>
+          </p:cNvPicPr>
+          <p:nvPr/>
+        </p:nvPicPr>
+        <p:blipFill>
+          <a:blip r:embed="rId2">
+            <a:extLst>
+              <a:ext uri="{28A0092B-C50C-407E-A947-70E740481C1C}">
+                <a14:useLocalDpi xmlns:a14="http://schemas.microsoft.com/office/drawing/2010/main" val="0"/>
+              </a:ext>
+            </a:extLst>
+          </a:blip>
+          <a:stretch>
+            <a:fillRect/>
+          </a:stretch>
+        </p:blipFill>
+        <p:spPr>
+          <a:xfrm>
+            <a:off x="3168427" y="1548061"/>
+            <a:ext cx="4110983" cy="3960440"/>
+          </a:xfrm>
+          <a:prstGeom prst="rect">
+            <a:avLst/>
+          </a:prstGeom>
+        </p:spPr>
+      </p:pic>
+    </p:spTree>
+    <p:extLst>
+      <p:ext uri="{BB962C8B-B14F-4D97-AF65-F5344CB8AC3E}">
+        <p14:creationId xmlns:p14="http://schemas.microsoft.com/office/powerpoint/2010/main" val="1377037983"/>
+      </p:ext>
+    </p:extLst>
+  </p:cSld>
+  <p:clrMapOvr>
+    <a:masterClrMapping/>
+  </p:clrMapOvr>
+  <p:transition>
+    <p:fade/>
+  </p:transition>
+</p:sld>
+</file>
+
+<file path=ppt/slides/slide2.xml><?xml version="1.0" encoding="utf-8"?>
+<p:sld xmlns:a="http://schemas.openxmlformats.org/drawingml/2006/main" xmlns:r="http://schemas.openxmlformats.org/officeDocument/2006/relationships" xmlns:p="http://schemas.openxmlformats.org/presentationml/2006/main">
+  <p:cSld>
+    <p:spTree>
+      <p:nvGrpSpPr>
+        <p:cNvPr id="1" name=""/>
+        <p:cNvGrpSpPr/>
+        <p:nvPr/>
+      </p:nvGrpSpPr>
+      <p:grpSpPr>
+        <a:xfrm>
+          <a:off x="0" y="0"/>
+          <a:ext cx="0" cy="0"/>
+          <a:chOff x="0" y="0"/>
+          <a:chExt cx="0" cy="0"/>
+        </a:xfrm>
+      </p:grpSpPr>
+      <p:sp>
+        <p:nvSpPr>
+          <p:cNvPr id="4" name="Text Box 3"/>
+          <p:cNvSpPr txBox="1">
+            <a:spLocks noChangeArrowheads="1"/>
+          </p:cNvSpPr>
+          <p:nvPr/>
+        </p:nvSpPr>
+        <p:spPr bwMode="auto">
+          <a:xfrm>
+            <a:off x="4320555" y="1556023"/>
+            <a:ext cx="2592288" cy="2800350"/>
+          </a:xfrm>
+          <a:prstGeom prst="rect">
+            <a:avLst/>
+          </a:prstGeom>
+          <a:noFill/>
+          <a:ln>
+            <a:noFill/>
+          </a:ln>
+          <a:extLst/>
+        </p:spPr>
+        <p:txBody>
+          <a:bodyPr wrap="square">
+            <a:spAutoFit/>
+          </a:bodyPr>
+          <a:lstStyle>
+            <a:lvl1pPr eaLnBrk="0" hangingPunct="0">
+              <a:defRPr b="1">
+                <a:solidFill>
+                  <a:schemeClr val="tx1"/>
+                </a:solidFill>
+                <a:latin typeface="Arial" charset="0"/>
+                <a:ea typeface="宋体" charset="-122"/>
+              </a:defRPr>
+            </a:lvl1pPr>
+            <a:lvl2pPr marL="742950" indent="-285750" eaLnBrk="0" hangingPunct="0">
+              <a:defRPr b="1">
+                <a:solidFill>
+                  <a:schemeClr val="tx1"/>
+                </a:solidFill>
+                <a:latin typeface="Arial" charset="0"/>
+                <a:ea typeface="宋体" charset="-122"/>
+              </a:defRPr>
+            </a:lvl2pPr>
+            <a:lvl3pPr marL="1143000" indent="-228600" eaLnBrk="0" hangingPunct="0">
+              <a:defRPr b="1">
+                <a:solidFill>
+                  <a:schemeClr val="tx1"/>
+                </a:solidFill>
+                <a:latin typeface="Arial" charset="0"/>
+                <a:ea typeface="宋体" charset="-122"/>
+              </a:defRPr>
+            </a:lvl3pPr>
+            <a:lvl4pPr marL="1600200" indent="-228600" eaLnBrk="0" hangingPunct="0">
+              <a:defRPr b="1">
+                <a:solidFill>
+                  <a:schemeClr val="tx1"/>
+                </a:solidFill>
+                <a:latin typeface="Arial" charset="0"/>
+                <a:ea typeface="宋体" charset="-122"/>
+              </a:defRPr>
+            </a:lvl4pPr>
+            <a:lvl5pPr marL="2057400" indent="-228600" eaLnBrk="0" hangingPunct="0">
+              <a:defRPr b="1">
+                <a:solidFill>
+                  <a:schemeClr val="tx1"/>
+                </a:solidFill>
+                <a:latin typeface="Arial" charset="0"/>
+                <a:ea typeface="宋体" charset="-122"/>
+              </a:defRPr>
+            </a:lvl5pPr>
+            <a:lvl6pPr marL="2514600" indent="-228600" eaLnBrk="0" fontAlgn="base" hangingPunct="0">
+              <a:spcBef>
+                <a:spcPct val="0"/>
+              </a:spcBef>
+              <a:spcAft>
+                <a:spcPct val="0"/>
+              </a:spcAft>
+              <a:defRPr b="1">
+                <a:solidFill>
+                  <a:schemeClr val="tx1"/>
+                </a:solidFill>
+                <a:latin typeface="Arial" charset="0"/>
+                <a:ea typeface="宋体" charset="-122"/>
+              </a:defRPr>
+            </a:lvl6pPr>
+            <a:lvl7pPr marL="2971800" indent="-228600" eaLnBrk="0" fontAlgn="base" hangingPunct="0">
+              <a:spcBef>
+                <a:spcPct val="0"/>
+              </a:spcBef>
+              <a:spcAft>
+                <a:spcPct val="0"/>
+              </a:spcAft>
+              <a:defRPr b="1">
+                <a:solidFill>
+                  <a:schemeClr val="tx1"/>
+                </a:solidFill>
+                <a:latin typeface="Arial" charset="0"/>
+                <a:ea typeface="宋体" charset="-122"/>
+              </a:defRPr>
+            </a:lvl7pPr>
+            <a:lvl8pPr marL="3429000" indent="-228600" eaLnBrk="0" fontAlgn="base" hangingPunct="0">
+              <a:spcBef>
+                <a:spcPct val="0"/>
+              </a:spcBef>
+              <a:spcAft>
+                <a:spcPct val="0"/>
+              </a:spcAft>
+              <a:defRPr b="1">
+                <a:solidFill>
+                  <a:schemeClr val="tx1"/>
+                </a:solidFill>
+                <a:latin typeface="Arial" charset="0"/>
+                <a:ea typeface="宋体" charset="-122"/>
+              </a:defRPr>
+            </a:lvl8pPr>
+            <a:lvl9pPr marL="3886200" indent="-228600" eaLnBrk="0" fontAlgn="base" hangingPunct="0">
+              <a:spcBef>
+                <a:spcPct val="0"/>
+              </a:spcBef>
+              <a:spcAft>
+                <a:spcPct val="0"/>
+              </a:spcAft>
+              <a:defRPr b="1">
+                <a:solidFill>
+                  <a:schemeClr val="tx1"/>
+                </a:solidFill>
+                <a:latin typeface="Arial" charset="0"/>
+                <a:ea typeface="宋体" charset="-122"/>
+              </a:defRPr>
+            </a:lvl9pPr>
+          </a:lstStyle>
+          <a:p>
+            <a:pPr eaLnBrk="1" hangingPunct="1">
+              <a:spcBef>
+                <a:spcPct val="50000"/>
+              </a:spcBef>
+              <a:defRPr/>
+            </a:pPr>
+            <a:r>
+              <a:rPr lang="zh-CN" altLang="en-US" sz="3200" dirty="0" smtClean="0">
+                <a:solidFill>
+                  <a:schemeClr val="tx1">
+                    <a:lumMod val="65000"/>
+                    <a:lumOff val="35000"/>
+                  </a:schemeClr>
+                </a:solidFill>
+                <a:latin typeface="微软雅黑" pitchFamily="34" charset="-122"/>
+                <a:ea typeface="微软雅黑" pitchFamily="34" charset="-122"/>
+              </a:rPr>
+              <a:t>目录</a:t>
+            </a:r>
+            <a:endParaRPr lang="en-US" altLang="zh-CN" sz="3200" dirty="0" smtClean="0">
+              <a:solidFill>
+                <a:schemeClr val="tx1">
+                  <a:lumMod val="65000"/>
+                  <a:lumOff val="35000"/>
+                </a:schemeClr>
+              </a:solidFill>
+              <a:latin typeface="微软雅黑" pitchFamily="34" charset="-122"/>
+              <a:ea typeface="微软雅黑" pitchFamily="34" charset="-122"/>
+            </a:endParaRPr>
+          </a:p>
+          <a:p>
+            <a:pPr marL="457200" indent="-457200" eaLnBrk="1" hangingPunct="1">
+              <a:spcBef>
+                <a:spcPct val="50000"/>
+              </a:spcBef>
+              <a:buFont typeface="Arial" pitchFamily="34" charset="0"/>
+              <a:buChar char="•"/>
+              <a:defRPr/>
+            </a:pPr>
+            <a:r>
+              <a:rPr lang="en-US" altLang="zh-CN" sz="3200" dirty="0" smtClean="0">
+                <a:solidFill>
+                  <a:schemeClr val="tx1">
+                    <a:lumMod val="50000"/>
+                    <a:lumOff val="50000"/>
+                  </a:schemeClr>
+                </a:solidFill>
+                <a:latin typeface="微软雅黑" pitchFamily="34" charset="-122"/>
+                <a:ea typeface="微软雅黑" pitchFamily="34" charset="-122"/>
+              </a:rPr>
+              <a:t>XXX</a:t>
+            </a:r>
+          </a:p>
+          <a:p>
+            <a:pPr marL="457200" indent="-457200" eaLnBrk="1" hangingPunct="1">
+              <a:spcBef>
+                <a:spcPct val="50000"/>
+              </a:spcBef>
+              <a:buFont typeface="Arial" pitchFamily="34" charset="0"/>
+              <a:buChar char="•"/>
+              <a:defRPr/>
+            </a:pPr>
+            <a:r>
+              <a:rPr lang="en-US" altLang="zh-CN" sz="3200" dirty="0" smtClean="0">
+                <a:solidFill>
+                  <a:schemeClr val="tx1">
+                    <a:lumMod val="50000"/>
+                    <a:lumOff val="50000"/>
+                  </a:schemeClr>
+                </a:solidFill>
+                <a:latin typeface="微软雅黑" pitchFamily="34" charset="-122"/>
+                <a:ea typeface="微软雅黑" pitchFamily="34" charset="-122"/>
+              </a:rPr>
+              <a:t>XXX</a:t>
+            </a:r>
+          </a:p>
+          <a:p>
+            <a:pPr marL="457200" indent="-457200" eaLnBrk="1" hangingPunct="1">
+              <a:spcBef>
+                <a:spcPct val="50000"/>
+              </a:spcBef>
+              <a:buFont typeface="Arial" pitchFamily="34" charset="0"/>
+              <a:buChar char="•"/>
+              <a:defRPr/>
+            </a:pPr>
+            <a:r>
+              <a:rPr lang="en-US" altLang="zh-CN" sz="3200" dirty="0" smtClean="0">
+                <a:solidFill>
+                  <a:schemeClr val="tx1">
+                    <a:lumMod val="50000"/>
+                    <a:lumOff val="50000"/>
+                  </a:schemeClr>
+                </a:solidFill>
+                <a:latin typeface="微软雅黑" pitchFamily="34" charset="-122"/>
+                <a:ea typeface="微软雅黑" pitchFamily="34" charset="-122"/>
+              </a:rPr>
+              <a:t>XXX</a:t>
+            </a:r>
+          </a:p>
+        </p:txBody>
+      </p:sp>
+    </p:spTree>
+  </p:cSld>
+  <p:clrMapOvr>
+    <a:masterClrMapping/>
+  </p:clrMapOvr>
+  <p:transition>
+    <p:fade/>
+  </p:transition>
+</p:sld>
+</file>
+
+<file path=ppt/slides/slide20.xml><?xml version="1.0" encoding="utf-8"?>
+<p:sld xmlns:a="http://schemas.openxmlformats.org/drawingml/2006/main" xmlns:r="http://schemas.openxmlformats.org/officeDocument/2006/relationships" xmlns:p="http://schemas.openxmlformats.org/presentationml/2006/main">
+  <p:cSld>
+    <p:spTree>
+      <p:nvGrpSpPr>
+        <p:cNvPr id="1" name=""/>
+        <p:cNvGrpSpPr/>
+        <p:nvPr/>
+      </p:nvGrpSpPr>
+      <p:grpSpPr>
+        <a:xfrm>
+          <a:off x="0" y="0"/>
+          <a:ext cx="0" cy="0"/>
+          <a:chOff x="0" y="0"/>
+          <a:chExt cx="0" cy="0"/>
+        </a:xfrm>
+      </p:grpSpPr>
+      <p:pic>
+        <p:nvPicPr>
+          <p:cNvPr id="2" name="图片 1"/>
+          <p:cNvPicPr>
+            <a:picLocks noChangeAspect="1"/>
+          </p:cNvPicPr>
+          <p:nvPr/>
+        </p:nvPicPr>
+        <p:blipFill>
+          <a:blip r:embed="rId2">
+            <a:extLst>
+              <a:ext uri="{28A0092B-C50C-407E-A947-70E740481C1C}">
+                <a14:useLocalDpi xmlns:a14="http://schemas.microsoft.com/office/drawing/2010/main" val="0"/>
+              </a:ext>
+            </a:extLst>
+          </a:blip>
+          <a:stretch>
+            <a:fillRect/>
+          </a:stretch>
+        </p:blipFill>
+        <p:spPr>
+          <a:xfrm>
+            <a:off x="2578517" y="1404045"/>
+            <a:ext cx="5809279" cy="4032448"/>
+          </a:xfrm>
+          <a:prstGeom prst="rect">
+            <a:avLst/>
+          </a:prstGeom>
+        </p:spPr>
+      </p:pic>
+      <p:sp>
+        <p:nvSpPr>
+          <p:cNvPr id="5" name="Text Box 3"/>
+          <p:cNvSpPr txBox="1">
+            <a:spLocks noChangeArrowheads="1"/>
+          </p:cNvSpPr>
+          <p:nvPr/>
+        </p:nvSpPr>
+        <p:spPr bwMode="auto">
+          <a:xfrm>
+            <a:off x="4120605" y="686621"/>
+            <a:ext cx="8496944" cy="523220"/>
+          </a:xfrm>
+          <a:prstGeom prst="rect">
+            <a:avLst/>
+          </a:prstGeom>
+          <a:noFill/>
+          <a:ln>
+            <a:noFill/>
+          </a:ln>
+          <a:extLst/>
+        </p:spPr>
+        <p:txBody>
+          <a:bodyPr wrap="square">
+            <a:spAutoFit/>
+          </a:bodyPr>
+          <a:lstStyle>
+            <a:lvl1pPr eaLnBrk="0" hangingPunct="0">
+              <a:defRPr b="1">
+                <a:solidFill>
+                  <a:schemeClr val="tx1"/>
+                </a:solidFill>
+                <a:latin typeface="Arial" charset="0"/>
+                <a:ea typeface="宋体" charset="-122"/>
+              </a:defRPr>
+            </a:lvl1pPr>
+            <a:lvl2pPr marL="742950" indent="-285750" eaLnBrk="0" hangingPunct="0">
+              <a:defRPr b="1">
+                <a:solidFill>
+                  <a:schemeClr val="tx1"/>
+                </a:solidFill>
+                <a:latin typeface="Arial" charset="0"/>
+                <a:ea typeface="宋体" charset="-122"/>
+              </a:defRPr>
+            </a:lvl2pPr>
+            <a:lvl3pPr marL="1143000" indent="-228600" eaLnBrk="0" hangingPunct="0">
+              <a:defRPr b="1">
+                <a:solidFill>
+                  <a:schemeClr val="tx1"/>
+                </a:solidFill>
+                <a:latin typeface="Arial" charset="0"/>
+                <a:ea typeface="宋体" charset="-122"/>
+              </a:defRPr>
+            </a:lvl3pPr>
+            <a:lvl4pPr marL="1600200" indent="-228600" eaLnBrk="0" hangingPunct="0">
+              <a:defRPr b="1">
+                <a:solidFill>
+                  <a:schemeClr val="tx1"/>
+                </a:solidFill>
+                <a:latin typeface="Arial" charset="0"/>
+                <a:ea typeface="宋体" charset="-122"/>
+              </a:defRPr>
+            </a:lvl4pPr>
+            <a:lvl5pPr marL="2057400" indent="-228600" eaLnBrk="0" hangingPunct="0">
+              <a:defRPr b="1">
+                <a:solidFill>
+                  <a:schemeClr val="tx1"/>
+                </a:solidFill>
+                <a:latin typeface="Arial" charset="0"/>
+                <a:ea typeface="宋体" charset="-122"/>
+              </a:defRPr>
+            </a:lvl5pPr>
+            <a:lvl6pPr marL="2514600" indent="-228600" eaLnBrk="0" fontAlgn="base" hangingPunct="0">
+              <a:spcBef>
+                <a:spcPct val="0"/>
+              </a:spcBef>
+              <a:spcAft>
+                <a:spcPct val="0"/>
+              </a:spcAft>
+              <a:defRPr b="1">
+                <a:solidFill>
+                  <a:schemeClr val="tx1"/>
+                </a:solidFill>
+                <a:latin typeface="Arial" charset="0"/>
+                <a:ea typeface="宋体" charset="-122"/>
+              </a:defRPr>
+            </a:lvl6pPr>
+            <a:lvl7pPr marL="2971800" indent="-228600" eaLnBrk="0" fontAlgn="base" hangingPunct="0">
+              <a:spcBef>
+                <a:spcPct val="0"/>
+              </a:spcBef>
+              <a:spcAft>
+                <a:spcPct val="0"/>
+              </a:spcAft>
+              <a:defRPr b="1">
+                <a:solidFill>
+                  <a:schemeClr val="tx1"/>
+                </a:solidFill>
+                <a:latin typeface="Arial" charset="0"/>
+                <a:ea typeface="宋体" charset="-122"/>
+              </a:defRPr>
+            </a:lvl7pPr>
+            <a:lvl8pPr marL="3429000" indent="-228600" eaLnBrk="0" fontAlgn="base" hangingPunct="0">
+              <a:spcBef>
+                <a:spcPct val="0"/>
+              </a:spcBef>
+              <a:spcAft>
+                <a:spcPct val="0"/>
+              </a:spcAft>
+              <a:defRPr b="1">
+                <a:solidFill>
+                  <a:schemeClr val="tx1"/>
+                </a:solidFill>
+                <a:latin typeface="Arial" charset="0"/>
+                <a:ea typeface="宋体" charset="-122"/>
+              </a:defRPr>
+            </a:lvl8pPr>
+            <a:lvl9pPr marL="3886200" indent="-228600" eaLnBrk="0" fontAlgn="base" hangingPunct="0">
+              <a:spcBef>
+                <a:spcPct val="0"/>
+              </a:spcBef>
+              <a:spcAft>
+                <a:spcPct val="0"/>
+              </a:spcAft>
+              <a:defRPr b="1">
+                <a:solidFill>
+                  <a:schemeClr val="tx1"/>
+                </a:solidFill>
+                <a:latin typeface="Arial" charset="0"/>
+                <a:ea typeface="宋体" charset="-122"/>
+              </a:defRPr>
+            </a:lvl9pPr>
+          </a:lstStyle>
+          <a:p>
+            <a:pPr eaLnBrk="1" hangingPunct="1">
+              <a:spcBef>
+                <a:spcPct val="50000"/>
+              </a:spcBef>
+              <a:defRPr/>
+            </a:pPr>
+            <a:r>
+              <a:rPr lang="zh-CN" altLang="en-US" sz="2800" dirty="0" smtClean="0">
+                <a:solidFill>
+                  <a:srgbClr val="00A6E9"/>
+                </a:solidFill>
+                <a:latin typeface="微软雅黑" pitchFamily="34" charset="-122"/>
+                <a:ea typeface="微软雅黑" pitchFamily="34" charset="-122"/>
+              </a:rPr>
+              <a:t>连接到服务器</a:t>
+            </a:r>
+            <a:endParaRPr lang="en-US" altLang="zh-CN" sz="2800" dirty="0" smtClean="0">
+              <a:solidFill>
+                <a:srgbClr val="00A6E9"/>
+              </a:solidFill>
+              <a:latin typeface="微软雅黑" pitchFamily="34" charset="-122"/>
+              <a:ea typeface="微软雅黑" pitchFamily="34" charset="-122"/>
+            </a:endParaRPr>
+          </a:p>
+        </p:txBody>
+      </p:sp>
+    </p:spTree>
+    <p:extLst>
+      <p:ext uri="{BB962C8B-B14F-4D97-AF65-F5344CB8AC3E}">
+        <p14:creationId xmlns:p14="http://schemas.microsoft.com/office/powerpoint/2010/main" val="719791610"/>
+      </p:ext>
+    </p:extLst>
+  </p:cSld>
+  <p:clrMapOvr>
+    <a:masterClrMapping/>
+  </p:clrMapOvr>
+  <p:transition>
+    <p:fade/>
+  </p:transition>
+</p:sld>
+</file>
+
+<file path=ppt/slides/slide21.xml><?xml version="1.0" encoding="utf-8"?>
+<p:sld xmlns:a="http://schemas.openxmlformats.org/drawingml/2006/main" xmlns:r="http://schemas.openxmlformats.org/officeDocument/2006/relationships" xmlns:p="http://schemas.openxmlformats.org/presentationml/2006/main">
+  <p:cSld>
+    <p:spTree>
+      <p:nvGrpSpPr>
+        <p:cNvPr id="1" name=""/>
+        <p:cNvGrpSpPr/>
+        <p:nvPr/>
+      </p:nvGrpSpPr>
+      <p:grpSpPr>
+        <a:xfrm>
+          <a:off x="0" y="0"/>
+          <a:ext cx="0" cy="0"/>
+          <a:chOff x="0" y="0"/>
+          <a:chExt cx="0" cy="0"/>
+        </a:xfrm>
+      </p:grpSpPr>
+      <p:sp>
+        <p:nvSpPr>
+          <p:cNvPr id="5" name="Text Box 3"/>
+          <p:cNvSpPr txBox="1">
+            <a:spLocks noChangeArrowheads="1"/>
+          </p:cNvSpPr>
+          <p:nvPr/>
+        </p:nvSpPr>
+        <p:spPr bwMode="auto">
+          <a:xfrm>
+            <a:off x="4248547" y="1195126"/>
+            <a:ext cx="8496944" cy="523220"/>
+          </a:xfrm>
+          <a:prstGeom prst="rect">
+            <a:avLst/>
+          </a:prstGeom>
+          <a:noFill/>
+          <a:ln>
+            <a:noFill/>
+          </a:ln>
+          <a:extLst/>
+        </p:spPr>
+        <p:txBody>
+          <a:bodyPr wrap="square">
+            <a:spAutoFit/>
+          </a:bodyPr>
+          <a:lstStyle>
+            <a:lvl1pPr eaLnBrk="0" hangingPunct="0">
+              <a:defRPr b="1">
+                <a:solidFill>
+                  <a:schemeClr val="tx1"/>
+                </a:solidFill>
+                <a:latin typeface="Arial" charset="0"/>
+                <a:ea typeface="宋体" charset="-122"/>
+              </a:defRPr>
+            </a:lvl1pPr>
+            <a:lvl2pPr marL="742950" indent="-285750" eaLnBrk="0" hangingPunct="0">
+              <a:defRPr b="1">
+                <a:solidFill>
+                  <a:schemeClr val="tx1"/>
+                </a:solidFill>
+                <a:latin typeface="Arial" charset="0"/>
+                <a:ea typeface="宋体" charset="-122"/>
+              </a:defRPr>
+            </a:lvl2pPr>
+            <a:lvl3pPr marL="1143000" indent="-228600" eaLnBrk="0" hangingPunct="0">
+              <a:defRPr b="1">
+                <a:solidFill>
+                  <a:schemeClr val="tx1"/>
+                </a:solidFill>
+                <a:latin typeface="Arial" charset="0"/>
+                <a:ea typeface="宋体" charset="-122"/>
+              </a:defRPr>
+            </a:lvl3pPr>
+            <a:lvl4pPr marL="1600200" indent="-228600" eaLnBrk="0" hangingPunct="0">
+              <a:defRPr b="1">
+                <a:solidFill>
+                  <a:schemeClr val="tx1"/>
+                </a:solidFill>
+                <a:latin typeface="Arial" charset="0"/>
+                <a:ea typeface="宋体" charset="-122"/>
+              </a:defRPr>
+            </a:lvl4pPr>
+            <a:lvl5pPr marL="2057400" indent="-228600" eaLnBrk="0" hangingPunct="0">
+              <a:defRPr b="1">
+                <a:solidFill>
+                  <a:schemeClr val="tx1"/>
+                </a:solidFill>
+                <a:latin typeface="Arial" charset="0"/>
+                <a:ea typeface="宋体" charset="-122"/>
+              </a:defRPr>
+            </a:lvl5pPr>
+            <a:lvl6pPr marL="2514600" indent="-228600" eaLnBrk="0" fontAlgn="base" hangingPunct="0">
+              <a:spcBef>
+                <a:spcPct val="0"/>
+              </a:spcBef>
+              <a:spcAft>
+                <a:spcPct val="0"/>
+              </a:spcAft>
+              <a:defRPr b="1">
+                <a:solidFill>
+                  <a:schemeClr val="tx1"/>
+                </a:solidFill>
+                <a:latin typeface="Arial" charset="0"/>
+                <a:ea typeface="宋体" charset="-122"/>
+              </a:defRPr>
+            </a:lvl6pPr>
+            <a:lvl7pPr marL="2971800" indent="-228600" eaLnBrk="0" fontAlgn="base" hangingPunct="0">
+              <a:spcBef>
+                <a:spcPct val="0"/>
+              </a:spcBef>
+              <a:spcAft>
+                <a:spcPct val="0"/>
+              </a:spcAft>
+              <a:defRPr b="1">
+                <a:solidFill>
+                  <a:schemeClr val="tx1"/>
+                </a:solidFill>
+                <a:latin typeface="Arial" charset="0"/>
+                <a:ea typeface="宋体" charset="-122"/>
+              </a:defRPr>
+            </a:lvl7pPr>
+            <a:lvl8pPr marL="3429000" indent="-228600" eaLnBrk="0" fontAlgn="base" hangingPunct="0">
+              <a:spcBef>
+                <a:spcPct val="0"/>
+              </a:spcBef>
+              <a:spcAft>
+                <a:spcPct val="0"/>
+              </a:spcAft>
+              <a:defRPr b="1">
+                <a:solidFill>
+                  <a:schemeClr val="tx1"/>
+                </a:solidFill>
+                <a:latin typeface="Arial" charset="0"/>
+                <a:ea typeface="宋体" charset="-122"/>
+              </a:defRPr>
+            </a:lvl8pPr>
+            <a:lvl9pPr marL="3886200" indent="-228600" eaLnBrk="0" fontAlgn="base" hangingPunct="0">
+              <a:spcBef>
+                <a:spcPct val="0"/>
+              </a:spcBef>
+              <a:spcAft>
+                <a:spcPct val="0"/>
+              </a:spcAft>
+              <a:defRPr b="1">
+                <a:solidFill>
+                  <a:schemeClr val="tx1"/>
+                </a:solidFill>
+                <a:latin typeface="Arial" charset="0"/>
+                <a:ea typeface="宋体" charset="-122"/>
+              </a:defRPr>
+            </a:lvl9pPr>
+          </a:lstStyle>
+          <a:p>
+            <a:pPr eaLnBrk="1" hangingPunct="1">
+              <a:spcBef>
+                <a:spcPct val="50000"/>
+              </a:spcBef>
+              <a:defRPr/>
+            </a:pPr>
+            <a:r>
+              <a:rPr lang="zh-CN" altLang="en-US" sz="2800" dirty="0" smtClean="0">
+                <a:solidFill>
+                  <a:srgbClr val="00A6E9"/>
+                </a:solidFill>
+                <a:latin typeface="微软雅黑" pitchFamily="34" charset="-122"/>
+                <a:ea typeface="微软雅黑" pitchFamily="34" charset="-122"/>
+              </a:rPr>
+              <a:t>发送消息</a:t>
+            </a:r>
+            <a:endParaRPr lang="en-US" altLang="zh-CN" sz="2800" dirty="0" smtClean="0">
+              <a:solidFill>
+                <a:srgbClr val="00A6E9"/>
+              </a:solidFill>
+              <a:latin typeface="微软雅黑" pitchFamily="34" charset="-122"/>
+              <a:ea typeface="微软雅黑" pitchFamily="34" charset="-122"/>
+            </a:endParaRPr>
+          </a:p>
+        </p:txBody>
+      </p:sp>
+      <p:pic>
+        <p:nvPicPr>
+          <p:cNvPr id="3" name="图片 2"/>
+          <p:cNvPicPr>
+            <a:picLocks noChangeAspect="1"/>
+          </p:cNvPicPr>
+          <p:nvPr/>
+        </p:nvPicPr>
+        <p:blipFill>
+          <a:blip r:embed="rId2">
+            <a:extLst>
+              <a:ext uri="{28A0092B-C50C-407E-A947-70E740481C1C}">
+                <a14:useLocalDpi xmlns:a14="http://schemas.microsoft.com/office/drawing/2010/main" val="0"/>
+              </a:ext>
+            </a:extLst>
+          </a:blip>
+          <a:stretch>
+            <a:fillRect/>
+          </a:stretch>
+        </p:blipFill>
+        <p:spPr>
+          <a:xfrm>
+            <a:off x="1599509" y="2210594"/>
+            <a:ext cx="7667625" cy="2419350"/>
+          </a:xfrm>
+          <a:prstGeom prst="rect">
+            <a:avLst/>
+          </a:prstGeom>
+        </p:spPr>
+      </p:pic>
+    </p:spTree>
+    <p:extLst>
+      <p:ext uri="{BB962C8B-B14F-4D97-AF65-F5344CB8AC3E}">
+        <p14:creationId xmlns:p14="http://schemas.microsoft.com/office/powerpoint/2010/main" val="1946207797"/>
+      </p:ext>
+    </p:extLst>
+  </p:cSld>
+  <p:clrMapOvr>
+    <a:masterClrMapping/>
+  </p:clrMapOvr>
+  <p:transition>
+    <p:fade/>
+  </p:transition>
+</p:sld>
+</file>
+
+<file path=ppt/slides/slide22.xml><?xml version="1.0" encoding="utf-8"?>
+<p:sld xmlns:a="http://schemas.openxmlformats.org/drawingml/2006/main" xmlns:r="http://schemas.openxmlformats.org/officeDocument/2006/relationships" xmlns:p="http://schemas.openxmlformats.org/presentationml/2006/main">
+  <p:cSld>
+    <p:spTree>
+      <p:nvGrpSpPr>
+        <p:cNvPr id="1" name=""/>
+        <p:cNvGrpSpPr/>
+        <p:nvPr/>
+      </p:nvGrpSpPr>
+      <p:grpSpPr>
+        <a:xfrm>
+          <a:off x="0" y="0"/>
+          <a:ext cx="0" cy="0"/>
+          <a:chOff x="0" y="0"/>
+          <a:chExt cx="0" cy="0"/>
+        </a:xfrm>
+      </p:grpSpPr>
+      <p:sp>
+        <p:nvSpPr>
+          <p:cNvPr id="5" name="Text Box 3"/>
+          <p:cNvSpPr txBox="1">
+            <a:spLocks noChangeArrowheads="1"/>
+          </p:cNvSpPr>
+          <p:nvPr/>
+        </p:nvSpPr>
+        <p:spPr bwMode="auto">
+          <a:xfrm>
+            <a:off x="3384451" y="1195126"/>
+            <a:ext cx="8496944" cy="523220"/>
+          </a:xfrm>
+          <a:prstGeom prst="rect">
+            <a:avLst/>
+          </a:prstGeom>
+          <a:noFill/>
+          <a:ln>
+            <a:noFill/>
+          </a:ln>
+          <a:extLst/>
+        </p:spPr>
+        <p:txBody>
+          <a:bodyPr wrap="square">
+            <a:spAutoFit/>
+          </a:bodyPr>
+          <a:lstStyle>
+            <a:lvl1pPr eaLnBrk="0" hangingPunct="0">
+              <a:defRPr b="1">
+                <a:solidFill>
+                  <a:schemeClr val="tx1"/>
+                </a:solidFill>
+                <a:latin typeface="Arial" charset="0"/>
+                <a:ea typeface="宋体" charset="-122"/>
+              </a:defRPr>
+            </a:lvl1pPr>
+            <a:lvl2pPr marL="742950" indent="-285750" eaLnBrk="0" hangingPunct="0">
+              <a:defRPr b="1">
+                <a:solidFill>
+                  <a:schemeClr val="tx1"/>
+                </a:solidFill>
+                <a:latin typeface="Arial" charset="0"/>
+                <a:ea typeface="宋体" charset="-122"/>
+              </a:defRPr>
+            </a:lvl2pPr>
+            <a:lvl3pPr marL="1143000" indent="-228600" eaLnBrk="0" hangingPunct="0">
+              <a:defRPr b="1">
+                <a:solidFill>
+                  <a:schemeClr val="tx1"/>
+                </a:solidFill>
+                <a:latin typeface="Arial" charset="0"/>
+                <a:ea typeface="宋体" charset="-122"/>
+              </a:defRPr>
+            </a:lvl3pPr>
+            <a:lvl4pPr marL="1600200" indent="-228600" eaLnBrk="0" hangingPunct="0">
+              <a:defRPr b="1">
+                <a:solidFill>
+                  <a:schemeClr val="tx1"/>
+                </a:solidFill>
+                <a:latin typeface="Arial" charset="0"/>
+                <a:ea typeface="宋体" charset="-122"/>
+              </a:defRPr>
+            </a:lvl4pPr>
+            <a:lvl5pPr marL="2057400" indent="-228600" eaLnBrk="0" hangingPunct="0">
+              <a:defRPr b="1">
+                <a:solidFill>
+                  <a:schemeClr val="tx1"/>
+                </a:solidFill>
+                <a:latin typeface="Arial" charset="0"/>
+                <a:ea typeface="宋体" charset="-122"/>
+              </a:defRPr>
+            </a:lvl5pPr>
+            <a:lvl6pPr marL="2514600" indent="-228600" eaLnBrk="0" fontAlgn="base" hangingPunct="0">
+              <a:spcBef>
+                <a:spcPct val="0"/>
+              </a:spcBef>
+              <a:spcAft>
+                <a:spcPct val="0"/>
+              </a:spcAft>
+              <a:defRPr b="1">
+                <a:solidFill>
+                  <a:schemeClr val="tx1"/>
+                </a:solidFill>
+                <a:latin typeface="Arial" charset="0"/>
+                <a:ea typeface="宋体" charset="-122"/>
+              </a:defRPr>
+            </a:lvl6pPr>
+            <a:lvl7pPr marL="2971800" indent="-228600" eaLnBrk="0" fontAlgn="base" hangingPunct="0">
+              <a:spcBef>
+                <a:spcPct val="0"/>
+              </a:spcBef>
+              <a:spcAft>
+                <a:spcPct val="0"/>
+              </a:spcAft>
+              <a:defRPr b="1">
+                <a:solidFill>
+                  <a:schemeClr val="tx1"/>
+                </a:solidFill>
+                <a:latin typeface="Arial" charset="0"/>
+                <a:ea typeface="宋体" charset="-122"/>
+              </a:defRPr>
+            </a:lvl7pPr>
+            <a:lvl8pPr marL="3429000" indent="-228600" eaLnBrk="0" fontAlgn="base" hangingPunct="0">
+              <a:spcBef>
+                <a:spcPct val="0"/>
+              </a:spcBef>
+              <a:spcAft>
+                <a:spcPct val="0"/>
+              </a:spcAft>
+              <a:defRPr b="1">
+                <a:solidFill>
+                  <a:schemeClr val="tx1"/>
+                </a:solidFill>
+                <a:latin typeface="Arial" charset="0"/>
+                <a:ea typeface="宋体" charset="-122"/>
+              </a:defRPr>
+            </a:lvl8pPr>
+            <a:lvl9pPr marL="3886200" indent="-228600" eaLnBrk="0" fontAlgn="base" hangingPunct="0">
+              <a:spcBef>
+                <a:spcPct val="0"/>
+              </a:spcBef>
+              <a:spcAft>
+                <a:spcPct val="0"/>
+              </a:spcAft>
+              <a:defRPr b="1">
+                <a:solidFill>
+                  <a:schemeClr val="tx1"/>
+                </a:solidFill>
+                <a:latin typeface="Arial" charset="0"/>
+                <a:ea typeface="宋体" charset="-122"/>
+              </a:defRPr>
+            </a:lvl9pPr>
+          </a:lstStyle>
+          <a:p>
+            <a:pPr eaLnBrk="1" hangingPunct="1">
+              <a:spcBef>
+                <a:spcPct val="50000"/>
+              </a:spcBef>
+              <a:defRPr/>
+            </a:pPr>
+            <a:r>
+              <a:rPr lang="zh-CN" altLang="en-US" sz="2800" dirty="0">
+                <a:solidFill>
+                  <a:srgbClr val="00A6E9"/>
+                </a:solidFill>
+                <a:latin typeface="微软雅黑" pitchFamily="34" charset="-122"/>
+                <a:ea typeface="微软雅黑" pitchFamily="34" charset="-122"/>
+              </a:rPr>
+              <a:t>转换</a:t>
+            </a:r>
+            <a:r>
+              <a:rPr lang="zh-CN" altLang="en-US" sz="2800" dirty="0" smtClean="0">
+                <a:solidFill>
+                  <a:srgbClr val="00A6E9"/>
+                </a:solidFill>
+                <a:latin typeface="微软雅黑" pitchFamily="34" charset="-122"/>
+                <a:ea typeface="微软雅黑" pitchFamily="34" charset="-122"/>
+              </a:rPr>
+              <a:t>成</a:t>
+            </a:r>
+            <a:r>
+              <a:rPr lang="en-US" altLang="zh-CN" sz="2800" dirty="0" smtClean="0">
+                <a:solidFill>
+                  <a:srgbClr val="00A6E9"/>
+                </a:solidFill>
+                <a:latin typeface="微软雅黑" pitchFamily="34" charset="-122"/>
+                <a:ea typeface="微软雅黑" pitchFamily="34" charset="-122"/>
+              </a:rPr>
+              <a:t>XML</a:t>
+            </a:r>
+            <a:r>
+              <a:rPr lang="zh-CN" altLang="en-US" sz="2800" dirty="0" smtClean="0">
+                <a:solidFill>
+                  <a:srgbClr val="00A6E9"/>
+                </a:solidFill>
+                <a:latin typeface="微软雅黑" pitchFamily="34" charset="-122"/>
+                <a:ea typeface="微软雅黑" pitchFamily="34" charset="-122"/>
+              </a:rPr>
+              <a:t>类型的数据</a:t>
+            </a:r>
+            <a:endParaRPr lang="en-US" altLang="zh-CN" sz="2800" dirty="0" smtClean="0">
+              <a:solidFill>
+                <a:srgbClr val="00A6E9"/>
+              </a:solidFill>
+              <a:latin typeface="微软雅黑" pitchFamily="34" charset="-122"/>
+              <a:ea typeface="微软雅黑" pitchFamily="34" charset="-122"/>
+            </a:endParaRPr>
+          </a:p>
+        </p:txBody>
+      </p:sp>
+      <p:pic>
+        <p:nvPicPr>
+          <p:cNvPr id="2" name="图片 1"/>
+          <p:cNvPicPr>
+            <a:picLocks noChangeAspect="1"/>
+          </p:cNvPicPr>
+          <p:nvPr/>
+        </p:nvPicPr>
+        <p:blipFill>
+          <a:blip r:embed="rId2">
+            <a:extLst>
+              <a:ext uri="{28A0092B-C50C-407E-A947-70E740481C1C}">
+                <a14:useLocalDpi xmlns:a14="http://schemas.microsoft.com/office/drawing/2010/main" val="0"/>
+              </a:ext>
+            </a:extLst>
+          </a:blip>
+          <a:stretch>
+            <a:fillRect/>
+          </a:stretch>
+        </p:blipFill>
+        <p:spPr>
+          <a:xfrm>
+            <a:off x="3168427" y="2196132"/>
+            <a:ext cx="4248472" cy="2347329"/>
+          </a:xfrm>
+          <a:prstGeom prst="rect">
+            <a:avLst/>
+          </a:prstGeom>
+        </p:spPr>
+      </p:pic>
+    </p:spTree>
+    <p:extLst>
+      <p:ext uri="{BB962C8B-B14F-4D97-AF65-F5344CB8AC3E}">
+        <p14:creationId xmlns:p14="http://schemas.microsoft.com/office/powerpoint/2010/main" val="2754898654"/>
+      </p:ext>
+    </p:extLst>
+  </p:cSld>
+  <p:clrMapOvr>
+    <a:masterClrMapping/>
+  </p:clrMapOvr>
+  <p:transition>
+    <p:fade/>
+  </p:transition>
+</p:sld>
+</file>
+
+<file path=ppt/slides/slide23.xml><?xml version="1.0" encoding="utf-8"?>
+<p:sld xmlns:a="http://schemas.openxmlformats.org/drawingml/2006/main" xmlns:r="http://schemas.openxmlformats.org/officeDocument/2006/relationships" xmlns:p="http://schemas.openxmlformats.org/presentationml/2006/main">
+  <p:cSld>
+    <p:spTree>
+      <p:nvGrpSpPr>
+        <p:cNvPr id="1" name=""/>
+        <p:cNvGrpSpPr/>
+        <p:nvPr/>
+      </p:nvGrpSpPr>
+      <p:grpSpPr>
+        <a:xfrm>
+          <a:off x="0" y="0"/>
+          <a:ext cx="0" cy="0"/>
+          <a:chOff x="0" y="0"/>
+          <a:chExt cx="0" cy="0"/>
+        </a:xfrm>
+      </p:grpSpPr>
+      <p:sp>
+        <p:nvSpPr>
+          <p:cNvPr id="5" name="Text Box 3"/>
+          <p:cNvSpPr txBox="1">
+            <a:spLocks noChangeArrowheads="1"/>
+          </p:cNvSpPr>
+          <p:nvPr/>
+        </p:nvSpPr>
+        <p:spPr bwMode="auto">
+          <a:xfrm>
+            <a:off x="3384451" y="1195126"/>
+            <a:ext cx="8496944" cy="523220"/>
+          </a:xfrm>
+          <a:prstGeom prst="rect">
+            <a:avLst/>
+          </a:prstGeom>
+          <a:noFill/>
+          <a:ln>
+            <a:noFill/>
+          </a:ln>
+          <a:extLst/>
+        </p:spPr>
+        <p:txBody>
+          <a:bodyPr wrap="square">
+            <a:spAutoFit/>
+          </a:bodyPr>
+          <a:lstStyle>
+            <a:lvl1pPr eaLnBrk="0" hangingPunct="0">
+              <a:defRPr b="1">
+                <a:solidFill>
+                  <a:schemeClr val="tx1"/>
+                </a:solidFill>
+                <a:latin typeface="Arial" charset="0"/>
+                <a:ea typeface="宋体" charset="-122"/>
+              </a:defRPr>
+            </a:lvl1pPr>
+            <a:lvl2pPr marL="742950" indent="-285750" eaLnBrk="0" hangingPunct="0">
+              <a:defRPr b="1">
+                <a:solidFill>
+                  <a:schemeClr val="tx1"/>
+                </a:solidFill>
+                <a:latin typeface="Arial" charset="0"/>
+                <a:ea typeface="宋体" charset="-122"/>
+              </a:defRPr>
+            </a:lvl2pPr>
+            <a:lvl3pPr marL="1143000" indent="-228600" eaLnBrk="0" hangingPunct="0">
+              <a:defRPr b="1">
+                <a:solidFill>
+                  <a:schemeClr val="tx1"/>
+                </a:solidFill>
+                <a:latin typeface="Arial" charset="0"/>
+                <a:ea typeface="宋体" charset="-122"/>
+              </a:defRPr>
+            </a:lvl3pPr>
+            <a:lvl4pPr marL="1600200" indent="-228600" eaLnBrk="0" hangingPunct="0">
+              <a:defRPr b="1">
+                <a:solidFill>
+                  <a:schemeClr val="tx1"/>
+                </a:solidFill>
+                <a:latin typeface="Arial" charset="0"/>
+                <a:ea typeface="宋体" charset="-122"/>
+              </a:defRPr>
+            </a:lvl4pPr>
+            <a:lvl5pPr marL="2057400" indent="-228600" eaLnBrk="0" hangingPunct="0">
+              <a:defRPr b="1">
+                <a:solidFill>
+                  <a:schemeClr val="tx1"/>
+                </a:solidFill>
+                <a:latin typeface="Arial" charset="0"/>
+                <a:ea typeface="宋体" charset="-122"/>
+              </a:defRPr>
+            </a:lvl5pPr>
+            <a:lvl6pPr marL="2514600" indent="-228600" eaLnBrk="0" fontAlgn="base" hangingPunct="0">
+              <a:spcBef>
+                <a:spcPct val="0"/>
+              </a:spcBef>
+              <a:spcAft>
+                <a:spcPct val="0"/>
+              </a:spcAft>
+              <a:defRPr b="1">
+                <a:solidFill>
+                  <a:schemeClr val="tx1"/>
+                </a:solidFill>
+                <a:latin typeface="Arial" charset="0"/>
+                <a:ea typeface="宋体" charset="-122"/>
+              </a:defRPr>
+            </a:lvl6pPr>
+            <a:lvl7pPr marL="2971800" indent="-228600" eaLnBrk="0" fontAlgn="base" hangingPunct="0">
+              <a:spcBef>
+                <a:spcPct val="0"/>
+              </a:spcBef>
+              <a:spcAft>
+                <a:spcPct val="0"/>
+              </a:spcAft>
+              <a:defRPr b="1">
+                <a:solidFill>
+                  <a:schemeClr val="tx1"/>
+                </a:solidFill>
+                <a:latin typeface="Arial" charset="0"/>
+                <a:ea typeface="宋体" charset="-122"/>
+              </a:defRPr>
+            </a:lvl7pPr>
+            <a:lvl8pPr marL="3429000" indent="-228600" eaLnBrk="0" fontAlgn="base" hangingPunct="0">
+              <a:spcBef>
+                <a:spcPct val="0"/>
+              </a:spcBef>
+              <a:spcAft>
+                <a:spcPct val="0"/>
+              </a:spcAft>
+              <a:defRPr b="1">
+                <a:solidFill>
+                  <a:schemeClr val="tx1"/>
+                </a:solidFill>
+                <a:latin typeface="Arial" charset="0"/>
+                <a:ea typeface="宋体" charset="-122"/>
+              </a:defRPr>
+            </a:lvl8pPr>
+            <a:lvl9pPr marL="3886200" indent="-228600" eaLnBrk="0" fontAlgn="base" hangingPunct="0">
+              <a:spcBef>
+                <a:spcPct val="0"/>
+              </a:spcBef>
+              <a:spcAft>
+                <a:spcPct val="0"/>
+              </a:spcAft>
+              <a:defRPr b="1">
+                <a:solidFill>
+                  <a:schemeClr val="tx1"/>
+                </a:solidFill>
+                <a:latin typeface="Arial" charset="0"/>
+                <a:ea typeface="宋体" charset="-122"/>
+              </a:defRPr>
+            </a:lvl9pPr>
+          </a:lstStyle>
+          <a:p>
+            <a:pPr eaLnBrk="1" hangingPunct="1">
+              <a:spcBef>
+                <a:spcPct val="50000"/>
+              </a:spcBef>
+              <a:defRPr/>
+            </a:pPr>
+            <a:r>
+              <a:rPr lang="zh-CN" altLang="en-US" sz="2800" dirty="0" smtClean="0">
+                <a:solidFill>
+                  <a:srgbClr val="00A6E9"/>
+                </a:solidFill>
+                <a:latin typeface="微软雅黑" pitchFamily="34" charset="-122"/>
+                <a:ea typeface="微软雅黑" pitchFamily="34" charset="-122"/>
+              </a:rPr>
+              <a:t>转换成</a:t>
+            </a:r>
+            <a:r>
+              <a:rPr lang="en-US" altLang="zh-CN" sz="2800" dirty="0" smtClean="0">
+                <a:solidFill>
+                  <a:srgbClr val="00A6E9"/>
+                </a:solidFill>
+                <a:latin typeface="微软雅黑" pitchFamily="34" charset="-122"/>
+                <a:ea typeface="微软雅黑" pitchFamily="34" charset="-122"/>
+              </a:rPr>
+              <a:t>OBJ</a:t>
+            </a:r>
+            <a:r>
+              <a:rPr lang="zh-CN" altLang="en-US" sz="2800" dirty="0" smtClean="0">
+                <a:solidFill>
+                  <a:srgbClr val="00A6E9"/>
+                </a:solidFill>
+                <a:latin typeface="微软雅黑" pitchFamily="34" charset="-122"/>
+                <a:ea typeface="微软雅黑" pitchFamily="34" charset="-122"/>
+              </a:rPr>
+              <a:t>类型的数据</a:t>
+            </a:r>
+            <a:endParaRPr lang="en-US" altLang="zh-CN" sz="2800" dirty="0" smtClean="0">
+              <a:solidFill>
+                <a:srgbClr val="00A6E9"/>
+              </a:solidFill>
+              <a:latin typeface="微软雅黑" pitchFamily="34" charset="-122"/>
+              <a:ea typeface="微软雅黑" pitchFamily="34" charset="-122"/>
+            </a:endParaRPr>
+          </a:p>
+        </p:txBody>
+      </p:sp>
+      <p:pic>
+        <p:nvPicPr>
+          <p:cNvPr id="2" name="图片 1"/>
+          <p:cNvPicPr>
+            <a:picLocks noChangeAspect="1"/>
+          </p:cNvPicPr>
+          <p:nvPr/>
+        </p:nvPicPr>
+        <p:blipFill>
+          <a:blip r:embed="rId2">
+            <a:extLst>
+              <a:ext uri="{28A0092B-C50C-407E-A947-70E740481C1C}">
+                <a14:useLocalDpi xmlns:a14="http://schemas.microsoft.com/office/drawing/2010/main" val="0"/>
+              </a:ext>
+            </a:extLst>
+          </a:blip>
+          <a:stretch>
+            <a:fillRect/>
+          </a:stretch>
+        </p:blipFill>
+        <p:spPr>
+          <a:xfrm>
+            <a:off x="2520355" y="2628181"/>
+            <a:ext cx="5591175" cy="1057275"/>
+          </a:xfrm>
+          <a:prstGeom prst="rect">
+            <a:avLst/>
+          </a:prstGeom>
+        </p:spPr>
+      </p:pic>
+    </p:spTree>
+    <p:extLst>
+      <p:ext uri="{BB962C8B-B14F-4D97-AF65-F5344CB8AC3E}">
+        <p14:creationId xmlns:p14="http://schemas.microsoft.com/office/powerpoint/2010/main" val="2754898654"/>
+      </p:ext>
+    </p:extLst>
+  </p:cSld>
+  <p:clrMapOvr>
+    <a:masterClrMapping/>
+  </p:clrMapOvr>
+  <p:transition>
+    <p:fade/>
+  </p:transition>
+</p:sld>
+</file>
+
+<file path=ppt/slides/slide24.xml><?xml version="1.0" encoding="utf-8"?>
 <p:sld xmlns:a="http://schemas.openxmlformats.org/drawingml/2006/main" xmlns:r="http://schemas.openxmlformats.org/officeDocument/2006/relationships" xmlns:p="http://schemas.openxmlformats.org/presentationml/2006/main">
   <p:cSld>
     <p:spTree>
@@ -11971,7 +14332,7 @@
 </p:sld>
 </file>
 
-<file path=ppt/slides/slide18.xml><?xml version="1.0" encoding="utf-8"?>
+<file path=ppt/slides/slide25.xml><?xml version="1.0" encoding="utf-8"?>
 <p:sld xmlns:a="http://schemas.openxmlformats.org/drawingml/2006/main" xmlns:r="http://schemas.openxmlformats.org/officeDocument/2006/relationships" xmlns:p="http://schemas.openxmlformats.org/presentationml/2006/main">
   <p:cSld>
     <p:spTree>
@@ -12499,7 +14860,7 @@
 </p:sld>
 </file>
 
-<file path=ppt/slides/slide19.xml><?xml version="1.0" encoding="utf-8"?>
+<file path=ppt/slides/slide26.xml><?xml version="1.0" encoding="utf-8"?>
 <p:sld xmlns:a="http://schemas.openxmlformats.org/drawingml/2006/main" xmlns:r="http://schemas.openxmlformats.org/officeDocument/2006/relationships" xmlns:p="http://schemas.openxmlformats.org/presentationml/2006/main">
   <p:cSld>
     <p:spTree>
@@ -12664,17 +15025,7 @@
                 <a:latin typeface="微软雅黑" pitchFamily="34" charset="-122"/>
                 <a:ea typeface="微软雅黑" pitchFamily="34" charset="-122"/>
               </a:rPr>
-              <a:t>冰</a:t>
-            </a:r>
-            <a:r>
-              <a:rPr lang="zh-CN" altLang="en-US" sz="2800" dirty="0" smtClean="0">
-                <a:solidFill>
-                  <a:srgbClr val="00A6E9"/>
-                </a:solidFill>
-                <a:latin typeface="微软雅黑" pitchFamily="34" charset="-122"/>
-                <a:ea typeface="微软雅黑" pitchFamily="34" charset="-122"/>
-              </a:rPr>
-              <a:t>蓝 </a:t>
+              <a:t>冰蓝 </a:t>
             </a:r>
             <a:r>
               <a:rPr lang="en-US" altLang="zh-TW" sz="2800" dirty="0" smtClean="0">
@@ -12938,269 +15289,6 @@
         <p14:creationId xmlns:p14="http://schemas.microsoft.com/office/powerpoint/2010/main" val="1613153189"/>
       </p:ext>
     </p:extLst>
-  </p:cSld>
-  <p:clrMapOvr>
-    <a:masterClrMapping/>
-  </p:clrMapOvr>
-  <p:transition>
-    <p:fade/>
-  </p:transition>
-</p:sld>
-</file>
-
-<file path=ppt/slides/slide2.xml><?xml version="1.0" encoding="utf-8"?>
-<p:sld xmlns:a="http://schemas.openxmlformats.org/drawingml/2006/main" xmlns:r="http://schemas.openxmlformats.org/officeDocument/2006/relationships" xmlns:p="http://schemas.openxmlformats.org/presentationml/2006/main">
-  <p:cSld>
-    <p:spTree>
-      <p:nvGrpSpPr>
-        <p:cNvPr id="1" name=""/>
-        <p:cNvGrpSpPr/>
-        <p:nvPr/>
-      </p:nvGrpSpPr>
-      <p:grpSpPr>
-        <a:xfrm>
-          <a:off x="0" y="0"/>
-          <a:ext cx="0" cy="0"/>
-          <a:chOff x="0" y="0"/>
-          <a:chExt cx="0" cy="0"/>
-        </a:xfrm>
-      </p:grpSpPr>
-      <p:sp>
-        <p:nvSpPr>
-          <p:cNvPr id="4" name="Text Box 3"/>
-          <p:cNvSpPr txBox="1">
-            <a:spLocks noChangeArrowheads="1"/>
-          </p:cNvSpPr>
-          <p:nvPr/>
-        </p:nvSpPr>
-        <p:spPr bwMode="auto">
-          <a:xfrm>
-            <a:off x="4320555" y="1556023"/>
-            <a:ext cx="2592288" cy="2800350"/>
-          </a:xfrm>
-          <a:prstGeom prst="rect">
-            <a:avLst/>
-          </a:prstGeom>
-          <a:noFill/>
-          <a:ln>
-            <a:noFill/>
-          </a:ln>
-          <a:extLst/>
-        </p:spPr>
-        <p:txBody>
-          <a:bodyPr wrap="square">
-            <a:spAutoFit/>
-          </a:bodyPr>
-          <a:lstStyle>
-            <a:lvl1pPr eaLnBrk="0" hangingPunct="0">
-              <a:defRPr b="1">
-                <a:solidFill>
-                  <a:schemeClr val="tx1"/>
-                </a:solidFill>
-                <a:latin typeface="Arial" charset="0"/>
-                <a:ea typeface="宋体" charset="-122"/>
-              </a:defRPr>
-            </a:lvl1pPr>
-            <a:lvl2pPr marL="742950" indent="-285750" eaLnBrk="0" hangingPunct="0">
-              <a:defRPr b="1">
-                <a:solidFill>
-                  <a:schemeClr val="tx1"/>
-                </a:solidFill>
-                <a:latin typeface="Arial" charset="0"/>
-                <a:ea typeface="宋体" charset="-122"/>
-              </a:defRPr>
-            </a:lvl2pPr>
-            <a:lvl3pPr marL="1143000" indent="-228600" eaLnBrk="0" hangingPunct="0">
-              <a:defRPr b="1">
-                <a:solidFill>
-                  <a:schemeClr val="tx1"/>
-                </a:solidFill>
-                <a:latin typeface="Arial" charset="0"/>
-                <a:ea typeface="宋体" charset="-122"/>
-              </a:defRPr>
-            </a:lvl3pPr>
-            <a:lvl4pPr marL="1600200" indent="-228600" eaLnBrk="0" hangingPunct="0">
-              <a:defRPr b="1">
-                <a:solidFill>
-                  <a:schemeClr val="tx1"/>
-                </a:solidFill>
-                <a:latin typeface="Arial" charset="0"/>
-                <a:ea typeface="宋体" charset="-122"/>
-              </a:defRPr>
-            </a:lvl4pPr>
-            <a:lvl5pPr marL="2057400" indent="-228600" eaLnBrk="0" hangingPunct="0">
-              <a:defRPr b="1">
-                <a:solidFill>
-                  <a:schemeClr val="tx1"/>
-                </a:solidFill>
-                <a:latin typeface="Arial" charset="0"/>
-                <a:ea typeface="宋体" charset="-122"/>
-              </a:defRPr>
-            </a:lvl5pPr>
-            <a:lvl6pPr marL="2514600" indent="-228600" eaLnBrk="0" fontAlgn="base" hangingPunct="0">
-              <a:spcBef>
-                <a:spcPct val="0"/>
-              </a:spcBef>
-              <a:spcAft>
-                <a:spcPct val="0"/>
-              </a:spcAft>
-              <a:defRPr b="1">
-                <a:solidFill>
-                  <a:schemeClr val="tx1"/>
-                </a:solidFill>
-                <a:latin typeface="Arial" charset="0"/>
-                <a:ea typeface="宋体" charset="-122"/>
-              </a:defRPr>
-            </a:lvl6pPr>
-            <a:lvl7pPr marL="2971800" indent="-228600" eaLnBrk="0" fontAlgn="base" hangingPunct="0">
-              <a:spcBef>
-                <a:spcPct val="0"/>
-              </a:spcBef>
-              <a:spcAft>
-                <a:spcPct val="0"/>
-              </a:spcAft>
-              <a:defRPr b="1">
-                <a:solidFill>
-                  <a:schemeClr val="tx1"/>
-                </a:solidFill>
-                <a:latin typeface="Arial" charset="0"/>
-                <a:ea typeface="宋体" charset="-122"/>
-              </a:defRPr>
-            </a:lvl7pPr>
-            <a:lvl8pPr marL="3429000" indent="-228600" eaLnBrk="0" fontAlgn="base" hangingPunct="0">
-              <a:spcBef>
-                <a:spcPct val="0"/>
-              </a:spcBef>
-              <a:spcAft>
-                <a:spcPct val="0"/>
-              </a:spcAft>
-              <a:defRPr b="1">
-                <a:solidFill>
-                  <a:schemeClr val="tx1"/>
-                </a:solidFill>
-                <a:latin typeface="Arial" charset="0"/>
-                <a:ea typeface="宋体" charset="-122"/>
-              </a:defRPr>
-            </a:lvl8pPr>
-            <a:lvl9pPr marL="3886200" indent="-228600" eaLnBrk="0" fontAlgn="base" hangingPunct="0">
-              <a:spcBef>
-                <a:spcPct val="0"/>
-              </a:spcBef>
-              <a:spcAft>
-                <a:spcPct val="0"/>
-              </a:spcAft>
-              <a:defRPr b="1">
-                <a:solidFill>
-                  <a:schemeClr val="tx1"/>
-                </a:solidFill>
-                <a:latin typeface="Arial" charset="0"/>
-                <a:ea typeface="宋体" charset="-122"/>
-              </a:defRPr>
-            </a:lvl9pPr>
-          </a:lstStyle>
-          <a:p>
-            <a:pPr eaLnBrk="1" hangingPunct="1">
-              <a:spcBef>
-                <a:spcPct val="50000"/>
-              </a:spcBef>
-              <a:defRPr/>
-            </a:pPr>
-            <a:r>
-              <a:rPr lang="zh-CN" altLang="en-US" sz="3200" dirty="0" smtClean="0">
-                <a:solidFill>
-                  <a:schemeClr val="tx1">
-                    <a:lumMod val="65000"/>
-                    <a:lumOff val="35000"/>
-                  </a:schemeClr>
-                </a:solidFill>
-                <a:latin typeface="微软雅黑" pitchFamily="34" charset="-122"/>
-                <a:ea typeface="微软雅黑" pitchFamily="34" charset="-122"/>
-              </a:rPr>
-              <a:t>目录</a:t>
-            </a:r>
-            <a:endParaRPr lang="en-US" altLang="zh-CN" sz="3200" dirty="0" smtClean="0">
-              <a:solidFill>
-                <a:schemeClr val="tx1">
-                  <a:lumMod val="65000"/>
-                  <a:lumOff val="35000"/>
-                </a:schemeClr>
-              </a:solidFill>
-              <a:latin typeface="微软雅黑" pitchFamily="34" charset="-122"/>
-              <a:ea typeface="微软雅黑" pitchFamily="34" charset="-122"/>
-            </a:endParaRPr>
-          </a:p>
-          <a:p>
-            <a:pPr marL="457200" indent="-457200" eaLnBrk="1" hangingPunct="1">
-              <a:spcBef>
-                <a:spcPct val="50000"/>
-              </a:spcBef>
-              <a:buFont typeface="Arial" pitchFamily="34" charset="0"/>
-              <a:buChar char="•"/>
-              <a:defRPr/>
-            </a:pPr>
-            <a:r>
-              <a:rPr lang="en-US" altLang="zh-CN" sz="3200" dirty="0" smtClean="0">
-                <a:solidFill>
-                  <a:schemeClr val="tx1">
-                    <a:lumMod val="50000"/>
-                    <a:lumOff val="50000"/>
-                  </a:schemeClr>
-                </a:solidFill>
-                <a:latin typeface="微软雅黑" pitchFamily="34" charset="-122"/>
-                <a:ea typeface="微软雅黑" pitchFamily="34" charset="-122"/>
-              </a:rPr>
-              <a:t>XXX</a:t>
-            </a:r>
-          </a:p>
-          <a:p>
-            <a:pPr marL="457200" indent="-457200" eaLnBrk="1" hangingPunct="1">
-              <a:spcBef>
-                <a:spcPct val="50000"/>
-              </a:spcBef>
-              <a:buFont typeface="Arial" pitchFamily="34" charset="0"/>
-              <a:buChar char="•"/>
-              <a:defRPr/>
-            </a:pPr>
-            <a:r>
-              <a:rPr lang="en-US" altLang="zh-CN" sz="3200" dirty="0" smtClean="0">
-                <a:solidFill>
-                  <a:schemeClr val="tx1">
-                    <a:lumMod val="50000"/>
-                    <a:lumOff val="50000"/>
-                  </a:schemeClr>
-                </a:solidFill>
-                <a:latin typeface="微软雅黑" pitchFamily="34" charset="-122"/>
-                <a:ea typeface="微软雅黑" pitchFamily="34" charset="-122"/>
-              </a:rPr>
-              <a:t>XXX</a:t>
-            </a:r>
-          </a:p>
-          <a:p>
-            <a:pPr marL="457200" indent="-457200" eaLnBrk="1" hangingPunct="1">
-              <a:spcBef>
-                <a:spcPct val="50000"/>
-              </a:spcBef>
-              <a:buFont typeface="Arial" pitchFamily="34" charset="0"/>
-              <a:buChar char="•"/>
-              <a:defRPr/>
-            </a:pPr>
-            <a:r>
-              <a:rPr lang="en-US" altLang="zh-CN" sz="3200" dirty="0" smtClean="0">
-                <a:solidFill>
-                  <a:schemeClr val="tx1">
-                    <a:lumMod val="50000"/>
-                    <a:lumOff val="50000"/>
-                  </a:schemeClr>
-                </a:solidFill>
-                <a:latin typeface="微软雅黑" pitchFamily="34" charset="-122"/>
-                <a:ea typeface="微软雅黑" pitchFamily="34" charset="-122"/>
-              </a:rPr>
-              <a:t>XXX</a:t>
-            </a:r>
-          </a:p>
-        </p:txBody>
-      </p:sp>
-    </p:spTree>
   </p:cSld>
   <p:clrMapOvr>
     <a:masterClrMapping/>
@@ -13804,19 +15892,7 @@
                 <a:latin typeface="微软雅黑" pitchFamily="34" charset="-122"/>
                 <a:ea typeface="微软雅黑" pitchFamily="34" charset="-122"/>
               </a:rPr>
-              <a:t>TCP</a:t>
-            </a:r>
-            <a:r>
-              <a:rPr lang="en-US" altLang="zh-CN" sz="4400" dirty="0" smtClean="0">
-                <a:solidFill>
-                  <a:schemeClr val="bg1">
-                    <a:lumMod val="50000"/>
-                  </a:schemeClr>
-                </a:solidFill>
-                <a:latin typeface="微软雅黑" pitchFamily="34" charset="-122"/>
-                <a:ea typeface="微软雅黑" pitchFamily="34" charset="-122"/>
-              </a:rPr>
-              <a:t>/IP</a:t>
+              <a:t>TCP/IP</a:t>
             </a:r>
             <a:endParaRPr lang="en-US" altLang="zh-CN" sz="4400" dirty="0">
               <a:solidFill>

--- a/说明文档/IM即时通信总结.pptx
+++ b/说明文档/IM即时通信总结.pptx
@@ -7,10 +7,10 @@
     <p:sldMasterId id="2147483674" r:id="rId3"/>
   </p:sldMasterIdLst>
   <p:notesMasterIdLst>
-    <p:notesMasterId r:id="rId30"/>
+    <p:notesMasterId r:id="rId41"/>
   </p:notesMasterIdLst>
   <p:handoutMasterIdLst>
-    <p:handoutMasterId r:id="rId31"/>
+    <p:handoutMasterId r:id="rId42"/>
   </p:handoutMasterIdLst>
   <p:sldIdLst>
     <p:sldId id="1089" r:id="rId4"/>
@@ -36,9 +36,20 @@
     <p:sldId id="1642" r:id="rId24"/>
     <p:sldId id="1643" r:id="rId25"/>
     <p:sldId id="1644" r:id="rId26"/>
-    <p:sldId id="797" r:id="rId27"/>
-    <p:sldId id="1623" r:id="rId28"/>
-    <p:sldId id="1624" r:id="rId29"/>
+    <p:sldId id="1645" r:id="rId27"/>
+    <p:sldId id="1646" r:id="rId28"/>
+    <p:sldId id="1650" r:id="rId29"/>
+    <p:sldId id="1647" r:id="rId30"/>
+    <p:sldId id="1651" r:id="rId31"/>
+    <p:sldId id="1652" r:id="rId32"/>
+    <p:sldId id="1653" r:id="rId33"/>
+    <p:sldId id="1654" r:id="rId34"/>
+    <p:sldId id="1648" r:id="rId35"/>
+    <p:sldId id="1655" r:id="rId36"/>
+    <p:sldId id="1649" r:id="rId37"/>
+    <p:sldId id="1656" r:id="rId38"/>
+    <p:sldId id="797" r:id="rId39"/>
+    <p:sldId id="1623" r:id="rId40"/>
   </p:sldIdLst>
   <p:sldSz cx="10801350" cy="6840538"/>
   <p:notesSz cx="6858000" cy="9144000"/>
@@ -258,7 +269,7 @@
           <a:p>
             <a:fld id="{D5BAFB5C-4BB2-EB45-B97D-4D9136184B38}" type="datetime1">
               <a:rPr lang="zh-CN" altLang="en-US" smtClean="0"/>
-              <a:t>2016/9/23</a:t>
+              <a:t>2016/9/27</a:t>
             </a:fld>
             <a:endParaRPr lang="zh-CN" altLang="en-US"/>
           </a:p>
@@ -462,7 +473,7 @@
             </a:pPr>
             <a:fld id="{4467B57A-6FB8-F546-B697-D9F4F7FAA86C}" type="datetime1">
               <a:rPr lang="zh-CN" altLang="en-US" smtClean="0"/>
-              <a:t>2016/9/23</a:t>
+              <a:t>2016/9/27</a:t>
             </a:fld>
             <a:endParaRPr lang="en-US"/>
           </a:p>
@@ -13089,8 +13100,8 @@
         </p:nvSpPr>
         <p:spPr bwMode="auto">
           <a:xfrm>
-            <a:off x="4320555" y="1556023"/>
-            <a:ext cx="2592288" cy="2800350"/>
+            <a:off x="3888507" y="1116013"/>
+            <a:ext cx="3168352" cy="4278094"/>
           </a:xfrm>
           <a:prstGeom prst="rect">
             <a:avLst/>
@@ -13263,8 +13274,31 @@
                 <a:latin typeface="微软雅黑" pitchFamily="34" charset="-122"/>
                 <a:ea typeface="微软雅黑" pitchFamily="34" charset="-122"/>
               </a:rPr>
-              <a:t>XXX</a:t>
-            </a:r>
+              <a:t>1.</a:t>
+            </a:r>
+            <a:r>
+              <a:rPr lang="zh-CN" altLang="en-US" sz="3200" dirty="0" smtClean="0">
+                <a:solidFill>
+                  <a:schemeClr val="tx1">
+                    <a:lumMod val="50000"/>
+                    <a:lumOff val="50000"/>
+                  </a:schemeClr>
+                </a:solidFill>
+                <a:latin typeface="微软雅黑" pitchFamily="34" charset="-122"/>
+                <a:ea typeface="微软雅黑" pitchFamily="34" charset="-122"/>
+              </a:rPr>
+              <a:t>概念</a:t>
+            </a:r>
+            <a:endParaRPr lang="en-US" altLang="zh-CN" sz="3200" dirty="0" smtClean="0">
+              <a:solidFill>
+                <a:schemeClr val="tx1">
+                  <a:lumMod val="50000"/>
+                  <a:lumOff val="50000"/>
+                </a:schemeClr>
+              </a:solidFill>
+              <a:latin typeface="微软雅黑" pitchFamily="34" charset="-122"/>
+              <a:ea typeface="微软雅黑" pitchFamily="34" charset="-122"/>
+            </a:endParaRPr>
           </a:p>
           <a:p>
             <a:pPr marL="457200" indent="-457200" eaLnBrk="1" hangingPunct="1">
@@ -13286,7 +13320,7 @@
                 <a:latin typeface="微软雅黑" pitchFamily="34" charset="-122"/>
                 <a:ea typeface="微软雅黑" pitchFamily="34" charset="-122"/>
               </a:rPr>
-              <a:t>XXX</a:t>
+              <a:t>2.TCP/IP</a:t>
             </a:r>
           </a:p>
           <a:p>
@@ -13309,8 +13343,87 @@
                 <a:latin typeface="微软雅黑" pitchFamily="34" charset="-122"/>
                 <a:ea typeface="微软雅黑" pitchFamily="34" charset="-122"/>
               </a:rPr>
-              <a:t>XXX</a:t>
-            </a:r>
+              <a:t>3.</a:t>
+            </a:r>
+            <a:r>
+              <a:rPr lang="zh-CN" altLang="en-US" sz="3200" dirty="0" smtClean="0">
+                <a:solidFill>
+                  <a:schemeClr val="tx1">
+                    <a:lumMod val="50000"/>
+                    <a:lumOff val="50000"/>
+                  </a:schemeClr>
+                </a:solidFill>
+                <a:latin typeface="微软雅黑" pitchFamily="34" charset="-122"/>
+                <a:ea typeface="微软雅黑" pitchFamily="34" charset="-122"/>
+              </a:rPr>
+              <a:t>模式</a:t>
+            </a:r>
+            <a:endParaRPr lang="en-US" altLang="zh-CN" sz="3200" dirty="0" smtClean="0">
+              <a:solidFill>
+                <a:schemeClr val="tx1">
+                  <a:lumMod val="50000"/>
+                  <a:lumOff val="50000"/>
+                </a:schemeClr>
+              </a:solidFill>
+              <a:latin typeface="微软雅黑" pitchFamily="34" charset="-122"/>
+              <a:ea typeface="微软雅黑" pitchFamily="34" charset="-122"/>
+            </a:endParaRPr>
+          </a:p>
+          <a:p>
+            <a:pPr marL="457200" indent="-457200" eaLnBrk="1" hangingPunct="1">
+              <a:spcBef>
+                <a:spcPct val="50000"/>
+              </a:spcBef>
+              <a:buFont typeface="Arial" pitchFamily="34" charset="0"/>
+              <a:buChar char="•"/>
+              <a:defRPr/>
+            </a:pPr>
+            <a:r>
+              <a:rPr lang="en-US" altLang="zh-CN" sz="3200" dirty="0" smtClean="0">
+                <a:solidFill>
+                  <a:schemeClr val="tx1">
+                    <a:lumMod val="50000"/>
+                    <a:lumOff val="50000"/>
+                  </a:schemeClr>
+                </a:solidFill>
+                <a:latin typeface="微软雅黑" pitchFamily="34" charset="-122"/>
+                <a:ea typeface="微软雅黑" pitchFamily="34" charset="-122"/>
+              </a:rPr>
+              <a:t>4.Socket</a:t>
+            </a:r>
+          </a:p>
+          <a:p>
+            <a:pPr marL="457200" indent="-457200" eaLnBrk="1" hangingPunct="1">
+              <a:spcBef>
+                <a:spcPct val="50000"/>
+              </a:spcBef>
+              <a:buFont typeface="Arial" pitchFamily="34" charset="0"/>
+              <a:buChar char="•"/>
+              <a:defRPr/>
+            </a:pPr>
+            <a:r>
+              <a:rPr lang="en-US" altLang="zh-CN" sz="3200" dirty="0" smtClean="0">
+                <a:solidFill>
+                  <a:schemeClr val="tx1">
+                    <a:lumMod val="50000"/>
+                    <a:lumOff val="50000"/>
+                  </a:schemeClr>
+                </a:solidFill>
+                <a:latin typeface="微软雅黑" pitchFamily="34" charset="-122"/>
+                <a:ea typeface="微软雅黑" pitchFamily="34" charset="-122"/>
+              </a:rPr>
+              <a:t>5.App show</a:t>
+            </a:r>
+            <a:endParaRPr lang="en-US" altLang="zh-CN" sz="3200" dirty="0" smtClean="0">
+              <a:solidFill>
+                <a:schemeClr val="tx1">
+                  <a:lumMod val="50000"/>
+                  <a:lumOff val="50000"/>
+                </a:schemeClr>
+              </a:solidFill>
+              <a:latin typeface="微软雅黑" pitchFamily="34" charset="-122"/>
+              <a:ea typeface="微软雅黑" pitchFamily="34" charset="-122"/>
+            </a:endParaRPr>
           </a:p>
         </p:txBody>
       </p:sp>
@@ -14284,16 +14397,499 @@
           <a:chExt cx="0" cy="0"/>
         </a:xfrm>
       </p:grpSpPr>
+      <p:sp>
+        <p:nvSpPr>
+          <p:cNvPr id="4" name="TextBox 3"/>
+          <p:cNvSpPr txBox="1"/>
+          <p:nvPr/>
+        </p:nvSpPr>
+        <p:spPr>
+          <a:xfrm>
+            <a:off x="3672483" y="2266255"/>
+            <a:ext cx="2441694" cy="769441"/>
+          </a:xfrm>
+          <a:prstGeom prst="rect">
+            <a:avLst/>
+          </a:prstGeom>
+          <a:noFill/>
+        </p:spPr>
+        <p:txBody>
+          <a:bodyPr wrap="none">
+            <a:spAutoFit/>
+          </a:bodyPr>
+          <a:lstStyle/>
+          <a:p>
+            <a:pPr>
+              <a:defRPr/>
+            </a:pPr>
+            <a:r>
+              <a:rPr lang="zh-CN" altLang="en-US" sz="4400" dirty="0" smtClean="0">
+                <a:solidFill>
+                  <a:schemeClr val="bg1">
+                    <a:lumMod val="50000"/>
+                  </a:schemeClr>
+                </a:solidFill>
+                <a:latin typeface="微软雅黑" pitchFamily="34" charset="-122"/>
+                <a:ea typeface="微软雅黑" pitchFamily="34" charset="-122"/>
+              </a:rPr>
+              <a:t>实际案例</a:t>
+            </a:r>
+            <a:endParaRPr lang="en-US" altLang="zh-CN" sz="4400" dirty="0">
+              <a:solidFill>
+                <a:schemeClr val="bg1">
+                  <a:lumMod val="50000"/>
+                </a:schemeClr>
+              </a:solidFill>
+              <a:latin typeface="微软雅黑" pitchFamily="34" charset="-122"/>
+              <a:ea typeface="微软雅黑" pitchFamily="34" charset="-122"/>
+            </a:endParaRPr>
+          </a:p>
+        </p:txBody>
+      </p:sp>
+      <p:sp>
+        <p:nvSpPr>
+          <p:cNvPr id="5" name="Text Box 3"/>
+          <p:cNvSpPr txBox="1">
+            <a:spLocks noChangeArrowheads="1"/>
+          </p:cNvSpPr>
+          <p:nvPr/>
+        </p:nvSpPr>
+        <p:spPr bwMode="auto">
+          <a:xfrm flipH="1">
+            <a:off x="1944291" y="1186136"/>
+            <a:ext cx="1285875" cy="3170099"/>
+          </a:xfrm>
+          <a:prstGeom prst="rect">
+            <a:avLst/>
+          </a:prstGeom>
+          <a:noFill/>
+          <a:ln>
+            <a:noFill/>
+          </a:ln>
+          <a:extLst/>
+        </p:spPr>
+        <p:txBody>
+          <a:bodyPr>
+            <a:spAutoFit/>
+          </a:bodyPr>
+          <a:lstStyle/>
+          <a:p>
+            <a:pPr>
+              <a:spcBef>
+                <a:spcPct val="50000"/>
+              </a:spcBef>
+              <a:defRPr/>
+            </a:pPr>
+            <a:r>
+              <a:rPr lang="en-US" altLang="zh-CN" sz="20000" dirty="0">
+                <a:solidFill>
+                  <a:srgbClr val="0092D2"/>
+                </a:solidFill>
+                <a:effectLst>
+                  <a:outerShdw blurRad="38100" dist="38100" dir="2700000" algn="tl">
+                    <a:srgbClr val="000000"/>
+                  </a:outerShdw>
+                </a:effectLst>
+                <a:ea typeface="微软雅黑" pitchFamily="34" charset="-122"/>
+              </a:rPr>
+              <a:t>5</a:t>
+            </a:r>
+          </a:p>
+        </p:txBody>
+      </p:sp>
+    </p:spTree>
+    <p:extLst>
+      <p:ext uri="{BB962C8B-B14F-4D97-AF65-F5344CB8AC3E}">
+        <p14:creationId xmlns:p14="http://schemas.microsoft.com/office/powerpoint/2010/main" val="1556709700"/>
+      </p:ext>
+    </p:extLst>
+  </p:cSld>
+  <p:clrMapOvr>
+    <a:masterClrMapping/>
+  </p:clrMapOvr>
+  <p:transition>
+    <p:fade/>
+  </p:transition>
+</p:sld>
+</file>
+
+<file path=ppt/slides/slide25.xml><?xml version="1.0" encoding="utf-8"?>
+<p:sld xmlns:a="http://schemas.openxmlformats.org/drawingml/2006/main" xmlns:r="http://schemas.openxmlformats.org/officeDocument/2006/relationships" xmlns:p="http://schemas.openxmlformats.org/presentationml/2006/main">
+  <p:cSld>
+    <p:spTree>
+      <p:nvGrpSpPr>
+        <p:cNvPr id="1" name=""/>
+        <p:cNvGrpSpPr/>
+        <p:nvPr/>
+      </p:nvGrpSpPr>
+      <p:grpSpPr>
+        <a:xfrm>
+          <a:off x="0" y="0"/>
+          <a:ext cx="0" cy="0"/>
+          <a:chOff x="0" y="0"/>
+          <a:chExt cx="0" cy="0"/>
+        </a:xfrm>
+      </p:grpSpPr>
+      <p:sp>
+        <p:nvSpPr>
+          <p:cNvPr id="5" name="Text Box 3"/>
+          <p:cNvSpPr txBox="1">
+            <a:spLocks noChangeArrowheads="1"/>
+          </p:cNvSpPr>
+          <p:nvPr/>
+        </p:nvSpPr>
+        <p:spPr bwMode="auto">
+          <a:xfrm>
+            <a:off x="2088307" y="88737"/>
+            <a:ext cx="8496944" cy="523220"/>
+          </a:xfrm>
+          <a:prstGeom prst="rect">
+            <a:avLst/>
+          </a:prstGeom>
+          <a:noFill/>
+          <a:ln>
+            <a:noFill/>
+          </a:ln>
+          <a:extLst/>
+        </p:spPr>
+        <p:txBody>
+          <a:bodyPr wrap="square">
+            <a:spAutoFit/>
+          </a:bodyPr>
+          <a:lstStyle>
+            <a:lvl1pPr eaLnBrk="0" hangingPunct="0">
+              <a:defRPr b="1">
+                <a:solidFill>
+                  <a:schemeClr val="tx1"/>
+                </a:solidFill>
+                <a:latin typeface="Arial" charset="0"/>
+                <a:ea typeface="宋体" charset="-122"/>
+              </a:defRPr>
+            </a:lvl1pPr>
+            <a:lvl2pPr marL="742950" indent="-285750" eaLnBrk="0" hangingPunct="0">
+              <a:defRPr b="1">
+                <a:solidFill>
+                  <a:schemeClr val="tx1"/>
+                </a:solidFill>
+                <a:latin typeface="Arial" charset="0"/>
+                <a:ea typeface="宋体" charset="-122"/>
+              </a:defRPr>
+            </a:lvl2pPr>
+            <a:lvl3pPr marL="1143000" indent="-228600" eaLnBrk="0" hangingPunct="0">
+              <a:defRPr b="1">
+                <a:solidFill>
+                  <a:schemeClr val="tx1"/>
+                </a:solidFill>
+                <a:latin typeface="Arial" charset="0"/>
+                <a:ea typeface="宋体" charset="-122"/>
+              </a:defRPr>
+            </a:lvl3pPr>
+            <a:lvl4pPr marL="1600200" indent="-228600" eaLnBrk="0" hangingPunct="0">
+              <a:defRPr b="1">
+                <a:solidFill>
+                  <a:schemeClr val="tx1"/>
+                </a:solidFill>
+                <a:latin typeface="Arial" charset="0"/>
+                <a:ea typeface="宋体" charset="-122"/>
+              </a:defRPr>
+            </a:lvl4pPr>
+            <a:lvl5pPr marL="2057400" indent="-228600" eaLnBrk="0" hangingPunct="0">
+              <a:defRPr b="1">
+                <a:solidFill>
+                  <a:schemeClr val="tx1"/>
+                </a:solidFill>
+                <a:latin typeface="Arial" charset="0"/>
+                <a:ea typeface="宋体" charset="-122"/>
+              </a:defRPr>
+            </a:lvl5pPr>
+            <a:lvl6pPr marL="2514600" indent="-228600" eaLnBrk="0" fontAlgn="base" hangingPunct="0">
+              <a:spcBef>
+                <a:spcPct val="0"/>
+              </a:spcBef>
+              <a:spcAft>
+                <a:spcPct val="0"/>
+              </a:spcAft>
+              <a:defRPr b="1">
+                <a:solidFill>
+                  <a:schemeClr val="tx1"/>
+                </a:solidFill>
+                <a:latin typeface="Arial" charset="0"/>
+                <a:ea typeface="宋体" charset="-122"/>
+              </a:defRPr>
+            </a:lvl6pPr>
+            <a:lvl7pPr marL="2971800" indent="-228600" eaLnBrk="0" fontAlgn="base" hangingPunct="0">
+              <a:spcBef>
+                <a:spcPct val="0"/>
+              </a:spcBef>
+              <a:spcAft>
+                <a:spcPct val="0"/>
+              </a:spcAft>
+              <a:defRPr b="1">
+                <a:solidFill>
+                  <a:schemeClr val="tx1"/>
+                </a:solidFill>
+                <a:latin typeface="Arial" charset="0"/>
+                <a:ea typeface="宋体" charset="-122"/>
+              </a:defRPr>
+            </a:lvl7pPr>
+            <a:lvl8pPr marL="3429000" indent="-228600" eaLnBrk="0" fontAlgn="base" hangingPunct="0">
+              <a:spcBef>
+                <a:spcPct val="0"/>
+              </a:spcBef>
+              <a:spcAft>
+                <a:spcPct val="0"/>
+              </a:spcAft>
+              <a:defRPr b="1">
+                <a:solidFill>
+                  <a:schemeClr val="tx1"/>
+                </a:solidFill>
+                <a:latin typeface="Arial" charset="0"/>
+                <a:ea typeface="宋体" charset="-122"/>
+              </a:defRPr>
+            </a:lvl8pPr>
+            <a:lvl9pPr marL="3886200" indent="-228600" eaLnBrk="0" fontAlgn="base" hangingPunct="0">
+              <a:spcBef>
+                <a:spcPct val="0"/>
+              </a:spcBef>
+              <a:spcAft>
+                <a:spcPct val="0"/>
+              </a:spcAft>
+              <a:defRPr b="1">
+                <a:solidFill>
+                  <a:schemeClr val="tx1"/>
+                </a:solidFill>
+                <a:latin typeface="Arial" charset="0"/>
+                <a:ea typeface="宋体" charset="-122"/>
+              </a:defRPr>
+            </a:lvl9pPr>
+          </a:lstStyle>
+          <a:p>
+            <a:pPr eaLnBrk="1" hangingPunct="1">
+              <a:spcBef>
+                <a:spcPct val="50000"/>
+              </a:spcBef>
+              <a:defRPr/>
+            </a:pPr>
+            <a:r>
+              <a:rPr lang="en-US" altLang="zh-CN" sz="2800" dirty="0" smtClean="0">
+                <a:solidFill>
+                  <a:srgbClr val="00A6E9"/>
+                </a:solidFill>
+                <a:latin typeface="微软雅黑" pitchFamily="34" charset="-122"/>
+                <a:ea typeface="微软雅黑" pitchFamily="34" charset="-122"/>
+              </a:rPr>
+              <a:t>App</a:t>
+            </a:r>
+            <a:r>
+              <a:rPr lang="zh-CN" altLang="en-US" sz="2800" dirty="0" smtClean="0">
+                <a:solidFill>
+                  <a:srgbClr val="00A6E9"/>
+                </a:solidFill>
+                <a:latin typeface="微软雅黑" pitchFamily="34" charset="-122"/>
+                <a:ea typeface="微软雅黑" pitchFamily="34" charset="-122"/>
+              </a:rPr>
+              <a:t>结构</a:t>
+            </a:r>
+            <a:endParaRPr lang="en-US" altLang="zh-CN" sz="2800" dirty="0" smtClean="0">
+              <a:solidFill>
+                <a:srgbClr val="00A6E9"/>
+              </a:solidFill>
+              <a:latin typeface="微软雅黑" pitchFamily="34" charset="-122"/>
+              <a:ea typeface="微软雅黑" pitchFamily="34" charset="-122"/>
+            </a:endParaRPr>
+          </a:p>
+        </p:txBody>
+      </p:sp>
+      <p:sp>
+        <p:nvSpPr>
+          <p:cNvPr id="4" name="Text Box 3"/>
+          <p:cNvSpPr txBox="1">
+            <a:spLocks noChangeArrowheads="1"/>
+          </p:cNvSpPr>
+          <p:nvPr/>
+        </p:nvSpPr>
+        <p:spPr bwMode="auto">
+          <a:xfrm>
+            <a:off x="1152203" y="1551034"/>
+            <a:ext cx="8496944" cy="400110"/>
+          </a:xfrm>
+          <a:prstGeom prst="rect">
+            <a:avLst/>
+          </a:prstGeom>
+          <a:noFill/>
+          <a:ln>
+            <a:noFill/>
+          </a:ln>
+          <a:extLst/>
+        </p:spPr>
+        <p:txBody>
+          <a:bodyPr wrap="square">
+            <a:spAutoFit/>
+          </a:bodyPr>
+          <a:lstStyle>
+            <a:lvl1pPr eaLnBrk="0" hangingPunct="0">
+              <a:defRPr b="1">
+                <a:solidFill>
+                  <a:schemeClr val="tx1"/>
+                </a:solidFill>
+                <a:latin typeface="Arial" charset="0"/>
+                <a:ea typeface="宋体" charset="-122"/>
+              </a:defRPr>
+            </a:lvl1pPr>
+            <a:lvl2pPr marL="742950" indent="-285750" eaLnBrk="0" hangingPunct="0">
+              <a:defRPr b="1">
+                <a:solidFill>
+                  <a:schemeClr val="tx1"/>
+                </a:solidFill>
+                <a:latin typeface="Arial" charset="0"/>
+                <a:ea typeface="宋体" charset="-122"/>
+              </a:defRPr>
+            </a:lvl2pPr>
+            <a:lvl3pPr marL="1143000" indent="-228600" eaLnBrk="0" hangingPunct="0">
+              <a:defRPr b="1">
+                <a:solidFill>
+                  <a:schemeClr val="tx1"/>
+                </a:solidFill>
+                <a:latin typeface="Arial" charset="0"/>
+                <a:ea typeface="宋体" charset="-122"/>
+              </a:defRPr>
+            </a:lvl3pPr>
+            <a:lvl4pPr marL="1600200" indent="-228600" eaLnBrk="0" hangingPunct="0">
+              <a:defRPr b="1">
+                <a:solidFill>
+                  <a:schemeClr val="tx1"/>
+                </a:solidFill>
+                <a:latin typeface="Arial" charset="0"/>
+                <a:ea typeface="宋体" charset="-122"/>
+              </a:defRPr>
+            </a:lvl4pPr>
+            <a:lvl5pPr marL="2057400" indent="-228600" eaLnBrk="0" hangingPunct="0">
+              <a:defRPr b="1">
+                <a:solidFill>
+                  <a:schemeClr val="tx1"/>
+                </a:solidFill>
+                <a:latin typeface="Arial" charset="0"/>
+                <a:ea typeface="宋体" charset="-122"/>
+              </a:defRPr>
+            </a:lvl5pPr>
+            <a:lvl6pPr marL="2514600" indent="-228600" eaLnBrk="0" fontAlgn="base" hangingPunct="0">
+              <a:spcBef>
+                <a:spcPct val="0"/>
+              </a:spcBef>
+              <a:spcAft>
+                <a:spcPct val="0"/>
+              </a:spcAft>
+              <a:defRPr b="1">
+                <a:solidFill>
+                  <a:schemeClr val="tx1"/>
+                </a:solidFill>
+                <a:latin typeface="Arial" charset="0"/>
+                <a:ea typeface="宋体" charset="-122"/>
+              </a:defRPr>
+            </a:lvl6pPr>
+            <a:lvl7pPr marL="2971800" indent="-228600" eaLnBrk="0" fontAlgn="base" hangingPunct="0">
+              <a:spcBef>
+                <a:spcPct val="0"/>
+              </a:spcBef>
+              <a:spcAft>
+                <a:spcPct val="0"/>
+              </a:spcAft>
+              <a:defRPr b="1">
+                <a:solidFill>
+                  <a:schemeClr val="tx1"/>
+                </a:solidFill>
+                <a:latin typeface="Arial" charset="0"/>
+                <a:ea typeface="宋体" charset="-122"/>
+              </a:defRPr>
+            </a:lvl7pPr>
+            <a:lvl8pPr marL="3429000" indent="-228600" eaLnBrk="0" fontAlgn="base" hangingPunct="0">
+              <a:spcBef>
+                <a:spcPct val="0"/>
+              </a:spcBef>
+              <a:spcAft>
+                <a:spcPct val="0"/>
+              </a:spcAft>
+              <a:defRPr b="1">
+                <a:solidFill>
+                  <a:schemeClr val="tx1"/>
+                </a:solidFill>
+                <a:latin typeface="Arial" charset="0"/>
+                <a:ea typeface="宋体" charset="-122"/>
+              </a:defRPr>
+            </a:lvl8pPr>
+            <a:lvl9pPr marL="3886200" indent="-228600" eaLnBrk="0" fontAlgn="base" hangingPunct="0">
+              <a:spcBef>
+                <a:spcPct val="0"/>
+              </a:spcBef>
+              <a:spcAft>
+                <a:spcPct val="0"/>
+              </a:spcAft>
+              <a:defRPr b="1">
+                <a:solidFill>
+                  <a:schemeClr val="tx1"/>
+                </a:solidFill>
+                <a:latin typeface="Arial" charset="0"/>
+                <a:ea typeface="宋体" charset="-122"/>
+              </a:defRPr>
+            </a:lvl9pPr>
+          </a:lstStyle>
+          <a:p>
+            <a:pPr eaLnBrk="1" hangingPunct="1">
+              <a:spcBef>
+                <a:spcPct val="50000"/>
+              </a:spcBef>
+              <a:defRPr/>
+            </a:pPr>
+            <a:r>
+              <a:rPr lang="en-US" altLang="zh-CN" sz="2000" dirty="0" smtClean="0">
+                <a:solidFill>
+                  <a:srgbClr val="ED6C00"/>
+                </a:solidFill>
+                <a:latin typeface="微软雅黑" pitchFamily="34" charset="-122"/>
+                <a:ea typeface="微软雅黑" pitchFamily="34" charset="-122"/>
+              </a:rPr>
+              <a:t>1. </a:t>
+            </a:r>
+            <a:r>
+              <a:rPr lang="zh-CN" altLang="en-US" sz="2000" dirty="0" smtClean="0">
+                <a:solidFill>
+                  <a:srgbClr val="ED6C00"/>
+                </a:solidFill>
+                <a:latin typeface="微软雅黑" pitchFamily="34" charset="-122"/>
+                <a:ea typeface="微软雅黑" pitchFamily="34" charset="-122"/>
+              </a:rPr>
+              <a:t>闪屏页 </a:t>
+            </a:r>
+            <a:r>
+              <a:rPr lang="en-US" altLang="zh-CN" sz="2000" dirty="0" err="1" smtClean="0">
+                <a:solidFill>
+                  <a:srgbClr val="ED6C00"/>
+                </a:solidFill>
+                <a:latin typeface="微软雅黑" pitchFamily="34" charset="-122"/>
+                <a:ea typeface="微软雅黑" pitchFamily="34" charset="-122"/>
+              </a:rPr>
+              <a:t>SplashActivity</a:t>
+            </a:r>
+            <a:endParaRPr lang="en-US" altLang="zh-CN" sz="2000" dirty="0" smtClean="0">
+              <a:solidFill>
+                <a:srgbClr val="ED6C00"/>
+              </a:solidFill>
+              <a:latin typeface="微软雅黑" pitchFamily="34" charset="-122"/>
+              <a:ea typeface="微软雅黑" pitchFamily="34" charset="-122"/>
+            </a:endParaRPr>
+          </a:p>
+        </p:txBody>
+      </p:sp>
       <p:pic>
         <p:nvPicPr>
-          <p:cNvPr id="7" name="图片 6"/>
+          <p:cNvPr id="3" name="图片 2"/>
           <p:cNvPicPr>
             <a:picLocks noChangeAspect="1"/>
           </p:cNvPicPr>
           <p:nvPr/>
         </p:nvPicPr>
         <p:blipFill>
-          <a:blip r:embed="rId2" cstate="print">
+          <a:blip r:embed="rId2">
             <a:extLst>
               <a:ext uri="{28A0092B-C50C-407E-A947-70E740481C1C}">
                 <a14:useLocalDpi xmlns:a14="http://schemas.microsoft.com/office/drawing/2010/main" val="0"/>
@@ -14306,8 +14902,8 @@
         </p:blipFill>
         <p:spPr>
           <a:xfrm>
-            <a:off x="4430" y="413"/>
-            <a:ext cx="10792489" cy="6839710"/>
+            <a:off x="5688707" y="899989"/>
+            <a:ext cx="3222803" cy="5278500"/>
           </a:xfrm>
           <a:prstGeom prst="rect">
             <a:avLst/>
@@ -14315,24 +14911,3089 @@
         </p:spPr>
       </p:pic>
     </p:spTree>
+    <p:extLst>
+      <p:ext uri="{BB962C8B-B14F-4D97-AF65-F5344CB8AC3E}">
+        <p14:creationId xmlns:p14="http://schemas.microsoft.com/office/powerpoint/2010/main" val="2050594889"/>
+      </p:ext>
+    </p:extLst>
   </p:cSld>
   <p:clrMapOvr>
     <a:masterClrMapping/>
   </p:clrMapOvr>
   <p:transition>
-    <p:cover dir="u"/>
+    <p:fade/>
   </p:transition>
-  <p:timing>
-    <p:tnLst>
-      <p:par>
-        <p:cTn id="1" dur="indefinite" restart="never" nodeType="tmRoot"/>
-      </p:par>
-    </p:tnLst>
-  </p:timing>
 </p:sld>
 </file>
 
-<file path=ppt/slides/slide25.xml><?xml version="1.0" encoding="utf-8"?>
+<file path=ppt/slides/slide26.xml><?xml version="1.0" encoding="utf-8"?>
+<p:sld xmlns:a="http://schemas.openxmlformats.org/drawingml/2006/main" xmlns:r="http://schemas.openxmlformats.org/officeDocument/2006/relationships" xmlns:p="http://schemas.openxmlformats.org/presentationml/2006/main">
+  <p:cSld>
+    <p:spTree>
+      <p:nvGrpSpPr>
+        <p:cNvPr id="1" name=""/>
+        <p:cNvGrpSpPr/>
+        <p:nvPr/>
+      </p:nvGrpSpPr>
+      <p:grpSpPr>
+        <a:xfrm>
+          <a:off x="0" y="0"/>
+          <a:ext cx="0" cy="0"/>
+          <a:chOff x="0" y="0"/>
+          <a:chExt cx="0" cy="0"/>
+        </a:xfrm>
+      </p:grpSpPr>
+      <p:sp>
+        <p:nvSpPr>
+          <p:cNvPr id="5" name="Text Box 3"/>
+          <p:cNvSpPr txBox="1">
+            <a:spLocks noChangeArrowheads="1"/>
+          </p:cNvSpPr>
+          <p:nvPr/>
+        </p:nvSpPr>
+        <p:spPr bwMode="auto">
+          <a:xfrm>
+            <a:off x="1584251" y="1240865"/>
+            <a:ext cx="8496944" cy="523220"/>
+          </a:xfrm>
+          <a:prstGeom prst="rect">
+            <a:avLst/>
+          </a:prstGeom>
+          <a:noFill/>
+          <a:ln>
+            <a:noFill/>
+          </a:ln>
+          <a:extLst/>
+        </p:spPr>
+        <p:txBody>
+          <a:bodyPr wrap="square">
+            <a:spAutoFit/>
+          </a:bodyPr>
+          <a:lstStyle>
+            <a:lvl1pPr eaLnBrk="0" hangingPunct="0">
+              <a:defRPr b="1">
+                <a:solidFill>
+                  <a:schemeClr val="tx1"/>
+                </a:solidFill>
+                <a:latin typeface="Arial" charset="0"/>
+                <a:ea typeface="宋体" charset="-122"/>
+              </a:defRPr>
+            </a:lvl1pPr>
+            <a:lvl2pPr marL="742950" indent="-285750" eaLnBrk="0" hangingPunct="0">
+              <a:defRPr b="1">
+                <a:solidFill>
+                  <a:schemeClr val="tx1"/>
+                </a:solidFill>
+                <a:latin typeface="Arial" charset="0"/>
+                <a:ea typeface="宋体" charset="-122"/>
+              </a:defRPr>
+            </a:lvl2pPr>
+            <a:lvl3pPr marL="1143000" indent="-228600" eaLnBrk="0" hangingPunct="0">
+              <a:defRPr b="1">
+                <a:solidFill>
+                  <a:schemeClr val="tx1"/>
+                </a:solidFill>
+                <a:latin typeface="Arial" charset="0"/>
+                <a:ea typeface="宋体" charset="-122"/>
+              </a:defRPr>
+            </a:lvl3pPr>
+            <a:lvl4pPr marL="1600200" indent="-228600" eaLnBrk="0" hangingPunct="0">
+              <a:defRPr b="1">
+                <a:solidFill>
+                  <a:schemeClr val="tx1"/>
+                </a:solidFill>
+                <a:latin typeface="Arial" charset="0"/>
+                <a:ea typeface="宋体" charset="-122"/>
+              </a:defRPr>
+            </a:lvl4pPr>
+            <a:lvl5pPr marL="2057400" indent="-228600" eaLnBrk="0" hangingPunct="0">
+              <a:defRPr b="1">
+                <a:solidFill>
+                  <a:schemeClr val="tx1"/>
+                </a:solidFill>
+                <a:latin typeface="Arial" charset="0"/>
+                <a:ea typeface="宋体" charset="-122"/>
+              </a:defRPr>
+            </a:lvl5pPr>
+            <a:lvl6pPr marL="2514600" indent="-228600" eaLnBrk="0" fontAlgn="base" hangingPunct="0">
+              <a:spcBef>
+                <a:spcPct val="0"/>
+              </a:spcBef>
+              <a:spcAft>
+                <a:spcPct val="0"/>
+              </a:spcAft>
+              <a:defRPr b="1">
+                <a:solidFill>
+                  <a:schemeClr val="tx1"/>
+                </a:solidFill>
+                <a:latin typeface="Arial" charset="0"/>
+                <a:ea typeface="宋体" charset="-122"/>
+              </a:defRPr>
+            </a:lvl6pPr>
+            <a:lvl7pPr marL="2971800" indent="-228600" eaLnBrk="0" fontAlgn="base" hangingPunct="0">
+              <a:spcBef>
+                <a:spcPct val="0"/>
+              </a:spcBef>
+              <a:spcAft>
+                <a:spcPct val="0"/>
+              </a:spcAft>
+              <a:defRPr b="1">
+                <a:solidFill>
+                  <a:schemeClr val="tx1"/>
+                </a:solidFill>
+                <a:latin typeface="Arial" charset="0"/>
+                <a:ea typeface="宋体" charset="-122"/>
+              </a:defRPr>
+            </a:lvl7pPr>
+            <a:lvl8pPr marL="3429000" indent="-228600" eaLnBrk="0" fontAlgn="base" hangingPunct="0">
+              <a:spcBef>
+                <a:spcPct val="0"/>
+              </a:spcBef>
+              <a:spcAft>
+                <a:spcPct val="0"/>
+              </a:spcAft>
+              <a:defRPr b="1">
+                <a:solidFill>
+                  <a:schemeClr val="tx1"/>
+                </a:solidFill>
+                <a:latin typeface="Arial" charset="0"/>
+                <a:ea typeface="宋体" charset="-122"/>
+              </a:defRPr>
+            </a:lvl8pPr>
+            <a:lvl9pPr marL="3886200" indent="-228600" eaLnBrk="0" fontAlgn="base" hangingPunct="0">
+              <a:spcBef>
+                <a:spcPct val="0"/>
+              </a:spcBef>
+              <a:spcAft>
+                <a:spcPct val="0"/>
+              </a:spcAft>
+              <a:defRPr b="1">
+                <a:solidFill>
+                  <a:schemeClr val="tx1"/>
+                </a:solidFill>
+                <a:latin typeface="Arial" charset="0"/>
+                <a:ea typeface="宋体" charset="-122"/>
+              </a:defRPr>
+            </a:lvl9pPr>
+          </a:lstStyle>
+          <a:p>
+            <a:pPr eaLnBrk="1" hangingPunct="1">
+              <a:spcBef>
+                <a:spcPct val="50000"/>
+              </a:spcBef>
+              <a:defRPr/>
+            </a:pPr>
+            <a:r>
+              <a:rPr lang="en-US" altLang="zh-CN" sz="2800" dirty="0" err="1" smtClean="0">
+                <a:solidFill>
+                  <a:srgbClr val="00A6E9"/>
+                </a:solidFill>
+                <a:latin typeface="微软雅黑" pitchFamily="34" charset="-122"/>
+                <a:ea typeface="微软雅黑" pitchFamily="34" charset="-122"/>
+              </a:rPr>
+              <a:t>SplasnActivity</a:t>
+            </a:r>
+            <a:r>
+              <a:rPr lang="en-US" altLang="zh-CN" sz="2800" dirty="0" smtClean="0">
+                <a:solidFill>
+                  <a:srgbClr val="00A6E9"/>
+                </a:solidFill>
+                <a:latin typeface="微软雅黑" pitchFamily="34" charset="-122"/>
+                <a:ea typeface="微软雅黑" pitchFamily="34" charset="-122"/>
+              </a:rPr>
+              <a:t> </a:t>
+            </a:r>
+            <a:r>
+              <a:rPr lang="zh-CN" altLang="en-US" sz="2800" dirty="0" smtClean="0">
+                <a:solidFill>
+                  <a:srgbClr val="00A6E9"/>
+                </a:solidFill>
+                <a:latin typeface="微软雅黑" pitchFamily="34" charset="-122"/>
+                <a:ea typeface="微软雅黑" pitchFamily="34" charset="-122"/>
+              </a:rPr>
+              <a:t>发送一个延迟的</a:t>
+            </a:r>
+            <a:r>
+              <a:rPr lang="en-US" altLang="zh-CN" sz="2800" dirty="0" smtClean="0">
+                <a:solidFill>
+                  <a:srgbClr val="00A6E9"/>
+                </a:solidFill>
+                <a:latin typeface="微软雅黑" pitchFamily="34" charset="-122"/>
+                <a:ea typeface="微软雅黑" pitchFamily="34" charset="-122"/>
+              </a:rPr>
+              <a:t>Handler</a:t>
+            </a:r>
+            <a:r>
+              <a:rPr lang="zh-CN" altLang="en-US" sz="2800" dirty="0" smtClean="0">
+                <a:solidFill>
+                  <a:srgbClr val="00A6E9"/>
+                </a:solidFill>
+                <a:latin typeface="微软雅黑" pitchFamily="34" charset="-122"/>
+                <a:ea typeface="微软雅黑" pitchFamily="34" charset="-122"/>
+              </a:rPr>
+              <a:t>消息</a:t>
+            </a:r>
+            <a:endParaRPr lang="en-US" altLang="zh-CN" sz="2800" dirty="0" smtClean="0">
+              <a:solidFill>
+                <a:srgbClr val="00A6E9"/>
+              </a:solidFill>
+              <a:latin typeface="微软雅黑" pitchFamily="34" charset="-122"/>
+              <a:ea typeface="微软雅黑" pitchFamily="34" charset="-122"/>
+            </a:endParaRPr>
+          </a:p>
+        </p:txBody>
+      </p:sp>
+      <p:pic>
+        <p:nvPicPr>
+          <p:cNvPr id="3" name="图片 2"/>
+          <p:cNvPicPr>
+            <a:picLocks noChangeAspect="1"/>
+          </p:cNvPicPr>
+          <p:nvPr/>
+        </p:nvPicPr>
+        <p:blipFill>
+          <a:blip r:embed="rId2">
+            <a:extLst>
+              <a:ext uri="{28A0092B-C50C-407E-A947-70E740481C1C}">
+                <a14:useLocalDpi xmlns:a14="http://schemas.microsoft.com/office/drawing/2010/main" val="0"/>
+              </a:ext>
+            </a:extLst>
+          </a:blip>
+          <a:stretch>
+            <a:fillRect/>
+          </a:stretch>
+        </p:blipFill>
+        <p:spPr>
+          <a:xfrm>
+            <a:off x="1614487" y="2510631"/>
+            <a:ext cx="7572375" cy="1819275"/>
+          </a:xfrm>
+          <a:prstGeom prst="rect">
+            <a:avLst/>
+          </a:prstGeom>
+        </p:spPr>
+      </p:pic>
+    </p:spTree>
+    <p:extLst>
+      <p:ext uri="{BB962C8B-B14F-4D97-AF65-F5344CB8AC3E}">
+        <p14:creationId xmlns:p14="http://schemas.microsoft.com/office/powerpoint/2010/main" val="71184238"/>
+      </p:ext>
+    </p:extLst>
+  </p:cSld>
+  <p:clrMapOvr>
+    <a:masterClrMapping/>
+  </p:clrMapOvr>
+  <p:transition>
+    <p:fade/>
+  </p:transition>
+</p:sld>
+</file>
+
+<file path=ppt/slides/slide27.xml><?xml version="1.0" encoding="utf-8"?>
+<p:sld xmlns:a="http://schemas.openxmlformats.org/drawingml/2006/main" xmlns:r="http://schemas.openxmlformats.org/officeDocument/2006/relationships" xmlns:p="http://schemas.openxmlformats.org/presentationml/2006/main">
+  <p:cSld>
+    <p:spTree>
+      <p:nvGrpSpPr>
+        <p:cNvPr id="1" name=""/>
+        <p:cNvGrpSpPr/>
+        <p:nvPr/>
+      </p:nvGrpSpPr>
+      <p:grpSpPr>
+        <a:xfrm>
+          <a:off x="0" y="0"/>
+          <a:ext cx="0" cy="0"/>
+          <a:chOff x="0" y="0"/>
+          <a:chExt cx="0" cy="0"/>
+        </a:xfrm>
+      </p:grpSpPr>
+      <p:sp>
+        <p:nvSpPr>
+          <p:cNvPr id="4" name="Text Box 3"/>
+          <p:cNvSpPr txBox="1">
+            <a:spLocks noChangeArrowheads="1"/>
+          </p:cNvSpPr>
+          <p:nvPr/>
+        </p:nvSpPr>
+        <p:spPr bwMode="auto">
+          <a:xfrm>
+            <a:off x="1152203" y="1551034"/>
+            <a:ext cx="8496944" cy="400110"/>
+          </a:xfrm>
+          <a:prstGeom prst="rect">
+            <a:avLst/>
+          </a:prstGeom>
+          <a:noFill/>
+          <a:ln>
+            <a:noFill/>
+          </a:ln>
+          <a:extLst/>
+        </p:spPr>
+        <p:txBody>
+          <a:bodyPr wrap="square">
+            <a:spAutoFit/>
+          </a:bodyPr>
+          <a:lstStyle>
+            <a:lvl1pPr eaLnBrk="0" hangingPunct="0">
+              <a:defRPr b="1">
+                <a:solidFill>
+                  <a:schemeClr val="tx1"/>
+                </a:solidFill>
+                <a:latin typeface="Arial" charset="0"/>
+                <a:ea typeface="宋体" charset="-122"/>
+              </a:defRPr>
+            </a:lvl1pPr>
+            <a:lvl2pPr marL="742950" indent="-285750" eaLnBrk="0" hangingPunct="0">
+              <a:defRPr b="1">
+                <a:solidFill>
+                  <a:schemeClr val="tx1"/>
+                </a:solidFill>
+                <a:latin typeface="Arial" charset="0"/>
+                <a:ea typeface="宋体" charset="-122"/>
+              </a:defRPr>
+            </a:lvl2pPr>
+            <a:lvl3pPr marL="1143000" indent="-228600" eaLnBrk="0" hangingPunct="0">
+              <a:defRPr b="1">
+                <a:solidFill>
+                  <a:schemeClr val="tx1"/>
+                </a:solidFill>
+                <a:latin typeface="Arial" charset="0"/>
+                <a:ea typeface="宋体" charset="-122"/>
+              </a:defRPr>
+            </a:lvl3pPr>
+            <a:lvl4pPr marL="1600200" indent="-228600" eaLnBrk="0" hangingPunct="0">
+              <a:defRPr b="1">
+                <a:solidFill>
+                  <a:schemeClr val="tx1"/>
+                </a:solidFill>
+                <a:latin typeface="Arial" charset="0"/>
+                <a:ea typeface="宋体" charset="-122"/>
+              </a:defRPr>
+            </a:lvl4pPr>
+            <a:lvl5pPr marL="2057400" indent="-228600" eaLnBrk="0" hangingPunct="0">
+              <a:defRPr b="1">
+                <a:solidFill>
+                  <a:schemeClr val="tx1"/>
+                </a:solidFill>
+                <a:latin typeface="Arial" charset="0"/>
+                <a:ea typeface="宋体" charset="-122"/>
+              </a:defRPr>
+            </a:lvl5pPr>
+            <a:lvl6pPr marL="2514600" indent="-228600" eaLnBrk="0" fontAlgn="base" hangingPunct="0">
+              <a:spcBef>
+                <a:spcPct val="0"/>
+              </a:spcBef>
+              <a:spcAft>
+                <a:spcPct val="0"/>
+              </a:spcAft>
+              <a:defRPr b="1">
+                <a:solidFill>
+                  <a:schemeClr val="tx1"/>
+                </a:solidFill>
+                <a:latin typeface="Arial" charset="0"/>
+                <a:ea typeface="宋体" charset="-122"/>
+              </a:defRPr>
+            </a:lvl6pPr>
+            <a:lvl7pPr marL="2971800" indent="-228600" eaLnBrk="0" fontAlgn="base" hangingPunct="0">
+              <a:spcBef>
+                <a:spcPct val="0"/>
+              </a:spcBef>
+              <a:spcAft>
+                <a:spcPct val="0"/>
+              </a:spcAft>
+              <a:defRPr b="1">
+                <a:solidFill>
+                  <a:schemeClr val="tx1"/>
+                </a:solidFill>
+                <a:latin typeface="Arial" charset="0"/>
+                <a:ea typeface="宋体" charset="-122"/>
+              </a:defRPr>
+            </a:lvl7pPr>
+            <a:lvl8pPr marL="3429000" indent="-228600" eaLnBrk="0" fontAlgn="base" hangingPunct="0">
+              <a:spcBef>
+                <a:spcPct val="0"/>
+              </a:spcBef>
+              <a:spcAft>
+                <a:spcPct val="0"/>
+              </a:spcAft>
+              <a:defRPr b="1">
+                <a:solidFill>
+                  <a:schemeClr val="tx1"/>
+                </a:solidFill>
+                <a:latin typeface="Arial" charset="0"/>
+                <a:ea typeface="宋体" charset="-122"/>
+              </a:defRPr>
+            </a:lvl8pPr>
+            <a:lvl9pPr marL="3886200" indent="-228600" eaLnBrk="0" fontAlgn="base" hangingPunct="0">
+              <a:spcBef>
+                <a:spcPct val="0"/>
+              </a:spcBef>
+              <a:spcAft>
+                <a:spcPct val="0"/>
+              </a:spcAft>
+              <a:defRPr b="1">
+                <a:solidFill>
+                  <a:schemeClr val="tx1"/>
+                </a:solidFill>
+                <a:latin typeface="Arial" charset="0"/>
+                <a:ea typeface="宋体" charset="-122"/>
+              </a:defRPr>
+            </a:lvl9pPr>
+          </a:lstStyle>
+          <a:p>
+            <a:pPr eaLnBrk="1" hangingPunct="1">
+              <a:spcBef>
+                <a:spcPct val="50000"/>
+              </a:spcBef>
+              <a:defRPr/>
+            </a:pPr>
+            <a:r>
+              <a:rPr lang="en-US" altLang="zh-CN" sz="2000" dirty="0">
+                <a:solidFill>
+                  <a:srgbClr val="ED6C00"/>
+                </a:solidFill>
+                <a:latin typeface="微软雅黑" pitchFamily="34" charset="-122"/>
+                <a:ea typeface="微软雅黑" pitchFamily="34" charset="-122"/>
+              </a:rPr>
+              <a:t>2</a:t>
+            </a:r>
+            <a:r>
+              <a:rPr lang="en-US" altLang="zh-CN" sz="2000" dirty="0" smtClean="0">
+                <a:solidFill>
+                  <a:srgbClr val="ED6C00"/>
+                </a:solidFill>
+                <a:latin typeface="微软雅黑" pitchFamily="34" charset="-122"/>
+                <a:ea typeface="微软雅黑" pitchFamily="34" charset="-122"/>
+              </a:rPr>
+              <a:t>. </a:t>
+            </a:r>
+            <a:r>
+              <a:rPr lang="zh-CN" altLang="en-US" sz="2000" dirty="0" smtClean="0">
+                <a:solidFill>
+                  <a:srgbClr val="ED6C00"/>
+                </a:solidFill>
+                <a:latin typeface="微软雅黑" pitchFamily="34" charset="-122"/>
+                <a:ea typeface="微软雅黑" pitchFamily="34" charset="-122"/>
+              </a:rPr>
+              <a:t>登录页面 </a:t>
+            </a:r>
+            <a:r>
+              <a:rPr lang="en-US" altLang="zh-CN" sz="2000" dirty="0" err="1" smtClean="0">
+                <a:solidFill>
+                  <a:srgbClr val="ED6C00"/>
+                </a:solidFill>
+                <a:latin typeface="微软雅黑" pitchFamily="34" charset="-122"/>
+                <a:ea typeface="微软雅黑" pitchFamily="34" charset="-122"/>
+              </a:rPr>
+              <a:t>LoginActivity</a:t>
+            </a:r>
+            <a:endParaRPr lang="en-US" altLang="zh-CN" sz="2000" dirty="0" smtClean="0">
+              <a:solidFill>
+                <a:srgbClr val="ED6C00"/>
+              </a:solidFill>
+              <a:latin typeface="微软雅黑" pitchFamily="34" charset="-122"/>
+              <a:ea typeface="微软雅黑" pitchFamily="34" charset="-122"/>
+            </a:endParaRPr>
+          </a:p>
+        </p:txBody>
+      </p:sp>
+      <p:pic>
+        <p:nvPicPr>
+          <p:cNvPr id="2" name="图片 1"/>
+          <p:cNvPicPr>
+            <a:picLocks noChangeAspect="1"/>
+          </p:cNvPicPr>
+          <p:nvPr/>
+        </p:nvPicPr>
+        <p:blipFill>
+          <a:blip r:embed="rId2">
+            <a:extLst>
+              <a:ext uri="{28A0092B-C50C-407E-A947-70E740481C1C}">
+                <a14:useLocalDpi xmlns:a14="http://schemas.microsoft.com/office/drawing/2010/main" val="0"/>
+              </a:ext>
+            </a:extLst>
+          </a:blip>
+          <a:stretch>
+            <a:fillRect/>
+          </a:stretch>
+        </p:blipFill>
+        <p:spPr>
+          <a:xfrm>
+            <a:off x="5544691" y="251917"/>
+            <a:ext cx="3600400" cy="6033102"/>
+          </a:xfrm>
+          <a:prstGeom prst="rect">
+            <a:avLst/>
+          </a:prstGeom>
+        </p:spPr>
+      </p:pic>
+    </p:spTree>
+    <p:extLst>
+      <p:ext uri="{BB962C8B-B14F-4D97-AF65-F5344CB8AC3E}">
+        <p14:creationId xmlns:p14="http://schemas.microsoft.com/office/powerpoint/2010/main" val="810188074"/>
+      </p:ext>
+    </p:extLst>
+  </p:cSld>
+  <p:clrMapOvr>
+    <a:masterClrMapping/>
+  </p:clrMapOvr>
+  <p:transition>
+    <p:fade/>
+  </p:transition>
+</p:sld>
+</file>
+
+<file path=ppt/slides/slide28.xml><?xml version="1.0" encoding="utf-8"?>
+<p:sld xmlns:a="http://schemas.openxmlformats.org/drawingml/2006/main" xmlns:r="http://schemas.openxmlformats.org/officeDocument/2006/relationships" xmlns:p="http://schemas.openxmlformats.org/presentationml/2006/main">
+  <p:cSld>
+    <p:spTree>
+      <p:nvGrpSpPr>
+        <p:cNvPr id="1" name=""/>
+        <p:cNvGrpSpPr/>
+        <p:nvPr/>
+      </p:nvGrpSpPr>
+      <p:grpSpPr>
+        <a:xfrm>
+          <a:off x="0" y="0"/>
+          <a:ext cx="0" cy="0"/>
+          <a:chOff x="0" y="0"/>
+          <a:chExt cx="0" cy="0"/>
+        </a:xfrm>
+      </p:grpSpPr>
+      <p:sp>
+        <p:nvSpPr>
+          <p:cNvPr id="5" name="Text Box 3"/>
+          <p:cNvSpPr txBox="1">
+            <a:spLocks noChangeArrowheads="1"/>
+          </p:cNvSpPr>
+          <p:nvPr/>
+        </p:nvSpPr>
+        <p:spPr bwMode="auto">
+          <a:xfrm>
+            <a:off x="1584251" y="827981"/>
+            <a:ext cx="8496944" cy="1384995"/>
+          </a:xfrm>
+          <a:prstGeom prst="rect">
+            <a:avLst/>
+          </a:prstGeom>
+          <a:noFill/>
+          <a:ln>
+            <a:noFill/>
+          </a:ln>
+          <a:extLst/>
+        </p:spPr>
+        <p:txBody>
+          <a:bodyPr wrap="square">
+            <a:spAutoFit/>
+          </a:bodyPr>
+          <a:lstStyle>
+            <a:lvl1pPr eaLnBrk="0" hangingPunct="0">
+              <a:defRPr b="1">
+                <a:solidFill>
+                  <a:schemeClr val="tx1"/>
+                </a:solidFill>
+                <a:latin typeface="Arial" charset="0"/>
+                <a:ea typeface="宋体" charset="-122"/>
+              </a:defRPr>
+            </a:lvl1pPr>
+            <a:lvl2pPr marL="742950" indent="-285750" eaLnBrk="0" hangingPunct="0">
+              <a:defRPr b="1">
+                <a:solidFill>
+                  <a:schemeClr val="tx1"/>
+                </a:solidFill>
+                <a:latin typeface="Arial" charset="0"/>
+                <a:ea typeface="宋体" charset="-122"/>
+              </a:defRPr>
+            </a:lvl2pPr>
+            <a:lvl3pPr marL="1143000" indent="-228600" eaLnBrk="0" hangingPunct="0">
+              <a:defRPr b="1">
+                <a:solidFill>
+                  <a:schemeClr val="tx1"/>
+                </a:solidFill>
+                <a:latin typeface="Arial" charset="0"/>
+                <a:ea typeface="宋体" charset="-122"/>
+              </a:defRPr>
+            </a:lvl3pPr>
+            <a:lvl4pPr marL="1600200" indent="-228600" eaLnBrk="0" hangingPunct="0">
+              <a:defRPr b="1">
+                <a:solidFill>
+                  <a:schemeClr val="tx1"/>
+                </a:solidFill>
+                <a:latin typeface="Arial" charset="0"/>
+                <a:ea typeface="宋体" charset="-122"/>
+              </a:defRPr>
+            </a:lvl4pPr>
+            <a:lvl5pPr marL="2057400" indent="-228600" eaLnBrk="0" hangingPunct="0">
+              <a:defRPr b="1">
+                <a:solidFill>
+                  <a:schemeClr val="tx1"/>
+                </a:solidFill>
+                <a:latin typeface="Arial" charset="0"/>
+                <a:ea typeface="宋体" charset="-122"/>
+              </a:defRPr>
+            </a:lvl5pPr>
+            <a:lvl6pPr marL="2514600" indent="-228600" eaLnBrk="0" fontAlgn="base" hangingPunct="0">
+              <a:spcBef>
+                <a:spcPct val="0"/>
+              </a:spcBef>
+              <a:spcAft>
+                <a:spcPct val="0"/>
+              </a:spcAft>
+              <a:defRPr b="1">
+                <a:solidFill>
+                  <a:schemeClr val="tx1"/>
+                </a:solidFill>
+                <a:latin typeface="Arial" charset="0"/>
+                <a:ea typeface="宋体" charset="-122"/>
+              </a:defRPr>
+            </a:lvl6pPr>
+            <a:lvl7pPr marL="2971800" indent="-228600" eaLnBrk="0" fontAlgn="base" hangingPunct="0">
+              <a:spcBef>
+                <a:spcPct val="0"/>
+              </a:spcBef>
+              <a:spcAft>
+                <a:spcPct val="0"/>
+              </a:spcAft>
+              <a:defRPr b="1">
+                <a:solidFill>
+                  <a:schemeClr val="tx1"/>
+                </a:solidFill>
+                <a:latin typeface="Arial" charset="0"/>
+                <a:ea typeface="宋体" charset="-122"/>
+              </a:defRPr>
+            </a:lvl7pPr>
+            <a:lvl8pPr marL="3429000" indent="-228600" eaLnBrk="0" fontAlgn="base" hangingPunct="0">
+              <a:spcBef>
+                <a:spcPct val="0"/>
+              </a:spcBef>
+              <a:spcAft>
+                <a:spcPct val="0"/>
+              </a:spcAft>
+              <a:defRPr b="1">
+                <a:solidFill>
+                  <a:schemeClr val="tx1"/>
+                </a:solidFill>
+                <a:latin typeface="Arial" charset="0"/>
+                <a:ea typeface="宋体" charset="-122"/>
+              </a:defRPr>
+            </a:lvl8pPr>
+            <a:lvl9pPr marL="3886200" indent="-228600" eaLnBrk="0" fontAlgn="base" hangingPunct="0">
+              <a:spcBef>
+                <a:spcPct val="0"/>
+              </a:spcBef>
+              <a:spcAft>
+                <a:spcPct val="0"/>
+              </a:spcAft>
+              <a:defRPr b="1">
+                <a:solidFill>
+                  <a:schemeClr val="tx1"/>
+                </a:solidFill>
+                <a:latin typeface="Arial" charset="0"/>
+                <a:ea typeface="宋体" charset="-122"/>
+              </a:defRPr>
+            </a:lvl9pPr>
+          </a:lstStyle>
+          <a:p>
+            <a:pPr eaLnBrk="1" hangingPunct="1">
+              <a:spcBef>
+                <a:spcPct val="50000"/>
+              </a:spcBef>
+              <a:defRPr/>
+            </a:pPr>
+            <a:r>
+              <a:rPr lang="en-US" altLang="zh-CN" sz="2800" dirty="0" err="1" smtClean="0">
+                <a:solidFill>
+                  <a:srgbClr val="00A6E9"/>
+                </a:solidFill>
+                <a:latin typeface="微软雅黑" pitchFamily="34" charset="-122"/>
+                <a:ea typeface="微软雅黑" pitchFamily="34" charset="-122"/>
+              </a:rPr>
+              <a:t>LoginActivity</a:t>
+            </a:r>
+            <a:r>
+              <a:rPr lang="zh-CN" altLang="en-US" sz="2800" dirty="0" smtClean="0">
+                <a:solidFill>
+                  <a:srgbClr val="00A6E9"/>
+                </a:solidFill>
+                <a:latin typeface="微软雅黑" pitchFamily="34" charset="-122"/>
+                <a:ea typeface="微软雅黑" pitchFamily="34" charset="-122"/>
+              </a:rPr>
+              <a:t>在</a:t>
+            </a:r>
+            <a:r>
+              <a:rPr lang="en-US" altLang="zh-CN" sz="2800" dirty="0" err="1" smtClean="0">
+                <a:solidFill>
+                  <a:srgbClr val="00A6E9"/>
+                </a:solidFill>
+                <a:latin typeface="微软雅黑" pitchFamily="34" charset="-122"/>
+                <a:ea typeface="微软雅黑" pitchFamily="34" charset="-122"/>
+              </a:rPr>
+              <a:t>onCreat</a:t>
+            </a:r>
+            <a:r>
+              <a:rPr lang="zh-CN" altLang="en-US" sz="2800" dirty="0" smtClean="0">
+                <a:solidFill>
+                  <a:srgbClr val="00A6E9"/>
+                </a:solidFill>
+                <a:latin typeface="微软雅黑" pitchFamily="34" charset="-122"/>
+                <a:ea typeface="微软雅黑" pitchFamily="34" charset="-122"/>
+              </a:rPr>
+              <a:t>方法中开辟了一个子线程，在子线程中做了创建</a:t>
+            </a:r>
+            <a:r>
+              <a:rPr lang="en-US" altLang="zh-CN" sz="2800" dirty="0" smtClean="0">
+                <a:solidFill>
+                  <a:srgbClr val="00A6E9"/>
+                </a:solidFill>
+                <a:latin typeface="微软雅黑" pitchFamily="34" charset="-122"/>
+                <a:ea typeface="微软雅黑" pitchFamily="34" charset="-122"/>
+              </a:rPr>
+              <a:t>Connection</a:t>
+            </a:r>
+            <a:r>
+              <a:rPr lang="zh-CN" altLang="en-US" sz="2800" dirty="0" smtClean="0">
+                <a:solidFill>
+                  <a:srgbClr val="00A6E9"/>
+                </a:solidFill>
+                <a:latin typeface="微软雅黑" pitchFamily="34" charset="-122"/>
+                <a:ea typeface="微软雅黑" pitchFamily="34" charset="-122"/>
+              </a:rPr>
+              <a:t>对象，添加监听器和连接到服务端三个操作</a:t>
+            </a:r>
+            <a:endParaRPr lang="en-US" altLang="zh-CN" sz="2800" dirty="0" smtClean="0">
+              <a:solidFill>
+                <a:srgbClr val="00A6E9"/>
+              </a:solidFill>
+              <a:latin typeface="微软雅黑" pitchFamily="34" charset="-122"/>
+              <a:ea typeface="微软雅黑" pitchFamily="34" charset="-122"/>
+            </a:endParaRPr>
+          </a:p>
+        </p:txBody>
+      </p:sp>
+      <p:pic>
+        <p:nvPicPr>
+          <p:cNvPr id="2" name="图片 1"/>
+          <p:cNvPicPr>
+            <a:picLocks noChangeAspect="1"/>
+          </p:cNvPicPr>
+          <p:nvPr/>
+        </p:nvPicPr>
+        <p:blipFill>
+          <a:blip r:embed="rId2">
+            <a:extLst>
+              <a:ext uri="{28A0092B-C50C-407E-A947-70E740481C1C}">
+                <a14:useLocalDpi xmlns:a14="http://schemas.microsoft.com/office/drawing/2010/main" val="0"/>
+              </a:ext>
+            </a:extLst>
+          </a:blip>
+          <a:stretch>
+            <a:fillRect/>
+          </a:stretch>
+        </p:blipFill>
+        <p:spPr>
+          <a:xfrm>
+            <a:off x="2664371" y="2452005"/>
+            <a:ext cx="5943600" cy="2876550"/>
+          </a:xfrm>
+          <a:prstGeom prst="rect">
+            <a:avLst/>
+          </a:prstGeom>
+        </p:spPr>
+      </p:pic>
+    </p:spTree>
+    <p:extLst>
+      <p:ext uri="{BB962C8B-B14F-4D97-AF65-F5344CB8AC3E}">
+        <p14:creationId xmlns:p14="http://schemas.microsoft.com/office/powerpoint/2010/main" val="1071388522"/>
+      </p:ext>
+    </p:extLst>
+  </p:cSld>
+  <p:clrMapOvr>
+    <a:masterClrMapping/>
+  </p:clrMapOvr>
+  <p:transition>
+    <p:fade/>
+  </p:transition>
+</p:sld>
+</file>
+
+<file path=ppt/slides/slide29.xml><?xml version="1.0" encoding="utf-8"?>
+<p:sld xmlns:a="http://schemas.openxmlformats.org/drawingml/2006/main" xmlns:r="http://schemas.openxmlformats.org/officeDocument/2006/relationships" xmlns:p="http://schemas.openxmlformats.org/presentationml/2006/main">
+  <p:cSld>
+    <p:spTree>
+      <p:nvGrpSpPr>
+        <p:cNvPr id="1" name=""/>
+        <p:cNvGrpSpPr/>
+        <p:nvPr/>
+      </p:nvGrpSpPr>
+      <p:grpSpPr>
+        <a:xfrm>
+          <a:off x="0" y="0"/>
+          <a:ext cx="0" cy="0"/>
+          <a:chOff x="0" y="0"/>
+          <a:chExt cx="0" cy="0"/>
+        </a:xfrm>
+      </p:grpSpPr>
+      <p:sp>
+        <p:nvSpPr>
+          <p:cNvPr id="5" name="Text Box 3"/>
+          <p:cNvSpPr txBox="1">
+            <a:spLocks noChangeArrowheads="1"/>
+          </p:cNvSpPr>
+          <p:nvPr/>
+        </p:nvSpPr>
+        <p:spPr bwMode="auto">
+          <a:xfrm>
+            <a:off x="1286719" y="683965"/>
+            <a:ext cx="8496944" cy="1815882"/>
+          </a:xfrm>
+          <a:prstGeom prst="rect">
+            <a:avLst/>
+          </a:prstGeom>
+          <a:noFill/>
+          <a:ln>
+            <a:noFill/>
+          </a:ln>
+          <a:extLst/>
+        </p:spPr>
+        <p:txBody>
+          <a:bodyPr wrap="square">
+            <a:spAutoFit/>
+          </a:bodyPr>
+          <a:lstStyle>
+            <a:lvl1pPr eaLnBrk="0" hangingPunct="0">
+              <a:defRPr b="1">
+                <a:solidFill>
+                  <a:schemeClr val="tx1"/>
+                </a:solidFill>
+                <a:latin typeface="Arial" charset="0"/>
+                <a:ea typeface="宋体" charset="-122"/>
+              </a:defRPr>
+            </a:lvl1pPr>
+            <a:lvl2pPr marL="742950" indent="-285750" eaLnBrk="0" hangingPunct="0">
+              <a:defRPr b="1">
+                <a:solidFill>
+                  <a:schemeClr val="tx1"/>
+                </a:solidFill>
+                <a:latin typeface="Arial" charset="0"/>
+                <a:ea typeface="宋体" charset="-122"/>
+              </a:defRPr>
+            </a:lvl2pPr>
+            <a:lvl3pPr marL="1143000" indent="-228600" eaLnBrk="0" hangingPunct="0">
+              <a:defRPr b="1">
+                <a:solidFill>
+                  <a:schemeClr val="tx1"/>
+                </a:solidFill>
+                <a:latin typeface="Arial" charset="0"/>
+                <a:ea typeface="宋体" charset="-122"/>
+              </a:defRPr>
+            </a:lvl3pPr>
+            <a:lvl4pPr marL="1600200" indent="-228600" eaLnBrk="0" hangingPunct="0">
+              <a:defRPr b="1">
+                <a:solidFill>
+                  <a:schemeClr val="tx1"/>
+                </a:solidFill>
+                <a:latin typeface="Arial" charset="0"/>
+                <a:ea typeface="宋体" charset="-122"/>
+              </a:defRPr>
+            </a:lvl4pPr>
+            <a:lvl5pPr marL="2057400" indent="-228600" eaLnBrk="0" hangingPunct="0">
+              <a:defRPr b="1">
+                <a:solidFill>
+                  <a:schemeClr val="tx1"/>
+                </a:solidFill>
+                <a:latin typeface="Arial" charset="0"/>
+                <a:ea typeface="宋体" charset="-122"/>
+              </a:defRPr>
+            </a:lvl5pPr>
+            <a:lvl6pPr marL="2514600" indent="-228600" eaLnBrk="0" fontAlgn="base" hangingPunct="0">
+              <a:spcBef>
+                <a:spcPct val="0"/>
+              </a:spcBef>
+              <a:spcAft>
+                <a:spcPct val="0"/>
+              </a:spcAft>
+              <a:defRPr b="1">
+                <a:solidFill>
+                  <a:schemeClr val="tx1"/>
+                </a:solidFill>
+                <a:latin typeface="Arial" charset="0"/>
+                <a:ea typeface="宋体" charset="-122"/>
+              </a:defRPr>
+            </a:lvl6pPr>
+            <a:lvl7pPr marL="2971800" indent="-228600" eaLnBrk="0" fontAlgn="base" hangingPunct="0">
+              <a:spcBef>
+                <a:spcPct val="0"/>
+              </a:spcBef>
+              <a:spcAft>
+                <a:spcPct val="0"/>
+              </a:spcAft>
+              <a:defRPr b="1">
+                <a:solidFill>
+                  <a:schemeClr val="tx1"/>
+                </a:solidFill>
+                <a:latin typeface="Arial" charset="0"/>
+                <a:ea typeface="宋体" charset="-122"/>
+              </a:defRPr>
+            </a:lvl7pPr>
+            <a:lvl8pPr marL="3429000" indent="-228600" eaLnBrk="0" fontAlgn="base" hangingPunct="0">
+              <a:spcBef>
+                <a:spcPct val="0"/>
+              </a:spcBef>
+              <a:spcAft>
+                <a:spcPct val="0"/>
+              </a:spcAft>
+              <a:defRPr b="1">
+                <a:solidFill>
+                  <a:schemeClr val="tx1"/>
+                </a:solidFill>
+                <a:latin typeface="Arial" charset="0"/>
+                <a:ea typeface="宋体" charset="-122"/>
+              </a:defRPr>
+            </a:lvl8pPr>
+            <a:lvl9pPr marL="3886200" indent="-228600" eaLnBrk="0" fontAlgn="base" hangingPunct="0">
+              <a:spcBef>
+                <a:spcPct val="0"/>
+              </a:spcBef>
+              <a:spcAft>
+                <a:spcPct val="0"/>
+              </a:spcAft>
+              <a:defRPr b="1">
+                <a:solidFill>
+                  <a:schemeClr val="tx1"/>
+                </a:solidFill>
+                <a:latin typeface="Arial" charset="0"/>
+                <a:ea typeface="宋体" charset="-122"/>
+              </a:defRPr>
+            </a:lvl9pPr>
+          </a:lstStyle>
+          <a:p>
+            <a:pPr eaLnBrk="1" hangingPunct="1">
+              <a:spcBef>
+                <a:spcPct val="50000"/>
+              </a:spcBef>
+              <a:defRPr/>
+            </a:pPr>
+            <a:r>
+              <a:rPr lang="zh-CN" altLang="en-US" sz="2800" dirty="0" smtClean="0">
+                <a:solidFill>
+                  <a:srgbClr val="00A6E9"/>
+                </a:solidFill>
+                <a:latin typeface="微软雅黑" pitchFamily="34" charset="-122"/>
+                <a:ea typeface="微软雅黑" pitchFamily="34" charset="-122"/>
+              </a:rPr>
+              <a:t>当点击</a:t>
+            </a:r>
+            <a:r>
+              <a:rPr lang="en-US" altLang="zh-CN" sz="2800" dirty="0" smtClean="0">
+                <a:solidFill>
+                  <a:srgbClr val="00A6E9"/>
+                </a:solidFill>
+                <a:latin typeface="微软雅黑" pitchFamily="34" charset="-122"/>
+                <a:ea typeface="微软雅黑" pitchFamily="34" charset="-122"/>
+              </a:rPr>
+              <a:t>login</a:t>
+            </a:r>
+            <a:r>
+              <a:rPr lang="zh-CN" altLang="en-US" sz="2800" dirty="0" smtClean="0">
+                <a:solidFill>
+                  <a:srgbClr val="00A6E9"/>
+                </a:solidFill>
+                <a:latin typeface="微软雅黑" pitchFamily="34" charset="-122"/>
+                <a:ea typeface="微软雅黑" pitchFamily="34" charset="-122"/>
+              </a:rPr>
+              <a:t>按键后，先拿到了账号和密码，再判断账号密码是否为空，在不为空的状态下给</a:t>
+            </a:r>
+            <a:r>
+              <a:rPr lang="en-US" altLang="zh-CN" sz="2800" dirty="0" err="1" smtClean="0">
+                <a:solidFill>
+                  <a:srgbClr val="00A6E9"/>
+                </a:solidFill>
+                <a:latin typeface="微软雅黑" pitchFamily="34" charset="-122"/>
+                <a:ea typeface="微软雅黑" pitchFamily="34" charset="-122"/>
+              </a:rPr>
+              <a:t>QQMessage</a:t>
+            </a:r>
+            <a:r>
+              <a:rPr lang="zh-CN" altLang="en-US" sz="2800" dirty="0" smtClean="0">
+                <a:solidFill>
+                  <a:srgbClr val="00A6E9"/>
+                </a:solidFill>
+                <a:latin typeface="微软雅黑" pitchFamily="34" charset="-122"/>
+                <a:ea typeface="微软雅黑" pitchFamily="34" charset="-122"/>
+              </a:rPr>
+              <a:t>的</a:t>
+            </a:r>
+            <a:r>
+              <a:rPr lang="en-US" altLang="zh-CN" sz="2800" dirty="0" err="1" smtClean="0">
+                <a:solidFill>
+                  <a:srgbClr val="00A6E9"/>
+                </a:solidFill>
+                <a:latin typeface="微软雅黑" pitchFamily="34" charset="-122"/>
+                <a:ea typeface="微软雅黑" pitchFamily="34" charset="-122"/>
+              </a:rPr>
+              <a:t>msg</a:t>
+            </a:r>
+            <a:r>
+              <a:rPr lang="zh-CN" altLang="en-US" sz="2800" dirty="0" smtClean="0">
+                <a:solidFill>
+                  <a:srgbClr val="00A6E9"/>
+                </a:solidFill>
+                <a:latin typeface="微软雅黑" pitchFamily="34" charset="-122"/>
+                <a:ea typeface="微软雅黑" pitchFamily="34" charset="-122"/>
+              </a:rPr>
+              <a:t>对象类型赋值，然后再调用</a:t>
+            </a:r>
+            <a:r>
+              <a:rPr lang="en-US" altLang="zh-CN" sz="2800" dirty="0" err="1" smtClean="0">
+                <a:solidFill>
+                  <a:srgbClr val="00A6E9"/>
+                </a:solidFill>
+                <a:latin typeface="微软雅黑" pitchFamily="34" charset="-122"/>
+                <a:ea typeface="微软雅黑" pitchFamily="34" charset="-122"/>
+              </a:rPr>
+              <a:t>sendMessage</a:t>
+            </a:r>
+            <a:r>
+              <a:rPr lang="zh-CN" altLang="en-US" sz="2800" dirty="0" smtClean="0">
+                <a:solidFill>
+                  <a:srgbClr val="00A6E9"/>
+                </a:solidFill>
+                <a:latin typeface="微软雅黑" pitchFamily="34" charset="-122"/>
+                <a:ea typeface="微软雅黑" pitchFamily="34" charset="-122"/>
+              </a:rPr>
+              <a:t>方法，将</a:t>
+            </a:r>
+            <a:r>
+              <a:rPr lang="en-US" altLang="zh-CN" sz="2800" dirty="0" err="1" smtClean="0">
+                <a:solidFill>
+                  <a:srgbClr val="00A6E9"/>
+                </a:solidFill>
+                <a:latin typeface="微软雅黑" pitchFamily="34" charset="-122"/>
+                <a:ea typeface="微软雅黑" pitchFamily="34" charset="-122"/>
+              </a:rPr>
+              <a:t>msg</a:t>
+            </a:r>
+            <a:r>
+              <a:rPr lang="zh-CN" altLang="en-US" sz="2800" dirty="0" smtClean="0">
+                <a:solidFill>
+                  <a:srgbClr val="00A6E9"/>
+                </a:solidFill>
+                <a:latin typeface="微软雅黑" pitchFamily="34" charset="-122"/>
+                <a:ea typeface="微软雅黑" pitchFamily="34" charset="-122"/>
+              </a:rPr>
+              <a:t>发送出去</a:t>
+            </a:r>
+            <a:endParaRPr lang="en-US" altLang="zh-CN" sz="2800" dirty="0" smtClean="0">
+              <a:solidFill>
+                <a:srgbClr val="00A6E9"/>
+              </a:solidFill>
+              <a:latin typeface="微软雅黑" pitchFamily="34" charset="-122"/>
+              <a:ea typeface="微软雅黑" pitchFamily="34" charset="-122"/>
+            </a:endParaRPr>
+          </a:p>
+        </p:txBody>
+      </p:sp>
+      <p:pic>
+        <p:nvPicPr>
+          <p:cNvPr id="3" name="图片 2"/>
+          <p:cNvPicPr>
+            <a:picLocks noChangeAspect="1"/>
+          </p:cNvPicPr>
+          <p:nvPr/>
+        </p:nvPicPr>
+        <p:blipFill>
+          <a:blip r:embed="rId2">
+            <a:extLst>
+              <a:ext uri="{28A0092B-C50C-407E-A947-70E740481C1C}">
+                <a14:useLocalDpi xmlns:a14="http://schemas.microsoft.com/office/drawing/2010/main" val="0"/>
+              </a:ext>
+            </a:extLst>
+          </a:blip>
+          <a:stretch>
+            <a:fillRect/>
+          </a:stretch>
+        </p:blipFill>
+        <p:spPr>
+          <a:xfrm>
+            <a:off x="1224211" y="2628181"/>
+            <a:ext cx="8801100" cy="3171825"/>
+          </a:xfrm>
+          <a:prstGeom prst="rect">
+            <a:avLst/>
+          </a:prstGeom>
+        </p:spPr>
+      </p:pic>
+    </p:spTree>
+    <p:extLst>
+      <p:ext uri="{BB962C8B-B14F-4D97-AF65-F5344CB8AC3E}">
+        <p14:creationId xmlns:p14="http://schemas.microsoft.com/office/powerpoint/2010/main" val="2624177742"/>
+      </p:ext>
+    </p:extLst>
+  </p:cSld>
+  <p:clrMapOvr>
+    <a:masterClrMapping/>
+  </p:clrMapOvr>
+  <p:transition>
+    <p:fade/>
+  </p:transition>
+</p:sld>
+</file>
+
+<file path=ppt/slides/slide3.xml><?xml version="1.0" encoding="utf-8"?>
+<p:sld xmlns:a="http://schemas.openxmlformats.org/drawingml/2006/main" xmlns:r="http://schemas.openxmlformats.org/officeDocument/2006/relationships" xmlns:p="http://schemas.openxmlformats.org/presentationml/2006/main">
+  <p:cSld>
+    <p:spTree>
+      <p:nvGrpSpPr>
+        <p:cNvPr id="1" name=""/>
+        <p:cNvGrpSpPr/>
+        <p:nvPr/>
+      </p:nvGrpSpPr>
+      <p:grpSpPr>
+        <a:xfrm>
+          <a:off x="0" y="0"/>
+          <a:ext cx="0" cy="0"/>
+          <a:chOff x="0" y="0"/>
+          <a:chExt cx="0" cy="0"/>
+        </a:xfrm>
+      </p:grpSpPr>
+      <p:sp>
+        <p:nvSpPr>
+          <p:cNvPr id="4" name="TextBox 3"/>
+          <p:cNvSpPr txBox="1"/>
+          <p:nvPr/>
+        </p:nvSpPr>
+        <p:spPr>
+          <a:xfrm>
+            <a:off x="3726582" y="2266256"/>
+            <a:ext cx="3570208" cy="1446550"/>
+          </a:xfrm>
+          <a:prstGeom prst="rect">
+            <a:avLst/>
+          </a:prstGeom>
+          <a:noFill/>
+        </p:spPr>
+        <p:txBody>
+          <a:bodyPr wrap="none">
+            <a:spAutoFit/>
+          </a:bodyPr>
+          <a:lstStyle/>
+          <a:p>
+            <a:pPr>
+              <a:defRPr/>
+            </a:pPr>
+            <a:r>
+              <a:rPr lang="zh-CN" altLang="en-US" sz="4400" dirty="0" smtClean="0">
+                <a:solidFill>
+                  <a:schemeClr val="bg1">
+                    <a:lumMod val="50000"/>
+                  </a:schemeClr>
+                </a:solidFill>
+                <a:latin typeface="微软雅黑" pitchFamily="34" charset="-122"/>
+                <a:ea typeface="微软雅黑" pitchFamily="34" charset="-122"/>
+              </a:rPr>
+              <a:t>即时通讯概念</a:t>
+            </a:r>
+            <a:endParaRPr lang="en-US" altLang="zh-CN" sz="4400" dirty="0" smtClean="0">
+              <a:solidFill>
+                <a:schemeClr val="bg1">
+                  <a:lumMod val="50000"/>
+                </a:schemeClr>
+              </a:solidFill>
+              <a:latin typeface="微软雅黑" pitchFamily="34" charset="-122"/>
+              <a:ea typeface="微软雅黑" pitchFamily="34" charset="-122"/>
+            </a:endParaRPr>
+          </a:p>
+          <a:p>
+            <a:pPr>
+              <a:defRPr/>
+            </a:pPr>
+            <a:endParaRPr lang="en-US" altLang="zh-CN" sz="4400" dirty="0">
+              <a:solidFill>
+                <a:schemeClr val="bg1">
+                  <a:lumMod val="50000"/>
+                </a:schemeClr>
+              </a:solidFill>
+              <a:latin typeface="微软雅黑" pitchFamily="34" charset="-122"/>
+              <a:ea typeface="微软雅黑" pitchFamily="34" charset="-122"/>
+            </a:endParaRPr>
+          </a:p>
+        </p:txBody>
+      </p:sp>
+      <p:sp>
+        <p:nvSpPr>
+          <p:cNvPr id="5" name="Text Box 3"/>
+          <p:cNvSpPr txBox="1">
+            <a:spLocks noChangeArrowheads="1"/>
+          </p:cNvSpPr>
+          <p:nvPr/>
+        </p:nvSpPr>
+        <p:spPr bwMode="auto">
+          <a:xfrm flipH="1">
+            <a:off x="2214414" y="1186136"/>
+            <a:ext cx="1285875" cy="3170237"/>
+          </a:xfrm>
+          <a:prstGeom prst="rect">
+            <a:avLst/>
+          </a:prstGeom>
+          <a:noFill/>
+          <a:ln>
+            <a:noFill/>
+          </a:ln>
+          <a:extLst/>
+        </p:spPr>
+        <p:txBody>
+          <a:bodyPr>
+            <a:spAutoFit/>
+          </a:bodyPr>
+          <a:lstStyle/>
+          <a:p>
+            <a:pPr>
+              <a:spcBef>
+                <a:spcPct val="50000"/>
+              </a:spcBef>
+              <a:defRPr/>
+            </a:pPr>
+            <a:r>
+              <a:rPr lang="en-US" altLang="zh-CN" sz="20000" dirty="0">
+                <a:solidFill>
+                  <a:srgbClr val="0092D2"/>
+                </a:solidFill>
+                <a:effectLst>
+                  <a:outerShdw blurRad="38100" dist="38100" dir="2700000" algn="tl">
+                    <a:srgbClr val="000000"/>
+                  </a:outerShdw>
+                </a:effectLst>
+                <a:ea typeface="微软雅黑" pitchFamily="34" charset="-122"/>
+              </a:rPr>
+              <a:t>1</a:t>
+            </a:r>
+          </a:p>
+        </p:txBody>
+      </p:sp>
+    </p:spTree>
+    <p:extLst>
+      <p:ext uri="{BB962C8B-B14F-4D97-AF65-F5344CB8AC3E}">
+        <p14:creationId xmlns:p14="http://schemas.microsoft.com/office/powerpoint/2010/main" val="477239706"/>
+      </p:ext>
+    </p:extLst>
+  </p:cSld>
+  <p:clrMapOvr>
+    <a:masterClrMapping/>
+  </p:clrMapOvr>
+  <p:transition>
+    <p:fade/>
+  </p:transition>
+</p:sld>
+</file>
+
+<file path=ppt/slides/slide30.xml><?xml version="1.0" encoding="utf-8"?>
+<p:sld xmlns:a="http://schemas.openxmlformats.org/drawingml/2006/main" xmlns:r="http://schemas.openxmlformats.org/officeDocument/2006/relationships" xmlns:p="http://schemas.openxmlformats.org/presentationml/2006/main">
+  <p:cSld>
+    <p:spTree>
+      <p:nvGrpSpPr>
+        <p:cNvPr id="1" name=""/>
+        <p:cNvGrpSpPr/>
+        <p:nvPr/>
+      </p:nvGrpSpPr>
+      <p:grpSpPr>
+        <a:xfrm>
+          <a:off x="0" y="0"/>
+          <a:ext cx="0" cy="0"/>
+          <a:chOff x="0" y="0"/>
+          <a:chExt cx="0" cy="0"/>
+        </a:xfrm>
+      </p:grpSpPr>
+      <p:sp>
+        <p:nvSpPr>
+          <p:cNvPr id="5" name="Text Box 3"/>
+          <p:cNvSpPr txBox="1">
+            <a:spLocks noChangeArrowheads="1"/>
+          </p:cNvSpPr>
+          <p:nvPr/>
+        </p:nvSpPr>
+        <p:spPr bwMode="auto">
+          <a:xfrm>
+            <a:off x="1804451" y="275724"/>
+            <a:ext cx="8640960" cy="1200329"/>
+          </a:xfrm>
+          <a:prstGeom prst="rect">
+            <a:avLst/>
+          </a:prstGeom>
+          <a:noFill/>
+          <a:ln>
+            <a:noFill/>
+          </a:ln>
+          <a:extLst/>
+        </p:spPr>
+        <p:txBody>
+          <a:bodyPr wrap="square">
+            <a:spAutoFit/>
+          </a:bodyPr>
+          <a:lstStyle>
+            <a:lvl1pPr eaLnBrk="0" hangingPunct="0">
+              <a:defRPr b="1">
+                <a:solidFill>
+                  <a:schemeClr val="tx1"/>
+                </a:solidFill>
+                <a:latin typeface="Arial" charset="0"/>
+                <a:ea typeface="宋体" charset="-122"/>
+              </a:defRPr>
+            </a:lvl1pPr>
+            <a:lvl2pPr marL="742950" indent="-285750" eaLnBrk="0" hangingPunct="0">
+              <a:defRPr b="1">
+                <a:solidFill>
+                  <a:schemeClr val="tx1"/>
+                </a:solidFill>
+                <a:latin typeface="Arial" charset="0"/>
+                <a:ea typeface="宋体" charset="-122"/>
+              </a:defRPr>
+            </a:lvl2pPr>
+            <a:lvl3pPr marL="1143000" indent="-228600" eaLnBrk="0" hangingPunct="0">
+              <a:defRPr b="1">
+                <a:solidFill>
+                  <a:schemeClr val="tx1"/>
+                </a:solidFill>
+                <a:latin typeface="Arial" charset="0"/>
+                <a:ea typeface="宋体" charset="-122"/>
+              </a:defRPr>
+            </a:lvl3pPr>
+            <a:lvl4pPr marL="1600200" indent="-228600" eaLnBrk="0" hangingPunct="0">
+              <a:defRPr b="1">
+                <a:solidFill>
+                  <a:schemeClr val="tx1"/>
+                </a:solidFill>
+                <a:latin typeface="Arial" charset="0"/>
+                <a:ea typeface="宋体" charset="-122"/>
+              </a:defRPr>
+            </a:lvl4pPr>
+            <a:lvl5pPr marL="2057400" indent="-228600" eaLnBrk="0" hangingPunct="0">
+              <a:defRPr b="1">
+                <a:solidFill>
+                  <a:schemeClr val="tx1"/>
+                </a:solidFill>
+                <a:latin typeface="Arial" charset="0"/>
+                <a:ea typeface="宋体" charset="-122"/>
+              </a:defRPr>
+            </a:lvl5pPr>
+            <a:lvl6pPr marL="2514600" indent="-228600" eaLnBrk="0" fontAlgn="base" hangingPunct="0">
+              <a:spcBef>
+                <a:spcPct val="0"/>
+              </a:spcBef>
+              <a:spcAft>
+                <a:spcPct val="0"/>
+              </a:spcAft>
+              <a:defRPr b="1">
+                <a:solidFill>
+                  <a:schemeClr val="tx1"/>
+                </a:solidFill>
+                <a:latin typeface="Arial" charset="0"/>
+                <a:ea typeface="宋体" charset="-122"/>
+              </a:defRPr>
+            </a:lvl6pPr>
+            <a:lvl7pPr marL="2971800" indent="-228600" eaLnBrk="0" fontAlgn="base" hangingPunct="0">
+              <a:spcBef>
+                <a:spcPct val="0"/>
+              </a:spcBef>
+              <a:spcAft>
+                <a:spcPct val="0"/>
+              </a:spcAft>
+              <a:defRPr b="1">
+                <a:solidFill>
+                  <a:schemeClr val="tx1"/>
+                </a:solidFill>
+                <a:latin typeface="Arial" charset="0"/>
+                <a:ea typeface="宋体" charset="-122"/>
+              </a:defRPr>
+            </a:lvl7pPr>
+            <a:lvl8pPr marL="3429000" indent="-228600" eaLnBrk="0" fontAlgn="base" hangingPunct="0">
+              <a:spcBef>
+                <a:spcPct val="0"/>
+              </a:spcBef>
+              <a:spcAft>
+                <a:spcPct val="0"/>
+              </a:spcAft>
+              <a:defRPr b="1">
+                <a:solidFill>
+                  <a:schemeClr val="tx1"/>
+                </a:solidFill>
+                <a:latin typeface="Arial" charset="0"/>
+                <a:ea typeface="宋体" charset="-122"/>
+              </a:defRPr>
+            </a:lvl8pPr>
+            <a:lvl9pPr marL="3886200" indent="-228600" eaLnBrk="0" fontAlgn="base" hangingPunct="0">
+              <a:spcBef>
+                <a:spcPct val="0"/>
+              </a:spcBef>
+              <a:spcAft>
+                <a:spcPct val="0"/>
+              </a:spcAft>
+              <a:defRPr b="1">
+                <a:solidFill>
+                  <a:schemeClr val="tx1"/>
+                </a:solidFill>
+                <a:latin typeface="Arial" charset="0"/>
+                <a:ea typeface="宋体" charset="-122"/>
+              </a:defRPr>
+            </a:lvl9pPr>
+          </a:lstStyle>
+          <a:p>
+            <a:pPr eaLnBrk="1" hangingPunct="1">
+              <a:spcBef>
+                <a:spcPct val="50000"/>
+              </a:spcBef>
+              <a:defRPr/>
+            </a:pPr>
+            <a:r>
+              <a:rPr lang="zh-CN" altLang="en-US" sz="2400" dirty="0" smtClean="0">
+                <a:solidFill>
+                  <a:srgbClr val="00A6E9"/>
+                </a:solidFill>
+                <a:latin typeface="微软雅黑" pitchFamily="34" charset="-122"/>
+                <a:ea typeface="微软雅黑" pitchFamily="34" charset="-122"/>
+              </a:rPr>
+              <a:t>实现了</a:t>
+            </a:r>
+            <a:r>
+              <a:rPr lang="en-US" altLang="zh-CN" sz="2400" dirty="0" err="1" smtClean="0">
+                <a:solidFill>
+                  <a:srgbClr val="00A6E9"/>
+                </a:solidFill>
+                <a:latin typeface="微软雅黑" pitchFamily="34" charset="-122"/>
+                <a:ea typeface="微软雅黑" pitchFamily="34" charset="-122"/>
+              </a:rPr>
+              <a:t>QQMessageListener</a:t>
+            </a:r>
+            <a:r>
+              <a:rPr lang="zh-CN" altLang="en-US" sz="2400" dirty="0" smtClean="0">
+                <a:solidFill>
+                  <a:srgbClr val="00A6E9"/>
+                </a:solidFill>
+                <a:latin typeface="微软雅黑" pitchFamily="34" charset="-122"/>
+                <a:ea typeface="微软雅黑" pitchFamily="34" charset="-122"/>
+              </a:rPr>
+              <a:t>接口，并重写</a:t>
+            </a:r>
+            <a:r>
+              <a:rPr lang="en-US" altLang="zh-CN" sz="2400" dirty="0" err="1" smtClean="0">
+                <a:solidFill>
+                  <a:srgbClr val="00A6E9"/>
+                </a:solidFill>
+                <a:latin typeface="微软雅黑" pitchFamily="34" charset="-122"/>
+                <a:ea typeface="微软雅黑" pitchFamily="34" charset="-122"/>
+              </a:rPr>
+              <a:t>onMessageListener</a:t>
+            </a:r>
+            <a:r>
+              <a:rPr lang="zh-CN" altLang="en-US" sz="2400" dirty="0" smtClean="0">
+                <a:solidFill>
+                  <a:srgbClr val="00A6E9"/>
+                </a:solidFill>
+                <a:latin typeface="微软雅黑" pitchFamily="34" charset="-122"/>
+                <a:ea typeface="微软雅黑" pitchFamily="34" charset="-122"/>
+              </a:rPr>
+              <a:t>方法。在重写的方法中只做返回好友的列表信息的处理，并在接收后打开好友列表的</a:t>
+            </a:r>
+            <a:r>
+              <a:rPr lang="en-US" altLang="zh-CN" sz="2400" dirty="0" err="1" smtClean="0">
+                <a:solidFill>
+                  <a:srgbClr val="00A6E9"/>
+                </a:solidFill>
+                <a:latin typeface="微软雅黑" pitchFamily="34" charset="-122"/>
+                <a:ea typeface="微软雅黑" pitchFamily="34" charset="-122"/>
+              </a:rPr>
+              <a:t>ACtivity</a:t>
+            </a:r>
+            <a:endParaRPr lang="en-US" altLang="zh-CN" sz="2400" dirty="0" smtClean="0">
+              <a:solidFill>
+                <a:srgbClr val="00A6E9"/>
+              </a:solidFill>
+              <a:latin typeface="微软雅黑" pitchFamily="34" charset="-122"/>
+              <a:ea typeface="微软雅黑" pitchFamily="34" charset="-122"/>
+            </a:endParaRPr>
+          </a:p>
+        </p:txBody>
+      </p:sp>
+      <p:pic>
+        <p:nvPicPr>
+          <p:cNvPr id="2" name="图片 1"/>
+          <p:cNvPicPr>
+            <a:picLocks noChangeAspect="1"/>
+          </p:cNvPicPr>
+          <p:nvPr/>
+        </p:nvPicPr>
+        <p:blipFill>
+          <a:blip r:embed="rId2">
+            <a:extLst>
+              <a:ext uri="{28A0092B-C50C-407E-A947-70E740481C1C}">
+                <a14:useLocalDpi xmlns:a14="http://schemas.microsoft.com/office/drawing/2010/main" val="0"/>
+              </a:ext>
+            </a:extLst>
+          </a:blip>
+          <a:stretch>
+            <a:fillRect/>
+          </a:stretch>
+        </p:blipFill>
+        <p:spPr>
+          <a:xfrm>
+            <a:off x="2016299" y="1441922"/>
+            <a:ext cx="7543800" cy="4905375"/>
+          </a:xfrm>
+          <a:prstGeom prst="rect">
+            <a:avLst/>
+          </a:prstGeom>
+        </p:spPr>
+      </p:pic>
+    </p:spTree>
+    <p:extLst>
+      <p:ext uri="{BB962C8B-B14F-4D97-AF65-F5344CB8AC3E}">
+        <p14:creationId xmlns:p14="http://schemas.microsoft.com/office/powerpoint/2010/main" val="3664299331"/>
+      </p:ext>
+    </p:extLst>
+  </p:cSld>
+  <p:clrMapOvr>
+    <a:masterClrMapping/>
+  </p:clrMapOvr>
+  <p:transition>
+    <p:fade/>
+  </p:transition>
+</p:sld>
+</file>
+
+<file path=ppt/slides/slide31.xml><?xml version="1.0" encoding="utf-8"?>
+<p:sld xmlns:a="http://schemas.openxmlformats.org/drawingml/2006/main" xmlns:r="http://schemas.openxmlformats.org/officeDocument/2006/relationships" xmlns:p="http://schemas.openxmlformats.org/presentationml/2006/main">
+  <p:cSld>
+    <p:spTree>
+      <p:nvGrpSpPr>
+        <p:cNvPr id="1" name=""/>
+        <p:cNvGrpSpPr/>
+        <p:nvPr/>
+      </p:nvGrpSpPr>
+      <p:grpSpPr>
+        <a:xfrm>
+          <a:off x="0" y="0"/>
+          <a:ext cx="0" cy="0"/>
+          <a:chOff x="0" y="0"/>
+          <a:chExt cx="0" cy="0"/>
+        </a:xfrm>
+      </p:grpSpPr>
+      <p:sp>
+        <p:nvSpPr>
+          <p:cNvPr id="5" name="Text Box 3"/>
+          <p:cNvSpPr txBox="1">
+            <a:spLocks noChangeArrowheads="1"/>
+          </p:cNvSpPr>
+          <p:nvPr/>
+        </p:nvSpPr>
+        <p:spPr bwMode="auto">
+          <a:xfrm>
+            <a:off x="1728267" y="1106721"/>
+            <a:ext cx="8640960" cy="830997"/>
+          </a:xfrm>
+          <a:prstGeom prst="rect">
+            <a:avLst/>
+          </a:prstGeom>
+          <a:noFill/>
+          <a:ln>
+            <a:noFill/>
+          </a:ln>
+          <a:extLst/>
+        </p:spPr>
+        <p:txBody>
+          <a:bodyPr wrap="square">
+            <a:spAutoFit/>
+          </a:bodyPr>
+          <a:lstStyle>
+            <a:lvl1pPr eaLnBrk="0" hangingPunct="0">
+              <a:defRPr b="1">
+                <a:solidFill>
+                  <a:schemeClr val="tx1"/>
+                </a:solidFill>
+                <a:latin typeface="Arial" charset="0"/>
+                <a:ea typeface="宋体" charset="-122"/>
+              </a:defRPr>
+            </a:lvl1pPr>
+            <a:lvl2pPr marL="742950" indent="-285750" eaLnBrk="0" hangingPunct="0">
+              <a:defRPr b="1">
+                <a:solidFill>
+                  <a:schemeClr val="tx1"/>
+                </a:solidFill>
+                <a:latin typeface="Arial" charset="0"/>
+                <a:ea typeface="宋体" charset="-122"/>
+              </a:defRPr>
+            </a:lvl2pPr>
+            <a:lvl3pPr marL="1143000" indent="-228600" eaLnBrk="0" hangingPunct="0">
+              <a:defRPr b="1">
+                <a:solidFill>
+                  <a:schemeClr val="tx1"/>
+                </a:solidFill>
+                <a:latin typeface="Arial" charset="0"/>
+                <a:ea typeface="宋体" charset="-122"/>
+              </a:defRPr>
+            </a:lvl3pPr>
+            <a:lvl4pPr marL="1600200" indent="-228600" eaLnBrk="0" hangingPunct="0">
+              <a:defRPr b="1">
+                <a:solidFill>
+                  <a:schemeClr val="tx1"/>
+                </a:solidFill>
+                <a:latin typeface="Arial" charset="0"/>
+                <a:ea typeface="宋体" charset="-122"/>
+              </a:defRPr>
+            </a:lvl4pPr>
+            <a:lvl5pPr marL="2057400" indent="-228600" eaLnBrk="0" hangingPunct="0">
+              <a:defRPr b="1">
+                <a:solidFill>
+                  <a:schemeClr val="tx1"/>
+                </a:solidFill>
+                <a:latin typeface="Arial" charset="0"/>
+                <a:ea typeface="宋体" charset="-122"/>
+              </a:defRPr>
+            </a:lvl5pPr>
+            <a:lvl6pPr marL="2514600" indent="-228600" eaLnBrk="0" fontAlgn="base" hangingPunct="0">
+              <a:spcBef>
+                <a:spcPct val="0"/>
+              </a:spcBef>
+              <a:spcAft>
+                <a:spcPct val="0"/>
+              </a:spcAft>
+              <a:defRPr b="1">
+                <a:solidFill>
+                  <a:schemeClr val="tx1"/>
+                </a:solidFill>
+                <a:latin typeface="Arial" charset="0"/>
+                <a:ea typeface="宋体" charset="-122"/>
+              </a:defRPr>
+            </a:lvl6pPr>
+            <a:lvl7pPr marL="2971800" indent="-228600" eaLnBrk="0" fontAlgn="base" hangingPunct="0">
+              <a:spcBef>
+                <a:spcPct val="0"/>
+              </a:spcBef>
+              <a:spcAft>
+                <a:spcPct val="0"/>
+              </a:spcAft>
+              <a:defRPr b="1">
+                <a:solidFill>
+                  <a:schemeClr val="tx1"/>
+                </a:solidFill>
+                <a:latin typeface="Arial" charset="0"/>
+                <a:ea typeface="宋体" charset="-122"/>
+              </a:defRPr>
+            </a:lvl7pPr>
+            <a:lvl8pPr marL="3429000" indent="-228600" eaLnBrk="0" fontAlgn="base" hangingPunct="0">
+              <a:spcBef>
+                <a:spcPct val="0"/>
+              </a:spcBef>
+              <a:spcAft>
+                <a:spcPct val="0"/>
+              </a:spcAft>
+              <a:defRPr b="1">
+                <a:solidFill>
+                  <a:schemeClr val="tx1"/>
+                </a:solidFill>
+                <a:latin typeface="Arial" charset="0"/>
+                <a:ea typeface="宋体" charset="-122"/>
+              </a:defRPr>
+            </a:lvl8pPr>
+            <a:lvl9pPr marL="3886200" indent="-228600" eaLnBrk="0" fontAlgn="base" hangingPunct="0">
+              <a:spcBef>
+                <a:spcPct val="0"/>
+              </a:spcBef>
+              <a:spcAft>
+                <a:spcPct val="0"/>
+              </a:spcAft>
+              <a:defRPr b="1">
+                <a:solidFill>
+                  <a:schemeClr val="tx1"/>
+                </a:solidFill>
+                <a:latin typeface="Arial" charset="0"/>
+                <a:ea typeface="宋体" charset="-122"/>
+              </a:defRPr>
+            </a:lvl9pPr>
+          </a:lstStyle>
+          <a:p>
+            <a:pPr eaLnBrk="1" hangingPunct="1">
+              <a:spcBef>
+                <a:spcPct val="50000"/>
+              </a:spcBef>
+              <a:defRPr/>
+            </a:pPr>
+            <a:r>
+              <a:rPr lang="zh-CN" altLang="en-US" sz="2400" dirty="0" smtClean="0">
+                <a:solidFill>
+                  <a:srgbClr val="00A6E9"/>
+                </a:solidFill>
+                <a:latin typeface="微软雅黑" pitchFamily="34" charset="-122"/>
+                <a:ea typeface="微软雅黑" pitchFamily="34" charset="-122"/>
+              </a:rPr>
+              <a:t>最后，在</a:t>
+            </a:r>
+            <a:r>
+              <a:rPr lang="en-US" altLang="zh-CN" sz="2400" dirty="0" err="1" smtClean="0">
+                <a:solidFill>
+                  <a:srgbClr val="00A6E9"/>
+                </a:solidFill>
+                <a:latin typeface="微软雅黑" pitchFamily="34" charset="-122"/>
+                <a:ea typeface="微软雅黑" pitchFamily="34" charset="-122"/>
+              </a:rPr>
+              <a:t>onDestory</a:t>
+            </a:r>
+            <a:r>
+              <a:rPr lang="zh-CN" altLang="en-US" sz="2400" dirty="0" smtClean="0">
+                <a:solidFill>
+                  <a:srgbClr val="00A6E9"/>
+                </a:solidFill>
+                <a:latin typeface="微软雅黑" pitchFamily="34" charset="-122"/>
+                <a:ea typeface="微软雅黑" pitchFamily="34" charset="-122"/>
+              </a:rPr>
+              <a:t>方法中将</a:t>
+            </a:r>
+            <a:r>
+              <a:rPr lang="en-US" altLang="zh-CN" sz="2400" dirty="0" smtClean="0">
+                <a:solidFill>
+                  <a:srgbClr val="00A6E9"/>
+                </a:solidFill>
+                <a:latin typeface="微软雅黑" pitchFamily="34" charset="-122"/>
+                <a:ea typeface="微软雅黑" pitchFamily="34" charset="-122"/>
+              </a:rPr>
+              <a:t>Activity</a:t>
+            </a:r>
+            <a:r>
+              <a:rPr lang="zh-CN" altLang="en-US" sz="2400" dirty="0" smtClean="0">
+                <a:solidFill>
+                  <a:srgbClr val="00A6E9"/>
+                </a:solidFill>
+                <a:latin typeface="微软雅黑" pitchFamily="34" charset="-122"/>
+                <a:ea typeface="微软雅黑" pitchFamily="34" charset="-122"/>
+              </a:rPr>
+              <a:t>集合中的</a:t>
+            </a:r>
+            <a:r>
+              <a:rPr lang="en-US" altLang="zh-CN" sz="2400" dirty="0" err="1" smtClean="0">
+                <a:solidFill>
+                  <a:srgbClr val="00A6E9"/>
+                </a:solidFill>
+                <a:latin typeface="微软雅黑" pitchFamily="34" charset="-122"/>
+                <a:ea typeface="微软雅黑" pitchFamily="34" charset="-122"/>
+              </a:rPr>
+              <a:t>LoginActivity</a:t>
+            </a:r>
+            <a:r>
+              <a:rPr lang="zh-CN" altLang="en-US" sz="2400" dirty="0" smtClean="0">
+                <a:solidFill>
+                  <a:srgbClr val="00A6E9"/>
+                </a:solidFill>
+                <a:latin typeface="微软雅黑" pitchFamily="34" charset="-122"/>
+                <a:ea typeface="微软雅黑" pitchFamily="34" charset="-122"/>
+              </a:rPr>
+              <a:t>移除</a:t>
+            </a:r>
+            <a:endParaRPr lang="en-US" altLang="zh-CN" sz="2400" dirty="0" smtClean="0">
+              <a:solidFill>
+                <a:srgbClr val="00A6E9"/>
+              </a:solidFill>
+              <a:latin typeface="微软雅黑" pitchFamily="34" charset="-122"/>
+              <a:ea typeface="微软雅黑" pitchFamily="34" charset="-122"/>
+            </a:endParaRPr>
+          </a:p>
+        </p:txBody>
+      </p:sp>
+      <p:pic>
+        <p:nvPicPr>
+          <p:cNvPr id="3" name="图片 2"/>
+          <p:cNvPicPr>
+            <a:picLocks noChangeAspect="1"/>
+          </p:cNvPicPr>
+          <p:nvPr/>
+        </p:nvPicPr>
+        <p:blipFill>
+          <a:blip r:embed="rId2">
+            <a:extLst>
+              <a:ext uri="{28A0092B-C50C-407E-A947-70E740481C1C}">
+                <a14:useLocalDpi xmlns:a14="http://schemas.microsoft.com/office/drawing/2010/main" val="0"/>
+              </a:ext>
+            </a:extLst>
+          </a:blip>
+          <a:stretch>
+            <a:fillRect/>
+          </a:stretch>
+        </p:blipFill>
+        <p:spPr>
+          <a:xfrm>
+            <a:off x="3456459" y="2412157"/>
+            <a:ext cx="3305175" cy="1285875"/>
+          </a:xfrm>
+          <a:prstGeom prst="rect">
+            <a:avLst/>
+          </a:prstGeom>
+        </p:spPr>
+      </p:pic>
+    </p:spTree>
+    <p:extLst>
+      <p:ext uri="{BB962C8B-B14F-4D97-AF65-F5344CB8AC3E}">
+        <p14:creationId xmlns:p14="http://schemas.microsoft.com/office/powerpoint/2010/main" val="488829927"/>
+      </p:ext>
+    </p:extLst>
+  </p:cSld>
+  <p:clrMapOvr>
+    <a:masterClrMapping/>
+  </p:clrMapOvr>
+  <p:transition>
+    <p:fade/>
+  </p:transition>
+</p:sld>
+</file>
+
+<file path=ppt/slides/slide32.xml><?xml version="1.0" encoding="utf-8"?>
+<p:sld xmlns:a="http://schemas.openxmlformats.org/drawingml/2006/main" xmlns:r="http://schemas.openxmlformats.org/officeDocument/2006/relationships" xmlns:p="http://schemas.openxmlformats.org/presentationml/2006/main">
+  <p:cSld>
+    <p:spTree>
+      <p:nvGrpSpPr>
+        <p:cNvPr id="1" name=""/>
+        <p:cNvGrpSpPr/>
+        <p:nvPr/>
+      </p:nvGrpSpPr>
+      <p:grpSpPr>
+        <a:xfrm>
+          <a:off x="0" y="0"/>
+          <a:ext cx="0" cy="0"/>
+          <a:chOff x="0" y="0"/>
+          <a:chExt cx="0" cy="0"/>
+        </a:xfrm>
+      </p:grpSpPr>
+      <p:sp>
+        <p:nvSpPr>
+          <p:cNvPr id="4" name="Text Box 3"/>
+          <p:cNvSpPr txBox="1">
+            <a:spLocks noChangeArrowheads="1"/>
+          </p:cNvSpPr>
+          <p:nvPr/>
+        </p:nvSpPr>
+        <p:spPr bwMode="auto">
+          <a:xfrm>
+            <a:off x="648147" y="1557353"/>
+            <a:ext cx="8496944" cy="400110"/>
+          </a:xfrm>
+          <a:prstGeom prst="rect">
+            <a:avLst/>
+          </a:prstGeom>
+          <a:noFill/>
+          <a:ln>
+            <a:noFill/>
+          </a:ln>
+          <a:extLst/>
+        </p:spPr>
+        <p:txBody>
+          <a:bodyPr wrap="square">
+            <a:spAutoFit/>
+          </a:bodyPr>
+          <a:lstStyle>
+            <a:lvl1pPr eaLnBrk="0" hangingPunct="0">
+              <a:defRPr b="1">
+                <a:solidFill>
+                  <a:schemeClr val="tx1"/>
+                </a:solidFill>
+                <a:latin typeface="Arial" charset="0"/>
+                <a:ea typeface="宋体" charset="-122"/>
+              </a:defRPr>
+            </a:lvl1pPr>
+            <a:lvl2pPr marL="742950" indent="-285750" eaLnBrk="0" hangingPunct="0">
+              <a:defRPr b="1">
+                <a:solidFill>
+                  <a:schemeClr val="tx1"/>
+                </a:solidFill>
+                <a:latin typeface="Arial" charset="0"/>
+                <a:ea typeface="宋体" charset="-122"/>
+              </a:defRPr>
+            </a:lvl2pPr>
+            <a:lvl3pPr marL="1143000" indent="-228600" eaLnBrk="0" hangingPunct="0">
+              <a:defRPr b="1">
+                <a:solidFill>
+                  <a:schemeClr val="tx1"/>
+                </a:solidFill>
+                <a:latin typeface="Arial" charset="0"/>
+                <a:ea typeface="宋体" charset="-122"/>
+              </a:defRPr>
+            </a:lvl3pPr>
+            <a:lvl4pPr marL="1600200" indent="-228600" eaLnBrk="0" hangingPunct="0">
+              <a:defRPr b="1">
+                <a:solidFill>
+                  <a:schemeClr val="tx1"/>
+                </a:solidFill>
+                <a:latin typeface="Arial" charset="0"/>
+                <a:ea typeface="宋体" charset="-122"/>
+              </a:defRPr>
+            </a:lvl4pPr>
+            <a:lvl5pPr marL="2057400" indent="-228600" eaLnBrk="0" hangingPunct="0">
+              <a:defRPr b="1">
+                <a:solidFill>
+                  <a:schemeClr val="tx1"/>
+                </a:solidFill>
+                <a:latin typeface="Arial" charset="0"/>
+                <a:ea typeface="宋体" charset="-122"/>
+              </a:defRPr>
+            </a:lvl5pPr>
+            <a:lvl6pPr marL="2514600" indent="-228600" eaLnBrk="0" fontAlgn="base" hangingPunct="0">
+              <a:spcBef>
+                <a:spcPct val="0"/>
+              </a:spcBef>
+              <a:spcAft>
+                <a:spcPct val="0"/>
+              </a:spcAft>
+              <a:defRPr b="1">
+                <a:solidFill>
+                  <a:schemeClr val="tx1"/>
+                </a:solidFill>
+                <a:latin typeface="Arial" charset="0"/>
+                <a:ea typeface="宋体" charset="-122"/>
+              </a:defRPr>
+            </a:lvl6pPr>
+            <a:lvl7pPr marL="2971800" indent="-228600" eaLnBrk="0" fontAlgn="base" hangingPunct="0">
+              <a:spcBef>
+                <a:spcPct val="0"/>
+              </a:spcBef>
+              <a:spcAft>
+                <a:spcPct val="0"/>
+              </a:spcAft>
+              <a:defRPr b="1">
+                <a:solidFill>
+                  <a:schemeClr val="tx1"/>
+                </a:solidFill>
+                <a:latin typeface="Arial" charset="0"/>
+                <a:ea typeface="宋体" charset="-122"/>
+              </a:defRPr>
+            </a:lvl7pPr>
+            <a:lvl8pPr marL="3429000" indent="-228600" eaLnBrk="0" fontAlgn="base" hangingPunct="0">
+              <a:spcBef>
+                <a:spcPct val="0"/>
+              </a:spcBef>
+              <a:spcAft>
+                <a:spcPct val="0"/>
+              </a:spcAft>
+              <a:defRPr b="1">
+                <a:solidFill>
+                  <a:schemeClr val="tx1"/>
+                </a:solidFill>
+                <a:latin typeface="Arial" charset="0"/>
+                <a:ea typeface="宋体" charset="-122"/>
+              </a:defRPr>
+            </a:lvl8pPr>
+            <a:lvl9pPr marL="3886200" indent="-228600" eaLnBrk="0" fontAlgn="base" hangingPunct="0">
+              <a:spcBef>
+                <a:spcPct val="0"/>
+              </a:spcBef>
+              <a:spcAft>
+                <a:spcPct val="0"/>
+              </a:spcAft>
+              <a:defRPr b="1">
+                <a:solidFill>
+                  <a:schemeClr val="tx1"/>
+                </a:solidFill>
+                <a:latin typeface="Arial" charset="0"/>
+                <a:ea typeface="宋体" charset="-122"/>
+              </a:defRPr>
+            </a:lvl9pPr>
+          </a:lstStyle>
+          <a:p>
+            <a:pPr eaLnBrk="1" hangingPunct="1">
+              <a:spcBef>
+                <a:spcPct val="50000"/>
+              </a:spcBef>
+              <a:defRPr/>
+            </a:pPr>
+            <a:r>
+              <a:rPr lang="en-US" altLang="zh-CN" sz="2000" dirty="0">
+                <a:solidFill>
+                  <a:srgbClr val="ED6C00"/>
+                </a:solidFill>
+                <a:latin typeface="微软雅黑" pitchFamily="34" charset="-122"/>
+                <a:ea typeface="微软雅黑" pitchFamily="34" charset="-122"/>
+              </a:rPr>
+              <a:t>3</a:t>
+            </a:r>
+            <a:r>
+              <a:rPr lang="en-US" altLang="zh-CN" sz="2000" dirty="0" smtClean="0">
+                <a:solidFill>
+                  <a:srgbClr val="ED6C00"/>
+                </a:solidFill>
+                <a:latin typeface="微软雅黑" pitchFamily="34" charset="-122"/>
+                <a:ea typeface="微软雅黑" pitchFamily="34" charset="-122"/>
+              </a:rPr>
+              <a:t>. </a:t>
+            </a:r>
+            <a:r>
+              <a:rPr lang="zh-CN" altLang="en-US" sz="2000" dirty="0" smtClean="0">
+                <a:solidFill>
+                  <a:srgbClr val="ED6C00"/>
+                </a:solidFill>
+                <a:latin typeface="微软雅黑" pitchFamily="34" charset="-122"/>
+                <a:ea typeface="微软雅黑" pitchFamily="34" charset="-122"/>
+              </a:rPr>
+              <a:t>好友列表页面 </a:t>
+            </a:r>
+            <a:r>
+              <a:rPr lang="en-US" altLang="zh-CN" sz="2000" dirty="0" err="1" smtClean="0">
+                <a:solidFill>
+                  <a:srgbClr val="ED6C00"/>
+                </a:solidFill>
+                <a:latin typeface="微软雅黑" pitchFamily="34" charset="-122"/>
+                <a:ea typeface="微软雅黑" pitchFamily="34" charset="-122"/>
+              </a:rPr>
+              <a:t>BuddyListActivity</a:t>
+            </a:r>
+            <a:endParaRPr lang="en-US" altLang="zh-CN" sz="2000" dirty="0" smtClean="0">
+              <a:solidFill>
+                <a:srgbClr val="ED6C00"/>
+              </a:solidFill>
+              <a:latin typeface="微软雅黑" pitchFamily="34" charset="-122"/>
+              <a:ea typeface="微软雅黑" pitchFamily="34" charset="-122"/>
+            </a:endParaRPr>
+          </a:p>
+        </p:txBody>
+      </p:sp>
+      <p:pic>
+        <p:nvPicPr>
+          <p:cNvPr id="2" name="图片 1"/>
+          <p:cNvPicPr>
+            <a:picLocks noChangeAspect="1"/>
+          </p:cNvPicPr>
+          <p:nvPr/>
+        </p:nvPicPr>
+        <p:blipFill>
+          <a:blip r:embed="rId2">
+            <a:extLst>
+              <a:ext uri="{28A0092B-C50C-407E-A947-70E740481C1C}">
+                <a14:useLocalDpi xmlns:a14="http://schemas.microsoft.com/office/drawing/2010/main" val="0"/>
+              </a:ext>
+            </a:extLst>
+          </a:blip>
+          <a:stretch>
+            <a:fillRect/>
+          </a:stretch>
+        </p:blipFill>
+        <p:spPr>
+          <a:xfrm>
+            <a:off x="5616699" y="257239"/>
+            <a:ext cx="3752504" cy="6156573"/>
+          </a:xfrm>
+          <a:prstGeom prst="rect">
+            <a:avLst/>
+          </a:prstGeom>
+        </p:spPr>
+      </p:pic>
+    </p:spTree>
+    <p:extLst>
+      <p:ext uri="{BB962C8B-B14F-4D97-AF65-F5344CB8AC3E}">
+        <p14:creationId xmlns:p14="http://schemas.microsoft.com/office/powerpoint/2010/main" val="810188074"/>
+      </p:ext>
+    </p:extLst>
+  </p:cSld>
+  <p:clrMapOvr>
+    <a:masterClrMapping/>
+  </p:clrMapOvr>
+  <p:transition>
+    <p:fade/>
+  </p:transition>
+</p:sld>
+</file>
+
+<file path=ppt/slides/slide33.xml><?xml version="1.0" encoding="utf-8"?>
+<p:sld xmlns:a="http://schemas.openxmlformats.org/drawingml/2006/main" xmlns:r="http://schemas.openxmlformats.org/officeDocument/2006/relationships" xmlns:p="http://schemas.openxmlformats.org/presentationml/2006/main">
+  <p:cSld>
+    <p:spTree>
+      <p:nvGrpSpPr>
+        <p:cNvPr id="1" name=""/>
+        <p:cNvGrpSpPr/>
+        <p:nvPr/>
+      </p:nvGrpSpPr>
+      <p:grpSpPr>
+        <a:xfrm>
+          <a:off x="0" y="0"/>
+          <a:ext cx="0" cy="0"/>
+          <a:chOff x="0" y="0"/>
+          <a:chExt cx="0" cy="0"/>
+        </a:xfrm>
+      </p:grpSpPr>
+      <p:sp>
+        <p:nvSpPr>
+          <p:cNvPr id="5" name="Text Box 3"/>
+          <p:cNvSpPr txBox="1">
+            <a:spLocks noChangeArrowheads="1"/>
+          </p:cNvSpPr>
+          <p:nvPr/>
+        </p:nvSpPr>
+        <p:spPr bwMode="auto">
+          <a:xfrm>
+            <a:off x="1728267" y="179909"/>
+            <a:ext cx="8640960" cy="1569660"/>
+          </a:xfrm>
+          <a:prstGeom prst="rect">
+            <a:avLst/>
+          </a:prstGeom>
+          <a:noFill/>
+          <a:ln>
+            <a:noFill/>
+          </a:ln>
+          <a:extLst/>
+        </p:spPr>
+        <p:txBody>
+          <a:bodyPr wrap="square">
+            <a:spAutoFit/>
+          </a:bodyPr>
+          <a:lstStyle>
+            <a:lvl1pPr eaLnBrk="0" hangingPunct="0">
+              <a:defRPr b="1">
+                <a:solidFill>
+                  <a:schemeClr val="tx1"/>
+                </a:solidFill>
+                <a:latin typeface="Arial" charset="0"/>
+                <a:ea typeface="宋体" charset="-122"/>
+              </a:defRPr>
+            </a:lvl1pPr>
+            <a:lvl2pPr marL="742950" indent="-285750" eaLnBrk="0" hangingPunct="0">
+              <a:defRPr b="1">
+                <a:solidFill>
+                  <a:schemeClr val="tx1"/>
+                </a:solidFill>
+                <a:latin typeface="Arial" charset="0"/>
+                <a:ea typeface="宋体" charset="-122"/>
+              </a:defRPr>
+            </a:lvl2pPr>
+            <a:lvl3pPr marL="1143000" indent="-228600" eaLnBrk="0" hangingPunct="0">
+              <a:defRPr b="1">
+                <a:solidFill>
+                  <a:schemeClr val="tx1"/>
+                </a:solidFill>
+                <a:latin typeface="Arial" charset="0"/>
+                <a:ea typeface="宋体" charset="-122"/>
+              </a:defRPr>
+            </a:lvl3pPr>
+            <a:lvl4pPr marL="1600200" indent="-228600" eaLnBrk="0" hangingPunct="0">
+              <a:defRPr b="1">
+                <a:solidFill>
+                  <a:schemeClr val="tx1"/>
+                </a:solidFill>
+                <a:latin typeface="Arial" charset="0"/>
+                <a:ea typeface="宋体" charset="-122"/>
+              </a:defRPr>
+            </a:lvl4pPr>
+            <a:lvl5pPr marL="2057400" indent="-228600" eaLnBrk="0" hangingPunct="0">
+              <a:defRPr b="1">
+                <a:solidFill>
+                  <a:schemeClr val="tx1"/>
+                </a:solidFill>
+                <a:latin typeface="Arial" charset="0"/>
+                <a:ea typeface="宋体" charset="-122"/>
+              </a:defRPr>
+            </a:lvl5pPr>
+            <a:lvl6pPr marL="2514600" indent="-228600" eaLnBrk="0" fontAlgn="base" hangingPunct="0">
+              <a:spcBef>
+                <a:spcPct val="0"/>
+              </a:spcBef>
+              <a:spcAft>
+                <a:spcPct val="0"/>
+              </a:spcAft>
+              <a:defRPr b="1">
+                <a:solidFill>
+                  <a:schemeClr val="tx1"/>
+                </a:solidFill>
+                <a:latin typeface="Arial" charset="0"/>
+                <a:ea typeface="宋体" charset="-122"/>
+              </a:defRPr>
+            </a:lvl6pPr>
+            <a:lvl7pPr marL="2971800" indent="-228600" eaLnBrk="0" fontAlgn="base" hangingPunct="0">
+              <a:spcBef>
+                <a:spcPct val="0"/>
+              </a:spcBef>
+              <a:spcAft>
+                <a:spcPct val="0"/>
+              </a:spcAft>
+              <a:defRPr b="1">
+                <a:solidFill>
+                  <a:schemeClr val="tx1"/>
+                </a:solidFill>
+                <a:latin typeface="Arial" charset="0"/>
+                <a:ea typeface="宋体" charset="-122"/>
+              </a:defRPr>
+            </a:lvl7pPr>
+            <a:lvl8pPr marL="3429000" indent="-228600" eaLnBrk="0" fontAlgn="base" hangingPunct="0">
+              <a:spcBef>
+                <a:spcPct val="0"/>
+              </a:spcBef>
+              <a:spcAft>
+                <a:spcPct val="0"/>
+              </a:spcAft>
+              <a:defRPr b="1">
+                <a:solidFill>
+                  <a:schemeClr val="tx1"/>
+                </a:solidFill>
+                <a:latin typeface="Arial" charset="0"/>
+                <a:ea typeface="宋体" charset="-122"/>
+              </a:defRPr>
+            </a:lvl8pPr>
+            <a:lvl9pPr marL="3886200" indent="-228600" eaLnBrk="0" fontAlgn="base" hangingPunct="0">
+              <a:spcBef>
+                <a:spcPct val="0"/>
+              </a:spcBef>
+              <a:spcAft>
+                <a:spcPct val="0"/>
+              </a:spcAft>
+              <a:defRPr b="1">
+                <a:solidFill>
+                  <a:schemeClr val="tx1"/>
+                </a:solidFill>
+                <a:latin typeface="Arial" charset="0"/>
+                <a:ea typeface="宋体" charset="-122"/>
+              </a:defRPr>
+            </a:lvl9pPr>
+          </a:lstStyle>
+          <a:p>
+            <a:pPr eaLnBrk="1" hangingPunct="1">
+              <a:spcBef>
+                <a:spcPct val="50000"/>
+              </a:spcBef>
+              <a:defRPr/>
+            </a:pPr>
+            <a:r>
+              <a:rPr lang="zh-CN" altLang="en-US" sz="2400" dirty="0" smtClean="0">
+                <a:solidFill>
+                  <a:srgbClr val="00A6E9"/>
+                </a:solidFill>
+                <a:latin typeface="微软雅黑" pitchFamily="34" charset="-122"/>
+                <a:ea typeface="微软雅黑" pitchFamily="34" charset="-122"/>
+              </a:rPr>
+              <a:t>在</a:t>
+            </a:r>
+            <a:r>
+              <a:rPr lang="en-US" altLang="zh-CN" sz="2400" dirty="0" err="1" smtClean="0">
+                <a:solidFill>
+                  <a:srgbClr val="00A6E9"/>
+                </a:solidFill>
+                <a:latin typeface="微软雅黑" pitchFamily="34" charset="-122"/>
+                <a:ea typeface="微软雅黑" pitchFamily="34" charset="-122"/>
+              </a:rPr>
+              <a:t>onCreat</a:t>
+            </a:r>
+            <a:r>
+              <a:rPr lang="zh-CN" altLang="en-US" sz="2400" dirty="0" smtClean="0">
+                <a:solidFill>
+                  <a:srgbClr val="00A6E9"/>
+                </a:solidFill>
+                <a:latin typeface="微软雅黑" pitchFamily="34" charset="-122"/>
+                <a:ea typeface="微软雅黑" pitchFamily="34" charset="-122"/>
+              </a:rPr>
+              <a:t>方法里获取到</a:t>
+            </a:r>
+            <a:r>
+              <a:rPr lang="en-US" altLang="zh-CN" sz="2400" dirty="0" err="1" smtClean="0">
+                <a:solidFill>
+                  <a:srgbClr val="00A6E9"/>
+                </a:solidFill>
+                <a:latin typeface="微软雅黑" pitchFamily="34" charset="-122"/>
+                <a:ea typeface="微软雅黑" pitchFamily="34" charset="-122"/>
+              </a:rPr>
+              <a:t>QQMessage</a:t>
+            </a:r>
+            <a:r>
+              <a:rPr lang="zh-CN" altLang="en-US" sz="2400" dirty="0" smtClean="0">
+                <a:solidFill>
+                  <a:srgbClr val="00A6E9"/>
+                </a:solidFill>
+                <a:latin typeface="微软雅黑" pitchFamily="34" charset="-122"/>
+                <a:ea typeface="微软雅黑" pitchFamily="34" charset="-122"/>
+              </a:rPr>
+              <a:t>的序列化对象</a:t>
+            </a:r>
+            <a:r>
+              <a:rPr lang="en-US" altLang="zh-CN" sz="2400" dirty="0" err="1" smtClean="0">
+                <a:solidFill>
+                  <a:srgbClr val="00A6E9"/>
+                </a:solidFill>
+                <a:latin typeface="微软雅黑" pitchFamily="34" charset="-122"/>
+                <a:ea typeface="微软雅黑" pitchFamily="34" charset="-122"/>
+              </a:rPr>
+              <a:t>msg</a:t>
+            </a:r>
+            <a:r>
+              <a:rPr lang="zh-CN" altLang="en-US" sz="2400" dirty="0" smtClean="0">
+                <a:solidFill>
+                  <a:srgbClr val="00A6E9"/>
+                </a:solidFill>
+                <a:latin typeface="微软雅黑" pitchFamily="34" charset="-122"/>
+                <a:ea typeface="微软雅黑" pitchFamily="34" charset="-122"/>
+              </a:rPr>
+              <a:t>，拿到</a:t>
+            </a:r>
+            <a:r>
+              <a:rPr lang="en-US" altLang="zh-CN" sz="2400" dirty="0" err="1" smtClean="0">
+                <a:solidFill>
+                  <a:srgbClr val="00A6E9"/>
+                </a:solidFill>
+                <a:latin typeface="微软雅黑" pitchFamily="34" charset="-122"/>
+                <a:ea typeface="微软雅黑" pitchFamily="34" charset="-122"/>
+              </a:rPr>
+              <a:t>BuddyList</a:t>
+            </a:r>
+            <a:r>
+              <a:rPr lang="zh-CN" altLang="en-US" sz="2400" dirty="0" smtClean="0">
+                <a:solidFill>
+                  <a:srgbClr val="00A6E9"/>
+                </a:solidFill>
+                <a:latin typeface="微软雅黑" pitchFamily="34" charset="-122"/>
+                <a:ea typeface="微软雅黑" pitchFamily="34" charset="-122"/>
+              </a:rPr>
+              <a:t>的</a:t>
+            </a:r>
+            <a:r>
+              <a:rPr lang="en-US" altLang="zh-CN" sz="2400" dirty="0" err="1" smtClean="0">
+                <a:solidFill>
+                  <a:srgbClr val="00A6E9"/>
+                </a:solidFill>
+                <a:latin typeface="微软雅黑" pitchFamily="34" charset="-122"/>
+                <a:ea typeface="微软雅黑" pitchFamily="34" charset="-122"/>
+              </a:rPr>
+              <a:t>listView</a:t>
+            </a:r>
+            <a:r>
+              <a:rPr lang="zh-CN" altLang="en-US" sz="2400" dirty="0" smtClean="0">
+                <a:solidFill>
+                  <a:srgbClr val="00A6E9"/>
+                </a:solidFill>
+                <a:latin typeface="微软雅黑" pitchFamily="34" charset="-122"/>
+                <a:ea typeface="微软雅黑" pitchFamily="34" charset="-122"/>
+              </a:rPr>
+              <a:t>，给</a:t>
+            </a:r>
+            <a:r>
+              <a:rPr lang="en-US" altLang="zh-CN" sz="2400" dirty="0" err="1" smtClean="0">
+                <a:solidFill>
+                  <a:srgbClr val="00A6E9"/>
+                </a:solidFill>
+                <a:latin typeface="微软雅黑" pitchFamily="34" charset="-122"/>
+                <a:ea typeface="微软雅黑" pitchFamily="34" charset="-122"/>
+              </a:rPr>
+              <a:t>listView</a:t>
+            </a:r>
+            <a:r>
+              <a:rPr lang="en-US" altLang="zh-CN" sz="2400" dirty="0" smtClean="0">
+                <a:solidFill>
+                  <a:srgbClr val="00A6E9"/>
+                </a:solidFill>
+                <a:latin typeface="微软雅黑" pitchFamily="34" charset="-122"/>
+                <a:ea typeface="微软雅黑" pitchFamily="34" charset="-122"/>
+              </a:rPr>
+              <a:t>  </a:t>
+            </a:r>
+            <a:r>
+              <a:rPr lang="en-US" altLang="zh-CN" sz="2400" dirty="0" err="1" smtClean="0">
+                <a:solidFill>
+                  <a:srgbClr val="00A6E9"/>
+                </a:solidFill>
+                <a:latin typeface="微软雅黑" pitchFamily="34" charset="-122"/>
+                <a:ea typeface="微软雅黑" pitchFamily="34" charset="-122"/>
+              </a:rPr>
+              <a:t>setAdapter</a:t>
+            </a:r>
+            <a:r>
+              <a:rPr lang="zh-CN" altLang="en-US" sz="2400" dirty="0" smtClean="0">
+                <a:solidFill>
+                  <a:srgbClr val="00A6E9"/>
+                </a:solidFill>
+                <a:latin typeface="微软雅黑" pitchFamily="34" charset="-122"/>
+                <a:ea typeface="微软雅黑" pitchFamily="34" charset="-122"/>
+              </a:rPr>
+              <a:t>再给</a:t>
+            </a:r>
+            <a:r>
+              <a:rPr lang="en-US" altLang="zh-CN" sz="2400" dirty="0" err="1" smtClean="0">
+                <a:solidFill>
+                  <a:srgbClr val="00A6E9"/>
+                </a:solidFill>
+                <a:latin typeface="微软雅黑" pitchFamily="34" charset="-122"/>
+                <a:ea typeface="微软雅黑" pitchFamily="34" charset="-122"/>
+              </a:rPr>
+              <a:t>listView</a:t>
+            </a:r>
+            <a:r>
+              <a:rPr lang="zh-CN" altLang="en-US" sz="2400" dirty="0" smtClean="0">
+                <a:solidFill>
+                  <a:srgbClr val="00A6E9"/>
+                </a:solidFill>
+                <a:latin typeface="微软雅黑" pitchFamily="34" charset="-122"/>
+                <a:ea typeface="微软雅黑" pitchFamily="34" charset="-122"/>
+              </a:rPr>
+              <a:t>添加</a:t>
+            </a:r>
+            <a:r>
+              <a:rPr lang="en-US" altLang="zh-CN" sz="2400" dirty="0" err="1" smtClean="0">
+                <a:solidFill>
+                  <a:srgbClr val="00A6E9"/>
+                </a:solidFill>
+                <a:latin typeface="微软雅黑" pitchFamily="34" charset="-122"/>
+                <a:ea typeface="微软雅黑" pitchFamily="34" charset="-122"/>
+              </a:rPr>
+              <a:t>setOnclickListener</a:t>
+            </a:r>
+            <a:r>
+              <a:rPr lang="zh-CN" altLang="en-US" sz="2400" dirty="0" smtClean="0">
+                <a:solidFill>
+                  <a:srgbClr val="00A6E9"/>
+                </a:solidFill>
+                <a:latin typeface="微软雅黑" pitchFamily="34" charset="-122"/>
+                <a:ea typeface="微软雅黑" pitchFamily="34" charset="-122"/>
+              </a:rPr>
+              <a:t>方法，点击对应的</a:t>
+            </a:r>
+            <a:r>
+              <a:rPr lang="en-US" altLang="zh-CN" sz="2400" dirty="0" smtClean="0">
+                <a:solidFill>
+                  <a:srgbClr val="00A6E9"/>
+                </a:solidFill>
+                <a:latin typeface="微软雅黑" pitchFamily="34" charset="-122"/>
+                <a:ea typeface="微软雅黑" pitchFamily="34" charset="-122"/>
+              </a:rPr>
+              <a:t>item</a:t>
+            </a:r>
+            <a:r>
+              <a:rPr lang="zh-CN" altLang="en-US" sz="2400" dirty="0" smtClean="0">
+                <a:solidFill>
+                  <a:srgbClr val="00A6E9"/>
+                </a:solidFill>
+                <a:latin typeface="微软雅黑" pitchFamily="34" charset="-122"/>
+                <a:ea typeface="微软雅黑" pitchFamily="34" charset="-122"/>
+              </a:rPr>
+              <a:t>的时候传入相应的</a:t>
+            </a:r>
+            <a:r>
+              <a:rPr lang="en-US" altLang="zh-CN" sz="2400" dirty="0" smtClean="0">
+                <a:solidFill>
+                  <a:srgbClr val="00A6E9"/>
+                </a:solidFill>
+                <a:latin typeface="微软雅黑" pitchFamily="34" charset="-122"/>
+                <a:ea typeface="微软雅黑" pitchFamily="34" charset="-122"/>
+              </a:rPr>
+              <a:t>id</a:t>
+            </a:r>
+            <a:r>
+              <a:rPr lang="zh-CN" altLang="en-US" sz="2400" dirty="0" smtClean="0">
+                <a:solidFill>
+                  <a:srgbClr val="00A6E9"/>
+                </a:solidFill>
+                <a:latin typeface="微软雅黑" pitchFamily="34" charset="-122"/>
+                <a:ea typeface="微软雅黑" pitchFamily="34" charset="-122"/>
+              </a:rPr>
+              <a:t>，并打开相对应的</a:t>
+            </a:r>
+            <a:r>
+              <a:rPr lang="en-US" altLang="zh-CN" sz="2400" dirty="0" err="1" smtClean="0">
+                <a:solidFill>
+                  <a:srgbClr val="00A6E9"/>
+                </a:solidFill>
+                <a:latin typeface="微软雅黑" pitchFamily="34" charset="-122"/>
+                <a:ea typeface="微软雅黑" pitchFamily="34" charset="-122"/>
+              </a:rPr>
+              <a:t>ChatListActivity</a:t>
+            </a:r>
+            <a:endParaRPr lang="en-US" altLang="zh-CN" sz="2400" dirty="0" smtClean="0">
+              <a:solidFill>
+                <a:srgbClr val="00A6E9"/>
+              </a:solidFill>
+              <a:latin typeface="微软雅黑" pitchFamily="34" charset="-122"/>
+              <a:ea typeface="微软雅黑" pitchFamily="34" charset="-122"/>
+            </a:endParaRPr>
+          </a:p>
+        </p:txBody>
+      </p:sp>
+      <p:pic>
+        <p:nvPicPr>
+          <p:cNvPr id="2" name="图片 1"/>
+          <p:cNvPicPr>
+            <a:picLocks noChangeAspect="1"/>
+          </p:cNvPicPr>
+          <p:nvPr/>
+        </p:nvPicPr>
+        <p:blipFill>
+          <a:blip r:embed="rId2">
+            <a:extLst>
+              <a:ext uri="{28A0092B-C50C-407E-A947-70E740481C1C}">
+                <a14:useLocalDpi xmlns:a14="http://schemas.microsoft.com/office/drawing/2010/main" val="0"/>
+              </a:ext>
+            </a:extLst>
+          </a:blip>
+          <a:stretch>
+            <a:fillRect/>
+          </a:stretch>
+        </p:blipFill>
+        <p:spPr>
+          <a:xfrm>
+            <a:off x="2089348" y="1908101"/>
+            <a:ext cx="7343775" cy="4067175"/>
+          </a:xfrm>
+          <a:prstGeom prst="rect">
+            <a:avLst/>
+          </a:prstGeom>
+        </p:spPr>
+      </p:pic>
+    </p:spTree>
+    <p:extLst>
+      <p:ext uri="{BB962C8B-B14F-4D97-AF65-F5344CB8AC3E}">
+        <p14:creationId xmlns:p14="http://schemas.microsoft.com/office/powerpoint/2010/main" val="4265459117"/>
+      </p:ext>
+    </p:extLst>
+  </p:cSld>
+  <p:clrMapOvr>
+    <a:masterClrMapping/>
+  </p:clrMapOvr>
+  <p:transition>
+    <p:fade/>
+  </p:transition>
+</p:sld>
+</file>
+
+<file path=ppt/slides/slide34.xml><?xml version="1.0" encoding="utf-8"?>
+<p:sld xmlns:a="http://schemas.openxmlformats.org/drawingml/2006/main" xmlns:r="http://schemas.openxmlformats.org/officeDocument/2006/relationships" xmlns:p="http://schemas.openxmlformats.org/presentationml/2006/main">
+  <p:cSld>
+    <p:spTree>
+      <p:nvGrpSpPr>
+        <p:cNvPr id="1" name=""/>
+        <p:cNvGrpSpPr/>
+        <p:nvPr/>
+      </p:nvGrpSpPr>
+      <p:grpSpPr>
+        <a:xfrm>
+          <a:off x="0" y="0"/>
+          <a:ext cx="0" cy="0"/>
+          <a:chOff x="0" y="0"/>
+          <a:chExt cx="0" cy="0"/>
+        </a:xfrm>
+      </p:grpSpPr>
+      <p:sp>
+        <p:nvSpPr>
+          <p:cNvPr id="4" name="Text Box 3"/>
+          <p:cNvSpPr txBox="1">
+            <a:spLocks noChangeArrowheads="1"/>
+          </p:cNvSpPr>
+          <p:nvPr/>
+        </p:nvSpPr>
+        <p:spPr bwMode="auto">
+          <a:xfrm>
+            <a:off x="648147" y="1557353"/>
+            <a:ext cx="8496944" cy="400110"/>
+          </a:xfrm>
+          <a:prstGeom prst="rect">
+            <a:avLst/>
+          </a:prstGeom>
+          <a:noFill/>
+          <a:ln>
+            <a:noFill/>
+          </a:ln>
+          <a:extLst/>
+        </p:spPr>
+        <p:txBody>
+          <a:bodyPr wrap="square">
+            <a:spAutoFit/>
+          </a:bodyPr>
+          <a:lstStyle>
+            <a:lvl1pPr eaLnBrk="0" hangingPunct="0">
+              <a:defRPr b="1">
+                <a:solidFill>
+                  <a:schemeClr val="tx1"/>
+                </a:solidFill>
+                <a:latin typeface="Arial" charset="0"/>
+                <a:ea typeface="宋体" charset="-122"/>
+              </a:defRPr>
+            </a:lvl1pPr>
+            <a:lvl2pPr marL="742950" indent="-285750" eaLnBrk="0" hangingPunct="0">
+              <a:defRPr b="1">
+                <a:solidFill>
+                  <a:schemeClr val="tx1"/>
+                </a:solidFill>
+                <a:latin typeface="Arial" charset="0"/>
+                <a:ea typeface="宋体" charset="-122"/>
+              </a:defRPr>
+            </a:lvl2pPr>
+            <a:lvl3pPr marL="1143000" indent="-228600" eaLnBrk="0" hangingPunct="0">
+              <a:defRPr b="1">
+                <a:solidFill>
+                  <a:schemeClr val="tx1"/>
+                </a:solidFill>
+                <a:latin typeface="Arial" charset="0"/>
+                <a:ea typeface="宋体" charset="-122"/>
+              </a:defRPr>
+            </a:lvl3pPr>
+            <a:lvl4pPr marL="1600200" indent="-228600" eaLnBrk="0" hangingPunct="0">
+              <a:defRPr b="1">
+                <a:solidFill>
+                  <a:schemeClr val="tx1"/>
+                </a:solidFill>
+                <a:latin typeface="Arial" charset="0"/>
+                <a:ea typeface="宋体" charset="-122"/>
+              </a:defRPr>
+            </a:lvl4pPr>
+            <a:lvl5pPr marL="2057400" indent="-228600" eaLnBrk="0" hangingPunct="0">
+              <a:defRPr b="1">
+                <a:solidFill>
+                  <a:schemeClr val="tx1"/>
+                </a:solidFill>
+                <a:latin typeface="Arial" charset="0"/>
+                <a:ea typeface="宋体" charset="-122"/>
+              </a:defRPr>
+            </a:lvl5pPr>
+            <a:lvl6pPr marL="2514600" indent="-228600" eaLnBrk="0" fontAlgn="base" hangingPunct="0">
+              <a:spcBef>
+                <a:spcPct val="0"/>
+              </a:spcBef>
+              <a:spcAft>
+                <a:spcPct val="0"/>
+              </a:spcAft>
+              <a:defRPr b="1">
+                <a:solidFill>
+                  <a:schemeClr val="tx1"/>
+                </a:solidFill>
+                <a:latin typeface="Arial" charset="0"/>
+                <a:ea typeface="宋体" charset="-122"/>
+              </a:defRPr>
+            </a:lvl6pPr>
+            <a:lvl7pPr marL="2971800" indent="-228600" eaLnBrk="0" fontAlgn="base" hangingPunct="0">
+              <a:spcBef>
+                <a:spcPct val="0"/>
+              </a:spcBef>
+              <a:spcAft>
+                <a:spcPct val="0"/>
+              </a:spcAft>
+              <a:defRPr b="1">
+                <a:solidFill>
+                  <a:schemeClr val="tx1"/>
+                </a:solidFill>
+                <a:latin typeface="Arial" charset="0"/>
+                <a:ea typeface="宋体" charset="-122"/>
+              </a:defRPr>
+            </a:lvl7pPr>
+            <a:lvl8pPr marL="3429000" indent="-228600" eaLnBrk="0" fontAlgn="base" hangingPunct="0">
+              <a:spcBef>
+                <a:spcPct val="0"/>
+              </a:spcBef>
+              <a:spcAft>
+                <a:spcPct val="0"/>
+              </a:spcAft>
+              <a:defRPr b="1">
+                <a:solidFill>
+                  <a:schemeClr val="tx1"/>
+                </a:solidFill>
+                <a:latin typeface="Arial" charset="0"/>
+                <a:ea typeface="宋体" charset="-122"/>
+              </a:defRPr>
+            </a:lvl8pPr>
+            <a:lvl9pPr marL="3886200" indent="-228600" eaLnBrk="0" fontAlgn="base" hangingPunct="0">
+              <a:spcBef>
+                <a:spcPct val="0"/>
+              </a:spcBef>
+              <a:spcAft>
+                <a:spcPct val="0"/>
+              </a:spcAft>
+              <a:defRPr b="1">
+                <a:solidFill>
+                  <a:schemeClr val="tx1"/>
+                </a:solidFill>
+                <a:latin typeface="Arial" charset="0"/>
+                <a:ea typeface="宋体" charset="-122"/>
+              </a:defRPr>
+            </a:lvl9pPr>
+          </a:lstStyle>
+          <a:p>
+            <a:pPr eaLnBrk="1" hangingPunct="1">
+              <a:spcBef>
+                <a:spcPct val="50000"/>
+              </a:spcBef>
+              <a:defRPr/>
+            </a:pPr>
+            <a:r>
+              <a:rPr lang="en-US" altLang="zh-CN" sz="2000" dirty="0" smtClean="0">
+                <a:solidFill>
+                  <a:srgbClr val="ED6C00"/>
+                </a:solidFill>
+                <a:latin typeface="微软雅黑" pitchFamily="34" charset="-122"/>
+                <a:ea typeface="微软雅黑" pitchFamily="34" charset="-122"/>
+              </a:rPr>
+              <a:t>4. </a:t>
+            </a:r>
+            <a:r>
+              <a:rPr lang="zh-CN" altLang="en-US" sz="2000" dirty="0">
+                <a:solidFill>
+                  <a:srgbClr val="ED6C00"/>
+                </a:solidFill>
+                <a:latin typeface="微软雅黑" pitchFamily="34" charset="-122"/>
+                <a:ea typeface="微软雅黑" pitchFamily="34" charset="-122"/>
+              </a:rPr>
+              <a:t>聊天</a:t>
+            </a:r>
+            <a:r>
+              <a:rPr lang="zh-CN" altLang="en-US" sz="2000" dirty="0" smtClean="0">
+                <a:solidFill>
+                  <a:srgbClr val="ED6C00"/>
+                </a:solidFill>
+                <a:latin typeface="微软雅黑" pitchFamily="34" charset="-122"/>
+                <a:ea typeface="微软雅黑" pitchFamily="34" charset="-122"/>
+              </a:rPr>
+              <a:t>页面 </a:t>
+            </a:r>
+            <a:r>
+              <a:rPr lang="en-US" altLang="zh-CN" sz="2000" dirty="0" err="1" smtClean="0">
+                <a:solidFill>
+                  <a:srgbClr val="ED6C00"/>
+                </a:solidFill>
+                <a:latin typeface="微软雅黑" pitchFamily="34" charset="-122"/>
+                <a:ea typeface="微软雅黑" pitchFamily="34" charset="-122"/>
+              </a:rPr>
+              <a:t>ChatListActivity</a:t>
+            </a:r>
+            <a:endParaRPr lang="en-US" altLang="zh-CN" sz="2000" dirty="0" smtClean="0">
+              <a:solidFill>
+                <a:srgbClr val="ED6C00"/>
+              </a:solidFill>
+              <a:latin typeface="微软雅黑" pitchFamily="34" charset="-122"/>
+              <a:ea typeface="微软雅黑" pitchFamily="34" charset="-122"/>
+            </a:endParaRPr>
+          </a:p>
+        </p:txBody>
+      </p:sp>
+      <p:pic>
+        <p:nvPicPr>
+          <p:cNvPr id="3" name="图片 2"/>
+          <p:cNvPicPr>
+            <a:picLocks noChangeAspect="1"/>
+          </p:cNvPicPr>
+          <p:nvPr/>
+        </p:nvPicPr>
+        <p:blipFill>
+          <a:blip r:embed="rId2">
+            <a:extLst>
+              <a:ext uri="{28A0092B-C50C-407E-A947-70E740481C1C}">
+                <a14:useLocalDpi xmlns:a14="http://schemas.microsoft.com/office/drawing/2010/main" val="0"/>
+              </a:ext>
+            </a:extLst>
+          </a:blip>
+          <a:stretch>
+            <a:fillRect/>
+          </a:stretch>
+        </p:blipFill>
+        <p:spPr>
+          <a:xfrm>
+            <a:off x="6048747" y="425915"/>
+            <a:ext cx="3525024" cy="5858081"/>
+          </a:xfrm>
+          <a:prstGeom prst="rect">
+            <a:avLst/>
+          </a:prstGeom>
+        </p:spPr>
+      </p:pic>
+    </p:spTree>
+    <p:extLst>
+      <p:ext uri="{BB962C8B-B14F-4D97-AF65-F5344CB8AC3E}">
+        <p14:creationId xmlns:p14="http://schemas.microsoft.com/office/powerpoint/2010/main" val="3863536049"/>
+      </p:ext>
+    </p:extLst>
+  </p:cSld>
+  <p:clrMapOvr>
+    <a:masterClrMapping/>
+  </p:clrMapOvr>
+  <p:transition>
+    <p:fade/>
+  </p:transition>
+</p:sld>
+</file>
+
+<file path=ppt/slides/slide35.xml><?xml version="1.0" encoding="utf-8"?>
+<p:sld xmlns:a="http://schemas.openxmlformats.org/drawingml/2006/main" xmlns:r="http://schemas.openxmlformats.org/officeDocument/2006/relationships" xmlns:p="http://schemas.openxmlformats.org/presentationml/2006/main">
+  <p:cSld>
+    <p:spTree>
+      <p:nvGrpSpPr>
+        <p:cNvPr id="1" name=""/>
+        <p:cNvGrpSpPr/>
+        <p:nvPr/>
+      </p:nvGrpSpPr>
+      <p:grpSpPr>
+        <a:xfrm>
+          <a:off x="0" y="0"/>
+          <a:ext cx="0" cy="0"/>
+          <a:chOff x="0" y="0"/>
+          <a:chExt cx="0" cy="0"/>
+        </a:xfrm>
+      </p:grpSpPr>
+      <p:sp>
+        <p:nvSpPr>
+          <p:cNvPr id="5" name="Text Box 3"/>
+          <p:cNvSpPr txBox="1">
+            <a:spLocks noChangeArrowheads="1"/>
+          </p:cNvSpPr>
+          <p:nvPr/>
+        </p:nvSpPr>
+        <p:spPr bwMode="auto">
+          <a:xfrm>
+            <a:off x="1731319" y="188448"/>
+            <a:ext cx="8640960" cy="1200329"/>
+          </a:xfrm>
+          <a:prstGeom prst="rect">
+            <a:avLst/>
+          </a:prstGeom>
+          <a:noFill/>
+          <a:ln>
+            <a:noFill/>
+          </a:ln>
+          <a:extLst/>
+        </p:spPr>
+        <p:txBody>
+          <a:bodyPr wrap="square">
+            <a:spAutoFit/>
+          </a:bodyPr>
+          <a:lstStyle>
+            <a:lvl1pPr eaLnBrk="0" hangingPunct="0">
+              <a:defRPr b="1">
+                <a:solidFill>
+                  <a:schemeClr val="tx1"/>
+                </a:solidFill>
+                <a:latin typeface="Arial" charset="0"/>
+                <a:ea typeface="宋体" charset="-122"/>
+              </a:defRPr>
+            </a:lvl1pPr>
+            <a:lvl2pPr marL="742950" indent="-285750" eaLnBrk="0" hangingPunct="0">
+              <a:defRPr b="1">
+                <a:solidFill>
+                  <a:schemeClr val="tx1"/>
+                </a:solidFill>
+                <a:latin typeface="Arial" charset="0"/>
+                <a:ea typeface="宋体" charset="-122"/>
+              </a:defRPr>
+            </a:lvl2pPr>
+            <a:lvl3pPr marL="1143000" indent="-228600" eaLnBrk="0" hangingPunct="0">
+              <a:defRPr b="1">
+                <a:solidFill>
+                  <a:schemeClr val="tx1"/>
+                </a:solidFill>
+                <a:latin typeface="Arial" charset="0"/>
+                <a:ea typeface="宋体" charset="-122"/>
+              </a:defRPr>
+            </a:lvl3pPr>
+            <a:lvl4pPr marL="1600200" indent="-228600" eaLnBrk="0" hangingPunct="0">
+              <a:defRPr b="1">
+                <a:solidFill>
+                  <a:schemeClr val="tx1"/>
+                </a:solidFill>
+                <a:latin typeface="Arial" charset="0"/>
+                <a:ea typeface="宋体" charset="-122"/>
+              </a:defRPr>
+            </a:lvl4pPr>
+            <a:lvl5pPr marL="2057400" indent="-228600" eaLnBrk="0" hangingPunct="0">
+              <a:defRPr b="1">
+                <a:solidFill>
+                  <a:schemeClr val="tx1"/>
+                </a:solidFill>
+                <a:latin typeface="Arial" charset="0"/>
+                <a:ea typeface="宋体" charset="-122"/>
+              </a:defRPr>
+            </a:lvl5pPr>
+            <a:lvl6pPr marL="2514600" indent="-228600" eaLnBrk="0" fontAlgn="base" hangingPunct="0">
+              <a:spcBef>
+                <a:spcPct val="0"/>
+              </a:spcBef>
+              <a:spcAft>
+                <a:spcPct val="0"/>
+              </a:spcAft>
+              <a:defRPr b="1">
+                <a:solidFill>
+                  <a:schemeClr val="tx1"/>
+                </a:solidFill>
+                <a:latin typeface="Arial" charset="0"/>
+                <a:ea typeface="宋体" charset="-122"/>
+              </a:defRPr>
+            </a:lvl6pPr>
+            <a:lvl7pPr marL="2971800" indent="-228600" eaLnBrk="0" fontAlgn="base" hangingPunct="0">
+              <a:spcBef>
+                <a:spcPct val="0"/>
+              </a:spcBef>
+              <a:spcAft>
+                <a:spcPct val="0"/>
+              </a:spcAft>
+              <a:defRPr b="1">
+                <a:solidFill>
+                  <a:schemeClr val="tx1"/>
+                </a:solidFill>
+                <a:latin typeface="Arial" charset="0"/>
+                <a:ea typeface="宋体" charset="-122"/>
+              </a:defRPr>
+            </a:lvl7pPr>
+            <a:lvl8pPr marL="3429000" indent="-228600" eaLnBrk="0" fontAlgn="base" hangingPunct="0">
+              <a:spcBef>
+                <a:spcPct val="0"/>
+              </a:spcBef>
+              <a:spcAft>
+                <a:spcPct val="0"/>
+              </a:spcAft>
+              <a:defRPr b="1">
+                <a:solidFill>
+                  <a:schemeClr val="tx1"/>
+                </a:solidFill>
+                <a:latin typeface="Arial" charset="0"/>
+                <a:ea typeface="宋体" charset="-122"/>
+              </a:defRPr>
+            </a:lvl8pPr>
+            <a:lvl9pPr marL="3886200" indent="-228600" eaLnBrk="0" fontAlgn="base" hangingPunct="0">
+              <a:spcBef>
+                <a:spcPct val="0"/>
+              </a:spcBef>
+              <a:spcAft>
+                <a:spcPct val="0"/>
+              </a:spcAft>
+              <a:defRPr b="1">
+                <a:solidFill>
+                  <a:schemeClr val="tx1"/>
+                </a:solidFill>
+                <a:latin typeface="Arial" charset="0"/>
+                <a:ea typeface="宋体" charset="-122"/>
+              </a:defRPr>
+            </a:lvl9pPr>
+          </a:lstStyle>
+          <a:p>
+            <a:pPr eaLnBrk="1" hangingPunct="1">
+              <a:spcBef>
+                <a:spcPct val="50000"/>
+              </a:spcBef>
+              <a:defRPr/>
+            </a:pPr>
+            <a:r>
+              <a:rPr lang="zh-CN" altLang="en-US" sz="2400" dirty="0" smtClean="0">
+                <a:solidFill>
+                  <a:srgbClr val="00A6E9"/>
+                </a:solidFill>
+                <a:latin typeface="微软雅黑" pitchFamily="34" charset="-122"/>
+                <a:ea typeface="微软雅黑" pitchFamily="34" charset="-122"/>
+              </a:rPr>
+              <a:t>在</a:t>
+            </a:r>
+            <a:r>
+              <a:rPr lang="en-US" altLang="zh-CN" sz="2400" dirty="0" err="1" smtClean="0">
+                <a:solidFill>
+                  <a:srgbClr val="00A6E9"/>
+                </a:solidFill>
+                <a:latin typeface="微软雅黑" pitchFamily="34" charset="-122"/>
+                <a:ea typeface="微软雅黑" pitchFamily="34" charset="-122"/>
+              </a:rPr>
+              <a:t>onCreat</a:t>
+            </a:r>
+            <a:r>
+              <a:rPr lang="zh-CN" altLang="en-US" sz="2400" dirty="0" smtClean="0">
+                <a:solidFill>
+                  <a:srgbClr val="00A6E9"/>
+                </a:solidFill>
+                <a:latin typeface="微软雅黑" pitchFamily="34" charset="-122"/>
+                <a:ea typeface="微软雅黑" pitchFamily="34" charset="-122"/>
+              </a:rPr>
+              <a:t>方法里初始化聊天的界面的</a:t>
+            </a:r>
+            <a:r>
+              <a:rPr lang="en-US" altLang="zh-CN" sz="2400" dirty="0" err="1" smtClean="0">
+                <a:solidFill>
+                  <a:srgbClr val="00A6E9"/>
+                </a:solidFill>
+                <a:latin typeface="微软雅黑" pitchFamily="34" charset="-122"/>
+                <a:ea typeface="微软雅黑" pitchFamily="34" charset="-122"/>
+              </a:rPr>
+              <a:t>ListView</a:t>
+            </a:r>
+            <a:r>
+              <a:rPr lang="zh-CN" altLang="en-US" sz="2400" dirty="0" smtClean="0">
+                <a:solidFill>
+                  <a:srgbClr val="00A6E9"/>
+                </a:solidFill>
+                <a:latin typeface="微软雅黑" pitchFamily="34" charset="-122"/>
+                <a:ea typeface="微软雅黑" pitchFamily="34" charset="-122"/>
+              </a:rPr>
+              <a:t>的操作，当点击发送按键时，会获取当前账号放到发送消息的</a:t>
+            </a:r>
+            <a:r>
+              <a:rPr lang="en-US" altLang="zh-CN" sz="2400" dirty="0" err="1" smtClean="0">
+                <a:solidFill>
+                  <a:srgbClr val="00A6E9"/>
+                </a:solidFill>
+                <a:latin typeface="微软雅黑" pitchFamily="34" charset="-122"/>
+                <a:ea typeface="微软雅黑" pitchFamily="34" charset="-122"/>
+              </a:rPr>
+              <a:t>msg.from</a:t>
+            </a:r>
+            <a:r>
+              <a:rPr lang="zh-CN" altLang="en-US" sz="2400" dirty="0" smtClean="0">
+                <a:solidFill>
+                  <a:srgbClr val="00A6E9"/>
+                </a:solidFill>
+                <a:latin typeface="微软雅黑" pitchFamily="34" charset="-122"/>
+                <a:ea typeface="微软雅黑" pitchFamily="34" charset="-122"/>
+              </a:rPr>
+              <a:t>同时刷新</a:t>
+            </a:r>
+            <a:r>
+              <a:rPr lang="en-US" altLang="zh-CN" sz="2400" dirty="0" err="1" smtClean="0">
+                <a:solidFill>
+                  <a:srgbClr val="00A6E9"/>
+                </a:solidFill>
+                <a:latin typeface="微软雅黑" pitchFamily="34" charset="-122"/>
+                <a:ea typeface="微软雅黑" pitchFamily="34" charset="-122"/>
+              </a:rPr>
+              <a:t>listview</a:t>
+            </a:r>
+            <a:endParaRPr lang="en-US" altLang="zh-CN" sz="2400" dirty="0" smtClean="0">
+              <a:solidFill>
+                <a:srgbClr val="00A6E9"/>
+              </a:solidFill>
+              <a:latin typeface="微软雅黑" pitchFamily="34" charset="-122"/>
+              <a:ea typeface="微软雅黑" pitchFamily="34" charset="-122"/>
+            </a:endParaRPr>
+          </a:p>
+        </p:txBody>
+      </p:sp>
+      <p:pic>
+        <p:nvPicPr>
+          <p:cNvPr id="2" name="图片 1"/>
+          <p:cNvPicPr>
+            <a:picLocks noChangeAspect="1"/>
+          </p:cNvPicPr>
+          <p:nvPr/>
+        </p:nvPicPr>
+        <p:blipFill>
+          <a:blip r:embed="rId2">
+            <a:extLst>
+              <a:ext uri="{28A0092B-C50C-407E-A947-70E740481C1C}">
+                <a14:useLocalDpi xmlns:a14="http://schemas.microsoft.com/office/drawing/2010/main" val="0"/>
+              </a:ext>
+            </a:extLst>
+          </a:blip>
+          <a:stretch>
+            <a:fillRect/>
+          </a:stretch>
+        </p:blipFill>
+        <p:spPr>
+          <a:xfrm>
+            <a:off x="3312443" y="1417774"/>
+            <a:ext cx="5694387" cy="4848686"/>
+          </a:xfrm>
+          <a:prstGeom prst="rect">
+            <a:avLst/>
+          </a:prstGeom>
+        </p:spPr>
+      </p:pic>
+    </p:spTree>
+    <p:extLst>
+      <p:ext uri="{BB962C8B-B14F-4D97-AF65-F5344CB8AC3E}">
+        <p14:creationId xmlns:p14="http://schemas.microsoft.com/office/powerpoint/2010/main" val="3461462008"/>
+      </p:ext>
+    </p:extLst>
+  </p:cSld>
+  <p:clrMapOvr>
+    <a:masterClrMapping/>
+  </p:clrMapOvr>
+  <p:transition>
+    <p:fade/>
+  </p:transition>
+</p:sld>
+</file>
+
+<file path=ppt/slides/slide36.xml><?xml version="1.0" encoding="utf-8"?>
 <p:sld xmlns:a="http://schemas.openxmlformats.org/drawingml/2006/main" xmlns:r="http://schemas.openxmlformats.org/officeDocument/2006/relationships" xmlns:p="http://schemas.openxmlformats.org/presentationml/2006/main">
   <p:cSld>
     <p:spTree>
@@ -14371,6 +18032,71 @@
         </p:blipFill>
         <p:spPr>
           <a:xfrm>
+            <a:off x="4430" y="413"/>
+            <a:ext cx="10792489" cy="6839710"/>
+          </a:xfrm>
+          <a:prstGeom prst="rect">
+            <a:avLst/>
+          </a:prstGeom>
+        </p:spPr>
+      </p:pic>
+    </p:spTree>
+  </p:cSld>
+  <p:clrMapOvr>
+    <a:masterClrMapping/>
+  </p:clrMapOvr>
+  <p:transition>
+    <p:cover dir="u"/>
+  </p:transition>
+  <p:timing>
+    <p:tnLst>
+      <p:par>
+        <p:cTn id="1" dur="indefinite" restart="never" nodeType="tmRoot"/>
+      </p:par>
+    </p:tnLst>
+  </p:timing>
+</p:sld>
+</file>
+
+<file path=ppt/slides/slide37.xml><?xml version="1.0" encoding="utf-8"?>
+<p:sld xmlns:a="http://schemas.openxmlformats.org/drawingml/2006/main" xmlns:r="http://schemas.openxmlformats.org/officeDocument/2006/relationships" xmlns:p="http://schemas.openxmlformats.org/presentationml/2006/main">
+  <p:cSld>
+    <p:spTree>
+      <p:nvGrpSpPr>
+        <p:cNvPr id="1" name=""/>
+        <p:cNvGrpSpPr/>
+        <p:nvPr/>
+      </p:nvGrpSpPr>
+      <p:grpSpPr>
+        <a:xfrm>
+          <a:off x="0" y="0"/>
+          <a:ext cx="0" cy="0"/>
+          <a:chOff x="0" y="0"/>
+          <a:chExt cx="0" cy="0"/>
+        </a:xfrm>
+      </p:grpSpPr>
+      <p:pic>
+        <p:nvPicPr>
+          <p:cNvPr id="7" name="图片 6"/>
+          <p:cNvPicPr>
+            <a:picLocks noChangeAspect="1"/>
+          </p:cNvPicPr>
+          <p:nvPr/>
+        </p:nvPicPr>
+        <p:blipFill>
+          <a:blip r:embed="rId2" cstate="print">
+            <a:extLst>
+              <a:ext uri="{28A0092B-C50C-407E-A947-70E740481C1C}">
+                <a14:useLocalDpi xmlns:a14="http://schemas.microsoft.com/office/drawing/2010/main" val="0"/>
+              </a:ext>
+            </a:extLst>
+          </a:blip>
+          <a:stretch>
+            <a:fillRect/>
+          </a:stretch>
+        </p:blipFill>
+        <p:spPr>
+          <a:xfrm>
             <a:off x="4429" y="413"/>
             <a:ext cx="10792491" cy="6839711"/>
           </a:xfrm>
@@ -14857,592 +18583,6 @@
       </p:par>
     </p:tnLst>
   </p:timing>
-</p:sld>
-</file>
-
-<file path=ppt/slides/slide26.xml><?xml version="1.0" encoding="utf-8"?>
-<p:sld xmlns:a="http://schemas.openxmlformats.org/drawingml/2006/main" xmlns:r="http://schemas.openxmlformats.org/officeDocument/2006/relationships" xmlns:p="http://schemas.openxmlformats.org/presentationml/2006/main">
-  <p:cSld>
-    <p:spTree>
-      <p:nvGrpSpPr>
-        <p:cNvPr id="1" name=""/>
-        <p:cNvGrpSpPr/>
-        <p:nvPr/>
-      </p:nvGrpSpPr>
-      <p:grpSpPr>
-        <a:xfrm>
-          <a:off x="0" y="0"/>
-          <a:ext cx="0" cy="0"/>
-          <a:chOff x="0" y="0"/>
-          <a:chExt cx="0" cy="0"/>
-        </a:xfrm>
-      </p:grpSpPr>
-      <p:sp>
-        <p:nvSpPr>
-          <p:cNvPr id="4" name="Text Box 3"/>
-          <p:cNvSpPr txBox="1">
-            <a:spLocks noChangeArrowheads="1"/>
-          </p:cNvSpPr>
-          <p:nvPr/>
-        </p:nvSpPr>
-        <p:spPr bwMode="auto">
-          <a:xfrm>
-            <a:off x="1296219" y="1556023"/>
-            <a:ext cx="8496944" cy="1815882"/>
-          </a:xfrm>
-          <a:prstGeom prst="rect">
-            <a:avLst/>
-          </a:prstGeom>
-          <a:noFill/>
-          <a:ln>
-            <a:noFill/>
-          </a:ln>
-          <a:extLst/>
-        </p:spPr>
-        <p:txBody>
-          <a:bodyPr wrap="square">
-            <a:spAutoFit/>
-          </a:bodyPr>
-          <a:lstStyle>
-            <a:lvl1pPr eaLnBrk="0" hangingPunct="0">
-              <a:defRPr b="1">
-                <a:solidFill>
-                  <a:schemeClr val="tx1"/>
-                </a:solidFill>
-                <a:latin typeface="Arial" charset="0"/>
-                <a:ea typeface="宋体" charset="-122"/>
-              </a:defRPr>
-            </a:lvl1pPr>
-            <a:lvl2pPr marL="742950" indent="-285750" eaLnBrk="0" hangingPunct="0">
-              <a:defRPr b="1">
-                <a:solidFill>
-                  <a:schemeClr val="tx1"/>
-                </a:solidFill>
-                <a:latin typeface="Arial" charset="0"/>
-                <a:ea typeface="宋体" charset="-122"/>
-              </a:defRPr>
-            </a:lvl2pPr>
-            <a:lvl3pPr marL="1143000" indent="-228600" eaLnBrk="0" hangingPunct="0">
-              <a:defRPr b="1">
-                <a:solidFill>
-                  <a:schemeClr val="tx1"/>
-                </a:solidFill>
-                <a:latin typeface="Arial" charset="0"/>
-                <a:ea typeface="宋体" charset="-122"/>
-              </a:defRPr>
-            </a:lvl3pPr>
-            <a:lvl4pPr marL="1600200" indent="-228600" eaLnBrk="0" hangingPunct="0">
-              <a:defRPr b="1">
-                <a:solidFill>
-                  <a:schemeClr val="tx1"/>
-                </a:solidFill>
-                <a:latin typeface="Arial" charset="0"/>
-                <a:ea typeface="宋体" charset="-122"/>
-              </a:defRPr>
-            </a:lvl4pPr>
-            <a:lvl5pPr marL="2057400" indent="-228600" eaLnBrk="0" hangingPunct="0">
-              <a:defRPr b="1">
-                <a:solidFill>
-                  <a:schemeClr val="tx1"/>
-                </a:solidFill>
-                <a:latin typeface="Arial" charset="0"/>
-                <a:ea typeface="宋体" charset="-122"/>
-              </a:defRPr>
-            </a:lvl5pPr>
-            <a:lvl6pPr marL="2514600" indent="-228600" eaLnBrk="0" fontAlgn="base" hangingPunct="0">
-              <a:spcBef>
-                <a:spcPct val="0"/>
-              </a:spcBef>
-              <a:spcAft>
-                <a:spcPct val="0"/>
-              </a:spcAft>
-              <a:defRPr b="1">
-                <a:solidFill>
-                  <a:schemeClr val="tx1"/>
-                </a:solidFill>
-                <a:latin typeface="Arial" charset="0"/>
-                <a:ea typeface="宋体" charset="-122"/>
-              </a:defRPr>
-            </a:lvl6pPr>
-            <a:lvl7pPr marL="2971800" indent="-228600" eaLnBrk="0" fontAlgn="base" hangingPunct="0">
-              <a:spcBef>
-                <a:spcPct val="0"/>
-              </a:spcBef>
-              <a:spcAft>
-                <a:spcPct val="0"/>
-              </a:spcAft>
-              <a:defRPr b="1">
-                <a:solidFill>
-                  <a:schemeClr val="tx1"/>
-                </a:solidFill>
-                <a:latin typeface="Arial" charset="0"/>
-                <a:ea typeface="宋体" charset="-122"/>
-              </a:defRPr>
-            </a:lvl7pPr>
-            <a:lvl8pPr marL="3429000" indent="-228600" eaLnBrk="0" fontAlgn="base" hangingPunct="0">
-              <a:spcBef>
-                <a:spcPct val="0"/>
-              </a:spcBef>
-              <a:spcAft>
-                <a:spcPct val="0"/>
-              </a:spcAft>
-              <a:defRPr b="1">
-                <a:solidFill>
-                  <a:schemeClr val="tx1"/>
-                </a:solidFill>
-                <a:latin typeface="Arial" charset="0"/>
-                <a:ea typeface="宋体" charset="-122"/>
-              </a:defRPr>
-            </a:lvl8pPr>
-            <a:lvl9pPr marL="3886200" indent="-228600" eaLnBrk="0" fontAlgn="base" hangingPunct="0">
-              <a:spcBef>
-                <a:spcPct val="0"/>
-              </a:spcBef>
-              <a:spcAft>
-                <a:spcPct val="0"/>
-              </a:spcAft>
-              <a:defRPr b="1">
-                <a:solidFill>
-                  <a:schemeClr val="tx1"/>
-                </a:solidFill>
-                <a:latin typeface="Arial" charset="0"/>
-                <a:ea typeface="宋体" charset="-122"/>
-              </a:defRPr>
-            </a:lvl9pPr>
-          </a:lstStyle>
-          <a:p>
-            <a:pPr eaLnBrk="1" hangingPunct="1">
-              <a:spcBef>
-                <a:spcPct val="50000"/>
-              </a:spcBef>
-              <a:defRPr/>
-            </a:pPr>
-            <a:r>
-              <a:rPr lang="zh-CN" altLang="en-US" sz="2800" dirty="0" smtClean="0">
-                <a:solidFill>
-                  <a:srgbClr val="00A6E9"/>
-                </a:solidFill>
-                <a:latin typeface="微软雅黑" pitchFamily="34" charset="-122"/>
-                <a:ea typeface="微软雅黑" pitchFamily="34" charset="-122"/>
-              </a:rPr>
-              <a:t>冰蓝 </a:t>
-            </a:r>
-            <a:r>
-              <a:rPr lang="en-US" altLang="zh-TW" sz="2800" dirty="0" smtClean="0">
-                <a:solidFill>
-                  <a:srgbClr val="00A6E9"/>
-                </a:solidFill>
-                <a:latin typeface="微软雅黑" pitchFamily="34" charset="-122"/>
-                <a:ea typeface="微软雅黑" pitchFamily="34" charset="-122"/>
-              </a:rPr>
-              <a:t>C:100  M:0  Y:0  K:0</a:t>
-            </a:r>
-            <a:r>
-              <a:rPr lang="zh-CN" altLang="en-US" sz="2800" dirty="0" smtClean="0">
-                <a:solidFill>
-                  <a:srgbClr val="00A6E9"/>
-                </a:solidFill>
-                <a:latin typeface="微软雅黑" pitchFamily="34" charset="-122"/>
-                <a:ea typeface="微软雅黑" pitchFamily="34" charset="-122"/>
-              </a:rPr>
-              <a:t> 或 </a:t>
-            </a:r>
-            <a:r>
-              <a:rPr lang="en-US" altLang="zh-CN" sz="2800" dirty="0" smtClean="0">
-                <a:solidFill>
-                  <a:srgbClr val="00A6E9"/>
-                </a:solidFill>
-                <a:latin typeface="微软雅黑" pitchFamily="34" charset="-122"/>
-                <a:ea typeface="微软雅黑" pitchFamily="34" charset="-122"/>
-              </a:rPr>
-              <a:t>R:0</a:t>
-            </a:r>
-            <a:r>
-              <a:rPr lang="zh-CN" altLang="en-US" sz="2800" dirty="0" smtClean="0">
-                <a:solidFill>
-                  <a:srgbClr val="00A6E9"/>
-                </a:solidFill>
-                <a:latin typeface="微软雅黑" pitchFamily="34" charset="-122"/>
-                <a:ea typeface="微软雅黑" pitchFamily="34" charset="-122"/>
-              </a:rPr>
-              <a:t> </a:t>
-            </a:r>
-            <a:r>
-              <a:rPr lang="en-US" altLang="zh-CN" sz="2800" dirty="0" smtClean="0">
-                <a:solidFill>
-                  <a:srgbClr val="00A6E9"/>
-                </a:solidFill>
-                <a:latin typeface="微软雅黑" pitchFamily="34" charset="-122"/>
-                <a:ea typeface="微软雅黑" pitchFamily="34" charset="-122"/>
-              </a:rPr>
-              <a:t>G:166</a:t>
-            </a:r>
-            <a:r>
-              <a:rPr lang="zh-CN" altLang="en-US" sz="2800" dirty="0" smtClean="0">
-                <a:solidFill>
-                  <a:srgbClr val="00A6E9"/>
-                </a:solidFill>
-                <a:latin typeface="微软雅黑" pitchFamily="34" charset="-122"/>
-                <a:ea typeface="微软雅黑" pitchFamily="34" charset="-122"/>
-              </a:rPr>
-              <a:t> </a:t>
-            </a:r>
-            <a:r>
-              <a:rPr lang="en-US" altLang="zh-CN" sz="2800" dirty="0" smtClean="0">
-                <a:solidFill>
-                  <a:srgbClr val="00A6E9"/>
-                </a:solidFill>
-                <a:latin typeface="微软雅黑" pitchFamily="34" charset="-122"/>
-                <a:ea typeface="微软雅黑" pitchFamily="34" charset="-122"/>
-              </a:rPr>
-              <a:t>B:233</a:t>
-            </a:r>
-          </a:p>
-          <a:p>
-            <a:pPr eaLnBrk="1" hangingPunct="1">
-              <a:spcBef>
-                <a:spcPct val="50000"/>
-              </a:spcBef>
-              <a:defRPr/>
-            </a:pPr>
-            <a:r>
-              <a:rPr lang="zh-CN" altLang="en-US" sz="2800" dirty="0" smtClean="0">
-                <a:solidFill>
-                  <a:srgbClr val="ED6C00"/>
-                </a:solidFill>
-                <a:latin typeface="微软雅黑" pitchFamily="34" charset="-122"/>
-                <a:ea typeface="微软雅黑" pitchFamily="34" charset="-122"/>
-              </a:rPr>
-              <a:t>橙色 </a:t>
-            </a:r>
-            <a:r>
-              <a:rPr lang="en-US" altLang="zh-CN" sz="2800" dirty="0" smtClean="0">
-                <a:solidFill>
-                  <a:srgbClr val="ED6C00"/>
-                </a:solidFill>
-                <a:latin typeface="微软雅黑" pitchFamily="34" charset="-122"/>
-                <a:ea typeface="微软雅黑" pitchFamily="34" charset="-122"/>
-              </a:rPr>
-              <a:t>C:0  M:70  Y:100  K:0</a:t>
-            </a:r>
-            <a:r>
-              <a:rPr lang="zh-CN" altLang="en-US" sz="2800" dirty="0" smtClean="0">
-                <a:solidFill>
-                  <a:srgbClr val="ED6C00"/>
-                </a:solidFill>
-                <a:latin typeface="微软雅黑" pitchFamily="34" charset="-122"/>
-                <a:ea typeface="微软雅黑" pitchFamily="34" charset="-122"/>
-              </a:rPr>
-              <a:t> 或 </a:t>
-            </a:r>
-            <a:r>
-              <a:rPr lang="en-US" altLang="zh-CN" sz="2800" dirty="0" smtClean="0">
-                <a:solidFill>
-                  <a:srgbClr val="ED6C00"/>
-                </a:solidFill>
-                <a:latin typeface="微软雅黑" pitchFamily="34" charset="-122"/>
-                <a:ea typeface="微软雅黑" pitchFamily="34" charset="-122"/>
-              </a:rPr>
-              <a:t>R:237</a:t>
-            </a:r>
-            <a:r>
-              <a:rPr lang="zh-CN" altLang="en-US" sz="2800" dirty="0" smtClean="0">
-                <a:solidFill>
-                  <a:srgbClr val="ED6C00"/>
-                </a:solidFill>
-                <a:latin typeface="微软雅黑" pitchFamily="34" charset="-122"/>
-                <a:ea typeface="微软雅黑" pitchFamily="34" charset="-122"/>
-              </a:rPr>
-              <a:t> </a:t>
-            </a:r>
-            <a:r>
-              <a:rPr lang="en-US" altLang="zh-CN" sz="2800" dirty="0" smtClean="0">
-                <a:solidFill>
-                  <a:srgbClr val="ED6C00"/>
-                </a:solidFill>
-                <a:latin typeface="微软雅黑" pitchFamily="34" charset="-122"/>
-                <a:ea typeface="微软雅黑" pitchFamily="34" charset="-122"/>
-              </a:rPr>
-              <a:t>G:108</a:t>
-            </a:r>
-            <a:r>
-              <a:rPr lang="zh-CN" altLang="en-US" sz="2800" dirty="0" smtClean="0">
-                <a:solidFill>
-                  <a:srgbClr val="ED6C00"/>
-                </a:solidFill>
-                <a:latin typeface="微软雅黑" pitchFamily="34" charset="-122"/>
-                <a:ea typeface="微软雅黑" pitchFamily="34" charset="-122"/>
-              </a:rPr>
-              <a:t> </a:t>
-            </a:r>
-            <a:r>
-              <a:rPr lang="en-US" altLang="zh-CN" sz="2800" dirty="0" smtClean="0">
-                <a:solidFill>
-                  <a:srgbClr val="ED6C00"/>
-                </a:solidFill>
-                <a:latin typeface="微软雅黑" pitchFamily="34" charset="-122"/>
-                <a:ea typeface="微软雅黑" pitchFamily="34" charset="-122"/>
-              </a:rPr>
-              <a:t>B:0</a:t>
-            </a:r>
-          </a:p>
-          <a:p>
-            <a:pPr eaLnBrk="1" hangingPunct="1">
-              <a:spcBef>
-                <a:spcPct val="50000"/>
-              </a:spcBef>
-              <a:defRPr/>
-            </a:pPr>
-            <a:r>
-              <a:rPr lang="zh-CN" altLang="en-US" sz="2800" dirty="0" smtClean="0">
-                <a:solidFill>
-                  <a:srgbClr val="595757"/>
-                </a:solidFill>
-                <a:latin typeface="微软雅黑" pitchFamily="34" charset="-122"/>
-                <a:ea typeface="微软雅黑" pitchFamily="34" charset="-122"/>
-              </a:rPr>
-              <a:t>灰 </a:t>
-            </a:r>
-            <a:r>
-              <a:rPr lang="en-US" altLang="zh-CN" sz="2800" dirty="0" smtClean="0">
-                <a:solidFill>
-                  <a:srgbClr val="595757"/>
-                </a:solidFill>
-                <a:latin typeface="微软雅黑" pitchFamily="34" charset="-122"/>
-                <a:ea typeface="微软雅黑" pitchFamily="34" charset="-122"/>
-              </a:rPr>
-              <a:t>C:0  M:0  Y:0  K:80</a:t>
-            </a:r>
-            <a:r>
-              <a:rPr lang="zh-CN" altLang="en-US" sz="2800" dirty="0" smtClean="0">
-                <a:solidFill>
-                  <a:srgbClr val="595757"/>
-                </a:solidFill>
-                <a:latin typeface="微软雅黑" pitchFamily="34" charset="-122"/>
-                <a:ea typeface="微软雅黑" pitchFamily="34" charset="-122"/>
-              </a:rPr>
-              <a:t> 或 </a:t>
-            </a:r>
-            <a:r>
-              <a:rPr lang="en-US" altLang="zh-CN" sz="2800" dirty="0" smtClean="0">
-                <a:solidFill>
-                  <a:srgbClr val="595757"/>
-                </a:solidFill>
-                <a:latin typeface="微软雅黑" pitchFamily="34" charset="-122"/>
-                <a:ea typeface="微软雅黑" pitchFamily="34" charset="-122"/>
-              </a:rPr>
-              <a:t>R:89</a:t>
-            </a:r>
-            <a:r>
-              <a:rPr lang="zh-CN" altLang="en-US" sz="2800" dirty="0" smtClean="0">
-                <a:solidFill>
-                  <a:srgbClr val="595757"/>
-                </a:solidFill>
-                <a:latin typeface="微软雅黑" pitchFamily="34" charset="-122"/>
-                <a:ea typeface="微软雅黑" pitchFamily="34" charset="-122"/>
-              </a:rPr>
-              <a:t> </a:t>
-            </a:r>
-            <a:r>
-              <a:rPr lang="en-US" altLang="zh-CN" sz="2800" dirty="0" smtClean="0">
-                <a:solidFill>
-                  <a:srgbClr val="595757"/>
-                </a:solidFill>
-                <a:latin typeface="微软雅黑" pitchFamily="34" charset="-122"/>
-                <a:ea typeface="微软雅黑" pitchFamily="34" charset="-122"/>
-              </a:rPr>
-              <a:t>G:87</a:t>
-            </a:r>
-            <a:r>
-              <a:rPr lang="zh-CN" altLang="en-US" sz="2800" dirty="0" smtClean="0">
-                <a:solidFill>
-                  <a:srgbClr val="595757"/>
-                </a:solidFill>
-                <a:latin typeface="微软雅黑" pitchFamily="34" charset="-122"/>
-                <a:ea typeface="微软雅黑" pitchFamily="34" charset="-122"/>
-              </a:rPr>
-              <a:t> </a:t>
-            </a:r>
-            <a:r>
-              <a:rPr lang="en-US" altLang="zh-CN" sz="2800" dirty="0" smtClean="0">
-                <a:solidFill>
-                  <a:srgbClr val="595757"/>
-                </a:solidFill>
-                <a:latin typeface="微软雅黑" pitchFamily="34" charset="-122"/>
-                <a:ea typeface="微软雅黑" pitchFamily="34" charset="-122"/>
-              </a:rPr>
-              <a:t>B:87</a:t>
-            </a:r>
-            <a:endParaRPr lang="en-US" altLang="zh-CN" sz="2800" dirty="0">
-              <a:solidFill>
-                <a:srgbClr val="595757"/>
-              </a:solidFill>
-              <a:latin typeface="微软雅黑" pitchFamily="34" charset="-122"/>
-              <a:ea typeface="微软雅黑" pitchFamily="34" charset="-122"/>
-            </a:endParaRPr>
-          </a:p>
-        </p:txBody>
-      </p:sp>
-    </p:spTree>
-    <p:extLst>
-      <p:ext uri="{BB962C8B-B14F-4D97-AF65-F5344CB8AC3E}">
-        <p14:creationId xmlns:p14="http://schemas.microsoft.com/office/powerpoint/2010/main" val="1613153189"/>
-      </p:ext>
-    </p:extLst>
-  </p:cSld>
-  <p:clrMapOvr>
-    <a:masterClrMapping/>
-  </p:clrMapOvr>
-  <p:transition>
-    <p:fade/>
-  </p:transition>
-</p:sld>
-</file>
-
-<file path=ppt/slides/slide3.xml><?xml version="1.0" encoding="utf-8"?>
-<p:sld xmlns:a="http://schemas.openxmlformats.org/drawingml/2006/main" xmlns:r="http://schemas.openxmlformats.org/officeDocument/2006/relationships" xmlns:p="http://schemas.openxmlformats.org/presentationml/2006/main">
-  <p:cSld>
-    <p:spTree>
-      <p:nvGrpSpPr>
-        <p:cNvPr id="1" name=""/>
-        <p:cNvGrpSpPr/>
-        <p:nvPr/>
-      </p:nvGrpSpPr>
-      <p:grpSpPr>
-        <a:xfrm>
-          <a:off x="0" y="0"/>
-          <a:ext cx="0" cy="0"/>
-          <a:chOff x="0" y="0"/>
-          <a:chExt cx="0" cy="0"/>
-        </a:xfrm>
-      </p:grpSpPr>
-      <p:sp>
-        <p:nvSpPr>
-          <p:cNvPr id="4" name="TextBox 3"/>
-          <p:cNvSpPr txBox="1"/>
-          <p:nvPr/>
-        </p:nvSpPr>
-        <p:spPr>
-          <a:xfrm>
-            <a:off x="3726582" y="2266256"/>
-            <a:ext cx="3570208" cy="1446550"/>
-          </a:xfrm>
-          <a:prstGeom prst="rect">
-            <a:avLst/>
-          </a:prstGeom>
-          <a:noFill/>
-        </p:spPr>
-        <p:txBody>
-          <a:bodyPr wrap="none">
-            <a:spAutoFit/>
-          </a:bodyPr>
-          <a:lstStyle/>
-          <a:p>
-            <a:pPr>
-              <a:defRPr/>
-            </a:pPr>
-            <a:r>
-              <a:rPr lang="zh-CN" altLang="en-US" sz="4400" dirty="0" smtClean="0">
-                <a:solidFill>
-                  <a:schemeClr val="bg1">
-                    <a:lumMod val="50000"/>
-                  </a:schemeClr>
-                </a:solidFill>
-                <a:latin typeface="微软雅黑" pitchFamily="34" charset="-122"/>
-                <a:ea typeface="微软雅黑" pitchFamily="34" charset="-122"/>
-              </a:rPr>
-              <a:t>即时通讯概念</a:t>
-            </a:r>
-            <a:endParaRPr lang="en-US" altLang="zh-CN" sz="4400" dirty="0" smtClean="0">
-              <a:solidFill>
-                <a:schemeClr val="bg1">
-                  <a:lumMod val="50000"/>
-                </a:schemeClr>
-              </a:solidFill>
-              <a:latin typeface="微软雅黑" pitchFamily="34" charset="-122"/>
-              <a:ea typeface="微软雅黑" pitchFamily="34" charset="-122"/>
-            </a:endParaRPr>
-          </a:p>
-          <a:p>
-            <a:pPr>
-              <a:defRPr/>
-            </a:pPr>
-            <a:endParaRPr lang="en-US" altLang="zh-CN" sz="4400" dirty="0">
-              <a:solidFill>
-                <a:schemeClr val="bg1">
-                  <a:lumMod val="50000"/>
-                </a:schemeClr>
-              </a:solidFill>
-              <a:latin typeface="微软雅黑" pitchFamily="34" charset="-122"/>
-              <a:ea typeface="微软雅黑" pitchFamily="34" charset="-122"/>
-            </a:endParaRPr>
-          </a:p>
-        </p:txBody>
-      </p:sp>
-      <p:sp>
-        <p:nvSpPr>
-          <p:cNvPr id="5" name="Text Box 3"/>
-          <p:cNvSpPr txBox="1">
-            <a:spLocks noChangeArrowheads="1"/>
-          </p:cNvSpPr>
-          <p:nvPr/>
-        </p:nvSpPr>
-        <p:spPr bwMode="auto">
-          <a:xfrm flipH="1">
-            <a:off x="2214414" y="1186136"/>
-            <a:ext cx="1285875" cy="3170237"/>
-          </a:xfrm>
-          <a:prstGeom prst="rect">
-            <a:avLst/>
-          </a:prstGeom>
-          <a:noFill/>
-          <a:ln>
-            <a:noFill/>
-          </a:ln>
-          <a:extLst/>
-        </p:spPr>
-        <p:txBody>
-          <a:bodyPr>
-            <a:spAutoFit/>
-          </a:bodyPr>
-          <a:lstStyle/>
-          <a:p>
-            <a:pPr>
-              <a:spcBef>
-                <a:spcPct val="50000"/>
-              </a:spcBef>
-              <a:defRPr/>
-            </a:pPr>
-            <a:r>
-              <a:rPr lang="en-US" altLang="zh-CN" sz="20000" dirty="0">
-                <a:solidFill>
-                  <a:srgbClr val="0092D2"/>
-                </a:solidFill>
-                <a:effectLst>
-                  <a:outerShdw blurRad="38100" dist="38100" dir="2700000" algn="tl">
-                    <a:srgbClr val="000000"/>
-                  </a:outerShdw>
-                </a:effectLst>
-                <a:ea typeface="微软雅黑" pitchFamily="34" charset="-122"/>
-              </a:rPr>
-              <a:t>1</a:t>
-            </a:r>
-          </a:p>
-        </p:txBody>
-      </p:sp>
-    </p:spTree>
-    <p:extLst>
-      <p:ext uri="{BB962C8B-B14F-4D97-AF65-F5344CB8AC3E}">
-        <p14:creationId xmlns:p14="http://schemas.microsoft.com/office/powerpoint/2010/main" val="477239706"/>
-      </p:ext>
-    </p:extLst>
-  </p:cSld>
-  <p:clrMapOvr>
-    <a:masterClrMapping/>
-  </p:clrMapOvr>
-  <p:transition>
-    <p:fade/>
-  </p:transition>
 </p:sld>
 </file>
 
